--- a/Pic.pptx
+++ b/Pic.pptx
@@ -4,11 +4,16 @@
   <p:sldMasterIdLst>
     <p:sldMasterId id="2147483648" r:id="rId1"/>
   </p:sldMasterIdLst>
+  <p:notesMasterIdLst>
+    <p:notesMasterId r:id="rId8"/>
+  </p:notesMasterIdLst>
   <p:sldIdLst>
     <p:sldId id="256" r:id="rId2"/>
     <p:sldId id="257" r:id="rId3"/>
     <p:sldId id="258" r:id="rId4"/>
     <p:sldId id="259" r:id="rId5"/>
+    <p:sldId id="260" r:id="rId6"/>
+    <p:sldId id="261" r:id="rId7"/>
   </p:sldIdLst>
   <p:sldSz cx="12192000" cy="6858000"/>
   <p:notesSz cx="6858000" cy="9144000"/>
@@ -126,6 +131,439 @@
 </p:presentation>
 </file>
 
+<file path=ppt/notesMasters/notesMaster1.xml><?xml version="1.0" encoding="utf-8"?>
+<p:notesMaster xmlns:a="http://schemas.openxmlformats.org/drawingml/2006/main" xmlns:r="http://schemas.openxmlformats.org/officeDocument/2006/relationships" xmlns:p="http://schemas.openxmlformats.org/presentationml/2006/main">
+  <p:cSld>
+    <p:bg>
+      <p:bgRef idx="1001">
+        <a:schemeClr val="bg1"/>
+      </p:bgRef>
+    </p:bg>
+    <p:spTree>
+      <p:nvGrpSpPr>
+        <p:cNvPr id="1" name=""/>
+        <p:cNvGrpSpPr/>
+        <p:nvPr/>
+      </p:nvGrpSpPr>
+      <p:grpSpPr>
+        <a:xfrm>
+          <a:off x="0" y="0"/>
+          <a:ext cx="0" cy="0"/>
+          <a:chOff x="0" y="0"/>
+          <a:chExt cx="0" cy="0"/>
+        </a:xfrm>
+      </p:grpSpPr>
+      <p:sp>
+        <p:nvSpPr>
+          <p:cNvPr id="2" name="Header Placeholder 1"/>
+          <p:cNvSpPr>
+            <a:spLocks noGrp="1"/>
+          </p:cNvSpPr>
+          <p:nvPr>
+            <p:ph type="hdr" sz="quarter"/>
+          </p:nvPr>
+        </p:nvSpPr>
+        <p:spPr>
+          <a:xfrm>
+            <a:off x="0" y="0"/>
+            <a:ext cx="2971800" cy="458788"/>
+          </a:xfrm>
+          <a:prstGeom prst="rect">
+            <a:avLst/>
+          </a:prstGeom>
+        </p:spPr>
+        <p:txBody>
+          <a:bodyPr vert="horz" lIns="91440" tIns="45720" rIns="91440" bIns="45720" rtlCol="0"/>
+          <a:lstStyle>
+            <a:lvl1pPr algn="l">
+              <a:defRPr sz="1200"/>
+            </a:lvl1pPr>
+          </a:lstStyle>
+          <a:p>
+            <a:endParaRPr lang="en-US"/>
+          </a:p>
+        </p:txBody>
+      </p:sp>
+      <p:sp>
+        <p:nvSpPr>
+          <p:cNvPr id="3" name="Date Placeholder 2"/>
+          <p:cNvSpPr>
+            <a:spLocks noGrp="1"/>
+          </p:cNvSpPr>
+          <p:nvPr>
+            <p:ph type="dt" idx="1"/>
+          </p:nvPr>
+        </p:nvSpPr>
+        <p:spPr>
+          <a:xfrm>
+            <a:off x="3884613" y="0"/>
+            <a:ext cx="2971800" cy="458788"/>
+          </a:xfrm>
+          <a:prstGeom prst="rect">
+            <a:avLst/>
+          </a:prstGeom>
+        </p:spPr>
+        <p:txBody>
+          <a:bodyPr vert="horz" lIns="91440" tIns="45720" rIns="91440" bIns="45720" rtlCol="0"/>
+          <a:lstStyle>
+            <a:lvl1pPr algn="r">
+              <a:defRPr sz="1200"/>
+            </a:lvl1pPr>
+          </a:lstStyle>
+          <a:p>
+            <a:fld id="{856DD98A-0F4A-4E02-9041-88828D2A188E}" type="datetimeFigureOut">
+              <a:rPr lang="en-US" smtClean="0"/>
+              <a:t>9/27/2020</a:t>
+            </a:fld>
+            <a:endParaRPr lang="en-US"/>
+          </a:p>
+        </p:txBody>
+      </p:sp>
+      <p:sp>
+        <p:nvSpPr>
+          <p:cNvPr id="4" name="Slide Image Placeholder 3"/>
+          <p:cNvSpPr>
+            <a:spLocks noGrp="1" noRot="1" noChangeAspect="1"/>
+          </p:cNvSpPr>
+          <p:nvPr>
+            <p:ph type="sldImg" idx="2"/>
+          </p:nvPr>
+        </p:nvSpPr>
+        <p:spPr>
+          <a:xfrm>
+            <a:off x="685800" y="1143000"/>
+            <a:ext cx="5486400" cy="3086100"/>
+          </a:xfrm>
+          <a:prstGeom prst="rect">
+            <a:avLst/>
+          </a:prstGeom>
+          <a:noFill/>
+          <a:ln w="12700">
+            <a:solidFill>
+              <a:prstClr val="black"/>
+            </a:solidFill>
+          </a:ln>
+        </p:spPr>
+        <p:txBody>
+          <a:bodyPr vert="horz" lIns="91440" tIns="45720" rIns="91440" bIns="45720" rtlCol="0" anchor="ctr"/>
+          <a:lstStyle/>
+          <a:p>
+            <a:endParaRPr lang="en-US"/>
+          </a:p>
+        </p:txBody>
+      </p:sp>
+      <p:sp>
+        <p:nvSpPr>
+          <p:cNvPr id="5" name="Notes Placeholder 4"/>
+          <p:cNvSpPr>
+            <a:spLocks noGrp="1"/>
+          </p:cNvSpPr>
+          <p:nvPr>
+            <p:ph type="body" sz="quarter" idx="3"/>
+          </p:nvPr>
+        </p:nvSpPr>
+        <p:spPr>
+          <a:xfrm>
+            <a:off x="685800" y="4400550"/>
+            <a:ext cx="5486400" cy="3600450"/>
+          </a:xfrm>
+          <a:prstGeom prst="rect">
+            <a:avLst/>
+          </a:prstGeom>
+        </p:spPr>
+        <p:txBody>
+          <a:bodyPr vert="horz" lIns="91440" tIns="45720" rIns="91440" bIns="45720" rtlCol="0"/>
+          <a:lstStyle/>
+          <a:p>
+            <a:pPr lvl="0"/>
+            <a:r>
+              <a:rPr lang="en-US"/>
+              <a:t>Edit Master text styles</a:t>
+            </a:r>
+          </a:p>
+          <a:p>
+            <a:pPr lvl="1"/>
+            <a:r>
+              <a:rPr lang="en-US"/>
+              <a:t>Second level</a:t>
+            </a:r>
+          </a:p>
+          <a:p>
+            <a:pPr lvl="2"/>
+            <a:r>
+              <a:rPr lang="en-US"/>
+              <a:t>Third level</a:t>
+            </a:r>
+          </a:p>
+          <a:p>
+            <a:pPr lvl="3"/>
+            <a:r>
+              <a:rPr lang="en-US"/>
+              <a:t>Fourth level</a:t>
+            </a:r>
+          </a:p>
+          <a:p>
+            <a:pPr lvl="4"/>
+            <a:r>
+              <a:rPr lang="en-US"/>
+              <a:t>Fifth level</a:t>
+            </a:r>
+          </a:p>
+        </p:txBody>
+      </p:sp>
+      <p:sp>
+        <p:nvSpPr>
+          <p:cNvPr id="6" name="Footer Placeholder 5"/>
+          <p:cNvSpPr>
+            <a:spLocks noGrp="1"/>
+          </p:cNvSpPr>
+          <p:nvPr>
+            <p:ph type="ftr" sz="quarter" idx="4"/>
+          </p:nvPr>
+        </p:nvSpPr>
+        <p:spPr>
+          <a:xfrm>
+            <a:off x="0" y="8685213"/>
+            <a:ext cx="2971800" cy="458787"/>
+          </a:xfrm>
+          <a:prstGeom prst="rect">
+            <a:avLst/>
+          </a:prstGeom>
+        </p:spPr>
+        <p:txBody>
+          <a:bodyPr vert="horz" lIns="91440" tIns="45720" rIns="91440" bIns="45720" rtlCol="0" anchor="b"/>
+          <a:lstStyle>
+            <a:lvl1pPr algn="l">
+              <a:defRPr sz="1200"/>
+            </a:lvl1pPr>
+          </a:lstStyle>
+          <a:p>
+            <a:endParaRPr lang="en-US"/>
+          </a:p>
+        </p:txBody>
+      </p:sp>
+      <p:sp>
+        <p:nvSpPr>
+          <p:cNvPr id="7" name="Slide Number Placeholder 6"/>
+          <p:cNvSpPr>
+            <a:spLocks noGrp="1"/>
+          </p:cNvSpPr>
+          <p:nvPr>
+            <p:ph type="sldNum" sz="quarter" idx="5"/>
+          </p:nvPr>
+        </p:nvSpPr>
+        <p:spPr>
+          <a:xfrm>
+            <a:off x="3884613" y="8685213"/>
+            <a:ext cx="2971800" cy="458787"/>
+          </a:xfrm>
+          <a:prstGeom prst="rect">
+            <a:avLst/>
+          </a:prstGeom>
+        </p:spPr>
+        <p:txBody>
+          <a:bodyPr vert="horz" lIns="91440" tIns="45720" rIns="91440" bIns="45720" rtlCol="0" anchor="b"/>
+          <a:lstStyle>
+            <a:lvl1pPr algn="r">
+              <a:defRPr sz="1200"/>
+            </a:lvl1pPr>
+          </a:lstStyle>
+          <a:p>
+            <a:fld id="{7B2F59D6-05C1-422D-A943-46C9D08EF5F6}" type="slidenum">
+              <a:rPr lang="en-US" smtClean="0"/>
+              <a:t>‹#›</a:t>
+            </a:fld>
+            <a:endParaRPr lang="en-US"/>
+          </a:p>
+        </p:txBody>
+      </p:sp>
+    </p:spTree>
+    <p:extLst>
+      <p:ext uri="{BB962C8B-B14F-4D97-AF65-F5344CB8AC3E}">
+        <p14:creationId xmlns:p14="http://schemas.microsoft.com/office/powerpoint/2010/main" val="186524867"/>
+      </p:ext>
+    </p:extLst>
+  </p:cSld>
+  <p:clrMap bg1="lt1" tx1="dk1" bg2="lt2" tx2="dk2" accent1="accent1" accent2="accent2" accent3="accent3" accent4="accent4" accent5="accent5" accent6="accent6" hlink="hlink" folHlink="folHlink"/>
+  <p:notesStyle>
+    <a:lvl1pPr marL="0" algn="l" defTabSz="914400" rtl="0" eaLnBrk="1" latinLnBrk="0" hangingPunct="1">
+      <a:defRPr sz="1200" kern="1200">
+        <a:solidFill>
+          <a:schemeClr val="tx1"/>
+        </a:solidFill>
+        <a:latin typeface="+mn-lt"/>
+        <a:ea typeface="+mn-ea"/>
+        <a:cs typeface="+mn-cs"/>
+      </a:defRPr>
+    </a:lvl1pPr>
+    <a:lvl2pPr marL="457200" algn="l" defTabSz="914400" rtl="0" eaLnBrk="1" latinLnBrk="0" hangingPunct="1">
+      <a:defRPr sz="1200" kern="1200">
+        <a:solidFill>
+          <a:schemeClr val="tx1"/>
+        </a:solidFill>
+        <a:latin typeface="+mn-lt"/>
+        <a:ea typeface="+mn-ea"/>
+        <a:cs typeface="+mn-cs"/>
+      </a:defRPr>
+    </a:lvl2pPr>
+    <a:lvl3pPr marL="914400" algn="l" defTabSz="914400" rtl="0" eaLnBrk="1" latinLnBrk="0" hangingPunct="1">
+      <a:defRPr sz="1200" kern="1200">
+        <a:solidFill>
+          <a:schemeClr val="tx1"/>
+        </a:solidFill>
+        <a:latin typeface="+mn-lt"/>
+        <a:ea typeface="+mn-ea"/>
+        <a:cs typeface="+mn-cs"/>
+      </a:defRPr>
+    </a:lvl3pPr>
+    <a:lvl4pPr marL="1371600" algn="l" defTabSz="914400" rtl="0" eaLnBrk="1" latinLnBrk="0" hangingPunct="1">
+      <a:defRPr sz="1200" kern="1200">
+        <a:solidFill>
+          <a:schemeClr val="tx1"/>
+        </a:solidFill>
+        <a:latin typeface="+mn-lt"/>
+        <a:ea typeface="+mn-ea"/>
+        <a:cs typeface="+mn-cs"/>
+      </a:defRPr>
+    </a:lvl4pPr>
+    <a:lvl5pPr marL="1828800" algn="l" defTabSz="914400" rtl="0" eaLnBrk="1" latinLnBrk="0" hangingPunct="1">
+      <a:defRPr sz="1200" kern="1200">
+        <a:solidFill>
+          <a:schemeClr val="tx1"/>
+        </a:solidFill>
+        <a:latin typeface="+mn-lt"/>
+        <a:ea typeface="+mn-ea"/>
+        <a:cs typeface="+mn-cs"/>
+      </a:defRPr>
+    </a:lvl5pPr>
+    <a:lvl6pPr marL="2286000" algn="l" defTabSz="914400" rtl="0" eaLnBrk="1" latinLnBrk="0" hangingPunct="1">
+      <a:defRPr sz="1200" kern="1200">
+        <a:solidFill>
+          <a:schemeClr val="tx1"/>
+        </a:solidFill>
+        <a:latin typeface="+mn-lt"/>
+        <a:ea typeface="+mn-ea"/>
+        <a:cs typeface="+mn-cs"/>
+      </a:defRPr>
+    </a:lvl6pPr>
+    <a:lvl7pPr marL="2743200" algn="l" defTabSz="914400" rtl="0" eaLnBrk="1" latinLnBrk="0" hangingPunct="1">
+      <a:defRPr sz="1200" kern="1200">
+        <a:solidFill>
+          <a:schemeClr val="tx1"/>
+        </a:solidFill>
+        <a:latin typeface="+mn-lt"/>
+        <a:ea typeface="+mn-ea"/>
+        <a:cs typeface="+mn-cs"/>
+      </a:defRPr>
+    </a:lvl7pPr>
+    <a:lvl8pPr marL="3200400" algn="l" defTabSz="914400" rtl="0" eaLnBrk="1" latinLnBrk="0" hangingPunct="1">
+      <a:defRPr sz="1200" kern="1200">
+        <a:solidFill>
+          <a:schemeClr val="tx1"/>
+        </a:solidFill>
+        <a:latin typeface="+mn-lt"/>
+        <a:ea typeface="+mn-ea"/>
+        <a:cs typeface="+mn-cs"/>
+      </a:defRPr>
+    </a:lvl8pPr>
+    <a:lvl9pPr marL="3657600" algn="l" defTabSz="914400" rtl="0" eaLnBrk="1" latinLnBrk="0" hangingPunct="1">
+      <a:defRPr sz="1200" kern="1200">
+        <a:solidFill>
+          <a:schemeClr val="tx1"/>
+        </a:solidFill>
+        <a:latin typeface="+mn-lt"/>
+        <a:ea typeface="+mn-ea"/>
+        <a:cs typeface="+mn-cs"/>
+      </a:defRPr>
+    </a:lvl9pPr>
+  </p:notesStyle>
+</p:notesMaster>
+</file>
+
+<file path=ppt/notesSlides/notesSlide1.xml><?xml version="1.0" encoding="utf-8"?>
+<p:notes xmlns:a="http://schemas.openxmlformats.org/drawingml/2006/main" xmlns:r="http://schemas.openxmlformats.org/officeDocument/2006/relationships" xmlns:p="http://schemas.openxmlformats.org/presentationml/2006/main">
+  <p:cSld>
+    <p:spTree>
+      <p:nvGrpSpPr>
+        <p:cNvPr id="1" name=""/>
+        <p:cNvGrpSpPr/>
+        <p:nvPr/>
+      </p:nvGrpSpPr>
+      <p:grpSpPr>
+        <a:xfrm>
+          <a:off x="0" y="0"/>
+          <a:ext cx="0" cy="0"/>
+          <a:chOff x="0" y="0"/>
+          <a:chExt cx="0" cy="0"/>
+        </a:xfrm>
+      </p:grpSpPr>
+      <p:sp>
+        <p:nvSpPr>
+          <p:cNvPr id="2" name="Slide Image Placeholder 1"/>
+          <p:cNvSpPr>
+            <a:spLocks noGrp="1" noRot="1" noChangeAspect="1"/>
+          </p:cNvSpPr>
+          <p:nvPr>
+            <p:ph type="sldImg"/>
+          </p:nvPr>
+        </p:nvSpPr>
+        <p:spPr/>
+      </p:sp>
+      <p:sp>
+        <p:nvSpPr>
+          <p:cNvPr id="3" name="Notes Placeholder 2"/>
+          <p:cNvSpPr>
+            <a:spLocks noGrp="1"/>
+          </p:cNvSpPr>
+          <p:nvPr>
+            <p:ph type="body" idx="1"/>
+          </p:nvPr>
+        </p:nvSpPr>
+        <p:spPr/>
+        <p:txBody>
+          <a:bodyPr/>
+          <a:lstStyle/>
+          <a:p>
+            <a:endParaRPr lang="en-US" dirty="0"/>
+          </a:p>
+        </p:txBody>
+      </p:sp>
+      <p:sp>
+        <p:nvSpPr>
+          <p:cNvPr id="4" name="Slide Number Placeholder 3"/>
+          <p:cNvSpPr>
+            <a:spLocks noGrp="1"/>
+          </p:cNvSpPr>
+          <p:nvPr>
+            <p:ph type="sldNum" sz="quarter" idx="5"/>
+          </p:nvPr>
+        </p:nvSpPr>
+        <p:spPr/>
+        <p:txBody>
+          <a:bodyPr/>
+          <a:lstStyle/>
+          <a:p>
+            <a:fld id="{7B2F59D6-05C1-422D-A943-46C9D08EF5F6}" type="slidenum">
+              <a:rPr lang="en-US" smtClean="0"/>
+              <a:t>5</a:t>
+            </a:fld>
+            <a:endParaRPr lang="en-US"/>
+          </a:p>
+        </p:txBody>
+      </p:sp>
+    </p:spTree>
+    <p:extLst>
+      <p:ext uri="{BB962C8B-B14F-4D97-AF65-F5344CB8AC3E}">
+        <p14:creationId xmlns:p14="http://schemas.microsoft.com/office/powerpoint/2010/main" val="1074292703"/>
+      </p:ext>
+    </p:extLst>
+  </p:cSld>
+  <p:clrMapOvr>
+    <a:masterClrMapping/>
+  </p:clrMapOvr>
+</p:notes>
+</file>
+
 <file path=ppt/slideLayouts/slideLayout1.xml><?xml version="1.0" encoding="utf-8"?>
 <p:sldLayout xmlns:a="http://schemas.openxmlformats.org/drawingml/2006/main" xmlns:r="http://schemas.openxmlformats.org/officeDocument/2006/relationships" xmlns:p="http://schemas.openxmlformats.org/presentationml/2006/main" type="title" preserve="1">
   <p:cSld name="Title Slide">
@@ -273,7 +711,7 @@
           <a:p>
             <a:fld id="{D7B72F7F-CFB7-4A83-8C76-24DBCEAD790B}" type="datetimeFigureOut">
               <a:rPr lang="en-US" smtClean="0"/>
-              <a:t>9/20/2020</a:t>
+              <a:t>9/27/2020</a:t>
             </a:fld>
             <a:endParaRPr lang="en-US"/>
           </a:p>
@@ -471,7 +909,7 @@
           <a:p>
             <a:fld id="{D7B72F7F-CFB7-4A83-8C76-24DBCEAD790B}" type="datetimeFigureOut">
               <a:rPr lang="en-US" smtClean="0"/>
-              <a:t>9/20/2020</a:t>
+              <a:t>9/27/2020</a:t>
             </a:fld>
             <a:endParaRPr lang="en-US"/>
           </a:p>
@@ -679,7 +1117,7 @@
           <a:p>
             <a:fld id="{D7B72F7F-CFB7-4A83-8C76-24DBCEAD790B}" type="datetimeFigureOut">
               <a:rPr lang="en-US" smtClean="0"/>
-              <a:t>9/20/2020</a:t>
+              <a:t>9/27/2020</a:t>
             </a:fld>
             <a:endParaRPr lang="en-US"/>
           </a:p>
@@ -877,7 +1315,7 @@
           <a:p>
             <a:fld id="{D7B72F7F-CFB7-4A83-8C76-24DBCEAD790B}" type="datetimeFigureOut">
               <a:rPr lang="en-US" smtClean="0"/>
-              <a:t>9/20/2020</a:t>
+              <a:t>9/27/2020</a:t>
             </a:fld>
             <a:endParaRPr lang="en-US"/>
           </a:p>
@@ -1152,7 +1590,7 @@
           <a:p>
             <a:fld id="{D7B72F7F-CFB7-4A83-8C76-24DBCEAD790B}" type="datetimeFigureOut">
               <a:rPr lang="en-US" smtClean="0"/>
-              <a:t>9/20/2020</a:t>
+              <a:t>9/27/2020</a:t>
             </a:fld>
             <a:endParaRPr lang="en-US"/>
           </a:p>
@@ -1417,7 +1855,7 @@
           <a:p>
             <a:fld id="{D7B72F7F-CFB7-4A83-8C76-24DBCEAD790B}" type="datetimeFigureOut">
               <a:rPr lang="en-US" smtClean="0"/>
-              <a:t>9/20/2020</a:t>
+              <a:t>9/27/2020</a:t>
             </a:fld>
             <a:endParaRPr lang="en-US"/>
           </a:p>
@@ -1829,7 +2267,7 @@
           <a:p>
             <a:fld id="{D7B72F7F-CFB7-4A83-8C76-24DBCEAD790B}" type="datetimeFigureOut">
               <a:rPr lang="en-US" smtClean="0"/>
-              <a:t>9/20/2020</a:t>
+              <a:t>9/27/2020</a:t>
             </a:fld>
             <a:endParaRPr lang="en-US"/>
           </a:p>
@@ -1970,7 +2408,7 @@
           <a:p>
             <a:fld id="{D7B72F7F-CFB7-4A83-8C76-24DBCEAD790B}" type="datetimeFigureOut">
               <a:rPr lang="en-US" smtClean="0"/>
-              <a:t>9/20/2020</a:t>
+              <a:t>9/27/2020</a:t>
             </a:fld>
             <a:endParaRPr lang="en-US"/>
           </a:p>
@@ -2083,7 +2521,7 @@
           <a:p>
             <a:fld id="{D7B72F7F-CFB7-4A83-8C76-24DBCEAD790B}" type="datetimeFigureOut">
               <a:rPr lang="en-US" smtClean="0"/>
-              <a:t>9/20/2020</a:t>
+              <a:t>9/27/2020</a:t>
             </a:fld>
             <a:endParaRPr lang="en-US"/>
           </a:p>
@@ -2394,7 +2832,7 @@
           <a:p>
             <a:fld id="{D7B72F7F-CFB7-4A83-8C76-24DBCEAD790B}" type="datetimeFigureOut">
               <a:rPr lang="en-US" smtClean="0"/>
-              <a:t>9/20/2020</a:t>
+              <a:t>9/27/2020</a:t>
             </a:fld>
             <a:endParaRPr lang="en-US"/>
           </a:p>
@@ -2682,7 +3120,7 @@
           <a:p>
             <a:fld id="{D7B72F7F-CFB7-4A83-8C76-24DBCEAD790B}" type="datetimeFigureOut">
               <a:rPr lang="en-US" smtClean="0"/>
-              <a:t>9/20/2020</a:t>
+              <a:t>9/27/2020</a:t>
             </a:fld>
             <a:endParaRPr lang="en-US"/>
           </a:p>
@@ -2923,7 +3361,7 @@
           <a:p>
             <a:fld id="{D7B72F7F-CFB7-4A83-8C76-24DBCEAD790B}" type="datetimeFigureOut">
               <a:rPr lang="en-US" smtClean="0"/>
-              <a:t>9/20/2020</a:t>
+              <a:t>9/27/2020</a:t>
             </a:fld>
             <a:endParaRPr lang="en-US"/>
           </a:p>
@@ -7230,6 +7668,2320 @@
 </p:sld>
 </file>
 
+<file path=ppt/slides/slide5.xml><?xml version="1.0" encoding="utf-8"?>
+<p:sld xmlns:a="http://schemas.openxmlformats.org/drawingml/2006/main" xmlns:r="http://schemas.openxmlformats.org/officeDocument/2006/relationships" xmlns:p="http://schemas.openxmlformats.org/presentationml/2006/main">
+  <p:cSld>
+    <p:bg>
+      <p:bgPr>
+        <a:blipFill dpi="0" rotWithShape="1">
+          <a:blip r:embed="rId3">
+            <a:lum/>
+          </a:blip>
+          <a:srcRect/>
+          <a:stretch>
+            <a:fillRect/>
+          </a:stretch>
+        </a:blipFill>
+        <a:effectLst/>
+      </p:bgPr>
+    </p:bg>
+    <p:spTree>
+      <p:nvGrpSpPr>
+        <p:cNvPr id="1" name=""/>
+        <p:cNvGrpSpPr/>
+        <p:nvPr/>
+      </p:nvGrpSpPr>
+      <p:grpSpPr>
+        <a:xfrm>
+          <a:off x="0" y="0"/>
+          <a:ext cx="0" cy="0"/>
+          <a:chOff x="0" y="0"/>
+          <a:chExt cx="0" cy="0"/>
+        </a:xfrm>
+      </p:grpSpPr>
+      <p:sp>
+        <p:nvSpPr>
+          <p:cNvPr id="2" name="Title 1">
+            <a:extLst>
+              <a:ext uri="{FF2B5EF4-FFF2-40B4-BE49-F238E27FC236}">
+                <a16:creationId xmlns:a16="http://schemas.microsoft.com/office/drawing/2014/main" id="{4D8C1C64-E3CB-408A-A47C-44DBBCF36B5E}"/>
+              </a:ext>
+            </a:extLst>
+          </p:cNvPr>
+          <p:cNvSpPr>
+            <a:spLocks noGrp="1"/>
+          </p:cNvSpPr>
+          <p:nvPr>
+            <p:ph type="title"/>
+          </p:nvPr>
+        </p:nvSpPr>
+        <p:spPr/>
+        <p:txBody>
+          <a:bodyPr/>
+          <a:lstStyle/>
+          <a:p>
+            <a:endParaRPr lang="en-US" dirty="0"/>
+          </a:p>
+        </p:txBody>
+      </p:sp>
+      <p:sp>
+        <p:nvSpPr>
+          <p:cNvPr id="6" name="Content Placeholder 5">
+            <a:extLst>
+              <a:ext uri="{FF2B5EF4-FFF2-40B4-BE49-F238E27FC236}">
+                <a16:creationId xmlns:a16="http://schemas.microsoft.com/office/drawing/2014/main" id="{7C0FE75C-C11D-4302-8FA1-99C191333848}"/>
+              </a:ext>
+            </a:extLst>
+          </p:cNvPr>
+          <p:cNvSpPr>
+            <a:spLocks noGrp="1"/>
+          </p:cNvSpPr>
+          <p:nvPr>
+            <p:ph idx="1"/>
+          </p:nvPr>
+        </p:nvSpPr>
+        <p:spPr/>
+        <p:txBody>
+          <a:bodyPr/>
+          <a:lstStyle/>
+          <a:p>
+            <a:endParaRPr lang="en-US" dirty="0"/>
+          </a:p>
+        </p:txBody>
+      </p:sp>
+      <p:sp>
+        <p:nvSpPr>
+          <p:cNvPr id="8" name="Rectangle 7">
+            <a:extLst>
+              <a:ext uri="{FF2B5EF4-FFF2-40B4-BE49-F238E27FC236}">
+                <a16:creationId xmlns:a16="http://schemas.microsoft.com/office/drawing/2014/main" id="{D758D9DE-F1C2-4BAA-BBF2-321F6C83138A}"/>
+              </a:ext>
+            </a:extLst>
+          </p:cNvPr>
+          <p:cNvSpPr/>
+          <p:nvPr/>
+        </p:nvSpPr>
+        <p:spPr>
+          <a:xfrm>
+            <a:off x="2503714" y="709127"/>
+            <a:ext cx="7184571" cy="3610946"/>
+          </a:xfrm>
+          <a:prstGeom prst="rect">
+            <a:avLst/>
+          </a:prstGeom>
+          <a:noFill/>
+          <a:ln w="38100">
+            <a:solidFill>
+              <a:schemeClr val="tx1"/>
+            </a:solidFill>
+          </a:ln>
+        </p:spPr>
+        <p:style>
+          <a:lnRef idx="2">
+            <a:schemeClr val="accent1">
+              <a:shade val="50000"/>
+            </a:schemeClr>
+          </a:lnRef>
+          <a:fillRef idx="1">
+            <a:schemeClr val="accent1"/>
+          </a:fillRef>
+          <a:effectRef idx="0">
+            <a:schemeClr val="accent1"/>
+          </a:effectRef>
+          <a:fontRef idx="minor">
+            <a:schemeClr val="lt1"/>
+          </a:fontRef>
+        </p:style>
+        <p:txBody>
+          <a:bodyPr rtlCol="0" anchor="ctr"/>
+          <a:lstStyle/>
+          <a:p>
+            <a:pPr algn="ctr"/>
+            <a:endParaRPr lang="en-US"/>
+          </a:p>
+        </p:txBody>
+      </p:sp>
+      <p:sp>
+        <p:nvSpPr>
+          <p:cNvPr id="9" name="Rectangle 8">
+            <a:extLst>
+              <a:ext uri="{FF2B5EF4-FFF2-40B4-BE49-F238E27FC236}">
+                <a16:creationId xmlns:a16="http://schemas.microsoft.com/office/drawing/2014/main" id="{F0437F29-B659-4F8B-9586-63B67828BC1E}"/>
+              </a:ext>
+            </a:extLst>
+          </p:cNvPr>
+          <p:cNvSpPr/>
+          <p:nvPr/>
+        </p:nvSpPr>
+        <p:spPr>
+          <a:xfrm>
+            <a:off x="3110203" y="1315616"/>
+            <a:ext cx="5971592" cy="3004457"/>
+          </a:xfrm>
+          <a:prstGeom prst="rect">
+            <a:avLst/>
+          </a:prstGeom>
+          <a:noFill/>
+          <a:ln w="38100">
+            <a:solidFill>
+              <a:schemeClr val="tx1"/>
+            </a:solidFill>
+          </a:ln>
+        </p:spPr>
+        <p:style>
+          <a:lnRef idx="2">
+            <a:schemeClr val="accent1">
+              <a:shade val="50000"/>
+            </a:schemeClr>
+          </a:lnRef>
+          <a:fillRef idx="1">
+            <a:schemeClr val="accent1"/>
+          </a:fillRef>
+          <a:effectRef idx="0">
+            <a:schemeClr val="accent1"/>
+          </a:effectRef>
+          <a:fontRef idx="minor">
+            <a:schemeClr val="lt1"/>
+          </a:fontRef>
+        </p:style>
+        <p:txBody>
+          <a:bodyPr rtlCol="0" anchor="ctr"/>
+          <a:lstStyle/>
+          <a:p>
+            <a:pPr algn="ctr"/>
+            <a:endParaRPr lang="en-US"/>
+          </a:p>
+        </p:txBody>
+      </p:sp>
+      <p:sp>
+        <p:nvSpPr>
+          <p:cNvPr id="10" name="Rectangle 9">
+            <a:extLst>
+              <a:ext uri="{FF2B5EF4-FFF2-40B4-BE49-F238E27FC236}">
+                <a16:creationId xmlns:a16="http://schemas.microsoft.com/office/drawing/2014/main" id="{5E54A826-CCE1-45BA-80D5-9DA9A637D1DA}"/>
+              </a:ext>
+            </a:extLst>
+          </p:cNvPr>
+          <p:cNvSpPr/>
+          <p:nvPr/>
+        </p:nvSpPr>
+        <p:spPr>
+          <a:xfrm>
+            <a:off x="9000899" y="5705767"/>
+            <a:ext cx="957944" cy="942392"/>
+          </a:xfrm>
+          <a:prstGeom prst="rect">
+            <a:avLst/>
+          </a:prstGeom>
+          <a:noFill/>
+          <a:ln w="38100">
+            <a:solidFill>
+              <a:schemeClr val="tx1"/>
+            </a:solidFill>
+          </a:ln>
+        </p:spPr>
+        <p:style>
+          <a:lnRef idx="2">
+            <a:schemeClr val="accent1">
+              <a:shade val="50000"/>
+            </a:schemeClr>
+          </a:lnRef>
+          <a:fillRef idx="1">
+            <a:schemeClr val="accent1"/>
+          </a:fillRef>
+          <a:effectRef idx="0">
+            <a:schemeClr val="accent1"/>
+          </a:effectRef>
+          <a:fontRef idx="minor">
+            <a:schemeClr val="lt1"/>
+          </a:fontRef>
+        </p:style>
+        <p:txBody>
+          <a:bodyPr rtlCol="0" anchor="ctr"/>
+          <a:lstStyle/>
+          <a:p>
+            <a:pPr algn="ctr"/>
+            <a:endParaRPr lang="en-US"/>
+          </a:p>
+        </p:txBody>
+      </p:sp>
+      <p:sp>
+        <p:nvSpPr>
+          <p:cNvPr id="11" name="Rectangle 10">
+            <a:extLst>
+              <a:ext uri="{FF2B5EF4-FFF2-40B4-BE49-F238E27FC236}">
+                <a16:creationId xmlns:a16="http://schemas.microsoft.com/office/drawing/2014/main" id="{D4AA8D9B-E498-42E6-8E47-596E44EA8B0D}"/>
+              </a:ext>
+            </a:extLst>
+          </p:cNvPr>
+          <p:cNvSpPr/>
+          <p:nvPr/>
+        </p:nvSpPr>
+        <p:spPr>
+          <a:xfrm>
+            <a:off x="5805133" y="5542384"/>
+            <a:ext cx="1800809" cy="1203648"/>
+          </a:xfrm>
+          <a:prstGeom prst="rect">
+            <a:avLst/>
+          </a:prstGeom>
+          <a:noFill/>
+          <a:ln w="38100">
+            <a:solidFill>
+              <a:schemeClr val="tx1"/>
+            </a:solidFill>
+          </a:ln>
+        </p:spPr>
+        <p:style>
+          <a:lnRef idx="2">
+            <a:schemeClr val="accent1">
+              <a:shade val="50000"/>
+            </a:schemeClr>
+          </a:lnRef>
+          <a:fillRef idx="1">
+            <a:schemeClr val="accent1"/>
+          </a:fillRef>
+          <a:effectRef idx="0">
+            <a:schemeClr val="accent1"/>
+          </a:effectRef>
+          <a:fontRef idx="minor">
+            <a:schemeClr val="lt1"/>
+          </a:fontRef>
+        </p:style>
+        <p:txBody>
+          <a:bodyPr rtlCol="0" anchor="ctr"/>
+          <a:lstStyle/>
+          <a:p>
+            <a:pPr algn="ctr"/>
+            <a:endParaRPr lang="en-US"/>
+          </a:p>
+        </p:txBody>
+      </p:sp>
+      <p:sp>
+        <p:nvSpPr>
+          <p:cNvPr id="12" name="Rectangle 11">
+            <a:extLst>
+              <a:ext uri="{FF2B5EF4-FFF2-40B4-BE49-F238E27FC236}">
+                <a16:creationId xmlns:a16="http://schemas.microsoft.com/office/drawing/2014/main" id="{C122D396-12B0-4B55-95E9-8F556BEF69EB}"/>
+              </a:ext>
+            </a:extLst>
+          </p:cNvPr>
+          <p:cNvSpPr/>
+          <p:nvPr/>
+        </p:nvSpPr>
+        <p:spPr>
+          <a:xfrm>
+            <a:off x="8342821" y="4340897"/>
+            <a:ext cx="429088" cy="1466513"/>
+          </a:xfrm>
+          <a:prstGeom prst="rect">
+            <a:avLst/>
+          </a:prstGeom>
+          <a:noFill/>
+          <a:ln w="38100">
+            <a:solidFill>
+              <a:schemeClr val="tx1"/>
+            </a:solidFill>
+          </a:ln>
+        </p:spPr>
+        <p:style>
+          <a:lnRef idx="2">
+            <a:schemeClr val="accent1">
+              <a:shade val="50000"/>
+            </a:schemeClr>
+          </a:lnRef>
+          <a:fillRef idx="1">
+            <a:schemeClr val="accent1"/>
+          </a:fillRef>
+          <a:effectRef idx="0">
+            <a:schemeClr val="accent1"/>
+          </a:effectRef>
+          <a:fontRef idx="minor">
+            <a:schemeClr val="lt1"/>
+          </a:fontRef>
+        </p:style>
+        <p:txBody>
+          <a:bodyPr rtlCol="0" anchor="ctr"/>
+          <a:lstStyle/>
+          <a:p>
+            <a:pPr algn="ctr"/>
+            <a:endParaRPr lang="en-US"/>
+          </a:p>
+        </p:txBody>
+      </p:sp>
+      <p:sp>
+        <p:nvSpPr>
+          <p:cNvPr id="13" name="Rectangle 12">
+            <a:extLst>
+              <a:ext uri="{FF2B5EF4-FFF2-40B4-BE49-F238E27FC236}">
+                <a16:creationId xmlns:a16="http://schemas.microsoft.com/office/drawing/2014/main" id="{CE3DB565-846D-4C64-9CCB-E84D6688BDD0}"/>
+              </a:ext>
+            </a:extLst>
+          </p:cNvPr>
+          <p:cNvSpPr/>
+          <p:nvPr/>
+        </p:nvSpPr>
+        <p:spPr>
+          <a:xfrm>
+            <a:off x="3507125" y="4299466"/>
+            <a:ext cx="429088" cy="627096"/>
+          </a:xfrm>
+          <a:prstGeom prst="rect">
+            <a:avLst/>
+          </a:prstGeom>
+          <a:noFill/>
+          <a:ln w="38100">
+            <a:solidFill>
+              <a:schemeClr val="tx1"/>
+            </a:solidFill>
+          </a:ln>
+        </p:spPr>
+        <p:style>
+          <a:lnRef idx="2">
+            <a:schemeClr val="accent1">
+              <a:shade val="50000"/>
+            </a:schemeClr>
+          </a:lnRef>
+          <a:fillRef idx="1">
+            <a:schemeClr val="accent1"/>
+          </a:fillRef>
+          <a:effectRef idx="0">
+            <a:schemeClr val="accent1"/>
+          </a:effectRef>
+          <a:fontRef idx="minor">
+            <a:schemeClr val="lt1"/>
+          </a:fontRef>
+        </p:style>
+        <p:txBody>
+          <a:bodyPr rtlCol="0" anchor="ctr"/>
+          <a:lstStyle/>
+          <a:p>
+            <a:pPr algn="ctr"/>
+            <a:endParaRPr lang="en-US"/>
+          </a:p>
+        </p:txBody>
+      </p:sp>
+      <p:cxnSp>
+        <p:nvCxnSpPr>
+          <p:cNvPr id="15" name="Straight Connector 14">
+            <a:extLst>
+              <a:ext uri="{FF2B5EF4-FFF2-40B4-BE49-F238E27FC236}">
+                <a16:creationId xmlns:a16="http://schemas.microsoft.com/office/drawing/2014/main" id="{9F361B00-0E57-4464-A246-C3C76D8D2A09}"/>
+              </a:ext>
+            </a:extLst>
+          </p:cNvPr>
+          <p:cNvCxnSpPr/>
+          <p:nvPr/>
+        </p:nvCxnSpPr>
+        <p:spPr>
+          <a:xfrm>
+            <a:off x="5890846" y="170463"/>
+            <a:ext cx="0" cy="1145153"/>
+          </a:xfrm>
+          <a:prstGeom prst="line">
+            <a:avLst/>
+          </a:prstGeom>
+          <a:ln w="38100">
+            <a:solidFill>
+              <a:schemeClr val="tx1"/>
+            </a:solidFill>
+          </a:ln>
+        </p:spPr>
+        <p:style>
+          <a:lnRef idx="1">
+            <a:schemeClr val="accent1"/>
+          </a:lnRef>
+          <a:fillRef idx="0">
+            <a:schemeClr val="accent1"/>
+          </a:fillRef>
+          <a:effectRef idx="0">
+            <a:schemeClr val="accent1"/>
+          </a:effectRef>
+          <a:fontRef idx="minor">
+            <a:schemeClr val="tx1"/>
+          </a:fontRef>
+        </p:style>
+      </p:cxnSp>
+      <p:cxnSp>
+        <p:nvCxnSpPr>
+          <p:cNvPr id="16" name="Straight Connector 15">
+            <a:extLst>
+              <a:ext uri="{FF2B5EF4-FFF2-40B4-BE49-F238E27FC236}">
+                <a16:creationId xmlns:a16="http://schemas.microsoft.com/office/drawing/2014/main" id="{82C351B3-2030-43B6-A3C0-434830891EC7}"/>
+              </a:ext>
+            </a:extLst>
+          </p:cNvPr>
+          <p:cNvCxnSpPr>
+            <a:cxnSpLocks/>
+          </p:cNvCxnSpPr>
+          <p:nvPr/>
+        </p:nvCxnSpPr>
+        <p:spPr>
+          <a:xfrm>
+            <a:off x="6265264" y="545123"/>
+            <a:ext cx="0" cy="770493"/>
+          </a:xfrm>
+          <a:prstGeom prst="line">
+            <a:avLst/>
+          </a:prstGeom>
+          <a:ln w="38100">
+            <a:solidFill>
+              <a:schemeClr val="tx1"/>
+            </a:solidFill>
+          </a:ln>
+        </p:spPr>
+        <p:style>
+          <a:lnRef idx="1">
+            <a:schemeClr val="dk1"/>
+          </a:lnRef>
+          <a:fillRef idx="0">
+            <a:schemeClr val="dk1"/>
+          </a:fillRef>
+          <a:effectRef idx="0">
+            <a:schemeClr val="dk1"/>
+          </a:effectRef>
+          <a:fontRef idx="minor">
+            <a:schemeClr val="tx1"/>
+          </a:fontRef>
+        </p:style>
+      </p:cxnSp>
+      <p:cxnSp>
+        <p:nvCxnSpPr>
+          <p:cNvPr id="19" name="Straight Connector 18">
+            <a:extLst>
+              <a:ext uri="{FF2B5EF4-FFF2-40B4-BE49-F238E27FC236}">
+                <a16:creationId xmlns:a16="http://schemas.microsoft.com/office/drawing/2014/main" id="{8E0FE569-8144-4EF3-9C2C-AB3513AA8F27}"/>
+              </a:ext>
+            </a:extLst>
+          </p:cNvPr>
+          <p:cNvCxnSpPr/>
+          <p:nvPr/>
+        </p:nvCxnSpPr>
+        <p:spPr>
+          <a:xfrm>
+            <a:off x="5890846" y="179256"/>
+            <a:ext cx="1195754" cy="0"/>
+          </a:xfrm>
+          <a:prstGeom prst="line">
+            <a:avLst/>
+          </a:prstGeom>
+          <a:ln w="38100">
+            <a:solidFill>
+              <a:schemeClr val="tx1"/>
+            </a:solidFill>
+          </a:ln>
+        </p:spPr>
+        <p:style>
+          <a:lnRef idx="1">
+            <a:schemeClr val="accent1"/>
+          </a:lnRef>
+          <a:fillRef idx="0">
+            <a:schemeClr val="accent1"/>
+          </a:fillRef>
+          <a:effectRef idx="0">
+            <a:schemeClr val="accent1"/>
+          </a:effectRef>
+          <a:fontRef idx="minor">
+            <a:schemeClr val="tx1"/>
+          </a:fontRef>
+        </p:style>
+      </p:cxnSp>
+      <p:cxnSp>
+        <p:nvCxnSpPr>
+          <p:cNvPr id="20" name="Straight Connector 19">
+            <a:extLst>
+              <a:ext uri="{FF2B5EF4-FFF2-40B4-BE49-F238E27FC236}">
+                <a16:creationId xmlns:a16="http://schemas.microsoft.com/office/drawing/2014/main" id="{E837D387-16D4-4E6A-BB3B-AE17469103FC}"/>
+              </a:ext>
+            </a:extLst>
+          </p:cNvPr>
+          <p:cNvCxnSpPr>
+            <a:cxnSpLocks/>
+          </p:cNvCxnSpPr>
+          <p:nvPr/>
+        </p:nvCxnSpPr>
+        <p:spPr>
+          <a:xfrm>
+            <a:off x="6265264" y="545123"/>
+            <a:ext cx="821336" cy="0"/>
+          </a:xfrm>
+          <a:prstGeom prst="line">
+            <a:avLst/>
+          </a:prstGeom>
+          <a:ln w="38100">
+            <a:solidFill>
+              <a:schemeClr val="tx1"/>
+            </a:solidFill>
+          </a:ln>
+        </p:spPr>
+        <p:style>
+          <a:lnRef idx="1">
+            <a:schemeClr val="accent1"/>
+          </a:lnRef>
+          <a:fillRef idx="0">
+            <a:schemeClr val="accent1"/>
+          </a:fillRef>
+          <a:effectRef idx="0">
+            <a:schemeClr val="accent1"/>
+          </a:effectRef>
+          <a:fontRef idx="minor">
+            <a:schemeClr val="tx1"/>
+          </a:fontRef>
+        </p:style>
+      </p:cxnSp>
+      <p:cxnSp>
+        <p:nvCxnSpPr>
+          <p:cNvPr id="22" name="Straight Connector 21">
+            <a:extLst>
+              <a:ext uri="{FF2B5EF4-FFF2-40B4-BE49-F238E27FC236}">
+                <a16:creationId xmlns:a16="http://schemas.microsoft.com/office/drawing/2014/main" id="{21A39C5F-B0C1-45F4-829B-174987BEDC4B}"/>
+              </a:ext>
+            </a:extLst>
+          </p:cNvPr>
+          <p:cNvCxnSpPr>
+            <a:cxnSpLocks/>
+          </p:cNvCxnSpPr>
+          <p:nvPr/>
+        </p:nvCxnSpPr>
+        <p:spPr>
+          <a:xfrm>
+            <a:off x="3507125" y="4451839"/>
+            <a:ext cx="429088" cy="0"/>
+          </a:xfrm>
+          <a:prstGeom prst="line">
+            <a:avLst/>
+          </a:prstGeom>
+          <a:ln w="38100">
+            <a:solidFill>
+              <a:schemeClr val="tx1"/>
+            </a:solidFill>
+          </a:ln>
+        </p:spPr>
+        <p:style>
+          <a:lnRef idx="1">
+            <a:schemeClr val="accent1"/>
+          </a:lnRef>
+          <a:fillRef idx="0">
+            <a:schemeClr val="accent1"/>
+          </a:fillRef>
+          <a:effectRef idx="0">
+            <a:schemeClr val="accent1"/>
+          </a:effectRef>
+          <a:fontRef idx="minor">
+            <a:schemeClr val="tx1"/>
+          </a:fontRef>
+        </p:style>
+      </p:cxnSp>
+      <p:cxnSp>
+        <p:nvCxnSpPr>
+          <p:cNvPr id="25" name="Connector: Elbow 24">
+            <a:extLst>
+              <a:ext uri="{FF2B5EF4-FFF2-40B4-BE49-F238E27FC236}">
+                <a16:creationId xmlns:a16="http://schemas.microsoft.com/office/drawing/2014/main" id="{5BF64147-1EA0-4786-8D1E-2244D6B87E9E}"/>
+              </a:ext>
+            </a:extLst>
+          </p:cNvPr>
+          <p:cNvCxnSpPr>
+            <a:cxnSpLocks/>
+          </p:cNvCxnSpPr>
+          <p:nvPr/>
+        </p:nvCxnSpPr>
+        <p:spPr>
+          <a:xfrm rot="10800000" flipV="1">
+            <a:off x="7658101" y="5807409"/>
+            <a:ext cx="782515" cy="329621"/>
+          </a:xfrm>
+          <a:prstGeom prst="bentConnector3">
+            <a:avLst>
+              <a:gd name="adj1" fmla="val 3933"/>
+            </a:avLst>
+          </a:prstGeom>
+          <a:ln w="38100">
+            <a:solidFill>
+              <a:schemeClr val="tx1"/>
+            </a:solidFill>
+            <a:tailEnd type="triangle"/>
+          </a:ln>
+        </p:spPr>
+        <p:style>
+          <a:lnRef idx="1">
+            <a:schemeClr val="accent1"/>
+          </a:lnRef>
+          <a:fillRef idx="0">
+            <a:schemeClr val="accent1"/>
+          </a:fillRef>
+          <a:effectRef idx="0">
+            <a:schemeClr val="accent1"/>
+          </a:effectRef>
+          <a:fontRef idx="minor">
+            <a:schemeClr val="tx1"/>
+          </a:fontRef>
+        </p:style>
+      </p:cxnSp>
+      <p:cxnSp>
+        <p:nvCxnSpPr>
+          <p:cNvPr id="34" name="Connector: Elbow 33">
+            <a:extLst>
+              <a:ext uri="{FF2B5EF4-FFF2-40B4-BE49-F238E27FC236}">
+                <a16:creationId xmlns:a16="http://schemas.microsoft.com/office/drawing/2014/main" id="{C69D3781-F288-4812-B5DE-1B67286A7BB5}"/>
+              </a:ext>
+            </a:extLst>
+          </p:cNvPr>
+          <p:cNvCxnSpPr>
+            <a:cxnSpLocks/>
+          </p:cNvCxnSpPr>
+          <p:nvPr/>
+        </p:nvCxnSpPr>
+        <p:spPr>
+          <a:xfrm rot="16200000" flipV="1">
+            <a:off x="8410804" y="6070953"/>
+            <a:ext cx="843031" cy="311382"/>
+          </a:xfrm>
+          <a:prstGeom prst="bentConnector3">
+            <a:avLst>
+              <a:gd name="adj1" fmla="val 59386"/>
+            </a:avLst>
+          </a:prstGeom>
+          <a:ln w="38100">
+            <a:solidFill>
+              <a:schemeClr val="tx1"/>
+            </a:solidFill>
+            <a:tailEnd type="triangle"/>
+          </a:ln>
+        </p:spPr>
+        <p:style>
+          <a:lnRef idx="1">
+            <a:schemeClr val="accent1"/>
+          </a:lnRef>
+          <a:fillRef idx="0">
+            <a:schemeClr val="accent1"/>
+          </a:fillRef>
+          <a:effectRef idx="0">
+            <a:schemeClr val="accent1"/>
+          </a:effectRef>
+          <a:fontRef idx="minor">
+            <a:schemeClr val="tx1"/>
+          </a:fontRef>
+        </p:style>
+      </p:cxnSp>
+      <p:cxnSp>
+        <p:nvCxnSpPr>
+          <p:cNvPr id="39" name="Straight Arrow Connector 38">
+            <a:extLst>
+              <a:ext uri="{FF2B5EF4-FFF2-40B4-BE49-F238E27FC236}">
+                <a16:creationId xmlns:a16="http://schemas.microsoft.com/office/drawing/2014/main" id="{58BF4FA2-C6D4-4D4B-B630-283034E7302A}"/>
+              </a:ext>
+            </a:extLst>
+          </p:cNvPr>
+          <p:cNvCxnSpPr/>
+          <p:nvPr/>
+        </p:nvCxnSpPr>
+        <p:spPr>
+          <a:xfrm flipV="1">
+            <a:off x="3721669" y="3971344"/>
+            <a:ext cx="0" cy="692731"/>
+          </a:xfrm>
+          <a:prstGeom prst="straightConnector1">
+            <a:avLst/>
+          </a:prstGeom>
+          <a:ln w="38100">
+            <a:solidFill>
+              <a:schemeClr val="tx1"/>
+            </a:solidFill>
+            <a:tailEnd type="triangle"/>
+          </a:ln>
+        </p:spPr>
+        <p:style>
+          <a:lnRef idx="1">
+            <a:schemeClr val="accent1"/>
+          </a:lnRef>
+          <a:fillRef idx="0">
+            <a:schemeClr val="accent1"/>
+          </a:fillRef>
+          <a:effectRef idx="0">
+            <a:schemeClr val="accent1"/>
+          </a:effectRef>
+          <a:fontRef idx="minor">
+            <a:schemeClr val="tx1"/>
+          </a:fontRef>
+        </p:style>
+      </p:cxnSp>
+      <p:cxnSp>
+        <p:nvCxnSpPr>
+          <p:cNvPr id="41" name="Straight Arrow Connector 40">
+            <a:extLst>
+              <a:ext uri="{FF2B5EF4-FFF2-40B4-BE49-F238E27FC236}">
+                <a16:creationId xmlns:a16="http://schemas.microsoft.com/office/drawing/2014/main" id="{C20AD19E-2B8B-462C-AF5E-2D0DA3EA4ED0}"/>
+              </a:ext>
+            </a:extLst>
+          </p:cNvPr>
+          <p:cNvCxnSpPr/>
+          <p:nvPr/>
+        </p:nvCxnSpPr>
+        <p:spPr>
+          <a:xfrm>
+            <a:off x="6488723" y="365125"/>
+            <a:ext cx="795997" cy="0"/>
+          </a:xfrm>
+          <a:prstGeom prst="straightConnector1">
+            <a:avLst/>
+          </a:prstGeom>
+          <a:ln w="38100">
+            <a:solidFill>
+              <a:schemeClr val="tx1"/>
+            </a:solidFill>
+            <a:tailEnd type="triangle"/>
+          </a:ln>
+        </p:spPr>
+        <p:style>
+          <a:lnRef idx="1">
+            <a:schemeClr val="accent1"/>
+          </a:lnRef>
+          <a:fillRef idx="0">
+            <a:schemeClr val="accent1"/>
+          </a:fillRef>
+          <a:effectRef idx="0">
+            <a:schemeClr val="accent1"/>
+          </a:effectRef>
+          <a:fontRef idx="minor">
+            <a:schemeClr val="tx1"/>
+          </a:fontRef>
+        </p:style>
+      </p:cxnSp>
+      <p:sp>
+        <p:nvSpPr>
+          <p:cNvPr id="43" name="TextBox 42">
+            <a:extLst>
+              <a:ext uri="{FF2B5EF4-FFF2-40B4-BE49-F238E27FC236}">
+                <a16:creationId xmlns:a16="http://schemas.microsoft.com/office/drawing/2014/main" id="{2DECB683-96EF-4B1C-8546-9B468BA61FBA}"/>
+              </a:ext>
+            </a:extLst>
+          </p:cNvPr>
+          <p:cNvSpPr txBox="1"/>
+          <p:nvPr/>
+        </p:nvSpPr>
+        <p:spPr>
+          <a:xfrm>
+            <a:off x="3988704" y="4221006"/>
+            <a:ext cx="1107996" cy="461665"/>
+          </a:xfrm>
+          <a:prstGeom prst="rect">
+            <a:avLst/>
+          </a:prstGeom>
+          <a:noFill/>
+        </p:spPr>
+        <p:txBody>
+          <a:bodyPr wrap="none" rtlCol="0">
+            <a:spAutoFit/>
+          </a:bodyPr>
+          <a:lstStyle/>
+          <a:p>
+            <a:r>
+              <a:rPr lang="zh-CN" altLang="en-US" sz="2400" b="1" dirty="0">
+                <a:latin typeface="宋体" panose="02010600030101010101" pitchFamily="2" charset="-122"/>
+                <a:ea typeface="宋体" panose="02010600030101010101" pitchFamily="2" charset="-122"/>
+              </a:rPr>
+              <a:t>准直孔</a:t>
+            </a:r>
+            <a:endParaRPr lang="en-US" sz="2400" b="1" dirty="0">
+              <a:latin typeface="宋体" panose="02010600030101010101" pitchFamily="2" charset="-122"/>
+              <a:ea typeface="宋体" panose="02010600030101010101" pitchFamily="2" charset="-122"/>
+            </a:endParaRPr>
+          </a:p>
+        </p:txBody>
+      </p:sp>
+    </p:spTree>
+    <p:extLst>
+      <p:ext uri="{BB962C8B-B14F-4D97-AF65-F5344CB8AC3E}">
+        <p14:creationId xmlns:p14="http://schemas.microsoft.com/office/powerpoint/2010/main" val="1394348280"/>
+      </p:ext>
+    </p:extLst>
+  </p:cSld>
+  <p:clrMapOvr>
+    <a:masterClrMapping/>
+  </p:clrMapOvr>
+</p:sld>
+</file>
+
+<file path=ppt/slides/slide6.xml><?xml version="1.0" encoding="utf-8"?>
+<p:sld xmlns:a="http://schemas.openxmlformats.org/drawingml/2006/main" xmlns:r="http://schemas.openxmlformats.org/officeDocument/2006/relationships" xmlns:p="http://schemas.openxmlformats.org/presentationml/2006/main">
+  <p:cSld>
+    <p:spTree>
+      <p:nvGrpSpPr>
+        <p:cNvPr id="1" name=""/>
+        <p:cNvGrpSpPr/>
+        <p:nvPr/>
+      </p:nvGrpSpPr>
+      <p:grpSpPr>
+        <a:xfrm>
+          <a:off x="0" y="0"/>
+          <a:ext cx="0" cy="0"/>
+          <a:chOff x="0" y="0"/>
+          <a:chExt cx="0" cy="0"/>
+        </a:xfrm>
+      </p:grpSpPr>
+      <p:grpSp>
+        <p:nvGrpSpPr>
+          <p:cNvPr id="46" name="Group 45">
+            <a:extLst>
+              <a:ext uri="{FF2B5EF4-FFF2-40B4-BE49-F238E27FC236}">
+                <a16:creationId xmlns:a16="http://schemas.microsoft.com/office/drawing/2014/main" id="{E03C49A2-580D-4661-AD37-38A3DC1FE4B1}"/>
+              </a:ext>
+            </a:extLst>
+          </p:cNvPr>
+          <p:cNvGrpSpPr/>
+          <p:nvPr/>
+        </p:nvGrpSpPr>
+        <p:grpSpPr>
+          <a:xfrm>
+            <a:off x="2503714" y="134292"/>
+            <a:ext cx="7231609" cy="6375927"/>
+            <a:chOff x="2503714" y="134292"/>
+            <a:chExt cx="7231609" cy="6375927"/>
+          </a:xfrm>
+        </p:grpSpPr>
+        <p:sp>
+          <p:nvSpPr>
+            <p:cNvPr id="14" name="Rectangle 13">
+              <a:extLst>
+                <a:ext uri="{FF2B5EF4-FFF2-40B4-BE49-F238E27FC236}">
+                  <a16:creationId xmlns:a16="http://schemas.microsoft.com/office/drawing/2014/main" id="{7A7BF723-2383-443E-AFE7-28B7610E30ED}"/>
+                </a:ext>
+              </a:extLst>
+            </p:cNvPr>
+            <p:cNvSpPr/>
+            <p:nvPr/>
+          </p:nvSpPr>
+          <p:spPr>
+            <a:xfrm>
+              <a:off x="2503714" y="709127"/>
+              <a:ext cx="7184571" cy="3610946"/>
+            </a:xfrm>
+            <a:prstGeom prst="rect">
+              <a:avLst/>
+            </a:prstGeom>
+            <a:noFill/>
+            <a:ln w="38100">
+              <a:solidFill>
+                <a:schemeClr val="tx1"/>
+              </a:solidFill>
+            </a:ln>
+          </p:spPr>
+          <p:style>
+            <a:lnRef idx="2">
+              <a:schemeClr val="accent1">
+                <a:shade val="50000"/>
+              </a:schemeClr>
+            </a:lnRef>
+            <a:fillRef idx="1">
+              <a:schemeClr val="accent1"/>
+            </a:fillRef>
+            <a:effectRef idx="0">
+              <a:schemeClr val="accent1"/>
+            </a:effectRef>
+            <a:fontRef idx="minor">
+              <a:schemeClr val="lt1"/>
+            </a:fontRef>
+          </p:style>
+          <p:txBody>
+            <a:bodyPr rtlCol="0" anchor="ctr"/>
+            <a:lstStyle/>
+            <a:p>
+              <a:pPr algn="ctr"/>
+              <a:endParaRPr lang="en-US"/>
+            </a:p>
+          </p:txBody>
+        </p:sp>
+        <p:sp>
+          <p:nvSpPr>
+            <p:cNvPr id="15" name="Rectangle 14">
+              <a:extLst>
+                <a:ext uri="{FF2B5EF4-FFF2-40B4-BE49-F238E27FC236}">
+                  <a16:creationId xmlns:a16="http://schemas.microsoft.com/office/drawing/2014/main" id="{2E3A0F83-789C-4767-9F73-BB05B9C32036}"/>
+                </a:ext>
+              </a:extLst>
+            </p:cNvPr>
+            <p:cNvSpPr/>
+            <p:nvPr/>
+          </p:nvSpPr>
+          <p:spPr>
+            <a:xfrm>
+              <a:off x="3110203" y="1315616"/>
+              <a:ext cx="5971592" cy="3004457"/>
+            </a:xfrm>
+            <a:prstGeom prst="rect">
+              <a:avLst/>
+            </a:prstGeom>
+            <a:noFill/>
+            <a:ln w="38100">
+              <a:solidFill>
+                <a:schemeClr val="tx1"/>
+              </a:solidFill>
+            </a:ln>
+          </p:spPr>
+          <p:style>
+            <a:lnRef idx="2">
+              <a:schemeClr val="accent1">
+                <a:shade val="50000"/>
+              </a:schemeClr>
+            </a:lnRef>
+            <a:fillRef idx="1">
+              <a:schemeClr val="accent1"/>
+            </a:fillRef>
+            <a:effectRef idx="0">
+              <a:schemeClr val="accent1"/>
+            </a:effectRef>
+            <a:fontRef idx="minor">
+              <a:schemeClr val="lt1"/>
+            </a:fontRef>
+          </p:style>
+          <p:txBody>
+            <a:bodyPr rtlCol="0" anchor="ctr"/>
+            <a:lstStyle/>
+            <a:p>
+              <a:pPr algn="ctr"/>
+              <a:endParaRPr lang="en-US"/>
+            </a:p>
+          </p:txBody>
+        </p:sp>
+        <p:sp>
+          <p:nvSpPr>
+            <p:cNvPr id="16" name="Rectangle 15">
+              <a:extLst>
+                <a:ext uri="{FF2B5EF4-FFF2-40B4-BE49-F238E27FC236}">
+                  <a16:creationId xmlns:a16="http://schemas.microsoft.com/office/drawing/2014/main" id="{86A4F49E-F4A7-4D52-BAAF-60FBF82B292D}"/>
+                </a:ext>
+              </a:extLst>
+            </p:cNvPr>
+            <p:cNvSpPr/>
+            <p:nvPr/>
+          </p:nvSpPr>
+          <p:spPr>
+            <a:xfrm>
+              <a:off x="8777379" y="5567827"/>
+              <a:ext cx="957944" cy="942392"/>
+            </a:xfrm>
+            <a:prstGeom prst="rect">
+              <a:avLst/>
+            </a:prstGeom>
+            <a:noFill/>
+            <a:ln w="38100">
+              <a:solidFill>
+                <a:schemeClr val="tx1"/>
+              </a:solidFill>
+            </a:ln>
+          </p:spPr>
+          <p:style>
+            <a:lnRef idx="2">
+              <a:schemeClr val="accent1">
+                <a:shade val="50000"/>
+              </a:schemeClr>
+            </a:lnRef>
+            <a:fillRef idx="1">
+              <a:schemeClr val="accent1"/>
+            </a:fillRef>
+            <a:effectRef idx="0">
+              <a:schemeClr val="accent1"/>
+            </a:effectRef>
+            <a:fontRef idx="minor">
+              <a:schemeClr val="lt1"/>
+            </a:fontRef>
+          </p:style>
+          <p:txBody>
+            <a:bodyPr rtlCol="0" anchor="ctr"/>
+            <a:lstStyle/>
+            <a:p>
+              <a:pPr algn="ctr"/>
+              <a:endParaRPr lang="en-US"/>
+            </a:p>
+          </p:txBody>
+        </p:sp>
+        <p:sp>
+          <p:nvSpPr>
+            <p:cNvPr id="17" name="Rectangle 16">
+              <a:extLst>
+                <a:ext uri="{FF2B5EF4-FFF2-40B4-BE49-F238E27FC236}">
+                  <a16:creationId xmlns:a16="http://schemas.microsoft.com/office/drawing/2014/main" id="{28CC1C5E-1973-46EE-88B5-AA0808A3B601}"/>
+                </a:ext>
+              </a:extLst>
+            </p:cNvPr>
+            <p:cNvSpPr/>
+            <p:nvPr/>
+          </p:nvSpPr>
+          <p:spPr>
+            <a:xfrm>
+              <a:off x="5614657" y="5306571"/>
+              <a:ext cx="1800809" cy="1203648"/>
+            </a:xfrm>
+            <a:prstGeom prst="rect">
+              <a:avLst/>
+            </a:prstGeom>
+            <a:noFill/>
+            <a:ln w="38100">
+              <a:solidFill>
+                <a:schemeClr val="tx1"/>
+              </a:solidFill>
+            </a:ln>
+          </p:spPr>
+          <p:style>
+            <a:lnRef idx="2">
+              <a:schemeClr val="accent1">
+                <a:shade val="50000"/>
+              </a:schemeClr>
+            </a:lnRef>
+            <a:fillRef idx="1">
+              <a:schemeClr val="accent1"/>
+            </a:fillRef>
+            <a:effectRef idx="0">
+              <a:schemeClr val="accent1"/>
+            </a:effectRef>
+            <a:fontRef idx="minor">
+              <a:schemeClr val="lt1"/>
+            </a:fontRef>
+          </p:style>
+          <p:txBody>
+            <a:bodyPr rtlCol="0" anchor="ctr"/>
+            <a:lstStyle/>
+            <a:p>
+              <a:pPr algn="ctr"/>
+              <a:endParaRPr lang="en-US"/>
+            </a:p>
+          </p:txBody>
+        </p:sp>
+        <p:sp>
+          <p:nvSpPr>
+            <p:cNvPr id="18" name="Rectangle 17">
+              <a:extLst>
+                <a:ext uri="{FF2B5EF4-FFF2-40B4-BE49-F238E27FC236}">
+                  <a16:creationId xmlns:a16="http://schemas.microsoft.com/office/drawing/2014/main" id="{F734BBB4-19E9-4D2B-9DCD-DBE883D5B907}"/>
+                </a:ext>
+              </a:extLst>
+            </p:cNvPr>
+            <p:cNvSpPr/>
+            <p:nvPr/>
+          </p:nvSpPr>
+          <p:spPr>
+            <a:xfrm>
+              <a:off x="8123700" y="4385019"/>
+              <a:ext cx="429088" cy="1304771"/>
+            </a:xfrm>
+            <a:prstGeom prst="rect">
+              <a:avLst/>
+            </a:prstGeom>
+            <a:noFill/>
+            <a:ln w="38100">
+              <a:solidFill>
+                <a:schemeClr val="tx1"/>
+              </a:solidFill>
+            </a:ln>
+          </p:spPr>
+          <p:style>
+            <a:lnRef idx="2">
+              <a:schemeClr val="accent1">
+                <a:shade val="50000"/>
+              </a:schemeClr>
+            </a:lnRef>
+            <a:fillRef idx="1">
+              <a:schemeClr val="accent1"/>
+            </a:fillRef>
+            <a:effectRef idx="0">
+              <a:schemeClr val="accent1"/>
+            </a:effectRef>
+            <a:fontRef idx="minor">
+              <a:schemeClr val="lt1"/>
+            </a:fontRef>
+          </p:style>
+          <p:txBody>
+            <a:bodyPr rtlCol="0" anchor="ctr"/>
+            <a:lstStyle/>
+            <a:p>
+              <a:pPr algn="ctr"/>
+              <a:endParaRPr lang="en-US"/>
+            </a:p>
+          </p:txBody>
+        </p:sp>
+        <p:sp>
+          <p:nvSpPr>
+            <p:cNvPr id="19" name="Rectangle 18">
+              <a:extLst>
+                <a:ext uri="{FF2B5EF4-FFF2-40B4-BE49-F238E27FC236}">
+                  <a16:creationId xmlns:a16="http://schemas.microsoft.com/office/drawing/2014/main" id="{11E622A6-51CD-4732-9ECA-D0E8181A43DE}"/>
+                </a:ext>
+              </a:extLst>
+            </p:cNvPr>
+            <p:cNvSpPr/>
+            <p:nvPr/>
+          </p:nvSpPr>
+          <p:spPr>
+            <a:xfrm>
+              <a:off x="3533556" y="4390906"/>
+              <a:ext cx="429088" cy="739894"/>
+            </a:xfrm>
+            <a:prstGeom prst="rect">
+              <a:avLst/>
+            </a:prstGeom>
+            <a:noFill/>
+            <a:ln w="38100">
+              <a:solidFill>
+                <a:schemeClr val="tx1"/>
+              </a:solidFill>
+            </a:ln>
+          </p:spPr>
+          <p:style>
+            <a:lnRef idx="2">
+              <a:schemeClr val="accent1">
+                <a:shade val="50000"/>
+              </a:schemeClr>
+            </a:lnRef>
+            <a:fillRef idx="1">
+              <a:schemeClr val="accent1"/>
+            </a:fillRef>
+            <a:effectRef idx="0">
+              <a:schemeClr val="accent1"/>
+            </a:effectRef>
+            <a:fontRef idx="minor">
+              <a:schemeClr val="lt1"/>
+            </a:fontRef>
+          </p:style>
+          <p:txBody>
+            <a:bodyPr rtlCol="0" anchor="ctr"/>
+            <a:lstStyle/>
+            <a:p>
+              <a:pPr algn="ctr"/>
+              <a:endParaRPr lang="en-US"/>
+            </a:p>
+          </p:txBody>
+        </p:sp>
+        <p:cxnSp>
+          <p:nvCxnSpPr>
+            <p:cNvPr id="20" name="Straight Connector 19">
+              <a:extLst>
+                <a:ext uri="{FF2B5EF4-FFF2-40B4-BE49-F238E27FC236}">
+                  <a16:creationId xmlns:a16="http://schemas.microsoft.com/office/drawing/2014/main" id="{2B9DC47D-BDEB-4EE2-81DD-E398F4D8935E}"/>
+                </a:ext>
+              </a:extLst>
+            </p:cNvPr>
+            <p:cNvCxnSpPr/>
+            <p:nvPr/>
+          </p:nvCxnSpPr>
+          <p:spPr>
+            <a:xfrm>
+              <a:off x="5890846" y="170463"/>
+              <a:ext cx="0" cy="1145153"/>
+            </a:xfrm>
+            <a:prstGeom prst="line">
+              <a:avLst/>
+            </a:prstGeom>
+            <a:ln w="38100">
+              <a:solidFill>
+                <a:schemeClr val="tx1"/>
+              </a:solidFill>
+            </a:ln>
+          </p:spPr>
+          <p:style>
+            <a:lnRef idx="1">
+              <a:schemeClr val="accent1"/>
+            </a:lnRef>
+            <a:fillRef idx="0">
+              <a:schemeClr val="accent1"/>
+            </a:fillRef>
+            <a:effectRef idx="0">
+              <a:schemeClr val="accent1"/>
+            </a:effectRef>
+            <a:fontRef idx="minor">
+              <a:schemeClr val="tx1"/>
+            </a:fontRef>
+          </p:style>
+        </p:cxnSp>
+        <p:cxnSp>
+          <p:nvCxnSpPr>
+            <p:cNvPr id="21" name="Straight Connector 20">
+              <a:extLst>
+                <a:ext uri="{FF2B5EF4-FFF2-40B4-BE49-F238E27FC236}">
+                  <a16:creationId xmlns:a16="http://schemas.microsoft.com/office/drawing/2014/main" id="{7B7A2751-705B-4069-82BC-00F8E41E2338}"/>
+                </a:ext>
+              </a:extLst>
+            </p:cNvPr>
+            <p:cNvCxnSpPr>
+              <a:cxnSpLocks/>
+            </p:cNvCxnSpPr>
+            <p:nvPr/>
+          </p:nvCxnSpPr>
+          <p:spPr>
+            <a:xfrm>
+              <a:off x="6265264" y="545123"/>
+              <a:ext cx="0" cy="770493"/>
+            </a:xfrm>
+            <a:prstGeom prst="line">
+              <a:avLst/>
+            </a:prstGeom>
+            <a:ln w="38100">
+              <a:solidFill>
+                <a:schemeClr val="tx1"/>
+              </a:solidFill>
+            </a:ln>
+          </p:spPr>
+          <p:style>
+            <a:lnRef idx="1">
+              <a:schemeClr val="dk1"/>
+            </a:lnRef>
+            <a:fillRef idx="0">
+              <a:schemeClr val="dk1"/>
+            </a:fillRef>
+            <a:effectRef idx="0">
+              <a:schemeClr val="dk1"/>
+            </a:effectRef>
+            <a:fontRef idx="minor">
+              <a:schemeClr val="tx1"/>
+            </a:fontRef>
+          </p:style>
+        </p:cxnSp>
+        <p:cxnSp>
+          <p:nvCxnSpPr>
+            <p:cNvPr id="22" name="Straight Connector 21">
+              <a:extLst>
+                <a:ext uri="{FF2B5EF4-FFF2-40B4-BE49-F238E27FC236}">
+                  <a16:creationId xmlns:a16="http://schemas.microsoft.com/office/drawing/2014/main" id="{37699BA5-D59D-42BC-8F22-D2D592A4281B}"/>
+                </a:ext>
+              </a:extLst>
+            </p:cNvPr>
+            <p:cNvCxnSpPr/>
+            <p:nvPr/>
+          </p:nvCxnSpPr>
+          <p:spPr>
+            <a:xfrm>
+              <a:off x="5871796" y="181161"/>
+              <a:ext cx="1195754" cy="0"/>
+            </a:xfrm>
+            <a:prstGeom prst="line">
+              <a:avLst/>
+            </a:prstGeom>
+            <a:ln w="38100">
+              <a:solidFill>
+                <a:schemeClr val="tx1"/>
+              </a:solidFill>
+            </a:ln>
+          </p:spPr>
+          <p:style>
+            <a:lnRef idx="1">
+              <a:schemeClr val="accent1"/>
+            </a:lnRef>
+            <a:fillRef idx="0">
+              <a:schemeClr val="accent1"/>
+            </a:fillRef>
+            <a:effectRef idx="0">
+              <a:schemeClr val="accent1"/>
+            </a:effectRef>
+            <a:fontRef idx="minor">
+              <a:schemeClr val="tx1"/>
+            </a:fontRef>
+          </p:style>
+        </p:cxnSp>
+        <p:cxnSp>
+          <p:nvCxnSpPr>
+            <p:cNvPr id="23" name="Straight Connector 22">
+              <a:extLst>
+                <a:ext uri="{FF2B5EF4-FFF2-40B4-BE49-F238E27FC236}">
+                  <a16:creationId xmlns:a16="http://schemas.microsoft.com/office/drawing/2014/main" id="{EFDBAEB6-8DA7-4E82-8588-022EF6931466}"/>
+                </a:ext>
+              </a:extLst>
+            </p:cNvPr>
+            <p:cNvCxnSpPr>
+              <a:cxnSpLocks/>
+            </p:cNvCxnSpPr>
+            <p:nvPr/>
+          </p:nvCxnSpPr>
+          <p:spPr>
+            <a:xfrm>
+              <a:off x="6255739" y="545123"/>
+              <a:ext cx="821336" cy="0"/>
+            </a:xfrm>
+            <a:prstGeom prst="line">
+              <a:avLst/>
+            </a:prstGeom>
+            <a:ln w="38100">
+              <a:solidFill>
+                <a:schemeClr val="tx1"/>
+              </a:solidFill>
+            </a:ln>
+          </p:spPr>
+          <p:style>
+            <a:lnRef idx="1">
+              <a:schemeClr val="accent1"/>
+            </a:lnRef>
+            <a:fillRef idx="0">
+              <a:schemeClr val="accent1"/>
+            </a:fillRef>
+            <a:effectRef idx="0">
+              <a:schemeClr val="accent1"/>
+            </a:effectRef>
+            <a:fontRef idx="minor">
+              <a:schemeClr val="tx1"/>
+            </a:fontRef>
+          </p:style>
+        </p:cxnSp>
+        <p:cxnSp>
+          <p:nvCxnSpPr>
+            <p:cNvPr id="24" name="Straight Connector 23">
+              <a:extLst>
+                <a:ext uri="{FF2B5EF4-FFF2-40B4-BE49-F238E27FC236}">
+                  <a16:creationId xmlns:a16="http://schemas.microsoft.com/office/drawing/2014/main" id="{A436FC89-92E8-4FDC-BAC2-A6AC0ABA1552}"/>
+                </a:ext>
+              </a:extLst>
+            </p:cNvPr>
+            <p:cNvCxnSpPr>
+              <a:cxnSpLocks/>
+            </p:cNvCxnSpPr>
+            <p:nvPr/>
+          </p:nvCxnSpPr>
+          <p:spPr>
+            <a:xfrm>
+              <a:off x="3533556" y="4543279"/>
+              <a:ext cx="429088" cy="0"/>
+            </a:xfrm>
+            <a:prstGeom prst="line">
+              <a:avLst/>
+            </a:prstGeom>
+            <a:ln w="38100">
+              <a:solidFill>
+                <a:schemeClr val="tx1"/>
+              </a:solidFill>
+            </a:ln>
+          </p:spPr>
+          <p:style>
+            <a:lnRef idx="1">
+              <a:schemeClr val="accent1"/>
+            </a:lnRef>
+            <a:fillRef idx="0">
+              <a:schemeClr val="accent1"/>
+            </a:fillRef>
+            <a:effectRef idx="0">
+              <a:schemeClr val="accent1"/>
+            </a:effectRef>
+            <a:fontRef idx="minor">
+              <a:schemeClr val="tx1"/>
+            </a:fontRef>
+          </p:style>
+        </p:cxnSp>
+        <p:cxnSp>
+          <p:nvCxnSpPr>
+            <p:cNvPr id="25" name="Connector: Elbow 24">
+              <a:extLst>
+                <a:ext uri="{FF2B5EF4-FFF2-40B4-BE49-F238E27FC236}">
+                  <a16:creationId xmlns:a16="http://schemas.microsoft.com/office/drawing/2014/main" id="{876B0240-AFB9-42F8-BF1A-70141F8B37F5}"/>
+                </a:ext>
+              </a:extLst>
+            </p:cNvPr>
+            <p:cNvCxnSpPr>
+              <a:cxnSpLocks/>
+            </p:cNvCxnSpPr>
+            <p:nvPr/>
+          </p:nvCxnSpPr>
+          <p:spPr>
+            <a:xfrm rot="10800000" flipV="1">
+              <a:off x="7377046" y="5689789"/>
+              <a:ext cx="786515" cy="365699"/>
+            </a:xfrm>
+            <a:prstGeom prst="bentConnector3">
+              <a:avLst>
+                <a:gd name="adj1" fmla="val -7807"/>
+              </a:avLst>
+            </a:prstGeom>
+            <a:ln w="38100">
+              <a:solidFill>
+                <a:schemeClr val="tx1"/>
+              </a:solidFill>
+              <a:tailEnd type="triangle"/>
+            </a:ln>
+          </p:spPr>
+          <p:style>
+            <a:lnRef idx="1">
+              <a:schemeClr val="accent1"/>
+            </a:lnRef>
+            <a:fillRef idx="0">
+              <a:schemeClr val="accent1"/>
+            </a:fillRef>
+            <a:effectRef idx="0">
+              <a:schemeClr val="accent1"/>
+            </a:effectRef>
+            <a:fontRef idx="minor">
+              <a:schemeClr val="tx1"/>
+            </a:fontRef>
+          </p:style>
+        </p:cxnSp>
+        <p:cxnSp>
+          <p:nvCxnSpPr>
+            <p:cNvPr id="26" name="Connector: Elbow 25">
+              <a:extLst>
+                <a:ext uri="{FF2B5EF4-FFF2-40B4-BE49-F238E27FC236}">
+                  <a16:creationId xmlns:a16="http://schemas.microsoft.com/office/drawing/2014/main" id="{2897E953-57E9-49CD-A783-AA238713C519}"/>
+                </a:ext>
+              </a:extLst>
+            </p:cNvPr>
+            <p:cNvCxnSpPr>
+              <a:cxnSpLocks/>
+            </p:cNvCxnSpPr>
+            <p:nvPr/>
+          </p:nvCxnSpPr>
+          <p:spPr>
+            <a:xfrm rot="16200000" flipV="1">
+              <a:off x="8261529" y="5899410"/>
+              <a:ext cx="707431" cy="324270"/>
+            </a:xfrm>
+            <a:prstGeom prst="bentConnector3">
+              <a:avLst>
+                <a:gd name="adj1" fmla="val 50000"/>
+              </a:avLst>
+            </a:prstGeom>
+            <a:ln w="38100">
+              <a:solidFill>
+                <a:schemeClr val="tx1"/>
+              </a:solidFill>
+              <a:tailEnd type="triangle"/>
+            </a:ln>
+          </p:spPr>
+          <p:style>
+            <a:lnRef idx="1">
+              <a:schemeClr val="accent1"/>
+            </a:lnRef>
+            <a:fillRef idx="0">
+              <a:schemeClr val="accent1"/>
+            </a:fillRef>
+            <a:effectRef idx="0">
+              <a:schemeClr val="accent1"/>
+            </a:effectRef>
+            <a:fontRef idx="minor">
+              <a:schemeClr val="tx1"/>
+            </a:fontRef>
+          </p:style>
+        </p:cxnSp>
+        <p:cxnSp>
+          <p:nvCxnSpPr>
+            <p:cNvPr id="28" name="Straight Arrow Connector 27">
+              <a:extLst>
+                <a:ext uri="{FF2B5EF4-FFF2-40B4-BE49-F238E27FC236}">
+                  <a16:creationId xmlns:a16="http://schemas.microsoft.com/office/drawing/2014/main" id="{706AF8D8-5FE3-4548-9879-DBC444A3A316}"/>
+                </a:ext>
+              </a:extLst>
+            </p:cNvPr>
+            <p:cNvCxnSpPr/>
+            <p:nvPr/>
+          </p:nvCxnSpPr>
+          <p:spPr>
+            <a:xfrm>
+              <a:off x="6488723" y="365125"/>
+              <a:ext cx="795997" cy="0"/>
+            </a:xfrm>
+            <a:prstGeom prst="straightConnector1">
+              <a:avLst/>
+            </a:prstGeom>
+            <a:ln w="28575">
+              <a:solidFill>
+                <a:schemeClr val="tx1"/>
+              </a:solidFill>
+              <a:tailEnd type="triangle"/>
+            </a:ln>
+          </p:spPr>
+          <p:style>
+            <a:lnRef idx="1">
+              <a:schemeClr val="accent1"/>
+            </a:lnRef>
+            <a:fillRef idx="0">
+              <a:schemeClr val="accent1"/>
+            </a:fillRef>
+            <a:effectRef idx="0">
+              <a:schemeClr val="accent1"/>
+            </a:effectRef>
+            <a:fontRef idx="minor">
+              <a:schemeClr val="tx1"/>
+            </a:fontRef>
+          </p:style>
+        </p:cxnSp>
+        <p:sp>
+          <p:nvSpPr>
+            <p:cNvPr id="32" name="Rectangle 31">
+              <a:extLst>
+                <a:ext uri="{FF2B5EF4-FFF2-40B4-BE49-F238E27FC236}">
+                  <a16:creationId xmlns:a16="http://schemas.microsoft.com/office/drawing/2014/main" id="{F444652E-E9DC-4D21-830D-DFD84C86269F}"/>
+                </a:ext>
+              </a:extLst>
+            </p:cNvPr>
+            <p:cNvSpPr/>
+            <p:nvPr/>
+          </p:nvSpPr>
+          <p:spPr>
+            <a:xfrm>
+              <a:off x="5909469" y="443318"/>
+              <a:ext cx="347472" cy="1225457"/>
+            </a:xfrm>
+            <a:prstGeom prst="rect">
+              <a:avLst/>
+            </a:prstGeom>
+            <a:solidFill>
+              <a:schemeClr val="bg1"/>
+            </a:solidFill>
+            <a:ln>
+              <a:noFill/>
+            </a:ln>
+          </p:spPr>
+          <p:style>
+            <a:lnRef idx="2">
+              <a:schemeClr val="accent1">
+                <a:shade val="50000"/>
+              </a:schemeClr>
+            </a:lnRef>
+            <a:fillRef idx="1">
+              <a:schemeClr val="accent1"/>
+            </a:fillRef>
+            <a:effectRef idx="0">
+              <a:schemeClr val="accent1"/>
+            </a:effectRef>
+            <a:fontRef idx="minor">
+              <a:schemeClr val="lt1"/>
+            </a:fontRef>
+          </p:style>
+          <p:txBody>
+            <a:bodyPr rtlCol="0" anchor="ctr"/>
+            <a:lstStyle/>
+            <a:p>
+              <a:pPr algn="ctr"/>
+              <a:endParaRPr lang="en-US"/>
+            </a:p>
+          </p:txBody>
+        </p:sp>
+        <p:sp>
+          <p:nvSpPr>
+            <p:cNvPr id="33" name="Rectangle 32">
+              <a:extLst>
+                <a:ext uri="{FF2B5EF4-FFF2-40B4-BE49-F238E27FC236}">
+                  <a16:creationId xmlns:a16="http://schemas.microsoft.com/office/drawing/2014/main" id="{030D6B31-2D04-42F8-89AA-3B29704D38E0}"/>
+                </a:ext>
+              </a:extLst>
+            </p:cNvPr>
+            <p:cNvSpPr/>
+            <p:nvPr/>
+          </p:nvSpPr>
+          <p:spPr>
+            <a:xfrm>
+              <a:off x="3646276" y="4351680"/>
+              <a:ext cx="203648" cy="692725"/>
+            </a:xfrm>
+            <a:prstGeom prst="rect">
+              <a:avLst/>
+            </a:prstGeom>
+            <a:solidFill>
+              <a:schemeClr val="bg1"/>
+            </a:solidFill>
+            <a:ln>
+              <a:noFill/>
+            </a:ln>
+          </p:spPr>
+          <p:style>
+            <a:lnRef idx="2">
+              <a:schemeClr val="accent1">
+                <a:shade val="50000"/>
+              </a:schemeClr>
+            </a:lnRef>
+            <a:fillRef idx="1">
+              <a:schemeClr val="accent1"/>
+            </a:fillRef>
+            <a:effectRef idx="0">
+              <a:schemeClr val="accent1"/>
+            </a:effectRef>
+            <a:fontRef idx="minor">
+              <a:schemeClr val="lt1"/>
+            </a:fontRef>
+          </p:style>
+          <p:txBody>
+            <a:bodyPr rtlCol="0" anchor="ctr"/>
+            <a:lstStyle/>
+            <a:p>
+              <a:pPr algn="ctr"/>
+              <a:endParaRPr lang="en-US"/>
+            </a:p>
+          </p:txBody>
+        </p:sp>
+        <p:cxnSp>
+          <p:nvCxnSpPr>
+            <p:cNvPr id="27" name="Straight Arrow Connector 26">
+              <a:extLst>
+                <a:ext uri="{FF2B5EF4-FFF2-40B4-BE49-F238E27FC236}">
+                  <a16:creationId xmlns:a16="http://schemas.microsoft.com/office/drawing/2014/main" id="{ACB3F520-5913-4D07-9A8D-3A329A3D7677}"/>
+                </a:ext>
+              </a:extLst>
+            </p:cNvPr>
+            <p:cNvCxnSpPr/>
+            <p:nvPr/>
+          </p:nvCxnSpPr>
+          <p:spPr>
+            <a:xfrm flipV="1">
+              <a:off x="3748100" y="4062784"/>
+              <a:ext cx="0" cy="692731"/>
+            </a:xfrm>
+            <a:prstGeom prst="straightConnector1">
+              <a:avLst/>
+            </a:prstGeom>
+            <a:ln w="28575">
+              <a:solidFill>
+                <a:schemeClr val="tx1"/>
+              </a:solidFill>
+              <a:tailEnd type="triangle"/>
+            </a:ln>
+          </p:spPr>
+          <p:style>
+            <a:lnRef idx="1">
+              <a:schemeClr val="accent1"/>
+            </a:lnRef>
+            <a:fillRef idx="0">
+              <a:schemeClr val="accent1"/>
+            </a:fillRef>
+            <a:effectRef idx="0">
+              <a:schemeClr val="accent1"/>
+            </a:effectRef>
+            <a:fontRef idx="minor">
+              <a:schemeClr val="tx1"/>
+            </a:fontRef>
+          </p:style>
+        </p:cxnSp>
+        <p:sp>
+          <p:nvSpPr>
+            <p:cNvPr id="34" name="TextBox 33">
+              <a:extLst>
+                <a:ext uri="{FF2B5EF4-FFF2-40B4-BE49-F238E27FC236}">
+                  <a16:creationId xmlns:a16="http://schemas.microsoft.com/office/drawing/2014/main" id="{09E8AE50-A64A-4E29-B752-3817D0C50CB7}"/>
+                </a:ext>
+              </a:extLst>
+            </p:cNvPr>
+            <p:cNvSpPr txBox="1"/>
+            <p:nvPr/>
+          </p:nvSpPr>
+          <p:spPr>
+            <a:xfrm>
+              <a:off x="7307340" y="134292"/>
+              <a:ext cx="1107996" cy="461665"/>
+            </a:xfrm>
+            <a:prstGeom prst="rect">
+              <a:avLst/>
+            </a:prstGeom>
+            <a:noFill/>
+          </p:spPr>
+          <p:txBody>
+            <a:bodyPr wrap="none" rtlCol="0">
+              <a:spAutoFit/>
+            </a:bodyPr>
+            <a:lstStyle/>
+            <a:p>
+              <a:r>
+                <a:rPr lang="zh-CN" altLang="en-US" sz="2300" b="1" dirty="0">
+                  <a:latin typeface="宋体" panose="02010600030101010101" pitchFamily="2" charset="-122"/>
+                  <a:ea typeface="宋体" panose="02010600030101010101" pitchFamily="2" charset="-122"/>
+                </a:rPr>
+                <a:t>真空泵</a:t>
+              </a:r>
+              <a:endParaRPr lang="en-US" sz="2300" b="1" dirty="0">
+                <a:latin typeface="宋体" panose="02010600030101010101" pitchFamily="2" charset="-122"/>
+                <a:ea typeface="宋体" panose="02010600030101010101" pitchFamily="2" charset="-122"/>
+              </a:endParaRPr>
+            </a:p>
+          </p:txBody>
+        </p:sp>
+        <p:sp>
+          <p:nvSpPr>
+            <p:cNvPr id="35" name="TextBox 34">
+              <a:extLst>
+                <a:ext uri="{FF2B5EF4-FFF2-40B4-BE49-F238E27FC236}">
+                  <a16:creationId xmlns:a16="http://schemas.microsoft.com/office/drawing/2014/main" id="{A16637F7-190B-41A3-BF88-9B53E4B52BA4}"/>
+                </a:ext>
+              </a:extLst>
+            </p:cNvPr>
+            <p:cNvSpPr txBox="1"/>
+            <p:nvPr/>
+          </p:nvSpPr>
+          <p:spPr>
+            <a:xfrm>
+              <a:off x="5544962" y="2074932"/>
+              <a:ext cx="1107996" cy="461665"/>
+            </a:xfrm>
+            <a:prstGeom prst="rect">
+              <a:avLst/>
+            </a:prstGeom>
+            <a:noFill/>
+          </p:spPr>
+          <p:txBody>
+            <a:bodyPr wrap="none" rtlCol="0">
+              <a:spAutoFit/>
+            </a:bodyPr>
+            <a:lstStyle/>
+            <a:p>
+              <a:r>
+                <a:rPr lang="zh-CN" altLang="en-US" sz="2300" b="1" dirty="0">
+                  <a:latin typeface="宋体" panose="02010600030101010101" pitchFamily="2" charset="-122"/>
+                  <a:ea typeface="宋体" panose="02010600030101010101" pitchFamily="2" charset="-122"/>
+                </a:rPr>
+                <a:t>真空盒</a:t>
+              </a:r>
+              <a:endParaRPr lang="en-US" sz="2300" b="1" dirty="0">
+                <a:latin typeface="宋体" panose="02010600030101010101" pitchFamily="2" charset="-122"/>
+                <a:ea typeface="宋体" panose="02010600030101010101" pitchFamily="2" charset="-122"/>
+              </a:endParaRPr>
+            </a:p>
+          </p:txBody>
+        </p:sp>
+        <p:sp>
+          <p:nvSpPr>
+            <p:cNvPr id="36" name="TextBox 35">
+              <a:extLst>
+                <a:ext uri="{FF2B5EF4-FFF2-40B4-BE49-F238E27FC236}">
+                  <a16:creationId xmlns:a16="http://schemas.microsoft.com/office/drawing/2014/main" id="{47A1AA04-6538-474F-8B56-194034A2BE64}"/>
+                </a:ext>
+              </a:extLst>
+            </p:cNvPr>
+            <p:cNvSpPr txBox="1"/>
+            <p:nvPr/>
+          </p:nvSpPr>
+          <p:spPr>
+            <a:xfrm>
+              <a:off x="5391074" y="2762924"/>
+              <a:ext cx="1415772" cy="461665"/>
+            </a:xfrm>
+            <a:prstGeom prst="rect">
+              <a:avLst/>
+            </a:prstGeom>
+            <a:noFill/>
+          </p:spPr>
+          <p:txBody>
+            <a:bodyPr wrap="none" rtlCol="0">
+              <a:spAutoFit/>
+            </a:bodyPr>
+            <a:lstStyle/>
+            <a:p>
+              <a:r>
+                <a:rPr lang="zh-CN" altLang="en-US" sz="2300" b="1" dirty="0">
+                  <a:latin typeface="宋体" panose="02010600030101010101" pitchFamily="2" charset="-122"/>
+                  <a:ea typeface="宋体" panose="02010600030101010101" pitchFamily="2" charset="-122"/>
+                </a:rPr>
+                <a:t>均匀磁场</a:t>
+              </a:r>
+              <a:endParaRPr lang="en-US" sz="2300" b="1" dirty="0">
+                <a:latin typeface="宋体" panose="02010600030101010101" pitchFamily="2" charset="-122"/>
+                <a:ea typeface="宋体" panose="02010600030101010101" pitchFamily="2" charset="-122"/>
+              </a:endParaRPr>
+            </a:p>
+          </p:txBody>
+        </p:sp>
+        <p:sp>
+          <p:nvSpPr>
+            <p:cNvPr id="37" name="TextBox 36">
+              <a:extLst>
+                <a:ext uri="{FF2B5EF4-FFF2-40B4-BE49-F238E27FC236}">
+                  <a16:creationId xmlns:a16="http://schemas.microsoft.com/office/drawing/2014/main" id="{4F480412-9651-4951-AF60-17A01C25283C}"/>
+                </a:ext>
+              </a:extLst>
+            </p:cNvPr>
+            <p:cNvSpPr txBox="1"/>
+            <p:nvPr/>
+          </p:nvSpPr>
+          <p:spPr>
+            <a:xfrm>
+              <a:off x="8068940" y="4425871"/>
+              <a:ext cx="538609" cy="1252907"/>
+            </a:xfrm>
+            <a:prstGeom prst="rect">
+              <a:avLst/>
+            </a:prstGeom>
+            <a:noFill/>
+          </p:spPr>
+          <p:txBody>
+            <a:bodyPr vert="eaVert" wrap="none" rtlCol="0">
+              <a:spAutoFit/>
+            </a:bodyPr>
+            <a:lstStyle/>
+            <a:p>
+              <a:r>
+                <a:rPr lang="zh-CN" altLang="en-US" sz="2300" b="1" dirty="0">
+                  <a:latin typeface="宋体" panose="02010600030101010101" pitchFamily="2" charset="-122"/>
+                  <a:ea typeface="宋体" panose="02010600030101010101" pitchFamily="2" charset="-122"/>
+                </a:rPr>
+                <a:t>闪烁探头</a:t>
+              </a:r>
+              <a:endParaRPr lang="en-US" sz="2300" b="1" dirty="0">
+                <a:latin typeface="宋体" panose="02010600030101010101" pitchFamily="2" charset="-122"/>
+                <a:ea typeface="宋体" panose="02010600030101010101" pitchFamily="2" charset="-122"/>
+              </a:endParaRPr>
+            </a:p>
+          </p:txBody>
+        </p:sp>
+        <p:sp>
+          <p:nvSpPr>
+            <p:cNvPr id="39" name="TextBox 38">
+              <a:extLst>
+                <a:ext uri="{FF2B5EF4-FFF2-40B4-BE49-F238E27FC236}">
+                  <a16:creationId xmlns:a16="http://schemas.microsoft.com/office/drawing/2014/main" id="{C3E246C8-56C0-42FB-B30D-10E54AA991B6}"/>
+                </a:ext>
+              </a:extLst>
+            </p:cNvPr>
+            <p:cNvSpPr txBox="1"/>
+            <p:nvPr/>
+          </p:nvSpPr>
+          <p:spPr>
+            <a:xfrm>
+              <a:off x="5653287" y="5677563"/>
+              <a:ext cx="1723549" cy="461665"/>
+            </a:xfrm>
+            <a:prstGeom prst="rect">
+              <a:avLst/>
+            </a:prstGeom>
+            <a:noFill/>
+          </p:spPr>
+          <p:txBody>
+            <a:bodyPr wrap="none" rtlCol="0">
+              <a:spAutoFit/>
+            </a:bodyPr>
+            <a:lstStyle/>
+            <a:p>
+              <a:r>
+                <a:rPr lang="zh-CN" altLang="en-US" sz="2300" b="1" dirty="0">
+                  <a:latin typeface="宋体" panose="02010600030101010101" pitchFamily="2" charset="-122"/>
+                  <a:ea typeface="宋体" panose="02010600030101010101" pitchFamily="2" charset="-122"/>
+                </a:rPr>
+                <a:t>多道分析器</a:t>
+              </a:r>
+              <a:endParaRPr lang="en-US" sz="2300" b="1" dirty="0">
+                <a:latin typeface="宋体" panose="02010600030101010101" pitchFamily="2" charset="-122"/>
+                <a:ea typeface="宋体" panose="02010600030101010101" pitchFamily="2" charset="-122"/>
+              </a:endParaRPr>
+            </a:p>
+          </p:txBody>
+        </p:sp>
+        <p:sp>
+          <p:nvSpPr>
+            <p:cNvPr id="40" name="TextBox 39">
+              <a:extLst>
+                <a:ext uri="{FF2B5EF4-FFF2-40B4-BE49-F238E27FC236}">
+                  <a16:creationId xmlns:a16="http://schemas.microsoft.com/office/drawing/2014/main" id="{111C66FA-9BB3-4A8B-9DFC-40B1DD27A567}"/>
+                </a:ext>
+              </a:extLst>
+            </p:cNvPr>
+            <p:cNvSpPr txBox="1"/>
+            <p:nvPr/>
+          </p:nvSpPr>
+          <p:spPr>
+            <a:xfrm>
+              <a:off x="8865180" y="5638914"/>
+              <a:ext cx="782342" cy="800219"/>
+            </a:xfrm>
+            <a:prstGeom prst="rect">
+              <a:avLst/>
+            </a:prstGeom>
+            <a:noFill/>
+          </p:spPr>
+          <p:txBody>
+            <a:bodyPr wrap="square" rtlCol="0">
+              <a:spAutoFit/>
+            </a:bodyPr>
+            <a:lstStyle/>
+            <a:p>
+              <a:r>
+                <a:rPr lang="zh-CN" altLang="en-US" sz="2300" b="1" dirty="0">
+                  <a:latin typeface="宋体" panose="02010600030101010101" pitchFamily="2" charset="-122"/>
+                  <a:ea typeface="宋体" panose="02010600030101010101" pitchFamily="2" charset="-122"/>
+                </a:rPr>
+                <a:t>高压电源</a:t>
+              </a:r>
+              <a:endParaRPr lang="en-US" sz="2300" b="1" dirty="0">
+                <a:latin typeface="宋体" panose="02010600030101010101" pitchFamily="2" charset="-122"/>
+                <a:ea typeface="宋体" panose="02010600030101010101" pitchFamily="2" charset="-122"/>
+              </a:endParaRPr>
+            </a:p>
+          </p:txBody>
+        </p:sp>
+        <p:sp>
+          <p:nvSpPr>
+            <p:cNvPr id="42" name="TextBox 41">
+              <a:extLst>
+                <a:ext uri="{FF2B5EF4-FFF2-40B4-BE49-F238E27FC236}">
+                  <a16:creationId xmlns:a16="http://schemas.microsoft.com/office/drawing/2014/main" id="{CDAE3CF5-0B61-4144-957C-8CF9A6B58283}"/>
+                </a:ext>
+              </a:extLst>
+            </p:cNvPr>
+            <p:cNvSpPr txBox="1"/>
+            <p:nvPr/>
+          </p:nvSpPr>
+          <p:spPr>
+            <a:xfrm>
+              <a:off x="4092888" y="4351680"/>
+              <a:ext cx="1112805" cy="461665"/>
+            </a:xfrm>
+            <a:prstGeom prst="rect">
+              <a:avLst/>
+            </a:prstGeom>
+            <a:noFill/>
+          </p:spPr>
+          <p:txBody>
+            <a:bodyPr wrap="none" rtlCol="0">
+              <a:spAutoFit/>
+            </a:bodyPr>
+            <a:lstStyle>
+              <a:defPPr>
+                <a:defRPr lang="en-US"/>
+              </a:defPPr>
+              <a:lvl1pPr>
+                <a:defRPr sz="2400" b="1">
+                  <a:latin typeface="宋体" panose="02010600030101010101" pitchFamily="2" charset="-122"/>
+                  <a:ea typeface="宋体" panose="02010600030101010101" pitchFamily="2" charset="-122"/>
+                </a:defRPr>
+              </a:lvl1pPr>
+            </a:lstStyle>
+            <a:p>
+              <a:r>
+                <a:rPr lang="zh-CN" altLang="en-US" sz="2300" dirty="0"/>
+                <a:t>准直孔</a:t>
+              </a:r>
+              <a:endParaRPr lang="en-US" sz="2300" dirty="0"/>
+            </a:p>
+          </p:txBody>
+        </p:sp>
+        <mc:AlternateContent xmlns:mc="http://schemas.openxmlformats.org/markup-compatibility/2006">
+          <mc:Choice xmlns:a14="http://schemas.microsoft.com/office/drawing/2010/main" Requires="a14">
+            <p:sp>
+              <p:nvSpPr>
+                <p:cNvPr id="43" name="TextBox 42">
+                  <a:extLst>
+                    <a:ext uri="{FF2B5EF4-FFF2-40B4-BE49-F238E27FC236}">
+                      <a16:creationId xmlns:a16="http://schemas.microsoft.com/office/drawing/2014/main" id="{B4E72543-F853-4755-8B05-CB6BA085AA3E}"/>
+                    </a:ext>
+                  </a:extLst>
+                </p:cNvPr>
+                <p:cNvSpPr txBox="1"/>
+                <p:nvPr/>
+              </p:nvSpPr>
+              <p:spPr>
+                <a:xfrm>
+                  <a:off x="3235332" y="3631988"/>
+                  <a:ext cx="1042273" cy="446276"/>
+                </a:xfrm>
+                <a:prstGeom prst="rect">
+                  <a:avLst/>
+                </a:prstGeom>
+                <a:noFill/>
+              </p:spPr>
+              <p:txBody>
+                <a:bodyPr wrap="none" rtlCol="0">
+                  <a:spAutoFit/>
+                </a:bodyPr>
+                <a:lstStyle/>
+                <a:p>
+                  <a14:m>
+                    <m:oMath xmlns:m="http://schemas.openxmlformats.org/officeDocument/2006/math">
+                      <m:r>
+                        <a:rPr lang="en-US" sz="2300" b="0" i="1" smtClean="0">
+                          <a:latin typeface="Cambria Math" panose="02040503050406030204" pitchFamily="18" charset="0"/>
+                        </a:rPr>
+                        <m:t>𝛽</m:t>
+                      </m:r>
+                    </m:oMath>
+                  </a14:m>
+                  <a:r>
+                    <a:rPr lang="en-US" sz="1000" b="1" dirty="0">
+                      <a:latin typeface="宋体" panose="02010600030101010101" pitchFamily="2" charset="-122"/>
+                      <a:ea typeface="宋体" panose="02010600030101010101" pitchFamily="2" charset="-122"/>
+                    </a:rPr>
+                    <a:t> </a:t>
+                  </a:r>
+                  <a:r>
+                    <a:rPr lang="zh-CN" altLang="en-US" sz="2300" b="1" dirty="0">
+                      <a:latin typeface="宋体" panose="02010600030101010101" pitchFamily="2" charset="-122"/>
+                      <a:ea typeface="宋体" panose="02010600030101010101" pitchFamily="2" charset="-122"/>
+                    </a:rPr>
+                    <a:t>电子</a:t>
+                  </a:r>
+                  <a:endParaRPr lang="en-US" sz="2300" b="1" dirty="0">
+                    <a:latin typeface="宋体" panose="02010600030101010101" pitchFamily="2" charset="-122"/>
+                    <a:ea typeface="宋体" panose="02010600030101010101" pitchFamily="2" charset="-122"/>
+                  </a:endParaRPr>
+                </a:p>
+              </p:txBody>
+            </p:sp>
+          </mc:Choice>
+          <mc:Fallback>
+            <p:sp>
+              <p:nvSpPr>
+                <p:cNvPr id="43" name="TextBox 42">
+                  <a:extLst>
+                    <a:ext uri="{FF2B5EF4-FFF2-40B4-BE49-F238E27FC236}">
+                      <a16:creationId xmlns:a16="http://schemas.microsoft.com/office/drawing/2014/main" id="{B4E72543-F853-4755-8B05-CB6BA085AA3E}"/>
+                    </a:ext>
+                  </a:extLst>
+                </p:cNvPr>
+                <p:cNvSpPr txBox="1">
+                  <a:spLocks noRot="1" noChangeAspect="1" noMove="1" noResize="1" noEditPoints="1" noAdjustHandles="1" noChangeArrowheads="1" noChangeShapeType="1" noTextEdit="1"/>
+                </p:cNvSpPr>
+                <p:nvPr/>
+              </p:nvSpPr>
+              <p:spPr>
+                <a:xfrm>
+                  <a:off x="3235332" y="3631988"/>
+                  <a:ext cx="1042273" cy="446276"/>
+                </a:xfrm>
+                <a:prstGeom prst="rect">
+                  <a:avLst/>
+                </a:prstGeom>
+                <a:blipFill>
+                  <a:blip r:embed="rId2"/>
+                  <a:stretch>
+                    <a:fillRect l="-4678" t="-15068" r="-6433" b="-26027"/>
+                  </a:stretch>
+                </a:blipFill>
+              </p:spPr>
+              <p:txBody>
+                <a:bodyPr/>
+                <a:lstStyle/>
+                <a:p>
+                  <a:r>
+                    <a:rPr lang="en-US">
+                      <a:noFill/>
+                    </a:rPr>
+                    <a:t> </a:t>
+                  </a:r>
+                </a:p>
+              </p:txBody>
+            </p:sp>
+          </mc:Fallback>
+        </mc:AlternateContent>
+        <mc:AlternateContent xmlns:mc="http://schemas.openxmlformats.org/markup-compatibility/2006">
+          <mc:Choice xmlns:a14="http://schemas.microsoft.com/office/drawing/2010/main" Requires="a14">
+            <p:sp>
+              <p:nvSpPr>
+                <p:cNvPr id="44" name="TextBox 43">
+                  <a:extLst>
+                    <a:ext uri="{FF2B5EF4-FFF2-40B4-BE49-F238E27FC236}">
+                      <a16:creationId xmlns:a16="http://schemas.microsoft.com/office/drawing/2014/main" id="{0FF7E026-ABCD-427C-A22B-4A58983B348B}"/>
+                    </a:ext>
+                  </a:extLst>
+                </p:cNvPr>
+                <p:cNvSpPr txBox="1"/>
+                <p:nvPr/>
+              </p:nvSpPr>
+              <p:spPr>
+                <a:xfrm>
+                  <a:off x="3382808" y="5577358"/>
+                  <a:ext cx="730585" cy="446276"/>
+                </a:xfrm>
+                <a:prstGeom prst="rect">
+                  <a:avLst/>
+                </a:prstGeom>
+                <a:noFill/>
+              </p:spPr>
+              <p:txBody>
+                <a:bodyPr wrap="square" rtlCol="0">
+                  <a:spAutoFit/>
+                </a:bodyPr>
+                <a:lstStyle/>
+                <a:p>
+                  <a14:m>
+                    <m:oMath xmlns:m="http://schemas.openxmlformats.org/officeDocument/2006/math">
+                      <m:r>
+                        <a:rPr lang="en-US" sz="2300" b="0" i="1" smtClean="0">
+                          <a:latin typeface="Cambria Math" panose="02040503050406030204" pitchFamily="18" charset="0"/>
+                        </a:rPr>
+                        <m:t>𝛽</m:t>
+                      </m:r>
+                    </m:oMath>
+                  </a14:m>
+                  <a:r>
+                    <a:rPr lang="zh-CN" altLang="en-US" sz="1000" b="1" dirty="0">
+                      <a:latin typeface="宋体" panose="02010600030101010101" pitchFamily="2" charset="-122"/>
+                      <a:ea typeface="宋体" panose="02010600030101010101" pitchFamily="2" charset="-122"/>
+                    </a:rPr>
+                    <a:t> </a:t>
+                  </a:r>
+                  <a:r>
+                    <a:rPr lang="zh-CN" altLang="en-US" sz="2300" b="1" dirty="0">
+                      <a:latin typeface="宋体" panose="02010600030101010101" pitchFamily="2" charset="-122"/>
+                      <a:ea typeface="宋体" panose="02010600030101010101" pitchFamily="2" charset="-122"/>
+                    </a:rPr>
+                    <a:t>源</a:t>
+                  </a:r>
+                  <a:endParaRPr lang="en-US" sz="2300" b="1" dirty="0">
+                    <a:latin typeface="宋体" panose="02010600030101010101" pitchFamily="2" charset="-122"/>
+                    <a:ea typeface="宋体" panose="02010600030101010101" pitchFamily="2" charset="-122"/>
+                  </a:endParaRPr>
+                </a:p>
+              </p:txBody>
+            </p:sp>
+          </mc:Choice>
+          <mc:Fallback>
+            <p:sp>
+              <p:nvSpPr>
+                <p:cNvPr id="44" name="TextBox 43">
+                  <a:extLst>
+                    <a:ext uri="{FF2B5EF4-FFF2-40B4-BE49-F238E27FC236}">
+                      <a16:creationId xmlns:a16="http://schemas.microsoft.com/office/drawing/2014/main" id="{0FF7E026-ABCD-427C-A22B-4A58983B348B}"/>
+                    </a:ext>
+                  </a:extLst>
+                </p:cNvPr>
+                <p:cNvSpPr txBox="1">
+                  <a:spLocks noRot="1" noChangeAspect="1" noMove="1" noResize="1" noEditPoints="1" noAdjustHandles="1" noChangeArrowheads="1" noChangeShapeType="1" noTextEdit="1"/>
+                </p:cNvSpPr>
+                <p:nvPr/>
+              </p:nvSpPr>
+              <p:spPr>
+                <a:xfrm>
+                  <a:off x="3382808" y="5577358"/>
+                  <a:ext cx="730585" cy="446276"/>
+                </a:xfrm>
+                <a:prstGeom prst="rect">
+                  <a:avLst/>
+                </a:prstGeom>
+                <a:blipFill>
+                  <a:blip r:embed="rId3"/>
+                  <a:stretch>
+                    <a:fillRect l="-6667" t="-15068" r="-10833" b="-26027"/>
+                  </a:stretch>
+                </a:blipFill>
+              </p:spPr>
+              <p:txBody>
+                <a:bodyPr/>
+                <a:lstStyle/>
+                <a:p>
+                  <a:r>
+                    <a:rPr lang="en-US">
+                      <a:noFill/>
+                    </a:rPr>
+                    <a:t> </a:t>
+                  </a:r>
+                </a:p>
+              </p:txBody>
+            </p:sp>
+          </mc:Fallback>
+        </mc:AlternateContent>
+        <mc:AlternateContent xmlns:mc="http://schemas.openxmlformats.org/markup-compatibility/2006">
+          <mc:Choice xmlns:a14="http://schemas.microsoft.com/office/drawing/2010/main" Requires="a14">
+            <p:sp>
+              <p:nvSpPr>
+                <p:cNvPr id="45" name="TextBox 44">
+                  <a:extLst>
+                    <a:ext uri="{FF2B5EF4-FFF2-40B4-BE49-F238E27FC236}">
+                      <a16:creationId xmlns:a16="http://schemas.microsoft.com/office/drawing/2014/main" id="{BC6D7D65-25AF-4934-A593-6492693ADABC}"/>
+                    </a:ext>
+                  </a:extLst>
+                </p:cNvPr>
+                <p:cNvSpPr txBox="1"/>
+                <p:nvPr/>
+              </p:nvSpPr>
+              <p:spPr>
+                <a:xfrm>
+                  <a:off x="3355204" y="5147300"/>
+                  <a:ext cx="785793" cy="446276"/>
+                </a:xfrm>
+                <a:prstGeom prst="rect">
+                  <a:avLst/>
+                </a:prstGeom>
+                <a:noFill/>
+              </p:spPr>
+              <p:txBody>
+                <a:bodyPr wrap="none" rtlCol="0">
+                  <a:spAutoFit/>
+                </a:bodyPr>
+                <a:lstStyle/>
+                <a:p>
+                  <a14:m>
+                    <m:oMathPara xmlns:m="http://schemas.openxmlformats.org/officeDocument/2006/math">
+                      <m:oMathParaPr>
+                        <m:jc m:val="centerGroup"/>
+                      </m:oMathParaPr>
+                      <m:oMath xmlns:m="http://schemas.openxmlformats.org/officeDocument/2006/math">
+                        <m:r>
+                          <m:rPr>
+                            <m:sty m:val="p"/>
+                          </m:rPr>
+                          <a:rPr lang="en-US" altLang="zh-CN" sz="2300" b="0" i="1" smtClean="0">
+                            <a:latin typeface="Cambria Math" panose="02040503050406030204" pitchFamily="18" charset="0"/>
+                          </a:rPr>
+                          <m:t>Sr</m:t>
+                        </m:r>
+                        <m:r>
+                          <a:rPr lang="en-US" altLang="zh-CN" sz="2300" b="0" i="1" smtClean="0">
+                            <a:latin typeface="Cambria Math" panose="02040503050406030204" pitchFamily="18" charset="0"/>
+                          </a:rPr>
+                          <m:t>-</m:t>
+                        </m:r>
+                        <m:r>
+                          <m:rPr>
+                            <m:sty m:val="p"/>
+                          </m:rPr>
+                          <a:rPr lang="en-US" altLang="zh-CN" sz="2300" b="0" i="1" smtClean="0">
+                            <a:latin typeface="Cambria Math" panose="02040503050406030204" pitchFamily="18" charset="0"/>
+                          </a:rPr>
+                          <m:t>Y</m:t>
+                        </m:r>
+                      </m:oMath>
+                    </m:oMathPara>
+                  </a14:m>
+                  <a:endParaRPr lang="en-US" sz="2300" dirty="0"/>
+                </a:p>
+              </p:txBody>
+            </p:sp>
+          </mc:Choice>
+          <mc:Fallback>
+            <p:sp>
+              <p:nvSpPr>
+                <p:cNvPr id="45" name="TextBox 44">
+                  <a:extLst>
+                    <a:ext uri="{FF2B5EF4-FFF2-40B4-BE49-F238E27FC236}">
+                      <a16:creationId xmlns:a16="http://schemas.microsoft.com/office/drawing/2014/main" id="{BC6D7D65-25AF-4934-A593-6492693ADABC}"/>
+                    </a:ext>
+                  </a:extLst>
+                </p:cNvPr>
+                <p:cNvSpPr txBox="1">
+                  <a:spLocks noRot="1" noChangeAspect="1" noMove="1" noResize="1" noEditPoints="1" noAdjustHandles="1" noChangeArrowheads="1" noChangeShapeType="1" noTextEdit="1"/>
+                </p:cNvSpPr>
+                <p:nvPr/>
+              </p:nvSpPr>
+              <p:spPr>
+                <a:xfrm>
+                  <a:off x="3355204" y="5147300"/>
+                  <a:ext cx="785793" cy="446276"/>
+                </a:xfrm>
+                <a:prstGeom prst="rect">
+                  <a:avLst/>
+                </a:prstGeom>
+                <a:blipFill>
+                  <a:blip r:embed="rId4"/>
+                  <a:stretch>
+                    <a:fillRect/>
+                  </a:stretch>
+                </a:blipFill>
+              </p:spPr>
+              <p:txBody>
+                <a:bodyPr/>
+                <a:lstStyle/>
+                <a:p>
+                  <a:r>
+                    <a:rPr lang="en-US">
+                      <a:noFill/>
+                    </a:rPr>
+                    <a:t> </a:t>
+                  </a:r>
+                </a:p>
+              </p:txBody>
+            </p:sp>
+          </mc:Fallback>
+        </mc:AlternateContent>
+      </p:grpSp>
+    </p:spTree>
+    <p:extLst>
+      <p:ext uri="{BB962C8B-B14F-4D97-AF65-F5344CB8AC3E}">
+        <p14:creationId xmlns:p14="http://schemas.microsoft.com/office/powerpoint/2010/main" val="1182962143"/>
+      </p:ext>
+    </p:extLst>
+  </p:cSld>
+  <p:clrMapOvr>
+    <a:masterClrMapping/>
+  </p:clrMapOvr>
+</p:sld>
+</file>
+
 <file path=ppt/theme/theme1.xml><?xml version="1.0" encoding="utf-8"?>
 <a:theme xmlns:a="http://schemas.openxmlformats.org/drawingml/2006/main" name="Office Theme">
   <a:themeElements>
@@ -7523,4 +10275,299 @@
     </a:ext>
   </a:extLst>
 </a:theme>
+</file>
+
+<file path=ppt/theme/theme2.xml><?xml version="1.0" encoding="utf-8"?>
+<a:theme xmlns:a="http://schemas.openxmlformats.org/drawingml/2006/main" name="Office Theme">
+  <a:themeElements>
+    <a:clrScheme name="Office">
+      <a:dk1>
+        <a:sysClr val="windowText" lastClr="000000"/>
+      </a:dk1>
+      <a:lt1>
+        <a:sysClr val="window" lastClr="FFFFFF"/>
+      </a:lt1>
+      <a:dk2>
+        <a:srgbClr val="44546A"/>
+      </a:dk2>
+      <a:lt2>
+        <a:srgbClr val="E7E6E6"/>
+      </a:lt2>
+      <a:accent1>
+        <a:srgbClr val="4472C4"/>
+      </a:accent1>
+      <a:accent2>
+        <a:srgbClr val="ED7D31"/>
+      </a:accent2>
+      <a:accent3>
+        <a:srgbClr val="A5A5A5"/>
+      </a:accent3>
+      <a:accent4>
+        <a:srgbClr val="FFC000"/>
+      </a:accent4>
+      <a:accent5>
+        <a:srgbClr val="5B9BD5"/>
+      </a:accent5>
+      <a:accent6>
+        <a:srgbClr val="70AD47"/>
+      </a:accent6>
+      <a:hlink>
+        <a:srgbClr val="0563C1"/>
+      </a:hlink>
+      <a:folHlink>
+        <a:srgbClr val="954F72"/>
+      </a:folHlink>
+    </a:clrScheme>
+    <a:fontScheme name="Office">
+      <a:majorFont>
+        <a:latin typeface="Calibri Light" panose="020F0302020204030204"/>
+        <a:ea typeface=""/>
+        <a:cs typeface=""/>
+        <a:font script="Jpan" typeface="游ゴシック Light"/>
+        <a:font script="Hang" typeface="맑은 고딕"/>
+        <a:font script="Hans" typeface="等线 Light"/>
+        <a:font script="Hant" typeface="新細明體"/>
+        <a:font script="Arab" typeface="Times New Roman"/>
+        <a:font script="Hebr" typeface="Times New Roman"/>
+        <a:font script="Thai" typeface="Angsana New"/>
+        <a:font script="Ethi" typeface="Nyala"/>
+        <a:font script="Beng" typeface="Vrinda"/>
+        <a:font script="Gujr" typeface="Shruti"/>
+        <a:font script="Khmr" typeface="MoolBoran"/>
+        <a:font script="Knda" typeface="Tunga"/>
+        <a:font script="Guru" typeface="Raavi"/>
+        <a:font script="Cans" typeface="Euphemia"/>
+        <a:font script="Cher" typeface="Plantagenet Cherokee"/>
+        <a:font script="Yiii" typeface="Microsoft Yi Baiti"/>
+        <a:font script="Tibt" typeface="Microsoft Himalaya"/>
+        <a:font script="Thaa" typeface="MV Boli"/>
+        <a:font script="Deva" typeface="Mangal"/>
+        <a:font script="Telu" typeface="Gautami"/>
+        <a:font script="Taml" typeface="Latha"/>
+        <a:font script="Syrc" typeface="Estrangelo Edessa"/>
+        <a:font script="Orya" typeface="Kalinga"/>
+        <a:font script="Mlym" typeface="Kartika"/>
+        <a:font script="Laoo" typeface="DokChampa"/>
+        <a:font script="Sinh" typeface="Iskoola Pota"/>
+        <a:font script="Mong" typeface="Mongolian Baiti"/>
+        <a:font script="Viet" typeface="Times New Roman"/>
+        <a:font script="Uigh" typeface="Microsoft Uighur"/>
+        <a:font script="Geor" typeface="Sylfaen"/>
+        <a:font script="Armn" typeface="Arial"/>
+        <a:font script="Bugi" typeface="Leelawadee UI"/>
+        <a:font script="Bopo" typeface="Microsoft JhengHei"/>
+        <a:font script="Java" typeface="Javanese Text"/>
+        <a:font script="Lisu" typeface="Segoe UI"/>
+        <a:font script="Mymr" typeface="Myanmar Text"/>
+        <a:font script="Nkoo" typeface="Ebrima"/>
+        <a:font script="Olck" typeface="Nirmala UI"/>
+        <a:font script="Osma" typeface="Ebrima"/>
+        <a:font script="Phag" typeface="Phagspa"/>
+        <a:font script="Syrn" typeface="Estrangelo Edessa"/>
+        <a:font script="Syrj" typeface="Estrangelo Edessa"/>
+        <a:font script="Syre" typeface="Estrangelo Edessa"/>
+        <a:font script="Sora" typeface="Nirmala UI"/>
+        <a:font script="Tale" typeface="Microsoft Tai Le"/>
+        <a:font script="Talu" typeface="Microsoft New Tai Lue"/>
+        <a:font script="Tfng" typeface="Ebrima"/>
+      </a:majorFont>
+      <a:minorFont>
+        <a:latin typeface="Calibri" panose="020F0502020204030204"/>
+        <a:ea typeface=""/>
+        <a:cs typeface=""/>
+        <a:font script="Jpan" typeface="游ゴシック"/>
+        <a:font script="Hang" typeface="맑은 고딕"/>
+        <a:font script="Hans" typeface="等线"/>
+        <a:font script="Hant" typeface="新細明體"/>
+        <a:font script="Arab" typeface="Arial"/>
+        <a:font script="Hebr" typeface="Arial"/>
+        <a:font script="Thai" typeface="Cordia New"/>
+        <a:font script="Ethi" typeface="Nyala"/>
+        <a:font script="Beng" typeface="Vrinda"/>
+        <a:font script="Gujr" typeface="Shruti"/>
+        <a:font script="Khmr" typeface="DaunPenh"/>
+        <a:font script="Knda" typeface="Tunga"/>
+        <a:font script="Guru" typeface="Raavi"/>
+        <a:font script="Cans" typeface="Euphemia"/>
+        <a:font script="Cher" typeface="Plantagenet Cherokee"/>
+        <a:font script="Yiii" typeface="Microsoft Yi Baiti"/>
+        <a:font script="Tibt" typeface="Microsoft Himalaya"/>
+        <a:font script="Thaa" typeface="MV Boli"/>
+        <a:font script="Deva" typeface="Mangal"/>
+        <a:font script="Telu" typeface="Gautami"/>
+        <a:font script="Taml" typeface="Latha"/>
+        <a:font script="Syrc" typeface="Estrangelo Edessa"/>
+        <a:font script="Orya" typeface="Kalinga"/>
+        <a:font script="Mlym" typeface="Kartika"/>
+        <a:font script="Laoo" typeface="DokChampa"/>
+        <a:font script="Sinh" typeface="Iskoola Pota"/>
+        <a:font script="Mong" typeface="Mongolian Baiti"/>
+        <a:font script="Viet" typeface="Arial"/>
+        <a:font script="Uigh" typeface="Microsoft Uighur"/>
+        <a:font script="Geor" typeface="Sylfaen"/>
+        <a:font script="Armn" typeface="Arial"/>
+        <a:font script="Bugi" typeface="Leelawadee UI"/>
+        <a:font script="Bopo" typeface="Microsoft JhengHei"/>
+        <a:font script="Java" typeface="Javanese Text"/>
+        <a:font script="Lisu" typeface="Segoe UI"/>
+        <a:font script="Mymr" typeface="Myanmar Text"/>
+        <a:font script="Nkoo" typeface="Ebrima"/>
+        <a:font script="Olck" typeface="Nirmala UI"/>
+        <a:font script="Osma" typeface="Ebrima"/>
+        <a:font script="Phag" typeface="Phagspa"/>
+        <a:font script="Syrn" typeface="Estrangelo Edessa"/>
+        <a:font script="Syrj" typeface="Estrangelo Edessa"/>
+        <a:font script="Syre" typeface="Estrangelo Edessa"/>
+        <a:font script="Sora" typeface="Nirmala UI"/>
+        <a:font script="Tale" typeface="Microsoft Tai Le"/>
+        <a:font script="Talu" typeface="Microsoft New Tai Lue"/>
+        <a:font script="Tfng" typeface="Ebrima"/>
+      </a:minorFont>
+    </a:fontScheme>
+    <a:fmtScheme name="Office">
+      <a:fillStyleLst>
+        <a:solidFill>
+          <a:schemeClr val="phClr"/>
+        </a:solidFill>
+        <a:gradFill rotWithShape="1">
+          <a:gsLst>
+            <a:gs pos="0">
+              <a:schemeClr val="phClr">
+                <a:lumMod val="110000"/>
+                <a:satMod val="105000"/>
+                <a:tint val="67000"/>
+              </a:schemeClr>
+            </a:gs>
+            <a:gs pos="50000">
+              <a:schemeClr val="phClr">
+                <a:lumMod val="105000"/>
+                <a:satMod val="103000"/>
+                <a:tint val="73000"/>
+              </a:schemeClr>
+            </a:gs>
+            <a:gs pos="100000">
+              <a:schemeClr val="phClr">
+                <a:lumMod val="105000"/>
+                <a:satMod val="109000"/>
+                <a:tint val="81000"/>
+              </a:schemeClr>
+            </a:gs>
+          </a:gsLst>
+          <a:lin ang="5400000" scaled="0"/>
+        </a:gradFill>
+        <a:gradFill rotWithShape="1">
+          <a:gsLst>
+            <a:gs pos="0">
+              <a:schemeClr val="phClr">
+                <a:satMod val="103000"/>
+                <a:lumMod val="102000"/>
+                <a:tint val="94000"/>
+              </a:schemeClr>
+            </a:gs>
+            <a:gs pos="50000">
+              <a:schemeClr val="phClr">
+                <a:satMod val="110000"/>
+                <a:lumMod val="100000"/>
+                <a:shade val="100000"/>
+              </a:schemeClr>
+            </a:gs>
+            <a:gs pos="100000">
+              <a:schemeClr val="phClr">
+                <a:lumMod val="99000"/>
+                <a:satMod val="120000"/>
+                <a:shade val="78000"/>
+              </a:schemeClr>
+            </a:gs>
+          </a:gsLst>
+          <a:lin ang="5400000" scaled="0"/>
+        </a:gradFill>
+      </a:fillStyleLst>
+      <a:lnStyleLst>
+        <a:ln w="6350" cap="flat" cmpd="sng" algn="ctr">
+          <a:solidFill>
+            <a:schemeClr val="phClr"/>
+          </a:solidFill>
+          <a:prstDash val="solid"/>
+          <a:miter lim="800000"/>
+        </a:ln>
+        <a:ln w="12700" cap="flat" cmpd="sng" algn="ctr">
+          <a:solidFill>
+            <a:schemeClr val="phClr"/>
+          </a:solidFill>
+          <a:prstDash val="solid"/>
+          <a:miter lim="800000"/>
+        </a:ln>
+        <a:ln w="19050" cap="flat" cmpd="sng" algn="ctr">
+          <a:solidFill>
+            <a:schemeClr val="phClr"/>
+          </a:solidFill>
+          <a:prstDash val="solid"/>
+          <a:miter lim="800000"/>
+        </a:ln>
+      </a:lnStyleLst>
+      <a:effectStyleLst>
+        <a:effectStyle>
+          <a:effectLst/>
+        </a:effectStyle>
+        <a:effectStyle>
+          <a:effectLst/>
+        </a:effectStyle>
+        <a:effectStyle>
+          <a:effectLst>
+            <a:outerShdw blurRad="57150" dist="19050" dir="5400000" algn="ctr" rotWithShape="0">
+              <a:srgbClr val="000000">
+                <a:alpha val="63000"/>
+              </a:srgbClr>
+            </a:outerShdw>
+          </a:effectLst>
+        </a:effectStyle>
+      </a:effectStyleLst>
+      <a:bgFillStyleLst>
+        <a:solidFill>
+          <a:schemeClr val="phClr"/>
+        </a:solidFill>
+        <a:solidFill>
+          <a:schemeClr val="phClr">
+            <a:tint val="95000"/>
+            <a:satMod val="170000"/>
+          </a:schemeClr>
+        </a:solidFill>
+        <a:gradFill rotWithShape="1">
+          <a:gsLst>
+            <a:gs pos="0">
+              <a:schemeClr val="phClr">
+                <a:tint val="93000"/>
+                <a:satMod val="150000"/>
+                <a:shade val="98000"/>
+                <a:lumMod val="102000"/>
+              </a:schemeClr>
+            </a:gs>
+            <a:gs pos="50000">
+              <a:schemeClr val="phClr">
+                <a:tint val="98000"/>
+                <a:satMod val="130000"/>
+                <a:shade val="90000"/>
+                <a:lumMod val="103000"/>
+              </a:schemeClr>
+            </a:gs>
+            <a:gs pos="100000">
+              <a:schemeClr val="phClr">
+                <a:shade val="63000"/>
+                <a:satMod val="120000"/>
+              </a:schemeClr>
+            </a:gs>
+          </a:gsLst>
+          <a:lin ang="5400000" scaled="0"/>
+        </a:gradFill>
+      </a:bgFillStyleLst>
+    </a:fmtScheme>
+  </a:themeElements>
+  <a:objectDefaults/>
+  <a:extraClrSchemeLst/>
+  <a:extLst>
+    <a:ext uri="{05A4C25C-085E-4340-85A3-A5531E510DB2}">
+      <thm15:themeFamily xmlns:thm15="http://schemas.microsoft.com/office/thememl/2012/main" name="Office Theme" id="{62F939B6-93AF-4DB8-9C6B-D6C7DFDC589F}" vid="{4A3C46E8-61CC-4603-A589-7422A47A8E4A}"/>
+    </a:ext>
+  </a:extLst>
+</a:theme>
 </file>
--- a/Pic.pptx
+++ b/Pic.pptx
@@ -5,7 +5,7 @@
     <p:sldMasterId id="2147483648" r:id="rId1"/>
   </p:sldMasterIdLst>
   <p:notesMasterIdLst>
-    <p:notesMasterId r:id="rId8"/>
+    <p:notesMasterId r:id="rId9"/>
   </p:notesMasterIdLst>
   <p:sldIdLst>
     <p:sldId id="256" r:id="rId2"/>
@@ -14,6 +14,7 @@
     <p:sldId id="259" r:id="rId5"/>
     <p:sldId id="260" r:id="rId6"/>
     <p:sldId id="261" r:id="rId7"/>
+    <p:sldId id="262" r:id="rId8"/>
   </p:sldIdLst>
   <p:sldSz cx="12192000" cy="6858000"/>
   <p:notesSz cx="6858000" cy="9144000"/>
@@ -213,7 +214,7 @@
           <a:p>
             <a:fld id="{856DD98A-0F4A-4E02-9041-88828D2A188E}" type="datetimeFigureOut">
               <a:rPr lang="en-US" smtClean="0"/>
-              <a:t>9/27/2020</a:t>
+              <a:t>10/17/2020</a:t>
             </a:fld>
             <a:endParaRPr lang="en-US"/>
           </a:p>
@@ -711,7 +712,7 @@
           <a:p>
             <a:fld id="{D7B72F7F-CFB7-4A83-8C76-24DBCEAD790B}" type="datetimeFigureOut">
               <a:rPr lang="en-US" smtClean="0"/>
-              <a:t>9/27/2020</a:t>
+              <a:t>10/17/2020</a:t>
             </a:fld>
             <a:endParaRPr lang="en-US"/>
           </a:p>
@@ -909,7 +910,7 @@
           <a:p>
             <a:fld id="{D7B72F7F-CFB7-4A83-8C76-24DBCEAD790B}" type="datetimeFigureOut">
               <a:rPr lang="en-US" smtClean="0"/>
-              <a:t>9/27/2020</a:t>
+              <a:t>10/17/2020</a:t>
             </a:fld>
             <a:endParaRPr lang="en-US"/>
           </a:p>
@@ -1117,7 +1118,7 @@
           <a:p>
             <a:fld id="{D7B72F7F-CFB7-4A83-8C76-24DBCEAD790B}" type="datetimeFigureOut">
               <a:rPr lang="en-US" smtClean="0"/>
-              <a:t>9/27/2020</a:t>
+              <a:t>10/17/2020</a:t>
             </a:fld>
             <a:endParaRPr lang="en-US"/>
           </a:p>
@@ -1315,7 +1316,7 @@
           <a:p>
             <a:fld id="{D7B72F7F-CFB7-4A83-8C76-24DBCEAD790B}" type="datetimeFigureOut">
               <a:rPr lang="en-US" smtClean="0"/>
-              <a:t>9/27/2020</a:t>
+              <a:t>10/17/2020</a:t>
             </a:fld>
             <a:endParaRPr lang="en-US"/>
           </a:p>
@@ -1590,7 +1591,7 @@
           <a:p>
             <a:fld id="{D7B72F7F-CFB7-4A83-8C76-24DBCEAD790B}" type="datetimeFigureOut">
               <a:rPr lang="en-US" smtClean="0"/>
-              <a:t>9/27/2020</a:t>
+              <a:t>10/17/2020</a:t>
             </a:fld>
             <a:endParaRPr lang="en-US"/>
           </a:p>
@@ -1855,7 +1856,7 @@
           <a:p>
             <a:fld id="{D7B72F7F-CFB7-4A83-8C76-24DBCEAD790B}" type="datetimeFigureOut">
               <a:rPr lang="en-US" smtClean="0"/>
-              <a:t>9/27/2020</a:t>
+              <a:t>10/17/2020</a:t>
             </a:fld>
             <a:endParaRPr lang="en-US"/>
           </a:p>
@@ -2267,7 +2268,7 @@
           <a:p>
             <a:fld id="{D7B72F7F-CFB7-4A83-8C76-24DBCEAD790B}" type="datetimeFigureOut">
               <a:rPr lang="en-US" smtClean="0"/>
-              <a:t>9/27/2020</a:t>
+              <a:t>10/17/2020</a:t>
             </a:fld>
             <a:endParaRPr lang="en-US"/>
           </a:p>
@@ -2408,7 +2409,7 @@
           <a:p>
             <a:fld id="{D7B72F7F-CFB7-4A83-8C76-24DBCEAD790B}" type="datetimeFigureOut">
               <a:rPr lang="en-US" smtClean="0"/>
-              <a:t>9/27/2020</a:t>
+              <a:t>10/17/2020</a:t>
             </a:fld>
             <a:endParaRPr lang="en-US"/>
           </a:p>
@@ -2521,7 +2522,7 @@
           <a:p>
             <a:fld id="{D7B72F7F-CFB7-4A83-8C76-24DBCEAD790B}" type="datetimeFigureOut">
               <a:rPr lang="en-US" smtClean="0"/>
-              <a:t>9/27/2020</a:t>
+              <a:t>10/17/2020</a:t>
             </a:fld>
             <a:endParaRPr lang="en-US"/>
           </a:p>
@@ -2832,7 +2833,7 @@
           <a:p>
             <a:fld id="{D7B72F7F-CFB7-4A83-8C76-24DBCEAD790B}" type="datetimeFigureOut">
               <a:rPr lang="en-US" smtClean="0"/>
-              <a:t>9/27/2020</a:t>
+              <a:t>10/17/2020</a:t>
             </a:fld>
             <a:endParaRPr lang="en-US"/>
           </a:p>
@@ -3120,7 +3121,7 @@
           <a:p>
             <a:fld id="{D7B72F7F-CFB7-4A83-8C76-24DBCEAD790B}" type="datetimeFigureOut">
               <a:rPr lang="en-US" smtClean="0"/>
-              <a:t>9/27/2020</a:t>
+              <a:t>10/17/2020</a:t>
             </a:fld>
             <a:endParaRPr lang="en-US"/>
           </a:p>
@@ -3361,7 +3362,7 @@
           <a:p>
             <a:fld id="{D7B72F7F-CFB7-4A83-8C76-24DBCEAD790B}" type="datetimeFigureOut">
               <a:rPr lang="en-US" smtClean="0"/>
-              <a:t>9/27/2020</a:t>
+              <a:t>10/17/2020</a:t>
             </a:fld>
             <a:endParaRPr lang="en-US"/>
           </a:p>
@@ -9641,8 +9642,8 @@
             </a:p>
           </p:txBody>
         </p:sp>
-        <mc:AlternateContent xmlns:mc="http://schemas.openxmlformats.org/markup-compatibility/2006">
-          <mc:Choice xmlns:a14="http://schemas.microsoft.com/office/drawing/2010/main" Requires="a14">
+        <mc:AlternateContent xmlns:mc="http://schemas.openxmlformats.org/markup-compatibility/2006" xmlns:a14="http://schemas.microsoft.com/office/drawing/2010/main">
+          <mc:Choice Requires="a14">
             <p:sp>
               <p:nvSpPr>
                 <p:cNvPr id="43" name="TextBox 42">
@@ -9703,7 +9704,7 @@
               </p:txBody>
             </p:sp>
           </mc:Choice>
-          <mc:Fallback>
+          <mc:Fallback xmlns="">
             <p:sp>
               <p:nvSpPr>
                 <p:cNvPr id="43" name="TextBox 42">
@@ -9748,8 +9749,8 @@
             </p:sp>
           </mc:Fallback>
         </mc:AlternateContent>
-        <mc:AlternateContent xmlns:mc="http://schemas.openxmlformats.org/markup-compatibility/2006">
-          <mc:Choice xmlns:a14="http://schemas.microsoft.com/office/drawing/2010/main" Requires="a14">
+        <mc:AlternateContent xmlns:mc="http://schemas.openxmlformats.org/markup-compatibility/2006" xmlns:a14="http://schemas.microsoft.com/office/drawing/2010/main">
+          <mc:Choice Requires="a14">
             <p:sp>
               <p:nvSpPr>
                 <p:cNvPr id="44" name="TextBox 43">
@@ -9810,7 +9811,7 @@
               </p:txBody>
             </p:sp>
           </mc:Choice>
-          <mc:Fallback>
+          <mc:Fallback xmlns="">
             <p:sp>
               <p:nvSpPr>
                 <p:cNvPr id="44" name="TextBox 43">
@@ -9855,8 +9856,8 @@
             </p:sp>
           </mc:Fallback>
         </mc:AlternateContent>
-        <mc:AlternateContent xmlns:mc="http://schemas.openxmlformats.org/markup-compatibility/2006">
-          <mc:Choice xmlns:a14="http://schemas.microsoft.com/office/drawing/2010/main" Requires="a14">
+        <mc:AlternateContent xmlns:mc="http://schemas.openxmlformats.org/markup-compatibility/2006" xmlns:a14="http://schemas.microsoft.com/office/drawing/2010/main">
+          <mc:Choice Requires="a14">
             <p:sp>
               <p:nvSpPr>
                 <p:cNvPr id="45" name="TextBox 44">
@@ -9885,6 +9886,7 @@
                 </a:bodyPr>
                 <a:lstStyle/>
                 <a:p>
+                  <a:pPr/>
                   <a14:m>
                     <m:oMathPara xmlns:m="http://schemas.openxmlformats.org/officeDocument/2006/math">
                       <m:oMathParaPr>
@@ -9904,7 +9906,7 @@
                           <a:rPr lang="en-US" altLang="zh-CN" sz="2300" b="0" i="1" smtClean="0">
                             <a:latin typeface="Cambria Math" panose="02040503050406030204" pitchFamily="18" charset="0"/>
                           </a:rPr>
-                          <m:t>-</m:t>
+                          <m:t>−</m:t>
                         </m:r>
                         <m:r>
                           <m:rPr>
@@ -9923,7 +9925,7 @@
               </p:txBody>
             </p:sp>
           </mc:Choice>
-          <mc:Fallback>
+          <mc:Fallback xmlns="">
             <p:sp>
               <p:nvSpPr>
                 <p:cNvPr id="45" name="TextBox 44">
@@ -9973,6 +9975,200 @@
     <p:extLst>
       <p:ext uri="{BB962C8B-B14F-4D97-AF65-F5344CB8AC3E}">
         <p14:creationId xmlns:p14="http://schemas.microsoft.com/office/powerpoint/2010/main" val="1182962143"/>
+      </p:ext>
+    </p:extLst>
+  </p:cSld>
+  <p:clrMapOvr>
+    <a:masterClrMapping/>
+  </p:clrMapOvr>
+</p:sld>
+</file>
+
+<file path=ppt/slides/slide7.xml><?xml version="1.0" encoding="utf-8"?>
+<p:sld xmlns:a="http://schemas.openxmlformats.org/drawingml/2006/main" xmlns:r="http://schemas.openxmlformats.org/officeDocument/2006/relationships" xmlns:p="http://schemas.openxmlformats.org/presentationml/2006/main">
+  <p:cSld>
+    <p:spTree>
+      <p:nvGrpSpPr>
+        <p:cNvPr id="1" name=""/>
+        <p:cNvGrpSpPr/>
+        <p:nvPr/>
+      </p:nvGrpSpPr>
+      <p:grpSpPr>
+        <a:xfrm>
+          <a:off x="0" y="0"/>
+          <a:ext cx="0" cy="0"/>
+          <a:chOff x="0" y="0"/>
+          <a:chExt cx="0" cy="0"/>
+        </a:xfrm>
+      </p:grpSpPr>
+      <p:sp>
+        <p:nvSpPr>
+          <p:cNvPr id="2" name="Title 1">
+            <a:extLst>
+              <a:ext uri="{FF2B5EF4-FFF2-40B4-BE49-F238E27FC236}">
+                <a16:creationId xmlns:a16="http://schemas.microsoft.com/office/drawing/2014/main" id="{3673446C-6205-4E10-A42B-2F4D9E4227EF}"/>
+              </a:ext>
+            </a:extLst>
+          </p:cNvPr>
+          <p:cNvSpPr>
+            <a:spLocks noGrp="1"/>
+          </p:cNvSpPr>
+          <p:nvPr>
+            <p:ph type="title"/>
+          </p:nvPr>
+        </p:nvSpPr>
+        <p:spPr/>
+        <p:txBody>
+          <a:bodyPr/>
+          <a:lstStyle/>
+          <a:p>
+            <a:endParaRPr lang="en-US"/>
+          </a:p>
+        </p:txBody>
+      </p:sp>
+      <p:pic>
+        <p:nvPicPr>
+          <p:cNvPr id="5" name="Content Placeholder 4">
+            <a:extLst>
+              <a:ext uri="{FF2B5EF4-FFF2-40B4-BE49-F238E27FC236}">
+                <a16:creationId xmlns:a16="http://schemas.microsoft.com/office/drawing/2014/main" id="{AAFF9240-06A2-4977-95DC-C625CE5AE254}"/>
+              </a:ext>
+            </a:extLst>
+          </p:cNvPr>
+          <p:cNvPicPr>
+            <a:picLocks noGrp="1" noChangeAspect="1"/>
+          </p:cNvPicPr>
+          <p:nvPr>
+            <p:ph idx="1"/>
+          </p:nvPr>
+        </p:nvPicPr>
+        <p:blipFill>
+          <a:blip r:embed="rId2">
+            <a:extLst>
+              <a:ext uri="{28A0092B-C50C-407E-A947-70E740481C1C}">
+                <a14:useLocalDpi xmlns:a14="http://schemas.microsoft.com/office/drawing/2010/main" val="0"/>
+              </a:ext>
+            </a:extLst>
+          </a:blip>
+          <a:stretch>
+            <a:fillRect/>
+          </a:stretch>
+        </p:blipFill>
+        <p:spPr>
+          <a:xfrm>
+            <a:off x="692993" y="1516241"/>
+            <a:ext cx="3714750" cy="2133600"/>
+          </a:xfrm>
+        </p:spPr>
+      </p:pic>
+      <p:pic>
+        <p:nvPicPr>
+          <p:cNvPr id="3" name="Picture 2">
+            <a:extLst>
+              <a:ext uri="{FF2B5EF4-FFF2-40B4-BE49-F238E27FC236}">
+                <a16:creationId xmlns:a16="http://schemas.microsoft.com/office/drawing/2014/main" id="{589A3882-6B77-433C-9B63-27EEEABAC63D}"/>
+              </a:ext>
+            </a:extLst>
+          </p:cNvPr>
+          <p:cNvPicPr>
+            <a:picLocks noChangeAspect="1"/>
+          </p:cNvPicPr>
+          <p:nvPr/>
+        </p:nvPicPr>
+        <p:blipFill>
+          <a:blip r:embed="rId3"/>
+          <a:stretch>
+            <a:fillRect/>
+          </a:stretch>
+        </p:blipFill>
+        <p:spPr>
+          <a:xfrm>
+            <a:off x="6282612" y="1505264"/>
+            <a:ext cx="4308216" cy="4289153"/>
+          </a:xfrm>
+          <a:prstGeom prst="rect">
+            <a:avLst/>
+          </a:prstGeom>
+        </p:spPr>
+      </p:pic>
+      <p:cxnSp>
+        <p:nvCxnSpPr>
+          <p:cNvPr id="6" name="Straight Connector 5">
+            <a:extLst>
+              <a:ext uri="{FF2B5EF4-FFF2-40B4-BE49-F238E27FC236}">
+                <a16:creationId xmlns:a16="http://schemas.microsoft.com/office/drawing/2014/main" id="{E0AAAA93-41DB-450F-A852-5D0FECEF9F43}"/>
+              </a:ext>
+            </a:extLst>
+          </p:cNvPr>
+          <p:cNvCxnSpPr>
+            <a:cxnSpLocks/>
+          </p:cNvCxnSpPr>
+          <p:nvPr/>
+        </p:nvCxnSpPr>
+        <p:spPr>
+          <a:xfrm rot="360000">
+            <a:off x="6042563" y="2293331"/>
+            <a:ext cx="5471431" cy="0"/>
+          </a:xfrm>
+          <a:prstGeom prst="line">
+            <a:avLst/>
+          </a:prstGeom>
+        </p:spPr>
+        <p:style>
+          <a:lnRef idx="1">
+            <a:schemeClr val="dk1"/>
+          </a:lnRef>
+          <a:fillRef idx="0">
+            <a:schemeClr val="dk1"/>
+          </a:fillRef>
+          <a:effectRef idx="0">
+            <a:schemeClr val="dk1"/>
+          </a:effectRef>
+          <a:fontRef idx="minor">
+            <a:schemeClr val="tx1"/>
+          </a:fontRef>
+        </p:style>
+      </p:cxnSp>
+      <p:cxnSp>
+        <p:nvCxnSpPr>
+          <p:cNvPr id="8" name="Straight Connector 7">
+            <a:extLst>
+              <a:ext uri="{FF2B5EF4-FFF2-40B4-BE49-F238E27FC236}">
+                <a16:creationId xmlns:a16="http://schemas.microsoft.com/office/drawing/2014/main" id="{D9FDB554-BE5F-4497-8CE4-2AA65176943D}"/>
+              </a:ext>
+            </a:extLst>
+          </p:cNvPr>
+          <p:cNvCxnSpPr/>
+          <p:nvPr/>
+        </p:nvCxnSpPr>
+        <p:spPr>
+          <a:xfrm>
+            <a:off x="5583894" y="1357667"/>
+            <a:ext cx="6388768" cy="0"/>
+          </a:xfrm>
+          <a:prstGeom prst="line">
+            <a:avLst/>
+          </a:prstGeom>
+        </p:spPr>
+        <p:style>
+          <a:lnRef idx="1">
+            <a:schemeClr val="accent1"/>
+          </a:lnRef>
+          <a:fillRef idx="0">
+            <a:schemeClr val="accent1"/>
+          </a:fillRef>
+          <a:effectRef idx="0">
+            <a:schemeClr val="accent1"/>
+          </a:effectRef>
+          <a:fontRef idx="minor">
+            <a:schemeClr val="tx1"/>
+          </a:fontRef>
+        </p:style>
+      </p:cxnSp>
+    </p:spTree>
+    <p:extLst>
+      <p:ext uri="{BB962C8B-B14F-4D97-AF65-F5344CB8AC3E}">
+        <p14:creationId xmlns:p14="http://schemas.microsoft.com/office/powerpoint/2010/main" val="3174686310"/>
       </p:ext>
     </p:extLst>
   </p:cSld>

--- a/Pic.pptx
+++ b/Pic.pptx
@@ -214,7 +214,7 @@
           <a:p>
             <a:fld id="{856DD98A-0F4A-4E02-9041-88828D2A188E}" type="datetimeFigureOut">
               <a:rPr lang="en-US" smtClean="0"/>
-              <a:t>10/17/2020</a:t>
+              <a:t>10/23/2020</a:t>
             </a:fld>
             <a:endParaRPr lang="en-US"/>
           </a:p>
@@ -712,7 +712,7 @@
           <a:p>
             <a:fld id="{D7B72F7F-CFB7-4A83-8C76-24DBCEAD790B}" type="datetimeFigureOut">
               <a:rPr lang="en-US" smtClean="0"/>
-              <a:t>10/17/2020</a:t>
+              <a:t>10/23/2020</a:t>
             </a:fld>
             <a:endParaRPr lang="en-US"/>
           </a:p>
@@ -910,7 +910,7 @@
           <a:p>
             <a:fld id="{D7B72F7F-CFB7-4A83-8C76-24DBCEAD790B}" type="datetimeFigureOut">
               <a:rPr lang="en-US" smtClean="0"/>
-              <a:t>10/17/2020</a:t>
+              <a:t>10/23/2020</a:t>
             </a:fld>
             <a:endParaRPr lang="en-US"/>
           </a:p>
@@ -1118,7 +1118,7 @@
           <a:p>
             <a:fld id="{D7B72F7F-CFB7-4A83-8C76-24DBCEAD790B}" type="datetimeFigureOut">
               <a:rPr lang="en-US" smtClean="0"/>
-              <a:t>10/17/2020</a:t>
+              <a:t>10/23/2020</a:t>
             </a:fld>
             <a:endParaRPr lang="en-US"/>
           </a:p>
@@ -1316,7 +1316,7 @@
           <a:p>
             <a:fld id="{D7B72F7F-CFB7-4A83-8C76-24DBCEAD790B}" type="datetimeFigureOut">
               <a:rPr lang="en-US" smtClean="0"/>
-              <a:t>10/17/2020</a:t>
+              <a:t>10/23/2020</a:t>
             </a:fld>
             <a:endParaRPr lang="en-US"/>
           </a:p>
@@ -1591,7 +1591,7 @@
           <a:p>
             <a:fld id="{D7B72F7F-CFB7-4A83-8C76-24DBCEAD790B}" type="datetimeFigureOut">
               <a:rPr lang="en-US" smtClean="0"/>
-              <a:t>10/17/2020</a:t>
+              <a:t>10/23/2020</a:t>
             </a:fld>
             <a:endParaRPr lang="en-US"/>
           </a:p>
@@ -1856,7 +1856,7 @@
           <a:p>
             <a:fld id="{D7B72F7F-CFB7-4A83-8C76-24DBCEAD790B}" type="datetimeFigureOut">
               <a:rPr lang="en-US" smtClean="0"/>
-              <a:t>10/17/2020</a:t>
+              <a:t>10/23/2020</a:t>
             </a:fld>
             <a:endParaRPr lang="en-US"/>
           </a:p>
@@ -2268,7 +2268,7 @@
           <a:p>
             <a:fld id="{D7B72F7F-CFB7-4A83-8C76-24DBCEAD790B}" type="datetimeFigureOut">
               <a:rPr lang="en-US" smtClean="0"/>
-              <a:t>10/17/2020</a:t>
+              <a:t>10/23/2020</a:t>
             </a:fld>
             <a:endParaRPr lang="en-US"/>
           </a:p>
@@ -2409,7 +2409,7 @@
           <a:p>
             <a:fld id="{D7B72F7F-CFB7-4A83-8C76-24DBCEAD790B}" type="datetimeFigureOut">
               <a:rPr lang="en-US" smtClean="0"/>
-              <a:t>10/17/2020</a:t>
+              <a:t>10/23/2020</a:t>
             </a:fld>
             <a:endParaRPr lang="en-US"/>
           </a:p>
@@ -2522,7 +2522,7 @@
           <a:p>
             <a:fld id="{D7B72F7F-CFB7-4A83-8C76-24DBCEAD790B}" type="datetimeFigureOut">
               <a:rPr lang="en-US" smtClean="0"/>
-              <a:t>10/17/2020</a:t>
+              <a:t>10/23/2020</a:t>
             </a:fld>
             <a:endParaRPr lang="en-US"/>
           </a:p>
@@ -2833,7 +2833,7 @@
           <a:p>
             <a:fld id="{D7B72F7F-CFB7-4A83-8C76-24DBCEAD790B}" type="datetimeFigureOut">
               <a:rPr lang="en-US" smtClean="0"/>
-              <a:t>10/17/2020</a:t>
+              <a:t>10/23/2020</a:t>
             </a:fld>
             <a:endParaRPr lang="en-US"/>
           </a:p>
@@ -3121,7 +3121,7 @@
           <a:p>
             <a:fld id="{D7B72F7F-CFB7-4A83-8C76-24DBCEAD790B}" type="datetimeFigureOut">
               <a:rPr lang="en-US" smtClean="0"/>
-              <a:t>10/17/2020</a:t>
+              <a:t>10/23/2020</a:t>
             </a:fld>
             <a:endParaRPr lang="en-US"/>
           </a:p>
@@ -3362,7 +3362,7 @@
           <a:p>
             <a:fld id="{D7B72F7F-CFB7-4A83-8C76-24DBCEAD790B}" type="datetimeFigureOut">
               <a:rPr lang="en-US" smtClean="0"/>
-              <a:t>10/17/2020</a:t>
+              <a:t>10/23/2020</a:t>
             </a:fld>
             <a:endParaRPr lang="en-US"/>
           </a:p>
@@ -8523,10 +8523,10 @@
       </p:grpSpPr>
       <p:grpSp>
         <p:nvGrpSpPr>
-          <p:cNvPr id="46" name="Group 45">
-            <a:extLst>
-              <a:ext uri="{FF2B5EF4-FFF2-40B4-BE49-F238E27FC236}">
-                <a16:creationId xmlns:a16="http://schemas.microsoft.com/office/drawing/2014/main" id="{E03C49A2-580D-4661-AD37-38A3DC1FE4B1}"/>
+          <p:cNvPr id="3" name="Group 2">
+            <a:extLst>
+              <a:ext uri="{FF2B5EF4-FFF2-40B4-BE49-F238E27FC236}">
+                <a16:creationId xmlns:a16="http://schemas.microsoft.com/office/drawing/2014/main" id="{07CE729C-8DFB-4756-A4AF-D3A5DD0DE504}"/>
               </a:ext>
             </a:extLst>
           </p:cNvPr>
@@ -8535,12 +8535,64 @@
         </p:nvGrpSpPr>
         <p:grpSpPr>
           <a:xfrm>
-            <a:off x="2503714" y="134292"/>
-            <a:ext cx="7231609" cy="6375927"/>
-            <a:chOff x="2503714" y="134292"/>
-            <a:chExt cx="7231609" cy="6375927"/>
+            <a:off x="2295331" y="242596"/>
+            <a:ext cx="7511141" cy="6391469"/>
+            <a:chOff x="2295331" y="242596"/>
+            <a:chExt cx="7511141" cy="6391469"/>
           </a:xfrm>
         </p:grpSpPr>
+        <p:sp>
+          <p:nvSpPr>
+            <p:cNvPr id="41" name="Rectangle 40">
+              <a:extLst>
+                <a:ext uri="{FF2B5EF4-FFF2-40B4-BE49-F238E27FC236}">
+                  <a16:creationId xmlns:a16="http://schemas.microsoft.com/office/drawing/2014/main" id="{5529D334-E60C-4CA6-AD54-EB7118805DDD}"/>
+                </a:ext>
+              </a:extLst>
+            </p:cNvPr>
+            <p:cNvSpPr/>
+            <p:nvPr/>
+          </p:nvSpPr>
+          <p:spPr>
+            <a:xfrm>
+              <a:off x="2295331" y="242596"/>
+              <a:ext cx="7511141" cy="6391469"/>
+            </a:xfrm>
+            <a:prstGeom prst="rect">
+              <a:avLst/>
+            </a:prstGeom>
+            <a:solidFill>
+              <a:schemeClr val="bg1"/>
+            </a:solidFill>
+            <a:ln>
+              <a:noFill/>
+            </a:ln>
+          </p:spPr>
+          <p:style>
+            <a:lnRef idx="2">
+              <a:schemeClr val="accent1">
+                <a:shade val="50000"/>
+              </a:schemeClr>
+            </a:lnRef>
+            <a:fillRef idx="1">
+              <a:schemeClr val="accent1"/>
+            </a:fillRef>
+            <a:effectRef idx="0">
+              <a:schemeClr val="accent1"/>
+            </a:effectRef>
+            <a:fontRef idx="minor">
+              <a:schemeClr val="lt1"/>
+            </a:fontRef>
+          </p:style>
+          <p:txBody>
+            <a:bodyPr rtlCol="0" anchor="ctr"/>
+            <a:lstStyle/>
+            <a:p>
+              <a:pPr algn="ctr"/>
+              <a:endParaRPr lang="en-US"/>
+            </a:p>
+          </p:txBody>
+        </p:sp>
         <p:sp>
           <p:nvSpPr>
             <p:cNvPr id="14" name="Rectangle 13">
@@ -8555,8 +8607,8 @@
           </p:nvSpPr>
           <p:spPr>
             <a:xfrm>
-              <a:off x="2503714" y="709127"/>
-              <a:ext cx="7184571" cy="3610946"/>
+              <a:off x="2503714" y="938383"/>
+              <a:ext cx="7184571" cy="3209675"/>
             </a:xfrm>
             <a:prstGeom prst="rect">
               <a:avLst/>
@@ -8607,8 +8659,8 @@
           </p:nvSpPr>
           <p:spPr>
             <a:xfrm>
-              <a:off x="3110203" y="1315616"/>
-              <a:ext cx="5971592" cy="3004457"/>
+              <a:off x="3110203" y="1544873"/>
+              <a:ext cx="5971592" cy="2603186"/>
             </a:xfrm>
             <a:prstGeom prst="rect">
               <a:avLst/>
@@ -8659,7 +8711,7 @@
           </p:nvSpPr>
           <p:spPr>
             <a:xfrm>
-              <a:off x="8777379" y="5567827"/>
+              <a:off x="8637422" y="5552060"/>
               <a:ext cx="957944" cy="942392"/>
             </a:xfrm>
             <a:prstGeom prst="rect">
@@ -8711,7 +8763,7 @@
           </p:nvSpPr>
           <p:spPr>
             <a:xfrm>
-              <a:off x="5614657" y="5306571"/>
+              <a:off x="5474700" y="5290804"/>
               <a:ext cx="1800809" cy="1203648"/>
             </a:xfrm>
             <a:prstGeom prst="rect">
@@ -8763,7 +8815,7 @@
           </p:nvSpPr>
           <p:spPr>
             <a:xfrm>
-              <a:off x="8123700" y="4385019"/>
+              <a:off x="7983743" y="4369252"/>
               <a:ext cx="429088" cy="1304771"/>
             </a:xfrm>
             <a:prstGeom prst="rect">
@@ -8815,7 +8867,7 @@
           </p:nvSpPr>
           <p:spPr>
             <a:xfrm>
-              <a:off x="3533556" y="4390906"/>
+              <a:off x="3533556" y="4291160"/>
               <a:ext cx="429088" cy="739894"/>
             </a:xfrm>
             <a:prstGeom prst="rect">
@@ -8867,7 +8919,7 @@
           </p:nvCxnSpPr>
           <p:spPr>
             <a:xfrm>
-              <a:off x="5890846" y="170463"/>
+              <a:off x="5890846" y="399719"/>
               <a:ext cx="0" cy="1145153"/>
             </a:xfrm>
             <a:prstGeom prst="line">
@@ -8910,7 +8962,7 @@
           </p:nvCxnSpPr>
           <p:spPr>
             <a:xfrm>
-              <a:off x="6265264" y="545123"/>
+              <a:off x="6265264" y="774379"/>
               <a:ext cx="0" cy="770493"/>
             </a:xfrm>
             <a:prstGeom prst="line">
@@ -8951,7 +9003,7 @@
           </p:nvCxnSpPr>
           <p:spPr>
             <a:xfrm>
-              <a:off x="5871796" y="181161"/>
+              <a:off x="5871796" y="410417"/>
               <a:ext cx="1195754" cy="0"/>
             </a:xfrm>
             <a:prstGeom prst="line">
@@ -8994,7 +9046,7 @@
           </p:nvCxnSpPr>
           <p:spPr>
             <a:xfrm>
-              <a:off x="6255739" y="545123"/>
+              <a:off x="6255739" y="774379"/>
               <a:ext cx="821336" cy="0"/>
             </a:xfrm>
             <a:prstGeom prst="line">
@@ -9037,7 +9089,7 @@
           </p:nvCxnSpPr>
           <p:spPr>
             <a:xfrm>
-              <a:off x="3533556" y="4543279"/>
+              <a:off x="3533556" y="4443533"/>
               <a:ext cx="429088" cy="0"/>
             </a:xfrm>
             <a:prstGeom prst="line">
@@ -9080,7 +9132,7 @@
           </p:nvCxnSpPr>
           <p:spPr>
             <a:xfrm rot="10800000" flipV="1">
-              <a:off x="7377046" y="5689789"/>
+              <a:off x="7237089" y="5674022"/>
               <a:ext cx="786515" cy="365699"/>
             </a:xfrm>
             <a:prstGeom prst="bentConnector3">
@@ -9126,7 +9178,7 @@
           </p:nvCxnSpPr>
           <p:spPr>
             <a:xfrm rot="16200000" flipV="1">
-              <a:off x="8261529" y="5899410"/>
+              <a:off x="8121572" y="5883643"/>
               <a:ext cx="707431" cy="324270"/>
             </a:xfrm>
             <a:prstGeom prst="bentConnector3">
@@ -9170,7 +9222,7 @@
           </p:nvCxnSpPr>
           <p:spPr>
             <a:xfrm>
-              <a:off x="6488723" y="365125"/>
+              <a:off x="6488723" y="594381"/>
               <a:ext cx="795997" cy="0"/>
             </a:xfrm>
             <a:prstGeom prst="straightConnector1">
@@ -9212,7 +9264,7 @@
           </p:nvSpPr>
           <p:spPr>
             <a:xfrm>
-              <a:off x="5909469" y="443318"/>
+              <a:off x="5909469" y="672574"/>
               <a:ext cx="347472" cy="1225457"/>
             </a:xfrm>
             <a:prstGeom prst="rect">
@@ -9264,7 +9316,7 @@
           </p:nvSpPr>
           <p:spPr>
             <a:xfrm>
-              <a:off x="3646276" y="4351680"/>
+              <a:off x="3646276" y="4251934"/>
               <a:ext cx="203648" cy="692725"/>
             </a:xfrm>
             <a:prstGeom prst="rect">
@@ -9316,7 +9368,7 @@
           </p:nvCxnSpPr>
           <p:spPr>
             <a:xfrm flipV="1">
-              <a:off x="3748100" y="4062784"/>
+              <a:off x="3748100" y="3963038"/>
               <a:ext cx="0" cy="692731"/>
             </a:xfrm>
             <a:prstGeom prst="straightConnector1">
@@ -9358,7 +9410,7 @@
           </p:nvSpPr>
           <p:spPr>
             <a:xfrm>
-              <a:off x="7307340" y="134292"/>
+              <a:off x="7307340" y="363548"/>
               <a:ext cx="1107996" cy="461665"/>
             </a:xfrm>
             <a:prstGeom prst="rect">
@@ -9400,7 +9452,7 @@
           </p:nvSpPr>
           <p:spPr>
             <a:xfrm>
-              <a:off x="5544962" y="2074932"/>
+              <a:off x="5544962" y="2422329"/>
               <a:ext cx="1107996" cy="461665"/>
             </a:xfrm>
             <a:prstGeom prst="rect">
@@ -9442,7 +9494,7 @@
           </p:nvSpPr>
           <p:spPr>
             <a:xfrm>
-              <a:off x="5391074" y="2762924"/>
+              <a:off x="5391074" y="3016899"/>
               <a:ext cx="1415772" cy="461665"/>
             </a:xfrm>
             <a:prstGeom prst="rect">
@@ -9484,7 +9536,7 @@
           </p:nvSpPr>
           <p:spPr>
             <a:xfrm>
-              <a:off x="8068940" y="4425871"/>
+              <a:off x="7928983" y="4410104"/>
               <a:ext cx="538609" cy="1252907"/>
             </a:xfrm>
             <a:prstGeom prst="rect">
@@ -9526,7 +9578,7 @@
           </p:nvSpPr>
           <p:spPr>
             <a:xfrm>
-              <a:off x="5653287" y="5677563"/>
+              <a:off x="5513330" y="5661796"/>
               <a:ext cx="1723549" cy="461665"/>
             </a:xfrm>
             <a:prstGeom prst="rect">
@@ -9568,7 +9620,7 @@
           </p:nvSpPr>
           <p:spPr>
             <a:xfrm>
-              <a:off x="8865180" y="5638914"/>
+              <a:off x="8725223" y="5623147"/>
               <a:ext cx="782342" cy="800219"/>
             </a:xfrm>
             <a:prstGeom prst="rect">
@@ -9610,7 +9662,7 @@
           </p:nvSpPr>
           <p:spPr>
             <a:xfrm>
-              <a:off x="4092888" y="4351680"/>
+              <a:off x="4092888" y="4251934"/>
               <a:ext cx="1112805" cy="461665"/>
             </a:xfrm>
             <a:prstGeom prst="rect">
@@ -9642,8 +9694,8 @@
             </a:p>
           </p:txBody>
         </p:sp>
-        <mc:AlternateContent xmlns:mc="http://schemas.openxmlformats.org/markup-compatibility/2006" xmlns:a14="http://schemas.microsoft.com/office/drawing/2010/main">
-          <mc:Choice Requires="a14">
+        <mc:AlternateContent xmlns:mc="http://schemas.openxmlformats.org/markup-compatibility/2006">
+          <mc:Choice xmlns:a14="http://schemas.microsoft.com/office/drawing/2010/main" Requires="a14">
             <p:sp>
               <p:nvSpPr>
                 <p:cNvPr id="43" name="TextBox 42">
@@ -9658,7 +9710,7 @@
               </p:nvSpPr>
               <p:spPr>
                 <a:xfrm>
-                  <a:off x="3235332" y="3631988"/>
+                  <a:off x="3235332" y="3532242"/>
                   <a:ext cx="1042273" cy="446276"/>
                 </a:xfrm>
                 <a:prstGeom prst="rect">
@@ -9704,7 +9756,7 @@
               </p:txBody>
             </p:sp>
           </mc:Choice>
-          <mc:Fallback xmlns="">
+          <mc:Fallback>
             <p:sp>
               <p:nvSpPr>
                 <p:cNvPr id="43" name="TextBox 42">
@@ -9721,7 +9773,7 @@
               </p:nvSpPr>
               <p:spPr>
                 <a:xfrm>
-                  <a:off x="3235332" y="3631988"/>
+                  <a:off x="3235332" y="3532242"/>
                   <a:ext cx="1042273" cy="446276"/>
                 </a:xfrm>
                 <a:prstGeom prst="rect">
@@ -9730,7 +9782,7 @@
                 <a:blipFill>
                   <a:blip r:embed="rId2"/>
                   <a:stretch>
-                    <a:fillRect l="-4678" t="-15068" r="-6433" b="-26027"/>
+                    <a:fillRect l="-4678" t="-13514" r="-6433" b="-24324"/>
                   </a:stretch>
                 </a:blipFill>
               </p:spPr>
@@ -9749,8 +9801,8 @@
             </p:sp>
           </mc:Fallback>
         </mc:AlternateContent>
-        <mc:AlternateContent xmlns:mc="http://schemas.openxmlformats.org/markup-compatibility/2006" xmlns:a14="http://schemas.microsoft.com/office/drawing/2010/main">
-          <mc:Choice Requires="a14">
+        <mc:AlternateContent xmlns:mc="http://schemas.openxmlformats.org/markup-compatibility/2006">
+          <mc:Choice xmlns:a14="http://schemas.microsoft.com/office/drawing/2010/main" Requires="a14">
             <p:sp>
               <p:nvSpPr>
                 <p:cNvPr id="44" name="TextBox 43">
@@ -9765,7 +9817,7 @@
               </p:nvSpPr>
               <p:spPr>
                 <a:xfrm>
-                  <a:off x="3382808" y="5577358"/>
+                  <a:off x="3382808" y="5477612"/>
                   <a:ext cx="730585" cy="446276"/>
                 </a:xfrm>
                 <a:prstGeom prst="rect">
@@ -9811,7 +9863,7 @@
               </p:txBody>
             </p:sp>
           </mc:Choice>
-          <mc:Fallback xmlns="">
+          <mc:Fallback>
             <p:sp>
               <p:nvSpPr>
                 <p:cNvPr id="44" name="TextBox 43">
@@ -9828,7 +9880,7 @@
               </p:nvSpPr>
               <p:spPr>
                 <a:xfrm>
-                  <a:off x="3382808" y="5577358"/>
+                  <a:off x="3382808" y="5477612"/>
                   <a:ext cx="730585" cy="446276"/>
                 </a:xfrm>
                 <a:prstGeom prst="rect">
@@ -9856,8 +9908,8 @@
             </p:sp>
           </mc:Fallback>
         </mc:AlternateContent>
-        <mc:AlternateContent xmlns:mc="http://schemas.openxmlformats.org/markup-compatibility/2006" xmlns:a14="http://schemas.microsoft.com/office/drawing/2010/main">
-          <mc:Choice Requires="a14">
+        <mc:AlternateContent xmlns:mc="http://schemas.openxmlformats.org/markup-compatibility/2006">
+          <mc:Choice xmlns:a14="http://schemas.microsoft.com/office/drawing/2010/main" Requires="a14">
             <p:sp>
               <p:nvSpPr>
                 <p:cNvPr id="45" name="TextBox 44">
@@ -9872,7 +9924,7 @@
               </p:nvSpPr>
               <p:spPr>
                 <a:xfrm>
-                  <a:off x="3355204" y="5147300"/>
+                  <a:off x="3355204" y="5047554"/>
                   <a:ext cx="785793" cy="446276"/>
                 </a:xfrm>
                 <a:prstGeom prst="rect">
@@ -9925,7 +9977,7 @@
               </p:txBody>
             </p:sp>
           </mc:Choice>
-          <mc:Fallback xmlns="">
+          <mc:Fallback>
             <p:sp>
               <p:nvSpPr>
                 <p:cNvPr id="45" name="TextBox 44">
@@ -9942,7 +9994,7 @@
               </p:nvSpPr>
               <p:spPr>
                 <a:xfrm>
-                  <a:off x="3355204" y="5147300"/>
+                  <a:off x="3355204" y="5047554"/>
                   <a:ext cx="785793" cy="446276"/>
                 </a:xfrm>
                 <a:prstGeom prst="rect">
@@ -9951,7 +10003,7 @@
                 <a:blipFill>
                   <a:blip r:embed="rId4"/>
                   <a:stretch>
-                    <a:fillRect/>
+                    <a:fillRect l="-775" r="-23256"/>
                   </a:stretch>
                 </a:blipFill>
               </p:spPr>
@@ -9970,6 +10022,142 @@
             </p:sp>
           </mc:Fallback>
         </mc:AlternateContent>
+        <p:sp>
+          <p:nvSpPr>
+            <p:cNvPr id="2" name="Arc 1">
+              <a:extLst>
+                <a:ext uri="{FF2B5EF4-FFF2-40B4-BE49-F238E27FC236}">
+                  <a16:creationId xmlns:a16="http://schemas.microsoft.com/office/drawing/2014/main" id="{94C1323E-A7C3-4B5E-A8A5-FFB9047C2570}"/>
+                </a:ext>
+              </a:extLst>
+            </p:cNvPr>
+            <p:cNvSpPr/>
+            <p:nvPr/>
+          </p:nvSpPr>
+          <p:spPr>
+            <a:xfrm>
+              <a:off x="3758534" y="1902146"/>
+              <a:ext cx="4429486" cy="4416061"/>
+            </a:xfrm>
+            <a:prstGeom prst="arc">
+              <a:avLst>
+                <a:gd name="adj1" fmla="val 11710524"/>
+                <a:gd name="adj2" fmla="val 0"/>
+              </a:avLst>
+            </a:prstGeom>
+            <a:ln>
+              <a:solidFill>
+                <a:schemeClr val="tx1"/>
+              </a:solidFill>
+              <a:prstDash val="lgDash"/>
+            </a:ln>
+          </p:spPr>
+          <p:style>
+            <a:lnRef idx="1">
+              <a:schemeClr val="accent1"/>
+            </a:lnRef>
+            <a:fillRef idx="0">
+              <a:schemeClr val="accent1"/>
+            </a:fillRef>
+            <a:effectRef idx="0">
+              <a:schemeClr val="accent1"/>
+            </a:effectRef>
+            <a:fontRef idx="minor">
+              <a:schemeClr val="tx1"/>
+            </a:fontRef>
+          </p:style>
+          <p:txBody>
+            <a:bodyPr rtlCol="0" anchor="ctr"/>
+            <a:lstStyle/>
+            <a:p>
+              <a:pPr algn="ctr"/>
+              <a:endParaRPr lang="en-US"/>
+            </a:p>
+          </p:txBody>
+        </p:sp>
+        <p:cxnSp>
+          <p:nvCxnSpPr>
+            <p:cNvPr id="4" name="Straight Connector 3">
+              <a:extLst>
+                <a:ext uri="{FF2B5EF4-FFF2-40B4-BE49-F238E27FC236}">
+                  <a16:creationId xmlns:a16="http://schemas.microsoft.com/office/drawing/2014/main" id="{609B11D8-5B81-43E0-971A-4FAB49C991ED}"/>
+                </a:ext>
+              </a:extLst>
+            </p:cNvPr>
+            <p:cNvCxnSpPr/>
+            <p:nvPr/>
+          </p:nvCxnSpPr>
+          <p:spPr>
+            <a:xfrm>
+              <a:off x="7889652" y="4255022"/>
+              <a:ext cx="615397" cy="0"/>
+            </a:xfrm>
+            <a:prstGeom prst="line">
+              <a:avLst/>
+            </a:prstGeom>
+            <a:ln w="38100">
+              <a:solidFill>
+                <a:srgbClr val="00B0F0"/>
+              </a:solidFill>
+            </a:ln>
+          </p:spPr>
+          <p:style>
+            <a:lnRef idx="1">
+              <a:schemeClr val="accent1"/>
+            </a:lnRef>
+            <a:fillRef idx="0">
+              <a:schemeClr val="accent1"/>
+            </a:fillRef>
+            <a:effectRef idx="0">
+              <a:schemeClr val="accent1"/>
+            </a:effectRef>
+            <a:fontRef idx="minor">
+              <a:schemeClr val="tx1"/>
+            </a:fontRef>
+          </p:style>
+        </p:cxnSp>
+        <p:sp>
+          <p:nvSpPr>
+            <p:cNvPr id="38" name="TextBox 37">
+              <a:extLst>
+                <a:ext uri="{FF2B5EF4-FFF2-40B4-BE49-F238E27FC236}">
+                  <a16:creationId xmlns:a16="http://schemas.microsoft.com/office/drawing/2014/main" id="{F9BB03E1-0B2A-480E-B898-49EDE1091548}"/>
+                </a:ext>
+              </a:extLst>
+            </p:cNvPr>
+            <p:cNvSpPr txBox="1"/>
+            <p:nvPr/>
+          </p:nvSpPr>
+          <p:spPr>
+            <a:xfrm>
+              <a:off x="8577207" y="4164115"/>
+              <a:ext cx="777777" cy="446276"/>
+            </a:xfrm>
+            <a:prstGeom prst="rect">
+              <a:avLst/>
+            </a:prstGeom>
+            <a:noFill/>
+          </p:spPr>
+          <p:txBody>
+            <a:bodyPr wrap="none" rtlCol="0">
+              <a:spAutoFit/>
+            </a:bodyPr>
+            <a:lstStyle/>
+            <a:p>
+              <a:r>
+                <a:rPr lang="zh-CN" altLang="en-US" sz="2300" b="1" dirty="0">
+                  <a:latin typeface="宋体" panose="02010600030101010101" pitchFamily="2" charset="-122"/>
+                  <a:ea typeface="宋体" panose="02010600030101010101" pitchFamily="2" charset="-122"/>
+                </a:rPr>
+                <a:t>铝片</a:t>
+              </a:r>
+              <a:endParaRPr lang="en-US" sz="2300" b="1" dirty="0">
+                <a:latin typeface="宋体" panose="02010600030101010101" pitchFamily="2" charset="-122"/>
+                <a:ea typeface="宋体" panose="02010600030101010101" pitchFamily="2" charset="-122"/>
+              </a:endParaRPr>
+            </a:p>
+          </p:txBody>
+        </p:sp>
       </p:grpSp>
     </p:spTree>
     <p:extLst>

--- a/Pic.pptx
+++ b/Pic.pptx
@@ -5,7 +5,7 @@
     <p:sldMasterId id="2147483648" r:id="rId1"/>
   </p:sldMasterIdLst>
   <p:notesMasterIdLst>
-    <p:notesMasterId r:id="rId9"/>
+    <p:notesMasterId r:id="rId10"/>
   </p:notesMasterIdLst>
   <p:sldIdLst>
     <p:sldId id="256" r:id="rId2"/>
@@ -15,6 +15,7 @@
     <p:sldId id="260" r:id="rId6"/>
     <p:sldId id="261" r:id="rId7"/>
     <p:sldId id="262" r:id="rId8"/>
+    <p:sldId id="263" r:id="rId9"/>
   </p:sldIdLst>
   <p:sldSz cx="12192000" cy="6858000"/>
   <p:notesSz cx="6858000" cy="9144000"/>
@@ -214,7 +215,7 @@
           <a:p>
             <a:fld id="{856DD98A-0F4A-4E02-9041-88828D2A188E}" type="datetimeFigureOut">
               <a:rPr lang="en-US" smtClean="0"/>
-              <a:t>10/23/2020</a:t>
+              <a:t>12/17/2020</a:t>
             </a:fld>
             <a:endParaRPr lang="en-US"/>
           </a:p>
@@ -712,7 +713,7 @@
           <a:p>
             <a:fld id="{D7B72F7F-CFB7-4A83-8C76-24DBCEAD790B}" type="datetimeFigureOut">
               <a:rPr lang="en-US" smtClean="0"/>
-              <a:t>10/23/2020</a:t>
+              <a:t>12/17/2020</a:t>
             </a:fld>
             <a:endParaRPr lang="en-US"/>
           </a:p>
@@ -910,7 +911,7 @@
           <a:p>
             <a:fld id="{D7B72F7F-CFB7-4A83-8C76-24DBCEAD790B}" type="datetimeFigureOut">
               <a:rPr lang="en-US" smtClean="0"/>
-              <a:t>10/23/2020</a:t>
+              <a:t>12/17/2020</a:t>
             </a:fld>
             <a:endParaRPr lang="en-US"/>
           </a:p>
@@ -1118,7 +1119,7 @@
           <a:p>
             <a:fld id="{D7B72F7F-CFB7-4A83-8C76-24DBCEAD790B}" type="datetimeFigureOut">
               <a:rPr lang="en-US" smtClean="0"/>
-              <a:t>10/23/2020</a:t>
+              <a:t>12/17/2020</a:t>
             </a:fld>
             <a:endParaRPr lang="en-US"/>
           </a:p>
@@ -1316,7 +1317,7 @@
           <a:p>
             <a:fld id="{D7B72F7F-CFB7-4A83-8C76-24DBCEAD790B}" type="datetimeFigureOut">
               <a:rPr lang="en-US" smtClean="0"/>
-              <a:t>10/23/2020</a:t>
+              <a:t>12/17/2020</a:t>
             </a:fld>
             <a:endParaRPr lang="en-US"/>
           </a:p>
@@ -1591,7 +1592,7 @@
           <a:p>
             <a:fld id="{D7B72F7F-CFB7-4A83-8C76-24DBCEAD790B}" type="datetimeFigureOut">
               <a:rPr lang="en-US" smtClean="0"/>
-              <a:t>10/23/2020</a:t>
+              <a:t>12/17/2020</a:t>
             </a:fld>
             <a:endParaRPr lang="en-US"/>
           </a:p>
@@ -1856,7 +1857,7 @@
           <a:p>
             <a:fld id="{D7B72F7F-CFB7-4A83-8C76-24DBCEAD790B}" type="datetimeFigureOut">
               <a:rPr lang="en-US" smtClean="0"/>
-              <a:t>10/23/2020</a:t>
+              <a:t>12/17/2020</a:t>
             </a:fld>
             <a:endParaRPr lang="en-US"/>
           </a:p>
@@ -2268,7 +2269,7 @@
           <a:p>
             <a:fld id="{D7B72F7F-CFB7-4A83-8C76-24DBCEAD790B}" type="datetimeFigureOut">
               <a:rPr lang="en-US" smtClean="0"/>
-              <a:t>10/23/2020</a:t>
+              <a:t>12/17/2020</a:t>
             </a:fld>
             <a:endParaRPr lang="en-US"/>
           </a:p>
@@ -2409,7 +2410,7 @@
           <a:p>
             <a:fld id="{D7B72F7F-CFB7-4A83-8C76-24DBCEAD790B}" type="datetimeFigureOut">
               <a:rPr lang="en-US" smtClean="0"/>
-              <a:t>10/23/2020</a:t>
+              <a:t>12/17/2020</a:t>
             </a:fld>
             <a:endParaRPr lang="en-US"/>
           </a:p>
@@ -2522,7 +2523,7 @@
           <a:p>
             <a:fld id="{D7B72F7F-CFB7-4A83-8C76-24DBCEAD790B}" type="datetimeFigureOut">
               <a:rPr lang="en-US" smtClean="0"/>
-              <a:t>10/23/2020</a:t>
+              <a:t>12/17/2020</a:t>
             </a:fld>
             <a:endParaRPr lang="en-US"/>
           </a:p>
@@ -2833,7 +2834,7 @@
           <a:p>
             <a:fld id="{D7B72F7F-CFB7-4A83-8C76-24DBCEAD790B}" type="datetimeFigureOut">
               <a:rPr lang="en-US" smtClean="0"/>
-              <a:t>10/23/2020</a:t>
+              <a:t>12/17/2020</a:t>
             </a:fld>
             <a:endParaRPr lang="en-US"/>
           </a:p>
@@ -3121,7 +3122,7 @@
           <a:p>
             <a:fld id="{D7B72F7F-CFB7-4A83-8C76-24DBCEAD790B}" type="datetimeFigureOut">
               <a:rPr lang="en-US" smtClean="0"/>
-              <a:t>10/23/2020</a:t>
+              <a:t>12/17/2020</a:t>
             </a:fld>
             <a:endParaRPr lang="en-US"/>
           </a:p>
@@ -3362,7 +3363,7 @@
           <a:p>
             <a:fld id="{D7B72F7F-CFB7-4A83-8C76-24DBCEAD790B}" type="datetimeFigureOut">
               <a:rPr lang="en-US" smtClean="0"/>
-              <a:t>10/23/2020</a:t>
+              <a:t>12/17/2020</a:t>
             </a:fld>
             <a:endParaRPr lang="en-US"/>
           </a:p>
@@ -9694,8 +9695,8 @@
             </a:p>
           </p:txBody>
         </p:sp>
-        <mc:AlternateContent xmlns:mc="http://schemas.openxmlformats.org/markup-compatibility/2006">
-          <mc:Choice xmlns:a14="http://schemas.microsoft.com/office/drawing/2010/main" Requires="a14">
+        <mc:AlternateContent xmlns:mc="http://schemas.openxmlformats.org/markup-compatibility/2006" xmlns:a14="http://schemas.microsoft.com/office/drawing/2010/main">
+          <mc:Choice Requires="a14">
             <p:sp>
               <p:nvSpPr>
                 <p:cNvPr id="43" name="TextBox 42">
@@ -9756,7 +9757,7 @@
               </p:txBody>
             </p:sp>
           </mc:Choice>
-          <mc:Fallback>
+          <mc:Fallback xmlns="">
             <p:sp>
               <p:nvSpPr>
                 <p:cNvPr id="43" name="TextBox 42">
@@ -9801,8 +9802,8 @@
             </p:sp>
           </mc:Fallback>
         </mc:AlternateContent>
-        <mc:AlternateContent xmlns:mc="http://schemas.openxmlformats.org/markup-compatibility/2006">
-          <mc:Choice xmlns:a14="http://schemas.microsoft.com/office/drawing/2010/main" Requires="a14">
+        <mc:AlternateContent xmlns:mc="http://schemas.openxmlformats.org/markup-compatibility/2006" xmlns:a14="http://schemas.microsoft.com/office/drawing/2010/main">
+          <mc:Choice Requires="a14">
             <p:sp>
               <p:nvSpPr>
                 <p:cNvPr id="44" name="TextBox 43">
@@ -9863,7 +9864,7 @@
               </p:txBody>
             </p:sp>
           </mc:Choice>
-          <mc:Fallback>
+          <mc:Fallback xmlns="">
             <p:sp>
               <p:nvSpPr>
                 <p:cNvPr id="44" name="TextBox 43">
@@ -9908,8 +9909,8 @@
             </p:sp>
           </mc:Fallback>
         </mc:AlternateContent>
-        <mc:AlternateContent xmlns:mc="http://schemas.openxmlformats.org/markup-compatibility/2006">
-          <mc:Choice xmlns:a14="http://schemas.microsoft.com/office/drawing/2010/main" Requires="a14">
+        <mc:AlternateContent xmlns:mc="http://schemas.openxmlformats.org/markup-compatibility/2006" xmlns:a14="http://schemas.microsoft.com/office/drawing/2010/main">
+          <mc:Choice Requires="a14">
             <p:sp>
               <p:nvSpPr>
                 <p:cNvPr id="45" name="TextBox 44">
@@ -9977,7 +9978,7 @@
               </p:txBody>
             </p:sp>
           </mc:Choice>
-          <mc:Fallback>
+          <mc:Fallback xmlns="">
             <p:sp>
               <p:nvSpPr>
                 <p:cNvPr id="45" name="TextBox 44">
@@ -10357,6 +10358,2417 @@
     <p:extLst>
       <p:ext uri="{BB962C8B-B14F-4D97-AF65-F5344CB8AC3E}">
         <p14:creationId xmlns:p14="http://schemas.microsoft.com/office/powerpoint/2010/main" val="3174686310"/>
+      </p:ext>
+    </p:extLst>
+  </p:cSld>
+  <p:clrMapOvr>
+    <a:masterClrMapping/>
+  </p:clrMapOvr>
+</p:sld>
+</file>
+
+<file path=ppt/slides/slide8.xml><?xml version="1.0" encoding="utf-8"?>
+<p:sld xmlns:a="http://schemas.openxmlformats.org/drawingml/2006/main" xmlns:r="http://schemas.openxmlformats.org/officeDocument/2006/relationships" xmlns:p="http://schemas.openxmlformats.org/presentationml/2006/main">
+  <p:cSld>
+    <p:spTree>
+      <p:nvGrpSpPr>
+        <p:cNvPr id="1" name=""/>
+        <p:cNvGrpSpPr/>
+        <p:nvPr/>
+      </p:nvGrpSpPr>
+      <p:grpSpPr>
+        <a:xfrm>
+          <a:off x="0" y="0"/>
+          <a:ext cx="0" cy="0"/>
+          <a:chOff x="0" y="0"/>
+          <a:chExt cx="0" cy="0"/>
+        </a:xfrm>
+      </p:grpSpPr>
+      <p:grpSp>
+        <p:nvGrpSpPr>
+          <p:cNvPr id="34" name="Group 33">
+            <a:extLst>
+              <a:ext uri="{FF2B5EF4-FFF2-40B4-BE49-F238E27FC236}">
+                <a16:creationId xmlns:a16="http://schemas.microsoft.com/office/drawing/2014/main" id="{9AD61151-C9B6-4DE2-A5C5-73C2F1E1741C}"/>
+              </a:ext>
+            </a:extLst>
+          </p:cNvPr>
+          <p:cNvGrpSpPr/>
+          <p:nvPr/>
+        </p:nvGrpSpPr>
+        <p:grpSpPr>
+          <a:xfrm>
+            <a:off x="307730" y="374844"/>
+            <a:ext cx="5649644" cy="1587425"/>
+            <a:chOff x="2162907" y="1553014"/>
+            <a:chExt cx="5649644" cy="1587425"/>
+          </a:xfrm>
+        </p:grpSpPr>
+        <p:grpSp>
+          <p:nvGrpSpPr>
+            <p:cNvPr id="30" name="Group 29">
+              <a:extLst>
+                <a:ext uri="{FF2B5EF4-FFF2-40B4-BE49-F238E27FC236}">
+                  <a16:creationId xmlns:a16="http://schemas.microsoft.com/office/drawing/2014/main" id="{50D0C230-DB4D-4BB8-9A4F-F2DCCA8F5365}"/>
+                </a:ext>
+              </a:extLst>
+            </p:cNvPr>
+            <p:cNvGrpSpPr/>
+            <p:nvPr/>
+          </p:nvGrpSpPr>
+          <p:grpSpPr>
+            <a:xfrm>
+              <a:off x="2162907" y="1553014"/>
+              <a:ext cx="5649644" cy="1242940"/>
+              <a:chOff x="2162907" y="1553014"/>
+              <a:chExt cx="5649644" cy="1242940"/>
+            </a:xfrm>
+          </p:grpSpPr>
+          <p:grpSp>
+            <p:nvGrpSpPr>
+              <p:cNvPr id="10" name="Group 9">
+                <a:extLst>
+                  <a:ext uri="{FF2B5EF4-FFF2-40B4-BE49-F238E27FC236}">
+                    <a16:creationId xmlns:a16="http://schemas.microsoft.com/office/drawing/2014/main" id="{A621E88D-00BD-4677-8FC0-D8254BBAD4CE}"/>
+                  </a:ext>
+                </a:extLst>
+              </p:cNvPr>
+              <p:cNvGrpSpPr/>
+              <p:nvPr/>
+            </p:nvGrpSpPr>
+            <p:grpSpPr>
+              <a:xfrm>
+                <a:off x="2162907" y="1553014"/>
+                <a:ext cx="1466264" cy="1242940"/>
+                <a:chOff x="2162907" y="1553014"/>
+                <a:chExt cx="1466264" cy="1242940"/>
+              </a:xfrm>
+            </p:grpSpPr>
+            <p:sp>
+              <p:nvSpPr>
+                <p:cNvPr id="4" name="Rectangle 3">
+                  <a:extLst>
+                    <a:ext uri="{FF2B5EF4-FFF2-40B4-BE49-F238E27FC236}">
+                      <a16:creationId xmlns:a16="http://schemas.microsoft.com/office/drawing/2014/main" id="{0C5B8384-4B63-4A7A-822F-D036B1E2F9CD}"/>
+                    </a:ext>
+                  </a:extLst>
+                </p:cNvPr>
+                <p:cNvSpPr/>
+                <p:nvPr/>
+              </p:nvSpPr>
+              <p:spPr>
+                <a:xfrm>
+                  <a:off x="2162907" y="2259623"/>
+                  <a:ext cx="1415562" cy="536331"/>
+                </a:xfrm>
+                <a:prstGeom prst="rect">
+                  <a:avLst/>
+                </a:prstGeom>
+                <a:noFill/>
+                <a:ln w="28575">
+                  <a:solidFill>
+                    <a:schemeClr val="tx1"/>
+                  </a:solidFill>
+                </a:ln>
+              </p:spPr>
+              <p:style>
+                <a:lnRef idx="2">
+                  <a:schemeClr val="accent1">
+                    <a:shade val="50000"/>
+                  </a:schemeClr>
+                </a:lnRef>
+                <a:fillRef idx="1">
+                  <a:schemeClr val="accent1"/>
+                </a:fillRef>
+                <a:effectRef idx="0">
+                  <a:schemeClr val="accent1"/>
+                </a:effectRef>
+                <a:fontRef idx="minor">
+                  <a:schemeClr val="lt1"/>
+                </a:fontRef>
+              </p:style>
+              <p:txBody>
+                <a:bodyPr rtlCol="0" anchor="ctr"/>
+                <a:lstStyle/>
+                <a:p>
+                  <a:pPr algn="ctr"/>
+                  <a:endParaRPr lang="en-US"/>
+                </a:p>
+              </p:txBody>
+            </p:sp>
+            <p:cxnSp>
+              <p:nvCxnSpPr>
+                <p:cNvPr id="6" name="Straight Arrow Connector 5">
+                  <a:extLst>
+                    <a:ext uri="{FF2B5EF4-FFF2-40B4-BE49-F238E27FC236}">
+                      <a16:creationId xmlns:a16="http://schemas.microsoft.com/office/drawing/2014/main" id="{F1DC62BF-509C-41BF-8032-9F0D466B4E9A}"/>
+                    </a:ext>
+                  </a:extLst>
+                </p:cNvPr>
+                <p:cNvCxnSpPr>
+                  <a:cxnSpLocks/>
+                  <a:endCxn id="4" idx="0"/>
+                </p:cNvCxnSpPr>
+                <p:nvPr/>
+              </p:nvCxnSpPr>
+              <p:spPr>
+                <a:xfrm>
+                  <a:off x="2162907" y="1553014"/>
+                  <a:ext cx="707781" cy="706609"/>
+                </a:xfrm>
+                <a:prstGeom prst="straightConnector1">
+                  <a:avLst/>
+                </a:prstGeom>
+                <a:ln w="19050">
+                  <a:tailEnd type="triangle"/>
+                </a:ln>
+              </p:spPr>
+              <p:style>
+                <a:lnRef idx="1">
+                  <a:schemeClr val="dk1"/>
+                </a:lnRef>
+                <a:fillRef idx="0">
+                  <a:schemeClr val="dk1"/>
+                </a:fillRef>
+                <a:effectRef idx="0">
+                  <a:schemeClr val="dk1"/>
+                </a:effectRef>
+                <a:fontRef idx="minor">
+                  <a:schemeClr val="tx1"/>
+                </a:fontRef>
+              </p:style>
+            </p:cxnSp>
+            <p:cxnSp>
+              <p:nvCxnSpPr>
+                <p:cNvPr id="7" name="Straight Arrow Connector 6">
+                  <a:extLst>
+                    <a:ext uri="{FF2B5EF4-FFF2-40B4-BE49-F238E27FC236}">
+                      <a16:creationId xmlns:a16="http://schemas.microsoft.com/office/drawing/2014/main" id="{18BE6BA1-3C33-4D9D-BAA1-BDFEA23073A8}"/>
+                    </a:ext>
+                  </a:extLst>
+                </p:cNvPr>
+                <p:cNvCxnSpPr>
+                  <a:cxnSpLocks/>
+                </p:cNvCxnSpPr>
+                <p:nvPr/>
+              </p:nvCxnSpPr>
+              <p:spPr>
+                <a:xfrm rot="16200000">
+                  <a:off x="2896626" y="1527077"/>
+                  <a:ext cx="706608" cy="758483"/>
+                </a:xfrm>
+                <a:prstGeom prst="straightConnector1">
+                  <a:avLst/>
+                </a:prstGeom>
+                <a:ln w="19050">
+                  <a:tailEnd type="triangle"/>
+                </a:ln>
+              </p:spPr>
+              <p:style>
+                <a:lnRef idx="1">
+                  <a:schemeClr val="dk1"/>
+                </a:lnRef>
+                <a:fillRef idx="0">
+                  <a:schemeClr val="dk1"/>
+                </a:fillRef>
+                <a:effectRef idx="0">
+                  <a:schemeClr val="dk1"/>
+                </a:effectRef>
+                <a:fontRef idx="minor">
+                  <a:schemeClr val="tx1"/>
+                </a:fontRef>
+              </p:style>
+            </p:cxnSp>
+            <mc:AlternateContent xmlns:mc="http://schemas.openxmlformats.org/markup-compatibility/2006" xmlns:a14="http://schemas.microsoft.com/office/drawing/2010/main">
+              <mc:Choice Requires="a14">
+                <p:sp>
+                  <p:nvSpPr>
+                    <p:cNvPr id="9" name="TextBox 8">
+                      <a:extLst>
+                        <a:ext uri="{FF2B5EF4-FFF2-40B4-BE49-F238E27FC236}">
+                          <a16:creationId xmlns:a16="http://schemas.microsoft.com/office/drawing/2014/main" id="{4120D653-F842-4A09-9308-2B0C3A1A97B9}"/>
+                        </a:ext>
+                      </a:extLst>
+                    </p:cNvPr>
+                    <p:cNvSpPr txBox="1"/>
+                    <p:nvPr/>
+                  </p:nvSpPr>
+                  <p:spPr>
+                    <a:xfrm>
+                      <a:off x="2891008" y="2343122"/>
+                      <a:ext cx="440377" cy="369332"/>
+                    </a:xfrm>
+                    <a:prstGeom prst="rect">
+                      <a:avLst/>
+                    </a:prstGeom>
+                    <a:noFill/>
+                  </p:spPr>
+                  <p:txBody>
+                    <a:bodyPr wrap="none" rtlCol="0">
+                      <a:spAutoFit/>
+                    </a:bodyPr>
+                    <a:lstStyle/>
+                    <a:p>
+                      <a:pPr/>
+                      <a14:m>
+                        <m:oMathPara xmlns:m="http://schemas.openxmlformats.org/officeDocument/2006/math">
+                          <m:oMathParaPr>
+                            <m:jc m:val="centerGroup"/>
+                          </m:oMathParaPr>
+                          <m:oMath xmlns:m="http://schemas.openxmlformats.org/officeDocument/2006/math">
+                            <m:r>
+                              <a:rPr lang="en-US" b="0" i="1" smtClean="0">
+                                <a:latin typeface="Cambria Math" panose="02040503050406030204" pitchFamily="18" charset="0"/>
+                              </a:rPr>
+                              <m:t>𝑀</m:t>
+                            </m:r>
+                          </m:oMath>
+                        </m:oMathPara>
+                      </a14:m>
+                      <a:endParaRPr lang="en-US" dirty="0"/>
+                    </a:p>
+                  </p:txBody>
+                </p:sp>
+              </mc:Choice>
+              <mc:Fallback xmlns="">
+                <p:sp>
+                  <p:nvSpPr>
+                    <p:cNvPr id="9" name="TextBox 8">
+                      <a:extLst>
+                        <a:ext uri="{FF2B5EF4-FFF2-40B4-BE49-F238E27FC236}">
+                          <a16:creationId xmlns:a16="http://schemas.microsoft.com/office/drawing/2014/main" id="{4120D653-F842-4A09-9308-2B0C3A1A97B9}"/>
+                        </a:ext>
+                      </a:extLst>
+                    </p:cNvPr>
+                    <p:cNvSpPr txBox="1">
+                      <a:spLocks noRot="1" noChangeAspect="1" noMove="1" noResize="1" noEditPoints="1" noAdjustHandles="1" noChangeArrowheads="1" noChangeShapeType="1" noTextEdit="1"/>
+                    </p:cNvSpPr>
+                    <p:nvPr/>
+                  </p:nvSpPr>
+                  <p:spPr>
+                    <a:xfrm>
+                      <a:off x="2891008" y="2343122"/>
+                      <a:ext cx="440377" cy="369332"/>
+                    </a:xfrm>
+                    <a:prstGeom prst="rect">
+                      <a:avLst/>
+                    </a:prstGeom>
+                    <a:blipFill>
+                      <a:blip r:embed="rId2"/>
+                      <a:stretch>
+                        <a:fillRect/>
+                      </a:stretch>
+                    </a:blipFill>
+                  </p:spPr>
+                  <p:txBody>
+                    <a:bodyPr/>
+                    <a:lstStyle/>
+                    <a:p>
+                      <a:r>
+                        <a:rPr lang="en-US">
+                          <a:noFill/>
+                        </a:rPr>
+                        <a:t> </a:t>
+                      </a:r>
+                    </a:p>
+                  </p:txBody>
+                </p:sp>
+              </mc:Fallback>
+            </mc:AlternateContent>
+          </p:grpSp>
+          <p:grpSp>
+            <p:nvGrpSpPr>
+              <p:cNvPr id="11" name="Group 10">
+                <a:extLst>
+                  <a:ext uri="{FF2B5EF4-FFF2-40B4-BE49-F238E27FC236}">
+                    <a16:creationId xmlns:a16="http://schemas.microsoft.com/office/drawing/2014/main" id="{99188CE0-6082-4698-A892-8ED7944FE3A1}"/>
+                  </a:ext>
+                </a:extLst>
+              </p:cNvPr>
+              <p:cNvGrpSpPr/>
+              <p:nvPr/>
+            </p:nvGrpSpPr>
+            <p:grpSpPr>
+              <a:xfrm>
+                <a:off x="4254597" y="1553014"/>
+                <a:ext cx="1466264" cy="1242940"/>
+                <a:chOff x="2162907" y="1553014"/>
+                <a:chExt cx="1466264" cy="1242940"/>
+              </a:xfrm>
+            </p:grpSpPr>
+            <p:sp>
+              <p:nvSpPr>
+                <p:cNvPr id="12" name="Rectangle 11">
+                  <a:extLst>
+                    <a:ext uri="{FF2B5EF4-FFF2-40B4-BE49-F238E27FC236}">
+                      <a16:creationId xmlns:a16="http://schemas.microsoft.com/office/drawing/2014/main" id="{743CF57E-0626-46B0-A9BB-7D9387CBCBA4}"/>
+                    </a:ext>
+                  </a:extLst>
+                </p:cNvPr>
+                <p:cNvSpPr/>
+                <p:nvPr/>
+              </p:nvSpPr>
+              <p:spPr>
+                <a:xfrm>
+                  <a:off x="2162907" y="2259623"/>
+                  <a:ext cx="1415562" cy="536331"/>
+                </a:xfrm>
+                <a:prstGeom prst="rect">
+                  <a:avLst/>
+                </a:prstGeom>
+                <a:noFill/>
+                <a:ln w="28575">
+                  <a:solidFill>
+                    <a:schemeClr val="tx1"/>
+                  </a:solidFill>
+                </a:ln>
+              </p:spPr>
+              <p:style>
+                <a:lnRef idx="2">
+                  <a:schemeClr val="accent1">
+                    <a:shade val="50000"/>
+                  </a:schemeClr>
+                </a:lnRef>
+                <a:fillRef idx="1">
+                  <a:schemeClr val="accent1"/>
+                </a:fillRef>
+                <a:effectRef idx="0">
+                  <a:schemeClr val="accent1"/>
+                </a:effectRef>
+                <a:fontRef idx="minor">
+                  <a:schemeClr val="lt1"/>
+                </a:fontRef>
+              </p:style>
+              <p:txBody>
+                <a:bodyPr rtlCol="0" anchor="ctr"/>
+                <a:lstStyle/>
+                <a:p>
+                  <a:pPr algn="ctr"/>
+                  <a:endParaRPr lang="en-US"/>
+                </a:p>
+              </p:txBody>
+            </p:sp>
+            <p:cxnSp>
+              <p:nvCxnSpPr>
+                <p:cNvPr id="13" name="Straight Arrow Connector 12">
+                  <a:extLst>
+                    <a:ext uri="{FF2B5EF4-FFF2-40B4-BE49-F238E27FC236}">
+                      <a16:creationId xmlns:a16="http://schemas.microsoft.com/office/drawing/2014/main" id="{EC7D685D-EA13-455E-A305-79B21B502562}"/>
+                    </a:ext>
+                  </a:extLst>
+                </p:cNvPr>
+                <p:cNvCxnSpPr>
+                  <a:cxnSpLocks/>
+                  <a:endCxn id="12" idx="0"/>
+                </p:cNvCxnSpPr>
+                <p:nvPr/>
+              </p:nvCxnSpPr>
+              <p:spPr>
+                <a:xfrm>
+                  <a:off x="2162907" y="1553014"/>
+                  <a:ext cx="707781" cy="706609"/>
+                </a:xfrm>
+                <a:prstGeom prst="straightConnector1">
+                  <a:avLst/>
+                </a:prstGeom>
+                <a:ln w="19050">
+                  <a:tailEnd type="triangle"/>
+                </a:ln>
+              </p:spPr>
+              <p:style>
+                <a:lnRef idx="1">
+                  <a:schemeClr val="dk1"/>
+                </a:lnRef>
+                <a:fillRef idx="0">
+                  <a:schemeClr val="dk1"/>
+                </a:fillRef>
+                <a:effectRef idx="0">
+                  <a:schemeClr val="dk1"/>
+                </a:effectRef>
+                <a:fontRef idx="minor">
+                  <a:schemeClr val="tx1"/>
+                </a:fontRef>
+              </p:style>
+            </p:cxnSp>
+            <p:cxnSp>
+              <p:nvCxnSpPr>
+                <p:cNvPr id="14" name="Straight Arrow Connector 13">
+                  <a:extLst>
+                    <a:ext uri="{FF2B5EF4-FFF2-40B4-BE49-F238E27FC236}">
+                      <a16:creationId xmlns:a16="http://schemas.microsoft.com/office/drawing/2014/main" id="{2AA5A7D5-DB52-449A-B145-DB8D5B581F08}"/>
+                    </a:ext>
+                  </a:extLst>
+                </p:cNvPr>
+                <p:cNvCxnSpPr>
+                  <a:cxnSpLocks/>
+                </p:cNvCxnSpPr>
+                <p:nvPr/>
+              </p:nvCxnSpPr>
+              <p:spPr>
+                <a:xfrm rot="16200000">
+                  <a:off x="2896626" y="1527077"/>
+                  <a:ext cx="706608" cy="758483"/>
+                </a:xfrm>
+                <a:prstGeom prst="straightConnector1">
+                  <a:avLst/>
+                </a:prstGeom>
+                <a:ln w="19050">
+                  <a:tailEnd type="triangle"/>
+                </a:ln>
+              </p:spPr>
+              <p:style>
+                <a:lnRef idx="1">
+                  <a:schemeClr val="dk1"/>
+                </a:lnRef>
+                <a:fillRef idx="0">
+                  <a:schemeClr val="dk1"/>
+                </a:fillRef>
+                <a:effectRef idx="0">
+                  <a:schemeClr val="dk1"/>
+                </a:effectRef>
+                <a:fontRef idx="minor">
+                  <a:schemeClr val="tx1"/>
+                </a:fontRef>
+              </p:style>
+            </p:cxnSp>
+            <mc:AlternateContent xmlns:mc="http://schemas.openxmlformats.org/markup-compatibility/2006" xmlns:a14="http://schemas.microsoft.com/office/drawing/2010/main">
+              <mc:Choice Requires="a14">
+                <p:sp>
+                  <p:nvSpPr>
+                    <p:cNvPr id="15" name="TextBox 14">
+                      <a:extLst>
+                        <a:ext uri="{FF2B5EF4-FFF2-40B4-BE49-F238E27FC236}">
+                          <a16:creationId xmlns:a16="http://schemas.microsoft.com/office/drawing/2014/main" id="{58FA502C-6FA3-41C8-892F-6A671F5E26FA}"/>
+                        </a:ext>
+                      </a:extLst>
+                    </p:cNvPr>
+                    <p:cNvSpPr txBox="1"/>
+                    <p:nvPr/>
+                  </p:nvSpPr>
+                  <p:spPr>
+                    <a:xfrm>
+                      <a:off x="2891008" y="2343122"/>
+                      <a:ext cx="440377" cy="369332"/>
+                    </a:xfrm>
+                    <a:prstGeom prst="rect">
+                      <a:avLst/>
+                    </a:prstGeom>
+                    <a:noFill/>
+                  </p:spPr>
+                  <p:txBody>
+                    <a:bodyPr wrap="none" rtlCol="0">
+                      <a:spAutoFit/>
+                    </a:bodyPr>
+                    <a:lstStyle/>
+                    <a:p>
+                      <a:pPr/>
+                      <a14:m>
+                        <m:oMathPara xmlns:m="http://schemas.openxmlformats.org/officeDocument/2006/math">
+                          <m:oMathParaPr>
+                            <m:jc m:val="centerGroup"/>
+                          </m:oMathParaPr>
+                          <m:oMath xmlns:m="http://schemas.openxmlformats.org/officeDocument/2006/math">
+                            <m:r>
+                              <a:rPr lang="en-US" b="0" i="1" smtClean="0">
+                                <a:latin typeface="Cambria Math" panose="02040503050406030204" pitchFamily="18" charset="0"/>
+                              </a:rPr>
+                              <m:t>𝑀</m:t>
+                            </m:r>
+                          </m:oMath>
+                        </m:oMathPara>
+                      </a14:m>
+                      <a:endParaRPr lang="en-US" dirty="0"/>
+                    </a:p>
+                  </p:txBody>
+                </p:sp>
+              </mc:Choice>
+              <mc:Fallback xmlns="">
+                <p:sp>
+                  <p:nvSpPr>
+                    <p:cNvPr id="15" name="TextBox 14">
+                      <a:extLst>
+                        <a:ext uri="{FF2B5EF4-FFF2-40B4-BE49-F238E27FC236}">
+                          <a16:creationId xmlns:a16="http://schemas.microsoft.com/office/drawing/2014/main" id="{58FA502C-6FA3-41C8-892F-6A671F5E26FA}"/>
+                        </a:ext>
+                      </a:extLst>
+                    </p:cNvPr>
+                    <p:cNvSpPr txBox="1">
+                      <a:spLocks noRot="1" noChangeAspect="1" noMove="1" noResize="1" noEditPoints="1" noAdjustHandles="1" noChangeArrowheads="1" noChangeShapeType="1" noTextEdit="1"/>
+                    </p:cNvSpPr>
+                    <p:nvPr/>
+                  </p:nvSpPr>
+                  <p:spPr>
+                    <a:xfrm>
+                      <a:off x="2891008" y="2343122"/>
+                      <a:ext cx="440377" cy="369332"/>
+                    </a:xfrm>
+                    <a:prstGeom prst="rect">
+                      <a:avLst/>
+                    </a:prstGeom>
+                    <a:blipFill>
+                      <a:blip r:embed="rId3"/>
+                      <a:stretch>
+                        <a:fillRect/>
+                      </a:stretch>
+                    </a:blipFill>
+                  </p:spPr>
+                  <p:txBody>
+                    <a:bodyPr/>
+                    <a:lstStyle/>
+                    <a:p>
+                      <a:r>
+                        <a:rPr lang="en-US">
+                          <a:noFill/>
+                        </a:rPr>
+                        <a:t> </a:t>
+                      </a:r>
+                    </a:p>
+                  </p:txBody>
+                </p:sp>
+              </mc:Fallback>
+            </mc:AlternateContent>
+          </p:grpSp>
+          <p:sp>
+            <p:nvSpPr>
+              <p:cNvPr id="17" name="Rectangle 16">
+                <a:extLst>
+                  <a:ext uri="{FF2B5EF4-FFF2-40B4-BE49-F238E27FC236}">
+                    <a16:creationId xmlns:a16="http://schemas.microsoft.com/office/drawing/2014/main" id="{182DC562-4213-4820-8D6D-52358A44D4A6}"/>
+                  </a:ext>
+                </a:extLst>
+              </p:cNvPr>
+              <p:cNvSpPr/>
+              <p:nvPr/>
+            </p:nvSpPr>
+            <p:spPr>
+              <a:xfrm>
+                <a:off x="6346287" y="2259623"/>
+                <a:ext cx="1415562" cy="536331"/>
+              </a:xfrm>
+              <a:prstGeom prst="rect">
+                <a:avLst/>
+              </a:prstGeom>
+              <a:noFill/>
+              <a:ln w="28575">
+                <a:solidFill>
+                  <a:schemeClr val="tx1"/>
+                </a:solidFill>
+              </a:ln>
+            </p:spPr>
+            <p:style>
+              <a:lnRef idx="2">
+                <a:schemeClr val="accent1">
+                  <a:shade val="50000"/>
+                </a:schemeClr>
+              </a:lnRef>
+              <a:fillRef idx="1">
+                <a:schemeClr val="accent1"/>
+              </a:fillRef>
+              <a:effectRef idx="0">
+                <a:schemeClr val="accent1"/>
+              </a:effectRef>
+              <a:fontRef idx="minor">
+                <a:schemeClr val="lt1"/>
+              </a:fontRef>
+            </p:style>
+            <p:txBody>
+              <a:bodyPr rtlCol="0" anchor="ctr"/>
+              <a:lstStyle/>
+              <a:p>
+                <a:pPr algn="ctr"/>
+                <a:endParaRPr lang="en-US"/>
+              </a:p>
+            </p:txBody>
+          </p:sp>
+          <p:cxnSp>
+            <p:nvCxnSpPr>
+              <p:cNvPr id="18" name="Straight Arrow Connector 17">
+                <a:extLst>
+                  <a:ext uri="{FF2B5EF4-FFF2-40B4-BE49-F238E27FC236}">
+                    <a16:creationId xmlns:a16="http://schemas.microsoft.com/office/drawing/2014/main" id="{8C76E5A4-5FBB-4334-9797-6AC93A42D9D9}"/>
+                  </a:ext>
+                </a:extLst>
+              </p:cNvPr>
+              <p:cNvCxnSpPr>
+                <a:cxnSpLocks/>
+                <a:endCxn id="17" idx="0"/>
+              </p:cNvCxnSpPr>
+              <p:nvPr/>
+            </p:nvCxnSpPr>
+            <p:spPr>
+              <a:xfrm>
+                <a:off x="6346287" y="1553014"/>
+                <a:ext cx="707781" cy="706609"/>
+              </a:xfrm>
+              <a:prstGeom prst="straightConnector1">
+                <a:avLst/>
+              </a:prstGeom>
+              <a:ln w="19050">
+                <a:tailEnd type="triangle"/>
+              </a:ln>
+            </p:spPr>
+            <p:style>
+              <a:lnRef idx="1">
+                <a:schemeClr val="dk1"/>
+              </a:lnRef>
+              <a:fillRef idx="0">
+                <a:schemeClr val="dk1"/>
+              </a:fillRef>
+              <a:effectRef idx="0">
+                <a:schemeClr val="dk1"/>
+              </a:effectRef>
+              <a:fontRef idx="minor">
+                <a:schemeClr val="tx1"/>
+              </a:fontRef>
+            </p:style>
+          </p:cxnSp>
+          <p:cxnSp>
+            <p:nvCxnSpPr>
+              <p:cNvPr id="19" name="Straight Arrow Connector 18">
+                <a:extLst>
+                  <a:ext uri="{FF2B5EF4-FFF2-40B4-BE49-F238E27FC236}">
+                    <a16:creationId xmlns:a16="http://schemas.microsoft.com/office/drawing/2014/main" id="{EDE313F2-7FCD-45C7-B646-E42A50E4FAC4}"/>
+                  </a:ext>
+                </a:extLst>
+              </p:cNvPr>
+              <p:cNvCxnSpPr>
+                <a:cxnSpLocks/>
+              </p:cNvCxnSpPr>
+              <p:nvPr/>
+            </p:nvCxnSpPr>
+            <p:spPr>
+              <a:xfrm rot="16200000">
+                <a:off x="7080006" y="1527077"/>
+                <a:ext cx="706608" cy="758483"/>
+              </a:xfrm>
+              <a:prstGeom prst="straightConnector1">
+                <a:avLst/>
+              </a:prstGeom>
+              <a:ln w="19050">
+                <a:tailEnd type="triangle"/>
+              </a:ln>
+            </p:spPr>
+            <p:style>
+              <a:lnRef idx="1">
+                <a:schemeClr val="dk1"/>
+              </a:lnRef>
+              <a:fillRef idx="0">
+                <a:schemeClr val="dk1"/>
+              </a:fillRef>
+              <a:effectRef idx="0">
+                <a:schemeClr val="dk1"/>
+              </a:effectRef>
+              <a:fontRef idx="minor">
+                <a:schemeClr val="tx1"/>
+              </a:fontRef>
+            </p:style>
+          </p:cxnSp>
+          <mc:AlternateContent xmlns:mc="http://schemas.openxmlformats.org/markup-compatibility/2006" xmlns:a14="http://schemas.microsoft.com/office/drawing/2010/main">
+            <mc:Choice Requires="a14">
+              <p:sp>
+                <p:nvSpPr>
+                  <p:cNvPr id="20" name="TextBox 19">
+                    <a:extLst>
+                      <a:ext uri="{FF2B5EF4-FFF2-40B4-BE49-F238E27FC236}">
+                        <a16:creationId xmlns:a16="http://schemas.microsoft.com/office/drawing/2014/main" id="{5F2B4707-68BB-4926-961E-8AC423C1BF7C}"/>
+                      </a:ext>
+                    </a:extLst>
+                  </p:cNvPr>
+                  <p:cNvSpPr txBox="1"/>
+                  <p:nvPr/>
+                </p:nvSpPr>
+                <p:spPr>
+                  <a:xfrm>
+                    <a:off x="7213121" y="2343122"/>
+                    <a:ext cx="440377" cy="369332"/>
+                  </a:xfrm>
+                  <a:prstGeom prst="rect">
+                    <a:avLst/>
+                  </a:prstGeom>
+                  <a:noFill/>
+                </p:spPr>
+                <p:txBody>
+                  <a:bodyPr wrap="none" rtlCol="0">
+                    <a:spAutoFit/>
+                  </a:bodyPr>
+                  <a:lstStyle/>
+                  <a:p>
+                    <a:pPr/>
+                    <a14:m>
+                      <m:oMathPara xmlns:m="http://schemas.openxmlformats.org/officeDocument/2006/math">
+                        <m:oMathParaPr>
+                          <m:jc m:val="centerGroup"/>
+                        </m:oMathParaPr>
+                        <m:oMath xmlns:m="http://schemas.openxmlformats.org/officeDocument/2006/math">
+                          <m:r>
+                            <a:rPr lang="en-US" b="0" i="1" smtClean="0">
+                              <a:latin typeface="Cambria Math" panose="02040503050406030204" pitchFamily="18" charset="0"/>
+                            </a:rPr>
+                            <m:t>𝑀</m:t>
+                          </m:r>
+                        </m:oMath>
+                      </m:oMathPara>
+                    </a14:m>
+                    <a:endParaRPr lang="en-US" dirty="0"/>
+                  </a:p>
+                </p:txBody>
+              </p:sp>
+            </mc:Choice>
+            <mc:Fallback xmlns="">
+              <p:sp>
+                <p:nvSpPr>
+                  <p:cNvPr id="20" name="TextBox 19">
+                    <a:extLst>
+                      <a:ext uri="{FF2B5EF4-FFF2-40B4-BE49-F238E27FC236}">
+                        <a16:creationId xmlns:a16="http://schemas.microsoft.com/office/drawing/2014/main" id="{5F2B4707-68BB-4926-961E-8AC423C1BF7C}"/>
+                      </a:ext>
+                    </a:extLst>
+                  </p:cNvPr>
+                  <p:cNvSpPr txBox="1">
+                    <a:spLocks noRot="1" noChangeAspect="1" noMove="1" noResize="1" noEditPoints="1" noAdjustHandles="1" noChangeArrowheads="1" noChangeShapeType="1" noTextEdit="1"/>
+                  </p:cNvSpPr>
+                  <p:nvPr/>
+                </p:nvSpPr>
+                <p:spPr>
+                  <a:xfrm>
+                    <a:off x="7213121" y="2343122"/>
+                    <a:ext cx="440377" cy="369332"/>
+                  </a:xfrm>
+                  <a:prstGeom prst="rect">
+                    <a:avLst/>
+                  </a:prstGeom>
+                  <a:blipFill>
+                    <a:blip r:embed="rId4"/>
+                    <a:stretch>
+                      <a:fillRect/>
+                    </a:stretch>
+                  </a:blipFill>
+                </p:spPr>
+                <p:txBody>
+                  <a:bodyPr/>
+                  <a:lstStyle/>
+                  <a:p>
+                    <a:r>
+                      <a:rPr lang="en-US">
+                        <a:noFill/>
+                      </a:rPr>
+                      <a:t> </a:t>
+                    </a:r>
+                  </a:p>
+                </p:txBody>
+              </p:sp>
+            </mc:Fallback>
+          </mc:AlternateContent>
+          <p:cxnSp>
+            <p:nvCxnSpPr>
+              <p:cNvPr id="22" name="Straight Arrow Connector 21">
+                <a:extLst>
+                  <a:ext uri="{FF2B5EF4-FFF2-40B4-BE49-F238E27FC236}">
+                    <a16:creationId xmlns:a16="http://schemas.microsoft.com/office/drawing/2014/main" id="{5EC28A64-D3A1-4B86-8AF4-5E6B329176A1}"/>
+                  </a:ext>
+                </a:extLst>
+              </p:cNvPr>
+              <p:cNvCxnSpPr/>
+              <p:nvPr/>
+            </p:nvCxnSpPr>
+            <p:spPr>
+              <a:xfrm flipV="1">
+                <a:off x="2870688" y="2377440"/>
+                <a:ext cx="0" cy="278130"/>
+              </a:xfrm>
+              <a:prstGeom prst="straightConnector1">
+                <a:avLst/>
+              </a:prstGeom>
+              <a:ln w="19050">
+                <a:solidFill>
+                  <a:schemeClr val="tx1"/>
+                </a:solidFill>
+                <a:tailEnd type="triangle"/>
+              </a:ln>
+            </p:spPr>
+            <p:style>
+              <a:lnRef idx="1">
+                <a:schemeClr val="accent1"/>
+              </a:lnRef>
+              <a:fillRef idx="0">
+                <a:schemeClr val="accent1"/>
+              </a:fillRef>
+              <a:effectRef idx="0">
+                <a:schemeClr val="accent1"/>
+              </a:effectRef>
+              <a:fontRef idx="minor">
+                <a:schemeClr val="tx1"/>
+              </a:fontRef>
+            </p:style>
+          </p:cxnSp>
+          <p:cxnSp>
+            <p:nvCxnSpPr>
+              <p:cNvPr id="23" name="Straight Arrow Connector 22">
+                <a:extLst>
+                  <a:ext uri="{FF2B5EF4-FFF2-40B4-BE49-F238E27FC236}">
+                    <a16:creationId xmlns:a16="http://schemas.microsoft.com/office/drawing/2014/main" id="{E513FB85-6CEE-4487-B564-6E08541563DD}"/>
+                  </a:ext>
+                </a:extLst>
+              </p:cNvPr>
+              <p:cNvCxnSpPr>
+                <a:cxnSpLocks/>
+              </p:cNvCxnSpPr>
+              <p:nvPr/>
+            </p:nvCxnSpPr>
+            <p:spPr>
+              <a:xfrm>
+                <a:off x="6862542" y="2516505"/>
+                <a:ext cx="383052" cy="0"/>
+              </a:xfrm>
+              <a:prstGeom prst="straightConnector1">
+                <a:avLst/>
+              </a:prstGeom>
+              <a:ln w="19050">
+                <a:solidFill>
+                  <a:schemeClr val="tx1"/>
+                </a:solidFill>
+                <a:tailEnd type="triangle"/>
+              </a:ln>
+            </p:spPr>
+            <p:style>
+              <a:lnRef idx="1">
+                <a:schemeClr val="accent1"/>
+              </a:lnRef>
+              <a:fillRef idx="0">
+                <a:schemeClr val="accent1"/>
+              </a:fillRef>
+              <a:effectRef idx="0">
+                <a:schemeClr val="accent1"/>
+              </a:effectRef>
+              <a:fontRef idx="minor">
+                <a:schemeClr val="tx1"/>
+              </a:fontRef>
+            </p:style>
+          </p:cxnSp>
+          <p:grpSp>
+            <p:nvGrpSpPr>
+              <p:cNvPr id="29" name="Group 28">
+                <a:extLst>
+                  <a:ext uri="{FF2B5EF4-FFF2-40B4-BE49-F238E27FC236}">
+                    <a16:creationId xmlns:a16="http://schemas.microsoft.com/office/drawing/2014/main" id="{D2FBADF6-74AF-4CFB-B91E-17E20282238E}"/>
+                  </a:ext>
+                </a:extLst>
+              </p:cNvPr>
+              <p:cNvGrpSpPr/>
+              <p:nvPr/>
+            </p:nvGrpSpPr>
+            <p:grpSpPr>
+              <a:xfrm>
+                <a:off x="4900539" y="2452983"/>
+                <a:ext cx="123678" cy="123678"/>
+                <a:chOff x="4838700" y="2442210"/>
+                <a:chExt cx="123678" cy="123678"/>
+              </a:xfrm>
+            </p:grpSpPr>
+            <p:sp>
+              <p:nvSpPr>
+                <p:cNvPr id="27" name="Oval 26">
+                  <a:extLst>
+                    <a:ext uri="{FF2B5EF4-FFF2-40B4-BE49-F238E27FC236}">
+                      <a16:creationId xmlns:a16="http://schemas.microsoft.com/office/drawing/2014/main" id="{2FD6E093-442C-49C9-9762-8BB80253660F}"/>
+                    </a:ext>
+                  </a:extLst>
+                </p:cNvPr>
+                <p:cNvSpPr/>
+                <p:nvPr/>
+              </p:nvSpPr>
+              <p:spPr>
+                <a:xfrm>
+                  <a:off x="4838700" y="2442210"/>
+                  <a:ext cx="123678" cy="123678"/>
+                </a:xfrm>
+                <a:prstGeom prst="ellipse">
+                  <a:avLst/>
+                </a:prstGeom>
+                <a:noFill/>
+                <a:ln>
+                  <a:solidFill>
+                    <a:schemeClr val="tx1"/>
+                  </a:solidFill>
+                </a:ln>
+              </p:spPr>
+              <p:style>
+                <a:lnRef idx="2">
+                  <a:schemeClr val="accent1">
+                    <a:shade val="50000"/>
+                  </a:schemeClr>
+                </a:lnRef>
+                <a:fillRef idx="1">
+                  <a:schemeClr val="accent1"/>
+                </a:fillRef>
+                <a:effectRef idx="0">
+                  <a:schemeClr val="accent1"/>
+                </a:effectRef>
+                <a:fontRef idx="minor">
+                  <a:schemeClr val="lt1"/>
+                </a:fontRef>
+              </p:style>
+              <p:txBody>
+                <a:bodyPr rtlCol="0" anchor="ctr"/>
+                <a:lstStyle/>
+                <a:p>
+                  <a:pPr algn="ctr"/>
+                  <a:endParaRPr lang="en-US"/>
+                </a:p>
+              </p:txBody>
+            </p:sp>
+            <p:sp>
+              <p:nvSpPr>
+                <p:cNvPr id="28" name="Oval 27">
+                  <a:extLst>
+                    <a:ext uri="{FF2B5EF4-FFF2-40B4-BE49-F238E27FC236}">
+                      <a16:creationId xmlns:a16="http://schemas.microsoft.com/office/drawing/2014/main" id="{1B183E88-7CF3-4637-BBB9-451D88847969}"/>
+                    </a:ext>
+                  </a:extLst>
+                </p:cNvPr>
+                <p:cNvSpPr/>
+                <p:nvPr/>
+              </p:nvSpPr>
+              <p:spPr>
+                <a:xfrm>
+                  <a:off x="4877680" y="2481190"/>
+                  <a:ext cx="45719" cy="45719"/>
+                </a:xfrm>
+                <a:prstGeom prst="ellipse">
+                  <a:avLst/>
+                </a:prstGeom>
+                <a:solidFill>
+                  <a:schemeClr val="tx1"/>
+                </a:solidFill>
+                <a:ln>
+                  <a:solidFill>
+                    <a:schemeClr val="tx1"/>
+                  </a:solidFill>
+                </a:ln>
+              </p:spPr>
+              <p:style>
+                <a:lnRef idx="2">
+                  <a:schemeClr val="accent1">
+                    <a:shade val="50000"/>
+                  </a:schemeClr>
+                </a:lnRef>
+                <a:fillRef idx="1">
+                  <a:schemeClr val="accent1"/>
+                </a:fillRef>
+                <a:effectRef idx="0">
+                  <a:schemeClr val="accent1"/>
+                </a:effectRef>
+                <a:fontRef idx="minor">
+                  <a:schemeClr val="lt1"/>
+                </a:fontRef>
+              </p:style>
+              <p:txBody>
+                <a:bodyPr rtlCol="0" anchor="ctr"/>
+                <a:lstStyle/>
+                <a:p>
+                  <a:pPr algn="ctr"/>
+                  <a:endParaRPr lang="en-US"/>
+                </a:p>
+              </p:txBody>
+            </p:sp>
+          </p:grpSp>
+        </p:grpSp>
+        <p:sp>
+          <p:nvSpPr>
+            <p:cNvPr id="31" name="TextBox 30">
+              <a:extLst>
+                <a:ext uri="{FF2B5EF4-FFF2-40B4-BE49-F238E27FC236}">
+                  <a16:creationId xmlns:a16="http://schemas.microsoft.com/office/drawing/2014/main" id="{C585D852-8DD0-4BFB-8209-42196F3DBC18}"/>
+                </a:ext>
+              </a:extLst>
+            </p:cNvPr>
+            <p:cNvSpPr txBox="1"/>
+            <p:nvPr/>
+          </p:nvSpPr>
+          <p:spPr>
+            <a:xfrm>
+              <a:off x="2329514" y="2832662"/>
+              <a:ext cx="1082348" cy="307777"/>
+            </a:xfrm>
+            <a:prstGeom prst="rect">
+              <a:avLst/>
+            </a:prstGeom>
+            <a:noFill/>
+          </p:spPr>
+          <p:txBody>
+            <a:bodyPr wrap="none" rtlCol="0">
+              <a:spAutoFit/>
+            </a:bodyPr>
+            <a:lstStyle/>
+            <a:p>
+              <a:pPr algn="ctr"/>
+              <a:r>
+                <a:rPr lang="zh-CN" altLang="en-US" sz="1400" dirty="0">
+                  <a:latin typeface="宋体" panose="02010600030101010101" pitchFamily="2" charset="-122"/>
+                  <a:ea typeface="宋体" panose="02010600030101010101" pitchFamily="2" charset="-122"/>
+                </a:rPr>
+                <a:t>极克尔效应</a:t>
+              </a:r>
+              <a:endParaRPr lang="en-US" sz="1400" dirty="0">
+                <a:latin typeface="宋体" panose="02010600030101010101" pitchFamily="2" charset="-122"/>
+                <a:ea typeface="宋体" panose="02010600030101010101" pitchFamily="2" charset="-122"/>
+              </a:endParaRPr>
+            </a:p>
+          </p:txBody>
+        </p:sp>
+        <p:sp>
+          <p:nvSpPr>
+            <p:cNvPr id="32" name="TextBox 31">
+              <a:extLst>
+                <a:ext uri="{FF2B5EF4-FFF2-40B4-BE49-F238E27FC236}">
+                  <a16:creationId xmlns:a16="http://schemas.microsoft.com/office/drawing/2014/main" id="{8D5C3BD7-4D6B-4A02-B1AE-D828AE96BE20}"/>
+                </a:ext>
+              </a:extLst>
+            </p:cNvPr>
+            <p:cNvSpPr txBox="1"/>
+            <p:nvPr/>
+          </p:nvSpPr>
+          <p:spPr>
+            <a:xfrm>
+              <a:off x="4331436" y="2832662"/>
+              <a:ext cx="1261884" cy="307777"/>
+            </a:xfrm>
+            <a:prstGeom prst="rect">
+              <a:avLst/>
+            </a:prstGeom>
+            <a:noFill/>
+          </p:spPr>
+          <p:txBody>
+            <a:bodyPr wrap="none" rtlCol="0">
+              <a:spAutoFit/>
+            </a:bodyPr>
+            <a:lstStyle/>
+            <a:p>
+              <a:pPr algn="ctr"/>
+              <a:r>
+                <a:rPr lang="zh-CN" altLang="en-US" sz="1400" dirty="0">
+                  <a:latin typeface="宋体" panose="02010600030101010101" pitchFamily="2" charset="-122"/>
+                  <a:ea typeface="宋体" panose="02010600030101010101" pitchFamily="2" charset="-122"/>
+                </a:rPr>
+                <a:t>横向克尔效应</a:t>
+              </a:r>
+              <a:endParaRPr lang="en-US" sz="1400" dirty="0">
+                <a:latin typeface="宋体" panose="02010600030101010101" pitchFamily="2" charset="-122"/>
+                <a:ea typeface="宋体" panose="02010600030101010101" pitchFamily="2" charset="-122"/>
+              </a:endParaRPr>
+            </a:p>
+          </p:txBody>
+        </p:sp>
+        <p:sp>
+          <p:nvSpPr>
+            <p:cNvPr id="33" name="TextBox 32">
+              <a:extLst>
+                <a:ext uri="{FF2B5EF4-FFF2-40B4-BE49-F238E27FC236}">
+                  <a16:creationId xmlns:a16="http://schemas.microsoft.com/office/drawing/2014/main" id="{9F582BDA-5DC0-4D30-A7D3-8D85D36F019B}"/>
+                </a:ext>
+              </a:extLst>
+            </p:cNvPr>
+            <p:cNvSpPr txBox="1"/>
+            <p:nvPr/>
+          </p:nvSpPr>
+          <p:spPr>
+            <a:xfrm>
+              <a:off x="6423126" y="2832662"/>
+              <a:ext cx="1261884" cy="307777"/>
+            </a:xfrm>
+            <a:prstGeom prst="rect">
+              <a:avLst/>
+            </a:prstGeom>
+            <a:noFill/>
+          </p:spPr>
+          <p:txBody>
+            <a:bodyPr wrap="none" rtlCol="0">
+              <a:spAutoFit/>
+            </a:bodyPr>
+            <a:lstStyle/>
+            <a:p>
+              <a:pPr algn="ctr"/>
+              <a:r>
+                <a:rPr lang="zh-CN" altLang="en-US" sz="1400" dirty="0">
+                  <a:latin typeface="宋体" panose="02010600030101010101" pitchFamily="2" charset="-122"/>
+                  <a:ea typeface="宋体" panose="02010600030101010101" pitchFamily="2" charset="-122"/>
+                </a:rPr>
+                <a:t>纵向克尔效应</a:t>
+              </a:r>
+              <a:endParaRPr lang="en-US" sz="1400" dirty="0">
+                <a:latin typeface="宋体" panose="02010600030101010101" pitchFamily="2" charset="-122"/>
+                <a:ea typeface="宋体" panose="02010600030101010101" pitchFamily="2" charset="-122"/>
+              </a:endParaRPr>
+            </a:p>
+          </p:txBody>
+        </p:sp>
+      </p:grpSp>
+      <p:sp>
+        <p:nvSpPr>
+          <p:cNvPr id="40" name="Oval 39">
+            <a:extLst>
+              <a:ext uri="{FF2B5EF4-FFF2-40B4-BE49-F238E27FC236}">
+                <a16:creationId xmlns:a16="http://schemas.microsoft.com/office/drawing/2014/main" id="{504B80E0-1DA6-4B47-8145-3955177E8245}"/>
+              </a:ext>
+            </a:extLst>
+          </p:cNvPr>
+          <p:cNvSpPr/>
+          <p:nvPr/>
+        </p:nvSpPr>
+        <p:spPr>
+          <a:xfrm>
+            <a:off x="3826864" y="2225295"/>
+            <a:ext cx="413224" cy="3024551"/>
+          </a:xfrm>
+          <a:prstGeom prst="ellipse">
+            <a:avLst/>
+          </a:prstGeom>
+          <a:noFill/>
+          <a:ln w="28575">
+            <a:solidFill>
+              <a:schemeClr val="tx1"/>
+            </a:solidFill>
+          </a:ln>
+        </p:spPr>
+        <p:style>
+          <a:lnRef idx="2">
+            <a:schemeClr val="accent1">
+              <a:shade val="50000"/>
+            </a:schemeClr>
+          </a:lnRef>
+          <a:fillRef idx="1">
+            <a:schemeClr val="accent1"/>
+          </a:fillRef>
+          <a:effectRef idx="0">
+            <a:schemeClr val="accent1"/>
+          </a:effectRef>
+          <a:fontRef idx="minor">
+            <a:schemeClr val="lt1"/>
+          </a:fontRef>
+        </p:style>
+        <p:txBody>
+          <a:bodyPr rtlCol="0" anchor="ctr"/>
+          <a:lstStyle/>
+          <a:p>
+            <a:pPr algn="ctr"/>
+            <a:endParaRPr lang="en-US"/>
+          </a:p>
+        </p:txBody>
+      </p:sp>
+      <p:sp>
+        <p:nvSpPr>
+          <p:cNvPr id="49" name="TextBox 48">
+            <a:extLst>
+              <a:ext uri="{FF2B5EF4-FFF2-40B4-BE49-F238E27FC236}">
+                <a16:creationId xmlns:a16="http://schemas.microsoft.com/office/drawing/2014/main" id="{4CC1A67C-B3A3-4E73-89E5-812E134C48B3}"/>
+              </a:ext>
+            </a:extLst>
+          </p:cNvPr>
+          <p:cNvSpPr txBox="1"/>
+          <p:nvPr/>
+        </p:nvSpPr>
+        <p:spPr>
+          <a:xfrm>
+            <a:off x="5749626" y="3109913"/>
+            <a:ext cx="415498" cy="369332"/>
+          </a:xfrm>
+          <a:prstGeom prst="rect">
+            <a:avLst/>
+          </a:prstGeom>
+          <a:noFill/>
+        </p:spPr>
+        <p:txBody>
+          <a:bodyPr wrap="none" rtlCol="0">
+            <a:spAutoFit/>
+          </a:bodyPr>
+          <a:lstStyle/>
+          <a:p>
+            <a:r>
+              <a:rPr lang="zh-CN" altLang="en-US" dirty="0">
+                <a:solidFill>
+                  <a:schemeClr val="bg1"/>
+                </a:solidFill>
+              </a:rPr>
+              <a:t>有</a:t>
+            </a:r>
+            <a:endParaRPr lang="en-US" dirty="0">
+              <a:solidFill>
+                <a:schemeClr val="bg1"/>
+              </a:solidFill>
+            </a:endParaRPr>
+          </a:p>
+        </p:txBody>
+      </p:sp>
+      <p:grpSp>
+        <p:nvGrpSpPr>
+          <p:cNvPr id="51" name="Group 50">
+            <a:extLst>
+              <a:ext uri="{FF2B5EF4-FFF2-40B4-BE49-F238E27FC236}">
+                <a16:creationId xmlns:a16="http://schemas.microsoft.com/office/drawing/2014/main" id="{C714E516-974E-47DE-B065-DD88FF1C3FD4}"/>
+              </a:ext>
+            </a:extLst>
+          </p:cNvPr>
+          <p:cNvGrpSpPr/>
+          <p:nvPr/>
+        </p:nvGrpSpPr>
+        <p:grpSpPr>
+          <a:xfrm>
+            <a:off x="6789950" y="1874460"/>
+            <a:ext cx="2952616" cy="3638410"/>
+            <a:chOff x="6789950" y="1874460"/>
+            <a:chExt cx="2952616" cy="3638410"/>
+          </a:xfrm>
+        </p:grpSpPr>
+        <p:grpSp>
+          <p:nvGrpSpPr>
+            <p:cNvPr id="48" name="Group 47">
+              <a:extLst>
+                <a:ext uri="{FF2B5EF4-FFF2-40B4-BE49-F238E27FC236}">
+                  <a16:creationId xmlns:a16="http://schemas.microsoft.com/office/drawing/2014/main" id="{B433E761-907E-4DC3-B589-480463A9E2ED}"/>
+                </a:ext>
+              </a:extLst>
+            </p:cNvPr>
+            <p:cNvGrpSpPr/>
+            <p:nvPr/>
+          </p:nvGrpSpPr>
+          <p:grpSpPr>
+            <a:xfrm>
+              <a:off x="7200900" y="1874460"/>
+              <a:ext cx="2541666" cy="3638410"/>
+              <a:chOff x="7200900" y="1874460"/>
+              <a:chExt cx="2541666" cy="3638410"/>
+            </a:xfrm>
+          </p:grpSpPr>
+          <p:cxnSp>
+            <p:nvCxnSpPr>
+              <p:cNvPr id="5" name="Straight Arrow Connector 4">
+                <a:extLst>
+                  <a:ext uri="{FF2B5EF4-FFF2-40B4-BE49-F238E27FC236}">
+                    <a16:creationId xmlns:a16="http://schemas.microsoft.com/office/drawing/2014/main" id="{6890E1B1-67FA-49A6-823A-900FE4667043}"/>
+                  </a:ext>
+                </a:extLst>
+              </p:cNvPr>
+              <p:cNvCxnSpPr/>
+              <p:nvPr/>
+            </p:nvCxnSpPr>
+            <p:spPr>
+              <a:xfrm>
+                <a:off x="7200900" y="3737569"/>
+                <a:ext cx="2162908" cy="0"/>
+              </a:xfrm>
+              <a:prstGeom prst="straightConnector1">
+                <a:avLst/>
+              </a:prstGeom>
+              <a:ln w="19050">
+                <a:solidFill>
+                  <a:schemeClr val="tx1"/>
+                </a:solidFill>
+                <a:tailEnd type="triangle"/>
+              </a:ln>
+            </p:spPr>
+            <p:style>
+              <a:lnRef idx="1">
+                <a:schemeClr val="accent1"/>
+              </a:lnRef>
+              <a:fillRef idx="0">
+                <a:schemeClr val="accent1"/>
+              </a:fillRef>
+              <a:effectRef idx="0">
+                <a:schemeClr val="accent1"/>
+              </a:effectRef>
+              <a:fontRef idx="minor">
+                <a:schemeClr val="tx1"/>
+              </a:fontRef>
+            </p:style>
+          </p:cxnSp>
+          <p:cxnSp>
+            <p:nvCxnSpPr>
+              <p:cNvPr id="35" name="Straight Arrow Connector 34">
+                <a:extLst>
+                  <a:ext uri="{FF2B5EF4-FFF2-40B4-BE49-F238E27FC236}">
+                    <a16:creationId xmlns:a16="http://schemas.microsoft.com/office/drawing/2014/main" id="{03650A9C-C010-45B7-BF8A-00204410A16F}"/>
+                  </a:ext>
+                </a:extLst>
+              </p:cNvPr>
+              <p:cNvCxnSpPr>
+                <a:cxnSpLocks/>
+              </p:cNvCxnSpPr>
+              <p:nvPr/>
+            </p:nvCxnSpPr>
+            <p:spPr>
+              <a:xfrm flipV="1">
+                <a:off x="8282354" y="1962269"/>
+                <a:ext cx="0" cy="3550601"/>
+              </a:xfrm>
+              <a:prstGeom prst="straightConnector1">
+                <a:avLst/>
+              </a:prstGeom>
+              <a:ln w="19050">
+                <a:solidFill>
+                  <a:schemeClr val="tx1"/>
+                </a:solidFill>
+                <a:tailEnd type="triangle"/>
+              </a:ln>
+            </p:spPr>
+            <p:style>
+              <a:lnRef idx="1">
+                <a:schemeClr val="accent1"/>
+              </a:lnRef>
+              <a:fillRef idx="0">
+                <a:schemeClr val="accent1"/>
+              </a:fillRef>
+              <a:effectRef idx="0">
+                <a:schemeClr val="accent1"/>
+              </a:effectRef>
+              <a:fontRef idx="minor">
+                <a:schemeClr val="tx1"/>
+              </a:fontRef>
+            </p:style>
+          </p:cxnSp>
+          <p:sp>
+            <p:nvSpPr>
+              <p:cNvPr id="16" name="Oval 15">
+                <a:extLst>
+                  <a:ext uri="{FF2B5EF4-FFF2-40B4-BE49-F238E27FC236}">
+                    <a16:creationId xmlns:a16="http://schemas.microsoft.com/office/drawing/2014/main" id="{02D2090D-B4F9-4E0E-AF19-7CE63F869003}"/>
+                  </a:ext>
+                </a:extLst>
+              </p:cNvPr>
+              <p:cNvSpPr/>
+              <p:nvPr/>
+            </p:nvSpPr>
+            <p:spPr>
+              <a:xfrm rot="1460379">
+                <a:off x="8075742" y="2225294"/>
+                <a:ext cx="413224" cy="3024551"/>
+              </a:xfrm>
+              <a:prstGeom prst="ellipse">
+                <a:avLst/>
+              </a:prstGeom>
+              <a:noFill/>
+              <a:ln w="28575">
+                <a:solidFill>
+                  <a:schemeClr val="tx1"/>
+                </a:solidFill>
+              </a:ln>
+            </p:spPr>
+            <p:style>
+              <a:lnRef idx="2">
+                <a:schemeClr val="accent1">
+                  <a:shade val="50000"/>
+                </a:schemeClr>
+              </a:lnRef>
+              <a:fillRef idx="1">
+                <a:schemeClr val="accent1"/>
+              </a:fillRef>
+              <a:effectRef idx="0">
+                <a:schemeClr val="accent1"/>
+              </a:effectRef>
+              <a:fontRef idx="minor">
+                <a:schemeClr val="lt1"/>
+              </a:fontRef>
+            </p:style>
+            <p:txBody>
+              <a:bodyPr rtlCol="0" anchor="ctr"/>
+              <a:lstStyle/>
+              <a:p>
+                <a:pPr algn="ctr"/>
+                <a:endParaRPr lang="en-US"/>
+              </a:p>
+            </p:txBody>
+          </p:sp>
+          <p:cxnSp>
+            <p:nvCxnSpPr>
+              <p:cNvPr id="24" name="Straight Arrow Connector 23">
+                <a:extLst>
+                  <a:ext uri="{FF2B5EF4-FFF2-40B4-BE49-F238E27FC236}">
+                    <a16:creationId xmlns:a16="http://schemas.microsoft.com/office/drawing/2014/main" id="{4A231D8B-A598-494A-828D-A7EB60C74ECC}"/>
+                  </a:ext>
+                </a:extLst>
+              </p:cNvPr>
+              <p:cNvCxnSpPr/>
+              <p:nvPr/>
+            </p:nvCxnSpPr>
+            <p:spPr>
+              <a:xfrm flipV="1">
+                <a:off x="8282354" y="2369820"/>
+                <a:ext cx="0" cy="1367749"/>
+              </a:xfrm>
+              <a:prstGeom prst="straightConnector1">
+                <a:avLst/>
+              </a:prstGeom>
+              <a:ln w="38100">
+                <a:solidFill>
+                  <a:schemeClr val="tx1"/>
+                </a:solidFill>
+                <a:tailEnd type="triangle"/>
+              </a:ln>
+            </p:spPr>
+            <p:style>
+              <a:lnRef idx="1">
+                <a:schemeClr val="accent1"/>
+              </a:lnRef>
+              <a:fillRef idx="0">
+                <a:schemeClr val="accent1"/>
+              </a:fillRef>
+              <a:effectRef idx="0">
+                <a:schemeClr val="accent1"/>
+              </a:effectRef>
+              <a:fontRef idx="minor">
+                <a:schemeClr val="tx1"/>
+              </a:fontRef>
+            </p:style>
+          </p:cxnSp>
+          <p:cxnSp>
+            <p:nvCxnSpPr>
+              <p:cNvPr id="36" name="Straight Arrow Connector 35">
+                <a:extLst>
+                  <a:ext uri="{FF2B5EF4-FFF2-40B4-BE49-F238E27FC236}">
+                    <a16:creationId xmlns:a16="http://schemas.microsoft.com/office/drawing/2014/main" id="{4CF8E623-343B-4809-8113-A7D880FA9FBB}"/>
+                  </a:ext>
+                </a:extLst>
+              </p:cNvPr>
+              <p:cNvCxnSpPr>
+                <a:cxnSpLocks/>
+              </p:cNvCxnSpPr>
+              <p:nvPr/>
+            </p:nvCxnSpPr>
+            <p:spPr>
+              <a:xfrm flipV="1">
+                <a:off x="8282354" y="3733827"/>
+                <a:ext cx="709246" cy="1"/>
+              </a:xfrm>
+              <a:prstGeom prst="straightConnector1">
+                <a:avLst/>
+              </a:prstGeom>
+              <a:ln w="38100">
+                <a:solidFill>
+                  <a:schemeClr val="tx1"/>
+                </a:solidFill>
+                <a:tailEnd type="triangle"/>
+              </a:ln>
+            </p:spPr>
+            <p:style>
+              <a:lnRef idx="1">
+                <a:schemeClr val="accent1"/>
+              </a:lnRef>
+              <a:fillRef idx="0">
+                <a:schemeClr val="accent1"/>
+              </a:fillRef>
+              <a:effectRef idx="0">
+                <a:schemeClr val="accent1"/>
+              </a:effectRef>
+              <a:fontRef idx="minor">
+                <a:schemeClr val="tx1"/>
+              </a:fontRef>
+            </p:style>
+          </p:cxnSp>
+          <p:cxnSp>
+            <p:nvCxnSpPr>
+              <p:cNvPr id="38" name="Straight Arrow Connector 37">
+                <a:extLst>
+                  <a:ext uri="{FF2B5EF4-FFF2-40B4-BE49-F238E27FC236}">
+                    <a16:creationId xmlns:a16="http://schemas.microsoft.com/office/drawing/2014/main" id="{7494BD26-0430-4303-BEC3-C42E8A6FF26F}"/>
+                  </a:ext>
+                </a:extLst>
+              </p:cNvPr>
+              <p:cNvCxnSpPr>
+                <a:endCxn id="16" idx="0"/>
+              </p:cNvCxnSpPr>
+              <p:nvPr/>
+            </p:nvCxnSpPr>
+            <p:spPr>
+              <a:xfrm flipV="1">
+                <a:off x="8282354" y="2359708"/>
+                <a:ext cx="623277" cy="1374119"/>
+              </a:xfrm>
+              <a:prstGeom prst="straightConnector1">
+                <a:avLst/>
+              </a:prstGeom>
+              <a:ln>
+                <a:solidFill>
+                  <a:schemeClr val="tx1"/>
+                </a:solidFill>
+                <a:tailEnd type="triangle"/>
+              </a:ln>
+            </p:spPr>
+            <p:style>
+              <a:lnRef idx="1">
+                <a:schemeClr val="accent1"/>
+              </a:lnRef>
+              <a:fillRef idx="0">
+                <a:schemeClr val="accent1"/>
+              </a:fillRef>
+              <a:effectRef idx="0">
+                <a:schemeClr val="accent1"/>
+              </a:effectRef>
+              <a:fontRef idx="minor">
+                <a:schemeClr val="tx1"/>
+              </a:fontRef>
+            </p:style>
+          </p:cxnSp>
+          <p:sp>
+            <p:nvSpPr>
+              <p:cNvPr id="39" name="Arc 38">
+                <a:extLst>
+                  <a:ext uri="{FF2B5EF4-FFF2-40B4-BE49-F238E27FC236}">
+                    <a16:creationId xmlns:a16="http://schemas.microsoft.com/office/drawing/2014/main" id="{7D7411E3-87C1-4021-93EF-3B720446757D}"/>
+                  </a:ext>
+                </a:extLst>
+              </p:cNvPr>
+              <p:cNvSpPr/>
+              <p:nvPr/>
+            </p:nvSpPr>
+            <p:spPr>
+              <a:xfrm rot="20630084">
+                <a:off x="8013662" y="2697447"/>
+                <a:ext cx="744647" cy="673942"/>
+              </a:xfrm>
+              <a:prstGeom prst="arc">
+                <a:avLst>
+                  <a:gd name="adj1" fmla="val 16200000"/>
+                  <a:gd name="adj2" fmla="val 20701216"/>
+                </a:avLst>
+              </a:prstGeom>
+              <a:ln>
+                <a:solidFill>
+                  <a:schemeClr val="tx1"/>
+                </a:solidFill>
+                <a:headEnd type="none" w="med" len="med"/>
+                <a:tailEnd type="triangle" w="med" len="med"/>
+              </a:ln>
+            </p:spPr>
+            <p:style>
+              <a:lnRef idx="1">
+                <a:schemeClr val="accent1"/>
+              </a:lnRef>
+              <a:fillRef idx="0">
+                <a:schemeClr val="accent1"/>
+              </a:fillRef>
+              <a:effectRef idx="0">
+                <a:schemeClr val="accent1"/>
+              </a:effectRef>
+              <a:fontRef idx="minor">
+                <a:schemeClr val="tx1"/>
+              </a:fontRef>
+            </p:style>
+            <p:txBody>
+              <a:bodyPr rtlCol="0" anchor="ctr"/>
+              <a:lstStyle/>
+              <a:p>
+                <a:pPr algn="ctr"/>
+                <a:endParaRPr lang="en-US"/>
+              </a:p>
+            </p:txBody>
+          </p:sp>
+          <p:sp>
+            <p:nvSpPr>
+              <p:cNvPr id="41" name="Arc 40">
+                <a:extLst>
+                  <a:ext uri="{FF2B5EF4-FFF2-40B4-BE49-F238E27FC236}">
+                    <a16:creationId xmlns:a16="http://schemas.microsoft.com/office/drawing/2014/main" id="{B1224927-4FEA-4911-B2B0-26FBA237A864}"/>
+                  </a:ext>
+                </a:extLst>
+              </p:cNvPr>
+              <p:cNvSpPr/>
+              <p:nvPr/>
+            </p:nvSpPr>
+            <p:spPr>
+              <a:xfrm rot="1441161">
+                <a:off x="8071679" y="2241977"/>
+                <a:ext cx="413224" cy="3024226"/>
+              </a:xfrm>
+              <a:prstGeom prst="arc">
+                <a:avLst>
+                  <a:gd name="adj1" fmla="val 16904136"/>
+                  <a:gd name="adj2" fmla="val 17236005"/>
+                </a:avLst>
+              </a:prstGeom>
+              <a:ln w="19050">
+                <a:solidFill>
+                  <a:schemeClr val="tx1"/>
+                </a:solidFill>
+                <a:headEnd type="none" w="med" len="med"/>
+                <a:tailEnd type="triangle" w="med" len="med"/>
+              </a:ln>
+            </p:spPr>
+            <p:style>
+              <a:lnRef idx="1">
+                <a:schemeClr val="accent1"/>
+              </a:lnRef>
+              <a:fillRef idx="0">
+                <a:schemeClr val="accent1"/>
+              </a:fillRef>
+              <a:effectRef idx="0">
+                <a:schemeClr val="accent1"/>
+              </a:effectRef>
+              <a:fontRef idx="minor">
+                <a:schemeClr val="tx1"/>
+              </a:fontRef>
+            </p:style>
+            <p:txBody>
+              <a:bodyPr rtlCol="0" anchor="ctr"/>
+              <a:lstStyle/>
+              <a:p>
+                <a:pPr algn="ctr"/>
+                <a:endParaRPr lang="en-US"/>
+              </a:p>
+            </p:txBody>
+          </p:sp>
+          <mc:AlternateContent xmlns:mc="http://schemas.openxmlformats.org/markup-compatibility/2006">
+            <mc:Choice xmlns:a14="http://schemas.microsoft.com/office/drawing/2010/main" Requires="a14">
+              <p:sp>
+                <p:nvSpPr>
+                  <p:cNvPr id="42" name="TextBox 41">
+                    <a:extLst>
+                      <a:ext uri="{FF2B5EF4-FFF2-40B4-BE49-F238E27FC236}">
+                        <a16:creationId xmlns:a16="http://schemas.microsoft.com/office/drawing/2014/main" id="{4AE4C180-6475-492C-BF29-E9E9677045AA}"/>
+                      </a:ext>
+                    </a:extLst>
+                  </p:cNvPr>
+                  <p:cNvSpPr txBox="1"/>
+                  <p:nvPr/>
+                </p:nvSpPr>
+                <p:spPr>
+                  <a:xfrm>
+                    <a:off x="7890251" y="1874460"/>
+                    <a:ext cx="367986" cy="369332"/>
+                  </a:xfrm>
+                  <a:prstGeom prst="rect">
+                    <a:avLst/>
+                  </a:prstGeom>
+                  <a:noFill/>
+                </p:spPr>
+                <p:txBody>
+                  <a:bodyPr wrap="none" rtlCol="0">
+                    <a:spAutoFit/>
+                  </a:bodyPr>
+                  <a:lstStyle/>
+                  <a:p>
+                    <a14:m>
+                      <m:oMathPara xmlns:m="http://schemas.openxmlformats.org/officeDocument/2006/math">
+                        <m:oMathParaPr>
+                          <m:jc m:val="centerGroup"/>
+                        </m:oMathParaPr>
+                        <m:oMath xmlns:m="http://schemas.openxmlformats.org/officeDocument/2006/math">
+                          <m:r>
+                            <a:rPr lang="en-US" altLang="zh-CN" b="0" i="1" smtClean="0">
+                              <a:latin typeface="Cambria Math" panose="02040503050406030204" pitchFamily="18" charset="0"/>
+                            </a:rPr>
+                            <m:t>𝑥</m:t>
+                          </m:r>
+                        </m:oMath>
+                      </m:oMathPara>
+                    </a14:m>
+                    <a:endParaRPr lang="en-US" i="1" dirty="0"/>
+                  </a:p>
+                </p:txBody>
+              </p:sp>
+            </mc:Choice>
+            <mc:Fallback>
+              <p:sp>
+                <p:nvSpPr>
+                  <p:cNvPr id="42" name="TextBox 41">
+                    <a:extLst>
+                      <a:ext uri="{FF2B5EF4-FFF2-40B4-BE49-F238E27FC236}">
+                        <a16:creationId xmlns:a16="http://schemas.microsoft.com/office/drawing/2014/main" id="{4AE4C180-6475-492C-BF29-E9E9677045AA}"/>
+                      </a:ext>
+                    </a:extLst>
+                  </p:cNvPr>
+                  <p:cNvSpPr txBox="1">
+                    <a:spLocks noRot="1" noChangeAspect="1" noMove="1" noResize="1" noEditPoints="1" noAdjustHandles="1" noChangeArrowheads="1" noChangeShapeType="1" noTextEdit="1"/>
+                  </p:cNvSpPr>
+                  <p:nvPr/>
+                </p:nvSpPr>
+                <p:spPr>
+                  <a:xfrm>
+                    <a:off x="7890251" y="1874460"/>
+                    <a:ext cx="367986" cy="369332"/>
+                  </a:xfrm>
+                  <a:prstGeom prst="rect">
+                    <a:avLst/>
+                  </a:prstGeom>
+                  <a:blipFill>
+                    <a:blip r:embed="rId5"/>
+                    <a:stretch>
+                      <a:fillRect/>
+                    </a:stretch>
+                  </a:blipFill>
+                </p:spPr>
+                <p:txBody>
+                  <a:bodyPr/>
+                  <a:lstStyle/>
+                  <a:p>
+                    <a:r>
+                      <a:rPr lang="en-US">
+                        <a:noFill/>
+                      </a:rPr>
+                      <a:t> </a:t>
+                    </a:r>
+                  </a:p>
+                </p:txBody>
+              </p:sp>
+            </mc:Fallback>
+          </mc:AlternateContent>
+          <mc:AlternateContent xmlns:mc="http://schemas.openxmlformats.org/markup-compatibility/2006">
+            <mc:Choice xmlns:a14="http://schemas.microsoft.com/office/drawing/2010/main" Requires="a14">
+              <p:sp>
+                <p:nvSpPr>
+                  <p:cNvPr id="43" name="TextBox 42">
+                    <a:extLst>
+                      <a:ext uri="{FF2B5EF4-FFF2-40B4-BE49-F238E27FC236}">
+                        <a16:creationId xmlns:a16="http://schemas.microsoft.com/office/drawing/2014/main" id="{31B7C66E-BCC4-4CA1-A2B2-DEB6A6F962B5}"/>
+                      </a:ext>
+                    </a:extLst>
+                  </p:cNvPr>
+                  <p:cNvSpPr txBox="1"/>
+                  <p:nvPr/>
+                </p:nvSpPr>
+                <p:spPr>
+                  <a:xfrm>
+                    <a:off x="7845668" y="2259123"/>
+                    <a:ext cx="442685" cy="369332"/>
+                  </a:xfrm>
+                  <a:prstGeom prst="rect">
+                    <a:avLst/>
+                  </a:prstGeom>
+                  <a:noFill/>
+                </p:spPr>
+                <p:txBody>
+                  <a:bodyPr wrap="none" rtlCol="0">
+                    <a:spAutoFit/>
+                  </a:bodyPr>
+                  <a:lstStyle/>
+                  <a:p>
+                    <a14:m>
+                      <m:oMathPara xmlns:m="http://schemas.openxmlformats.org/officeDocument/2006/math">
+                        <m:oMathParaPr>
+                          <m:jc m:val="centerGroup"/>
+                        </m:oMathParaPr>
+                        <m:oMath xmlns:m="http://schemas.openxmlformats.org/officeDocument/2006/math">
+                          <m:sSub>
+                            <m:sSubPr>
+                              <m:ctrlPr>
+                                <a:rPr lang="en-US" altLang="zh-CN" b="0" i="1" smtClean="0">
+                                  <a:latin typeface="Cambria Math" panose="02040503050406030204" pitchFamily="18" charset="0"/>
+                                </a:rPr>
+                              </m:ctrlPr>
+                            </m:sSubPr>
+                            <m:e>
+                              <m:r>
+                                <a:rPr lang="en-US" altLang="zh-CN" i="1" smtClean="0">
+                                  <a:latin typeface="Cambria Math" panose="02040503050406030204" pitchFamily="18" charset="0"/>
+                                </a:rPr>
+                                <m:t>𝑟</m:t>
+                              </m:r>
+                            </m:e>
+                            <m:sub>
+                              <m:r>
+                                <a:rPr lang="en-US" altLang="zh-CN" b="0" i="1" smtClean="0">
+                                  <a:latin typeface="Cambria Math" panose="02040503050406030204" pitchFamily="18" charset="0"/>
+                                </a:rPr>
+                                <m:t>𝐹</m:t>
+                              </m:r>
+                            </m:sub>
+                          </m:sSub>
+                        </m:oMath>
+                      </m:oMathPara>
+                    </a14:m>
+                    <a:endParaRPr lang="en-US" i="1" dirty="0"/>
+                  </a:p>
+                </p:txBody>
+              </p:sp>
+            </mc:Choice>
+            <mc:Fallback>
+              <p:sp>
+                <p:nvSpPr>
+                  <p:cNvPr id="43" name="TextBox 42">
+                    <a:extLst>
+                      <a:ext uri="{FF2B5EF4-FFF2-40B4-BE49-F238E27FC236}">
+                        <a16:creationId xmlns:a16="http://schemas.microsoft.com/office/drawing/2014/main" id="{31B7C66E-BCC4-4CA1-A2B2-DEB6A6F962B5}"/>
+                      </a:ext>
+                    </a:extLst>
+                  </p:cNvPr>
+                  <p:cNvSpPr txBox="1">
+                    <a:spLocks noRot="1" noChangeAspect="1" noMove="1" noResize="1" noEditPoints="1" noAdjustHandles="1" noChangeArrowheads="1" noChangeShapeType="1" noTextEdit="1"/>
+                  </p:cNvSpPr>
+                  <p:nvPr/>
+                </p:nvSpPr>
+                <p:spPr>
+                  <a:xfrm>
+                    <a:off x="7845668" y="2259123"/>
+                    <a:ext cx="442685" cy="369332"/>
+                  </a:xfrm>
+                  <a:prstGeom prst="rect">
+                    <a:avLst/>
+                  </a:prstGeom>
+                  <a:blipFill>
+                    <a:blip r:embed="rId6"/>
+                    <a:stretch>
+                      <a:fillRect/>
+                    </a:stretch>
+                  </a:blipFill>
+                </p:spPr>
+                <p:txBody>
+                  <a:bodyPr/>
+                  <a:lstStyle/>
+                  <a:p>
+                    <a:r>
+                      <a:rPr lang="en-US">
+                        <a:noFill/>
+                      </a:rPr>
+                      <a:t> </a:t>
+                    </a:r>
+                  </a:p>
+                </p:txBody>
+              </p:sp>
+            </mc:Fallback>
+          </mc:AlternateContent>
+          <mc:AlternateContent xmlns:mc="http://schemas.openxmlformats.org/markup-compatibility/2006">
+            <mc:Choice xmlns:a14="http://schemas.microsoft.com/office/drawing/2010/main" Requires="a14">
+              <p:sp>
+                <p:nvSpPr>
+                  <p:cNvPr id="44" name="TextBox 43">
+                    <a:extLst>
+                      <a:ext uri="{FF2B5EF4-FFF2-40B4-BE49-F238E27FC236}">
+                        <a16:creationId xmlns:a16="http://schemas.microsoft.com/office/drawing/2014/main" id="{139B5C54-5305-445A-AC90-B67735112AD0}"/>
+                      </a:ext>
+                    </a:extLst>
+                  </p:cNvPr>
+                  <p:cNvSpPr txBox="1"/>
+                  <p:nvPr/>
+                </p:nvSpPr>
+                <p:spPr>
+                  <a:xfrm>
+                    <a:off x="8765343" y="3748087"/>
+                    <a:ext cx="442685" cy="369332"/>
+                  </a:xfrm>
+                  <a:prstGeom prst="rect">
+                    <a:avLst/>
+                  </a:prstGeom>
+                  <a:noFill/>
+                </p:spPr>
+                <p:txBody>
+                  <a:bodyPr wrap="none" rtlCol="0">
+                    <a:spAutoFit/>
+                  </a:bodyPr>
+                  <a:lstStyle/>
+                  <a:p>
+                    <a14:m>
+                      <m:oMathPara xmlns:m="http://schemas.openxmlformats.org/officeDocument/2006/math">
+                        <m:oMathParaPr>
+                          <m:jc m:val="centerGroup"/>
+                        </m:oMathParaPr>
+                        <m:oMath xmlns:m="http://schemas.openxmlformats.org/officeDocument/2006/math">
+                          <m:sSub>
+                            <m:sSubPr>
+                              <m:ctrlPr>
+                                <a:rPr lang="en-US" altLang="zh-CN" b="0" i="1" smtClean="0">
+                                  <a:latin typeface="Cambria Math" panose="02040503050406030204" pitchFamily="18" charset="0"/>
+                                </a:rPr>
+                              </m:ctrlPr>
+                            </m:sSubPr>
+                            <m:e>
+                              <m:r>
+                                <a:rPr lang="en-US" altLang="zh-CN" i="1" smtClean="0">
+                                  <a:latin typeface="Cambria Math" panose="02040503050406030204" pitchFamily="18" charset="0"/>
+                                </a:rPr>
+                                <m:t>𝑟</m:t>
+                              </m:r>
+                            </m:e>
+                            <m:sub>
+                              <m:r>
+                                <a:rPr lang="en-US" altLang="zh-CN" b="0" i="1" smtClean="0">
+                                  <a:latin typeface="Cambria Math" panose="02040503050406030204" pitchFamily="18" charset="0"/>
+                                </a:rPr>
+                                <m:t>𝐹</m:t>
+                              </m:r>
+                            </m:sub>
+                          </m:sSub>
+                        </m:oMath>
+                      </m:oMathPara>
+                    </a14:m>
+                    <a:endParaRPr lang="en-US" i="1" dirty="0"/>
+                  </a:p>
+                </p:txBody>
+              </p:sp>
+            </mc:Choice>
+            <mc:Fallback>
+              <p:sp>
+                <p:nvSpPr>
+                  <p:cNvPr id="44" name="TextBox 43">
+                    <a:extLst>
+                      <a:ext uri="{FF2B5EF4-FFF2-40B4-BE49-F238E27FC236}">
+                        <a16:creationId xmlns:a16="http://schemas.microsoft.com/office/drawing/2014/main" id="{139B5C54-5305-445A-AC90-B67735112AD0}"/>
+                      </a:ext>
+                    </a:extLst>
+                  </p:cNvPr>
+                  <p:cNvSpPr txBox="1">
+                    <a:spLocks noRot="1" noChangeAspect="1" noMove="1" noResize="1" noEditPoints="1" noAdjustHandles="1" noChangeArrowheads="1" noChangeShapeType="1" noTextEdit="1"/>
+                  </p:cNvSpPr>
+                  <p:nvPr/>
+                </p:nvSpPr>
+                <p:spPr>
+                  <a:xfrm>
+                    <a:off x="8765343" y="3748087"/>
+                    <a:ext cx="442685" cy="369332"/>
+                  </a:xfrm>
+                  <a:prstGeom prst="rect">
+                    <a:avLst/>
+                  </a:prstGeom>
+                  <a:blipFill>
+                    <a:blip r:embed="rId7"/>
+                    <a:stretch>
+                      <a:fillRect/>
+                    </a:stretch>
+                  </a:blipFill>
+                </p:spPr>
+                <p:txBody>
+                  <a:bodyPr/>
+                  <a:lstStyle/>
+                  <a:p>
+                    <a:r>
+                      <a:rPr lang="en-US">
+                        <a:noFill/>
+                      </a:rPr>
+                      <a:t> </a:t>
+                    </a:r>
+                  </a:p>
+                </p:txBody>
+              </p:sp>
+            </mc:Fallback>
+          </mc:AlternateContent>
+          <mc:AlternateContent xmlns:mc="http://schemas.openxmlformats.org/markup-compatibility/2006">
+            <mc:Choice xmlns:a14="http://schemas.microsoft.com/office/drawing/2010/main" Requires="a14">
+              <p:sp>
+                <p:nvSpPr>
+                  <p:cNvPr id="45" name="TextBox 44">
+                    <a:extLst>
+                      <a:ext uri="{FF2B5EF4-FFF2-40B4-BE49-F238E27FC236}">
+                        <a16:creationId xmlns:a16="http://schemas.microsoft.com/office/drawing/2014/main" id="{10794C2D-E334-4092-AE97-7A43EA2CDFEB}"/>
+                      </a:ext>
+                    </a:extLst>
+                  </p:cNvPr>
+                  <p:cNvSpPr txBox="1"/>
+                  <p:nvPr/>
+                </p:nvSpPr>
+                <p:spPr>
+                  <a:xfrm>
+                    <a:off x="8306472" y="2230649"/>
+                    <a:ext cx="495712" cy="369332"/>
+                  </a:xfrm>
+                  <a:prstGeom prst="rect">
+                    <a:avLst/>
+                  </a:prstGeom>
+                  <a:noFill/>
+                </p:spPr>
+                <p:txBody>
+                  <a:bodyPr wrap="none" rtlCol="0">
+                    <a:spAutoFit/>
+                  </a:bodyPr>
+                  <a:lstStyle/>
+                  <a:p>
+                    <a14:m>
+                      <m:oMathPara xmlns:m="http://schemas.openxmlformats.org/officeDocument/2006/math">
+                        <m:oMathParaPr>
+                          <m:jc m:val="centerGroup"/>
+                        </m:oMathParaPr>
+                        <m:oMath xmlns:m="http://schemas.openxmlformats.org/officeDocument/2006/math">
+                          <m:sSub>
+                            <m:sSubPr>
+                              <m:ctrlPr>
+                                <a:rPr lang="en-US" altLang="zh-CN" b="0" i="1" smtClean="0">
+                                  <a:latin typeface="Cambria Math" panose="02040503050406030204" pitchFamily="18" charset="0"/>
+                                </a:rPr>
+                              </m:ctrlPr>
+                            </m:sSubPr>
+                            <m:e>
+                              <m:r>
+                                <a:rPr lang="en-US" altLang="zh-CN" b="0" i="1" smtClean="0">
+                                  <a:latin typeface="Cambria Math" panose="02040503050406030204" pitchFamily="18" charset="0"/>
+                                </a:rPr>
+                                <m:t>𝜃</m:t>
+                              </m:r>
+                            </m:e>
+                            <m:sub>
+                              <m:r>
+                                <a:rPr lang="en-US" altLang="zh-CN" b="0" i="1" smtClean="0">
+                                  <a:latin typeface="Cambria Math" panose="02040503050406030204" pitchFamily="18" charset="0"/>
+                                </a:rPr>
+                                <m:t>𝐾</m:t>
+                              </m:r>
+                            </m:sub>
+                          </m:sSub>
+                        </m:oMath>
+                      </m:oMathPara>
+                    </a14:m>
+                    <a:endParaRPr lang="en-US" i="1" dirty="0"/>
+                  </a:p>
+                </p:txBody>
+              </p:sp>
+            </mc:Choice>
+            <mc:Fallback>
+              <p:sp>
+                <p:nvSpPr>
+                  <p:cNvPr id="45" name="TextBox 44">
+                    <a:extLst>
+                      <a:ext uri="{FF2B5EF4-FFF2-40B4-BE49-F238E27FC236}">
+                        <a16:creationId xmlns:a16="http://schemas.microsoft.com/office/drawing/2014/main" id="{10794C2D-E334-4092-AE97-7A43EA2CDFEB}"/>
+                      </a:ext>
+                    </a:extLst>
+                  </p:cNvPr>
+                  <p:cNvSpPr txBox="1">
+                    <a:spLocks noRot="1" noChangeAspect="1" noMove="1" noResize="1" noEditPoints="1" noAdjustHandles="1" noChangeArrowheads="1" noChangeShapeType="1" noTextEdit="1"/>
+                  </p:cNvSpPr>
+                  <p:nvPr/>
+                </p:nvSpPr>
+                <p:spPr>
+                  <a:xfrm>
+                    <a:off x="8306472" y="2230649"/>
+                    <a:ext cx="495712" cy="369332"/>
+                  </a:xfrm>
+                  <a:prstGeom prst="rect">
+                    <a:avLst/>
+                  </a:prstGeom>
+                  <a:blipFill>
+                    <a:blip r:embed="rId8"/>
+                    <a:stretch>
+                      <a:fillRect/>
+                    </a:stretch>
+                  </a:blipFill>
+                </p:spPr>
+                <p:txBody>
+                  <a:bodyPr/>
+                  <a:lstStyle/>
+                  <a:p>
+                    <a:r>
+                      <a:rPr lang="en-US">
+                        <a:noFill/>
+                      </a:rPr>
+                      <a:t> </a:t>
+                    </a:r>
+                  </a:p>
+                </p:txBody>
+              </p:sp>
+            </mc:Fallback>
+          </mc:AlternateContent>
+          <mc:AlternateContent xmlns:mc="http://schemas.openxmlformats.org/markup-compatibility/2006">
+            <mc:Choice xmlns:a14="http://schemas.microsoft.com/office/drawing/2010/main" Requires="a14">
+              <p:sp>
+                <p:nvSpPr>
+                  <p:cNvPr id="46" name="TextBox 45">
+                    <a:extLst>
+                      <a:ext uri="{FF2B5EF4-FFF2-40B4-BE49-F238E27FC236}">
+                        <a16:creationId xmlns:a16="http://schemas.microsoft.com/office/drawing/2014/main" id="{A0067ADE-5B0D-4387-A8F7-57BC741C32F2}"/>
+                      </a:ext>
+                    </a:extLst>
+                  </p:cNvPr>
+                  <p:cNvSpPr txBox="1"/>
+                  <p:nvPr/>
+                </p:nvSpPr>
+                <p:spPr>
+                  <a:xfrm>
+                    <a:off x="8722627" y="3117961"/>
+                    <a:ext cx="475771" cy="369332"/>
+                  </a:xfrm>
+                  <a:prstGeom prst="rect">
+                    <a:avLst/>
+                  </a:prstGeom>
+                  <a:noFill/>
+                </p:spPr>
+                <p:txBody>
+                  <a:bodyPr wrap="none" rtlCol="0">
+                    <a:spAutoFit/>
+                  </a:bodyPr>
+                  <a:lstStyle/>
+                  <a:p>
+                    <a14:m>
+                      <m:oMathPara xmlns:m="http://schemas.openxmlformats.org/officeDocument/2006/math">
+                        <m:oMathParaPr>
+                          <m:jc m:val="centerGroup"/>
+                        </m:oMathParaPr>
+                        <m:oMath xmlns:m="http://schemas.openxmlformats.org/officeDocument/2006/math">
+                          <m:sSub>
+                            <m:sSubPr>
+                              <m:ctrlPr>
+                                <a:rPr lang="en-US" altLang="zh-CN" b="0" i="1" smtClean="0">
+                                  <a:latin typeface="Cambria Math" panose="02040503050406030204" pitchFamily="18" charset="0"/>
+                                </a:rPr>
+                              </m:ctrlPr>
+                            </m:sSubPr>
+                            <m:e>
+                              <m:r>
+                                <a:rPr lang="en-US" altLang="zh-CN" b="0" i="1" smtClean="0">
+                                  <a:latin typeface="Cambria Math" panose="02040503050406030204" pitchFamily="18" charset="0"/>
+                                </a:rPr>
+                                <m:t>𝜀</m:t>
+                              </m:r>
+                            </m:e>
+                            <m:sub>
+                              <m:r>
+                                <a:rPr lang="en-US" altLang="zh-CN" b="0" i="1" smtClean="0">
+                                  <a:latin typeface="Cambria Math" panose="02040503050406030204" pitchFamily="18" charset="0"/>
+                                </a:rPr>
+                                <m:t>𝐾</m:t>
+                              </m:r>
+                            </m:sub>
+                          </m:sSub>
+                        </m:oMath>
+                      </m:oMathPara>
+                    </a14:m>
+                    <a:endParaRPr lang="en-US" i="1" dirty="0"/>
+                  </a:p>
+                </p:txBody>
+              </p:sp>
+            </mc:Choice>
+            <mc:Fallback>
+              <p:sp>
+                <p:nvSpPr>
+                  <p:cNvPr id="46" name="TextBox 45">
+                    <a:extLst>
+                      <a:ext uri="{FF2B5EF4-FFF2-40B4-BE49-F238E27FC236}">
+                        <a16:creationId xmlns:a16="http://schemas.microsoft.com/office/drawing/2014/main" id="{A0067ADE-5B0D-4387-A8F7-57BC741C32F2}"/>
+                      </a:ext>
+                    </a:extLst>
+                  </p:cNvPr>
+                  <p:cNvSpPr txBox="1">
+                    <a:spLocks noRot="1" noChangeAspect="1" noMove="1" noResize="1" noEditPoints="1" noAdjustHandles="1" noChangeArrowheads="1" noChangeShapeType="1" noTextEdit="1"/>
+                  </p:cNvSpPr>
+                  <p:nvPr/>
+                </p:nvSpPr>
+                <p:spPr>
+                  <a:xfrm>
+                    <a:off x="8722627" y="3117961"/>
+                    <a:ext cx="475771" cy="369332"/>
+                  </a:xfrm>
+                  <a:prstGeom prst="rect">
+                    <a:avLst/>
+                  </a:prstGeom>
+                  <a:blipFill>
+                    <a:blip r:embed="rId9"/>
+                    <a:stretch>
+                      <a:fillRect/>
+                    </a:stretch>
+                  </a:blipFill>
+                </p:spPr>
+                <p:txBody>
+                  <a:bodyPr/>
+                  <a:lstStyle/>
+                  <a:p>
+                    <a:r>
+                      <a:rPr lang="en-US">
+                        <a:noFill/>
+                      </a:rPr>
+                      <a:t> </a:t>
+                    </a:r>
+                  </a:p>
+                </p:txBody>
+              </p:sp>
+            </mc:Fallback>
+          </mc:AlternateContent>
+          <mc:AlternateContent xmlns:mc="http://schemas.openxmlformats.org/markup-compatibility/2006">
+            <mc:Choice xmlns:a14="http://schemas.microsoft.com/office/drawing/2010/main" Requires="a14">
+              <p:sp>
+                <p:nvSpPr>
+                  <p:cNvPr id="47" name="TextBox 46">
+                    <a:extLst>
+                      <a:ext uri="{FF2B5EF4-FFF2-40B4-BE49-F238E27FC236}">
+                        <a16:creationId xmlns:a16="http://schemas.microsoft.com/office/drawing/2014/main" id="{9B1FACD0-2FFF-4914-B819-C6F92CB9D35B}"/>
+                      </a:ext>
+                    </a:extLst>
+                  </p:cNvPr>
+                  <p:cNvSpPr txBox="1"/>
+                  <p:nvPr/>
+                </p:nvSpPr>
+                <p:spPr>
+                  <a:xfrm>
+                    <a:off x="9371182" y="3563421"/>
+                    <a:ext cx="371384" cy="369332"/>
+                  </a:xfrm>
+                  <a:prstGeom prst="rect">
+                    <a:avLst/>
+                  </a:prstGeom>
+                  <a:noFill/>
+                </p:spPr>
+                <p:txBody>
+                  <a:bodyPr wrap="none" rtlCol="0">
+                    <a:spAutoFit/>
+                  </a:bodyPr>
+                  <a:lstStyle/>
+                  <a:p>
+                    <a14:m>
+                      <m:oMathPara xmlns:m="http://schemas.openxmlformats.org/officeDocument/2006/math">
+                        <m:oMathParaPr>
+                          <m:jc m:val="centerGroup"/>
+                        </m:oMathParaPr>
+                        <m:oMath xmlns:m="http://schemas.openxmlformats.org/officeDocument/2006/math">
+                          <m:r>
+                            <a:rPr lang="en-US" altLang="zh-CN" b="0" i="1" smtClean="0">
+                              <a:latin typeface="Cambria Math" panose="02040503050406030204" pitchFamily="18" charset="0"/>
+                            </a:rPr>
+                            <m:t>𝑦</m:t>
+                          </m:r>
+                        </m:oMath>
+                      </m:oMathPara>
+                    </a14:m>
+                    <a:endParaRPr lang="en-US" i="1" dirty="0"/>
+                  </a:p>
+                </p:txBody>
+              </p:sp>
+            </mc:Choice>
+            <mc:Fallback>
+              <p:sp>
+                <p:nvSpPr>
+                  <p:cNvPr id="47" name="TextBox 46">
+                    <a:extLst>
+                      <a:ext uri="{FF2B5EF4-FFF2-40B4-BE49-F238E27FC236}">
+                        <a16:creationId xmlns:a16="http://schemas.microsoft.com/office/drawing/2014/main" id="{9B1FACD0-2FFF-4914-B819-C6F92CB9D35B}"/>
+                      </a:ext>
+                    </a:extLst>
+                  </p:cNvPr>
+                  <p:cNvSpPr txBox="1">
+                    <a:spLocks noRot="1" noChangeAspect="1" noMove="1" noResize="1" noEditPoints="1" noAdjustHandles="1" noChangeArrowheads="1" noChangeShapeType="1" noTextEdit="1"/>
+                  </p:cNvSpPr>
+                  <p:nvPr/>
+                </p:nvSpPr>
+                <p:spPr>
+                  <a:xfrm>
+                    <a:off x="9371182" y="3563421"/>
+                    <a:ext cx="371384" cy="369332"/>
+                  </a:xfrm>
+                  <a:prstGeom prst="rect">
+                    <a:avLst/>
+                  </a:prstGeom>
+                  <a:blipFill>
+                    <a:blip r:embed="rId10"/>
+                    <a:stretch>
+                      <a:fillRect b="-6667"/>
+                    </a:stretch>
+                  </a:blipFill>
+                </p:spPr>
+                <p:txBody>
+                  <a:bodyPr/>
+                  <a:lstStyle/>
+                  <a:p>
+                    <a:r>
+                      <a:rPr lang="en-US">
+                        <a:noFill/>
+                      </a:rPr>
+                      <a:t> </a:t>
+                    </a:r>
+                  </a:p>
+                </p:txBody>
+              </p:sp>
+            </mc:Fallback>
+          </mc:AlternateContent>
+        </p:grpSp>
+        <mc:AlternateContent xmlns:mc="http://schemas.openxmlformats.org/markup-compatibility/2006">
+          <mc:Choice xmlns:a14="http://schemas.microsoft.com/office/drawing/2010/main" Requires="a14">
+            <p:sp>
+              <p:nvSpPr>
+                <p:cNvPr id="50" name="TextBox 49">
+                  <a:extLst>
+                    <a:ext uri="{FF2B5EF4-FFF2-40B4-BE49-F238E27FC236}">
+                      <a16:creationId xmlns:a16="http://schemas.microsoft.com/office/drawing/2014/main" id="{9335B1E0-388F-4681-8879-38E5BAE91161}"/>
+                    </a:ext>
+                  </a:extLst>
+                </p:cNvPr>
+                <p:cNvSpPr txBox="1"/>
+                <p:nvPr/>
+              </p:nvSpPr>
+              <p:spPr>
+                <a:xfrm>
+                  <a:off x="6789950" y="3563421"/>
+                  <a:ext cx="371384" cy="369332"/>
+                </a:xfrm>
+                <a:prstGeom prst="rect">
+                  <a:avLst/>
+                </a:prstGeom>
+                <a:noFill/>
+              </p:spPr>
+              <p:txBody>
+                <a:bodyPr wrap="none" rtlCol="0">
+                  <a:spAutoFit/>
+                </a:bodyPr>
+                <a:lstStyle/>
+                <a:p>
+                  <a14:m>
+                    <m:oMathPara xmlns:m="http://schemas.openxmlformats.org/officeDocument/2006/math">
+                      <m:oMathParaPr>
+                        <m:jc m:val="centerGroup"/>
+                      </m:oMathParaPr>
+                      <m:oMath xmlns:m="http://schemas.openxmlformats.org/officeDocument/2006/math">
+                        <m:r>
+                          <a:rPr lang="en-US" altLang="zh-CN" b="0" i="1" smtClean="0">
+                            <a:solidFill>
+                              <a:schemeClr val="bg1"/>
+                            </a:solidFill>
+                            <a:latin typeface="Cambria Math" panose="02040503050406030204" pitchFamily="18" charset="0"/>
+                          </a:rPr>
+                          <m:t>𝑦</m:t>
+                        </m:r>
+                      </m:oMath>
+                    </m:oMathPara>
+                  </a14:m>
+                  <a:endParaRPr lang="en-US" i="1" dirty="0">
+                    <a:solidFill>
+                      <a:schemeClr val="bg1"/>
+                    </a:solidFill>
+                  </a:endParaRPr>
+                </a:p>
+              </p:txBody>
+            </p:sp>
+          </mc:Choice>
+          <mc:Fallback>
+            <p:sp>
+              <p:nvSpPr>
+                <p:cNvPr id="50" name="TextBox 49">
+                  <a:extLst>
+                    <a:ext uri="{FF2B5EF4-FFF2-40B4-BE49-F238E27FC236}">
+                      <a16:creationId xmlns:a16="http://schemas.microsoft.com/office/drawing/2014/main" id="{9335B1E0-388F-4681-8879-38E5BAE91161}"/>
+                    </a:ext>
+                  </a:extLst>
+                </p:cNvPr>
+                <p:cNvSpPr txBox="1">
+                  <a:spLocks noRot="1" noChangeAspect="1" noMove="1" noResize="1" noEditPoints="1" noAdjustHandles="1" noChangeArrowheads="1" noChangeShapeType="1" noTextEdit="1"/>
+                </p:cNvSpPr>
+                <p:nvPr/>
+              </p:nvSpPr>
+              <p:spPr>
+                <a:xfrm>
+                  <a:off x="6789950" y="3563421"/>
+                  <a:ext cx="371384" cy="369332"/>
+                </a:xfrm>
+                <a:prstGeom prst="rect">
+                  <a:avLst/>
+                </a:prstGeom>
+                <a:blipFill>
+                  <a:blip r:embed="rId11"/>
+                  <a:stretch>
+                    <a:fillRect b="-6667"/>
+                  </a:stretch>
+                </a:blipFill>
+              </p:spPr>
+              <p:txBody>
+                <a:bodyPr/>
+                <a:lstStyle/>
+                <a:p>
+                  <a:r>
+                    <a:rPr lang="en-US">
+                      <a:noFill/>
+                    </a:rPr>
+                    <a:t> </a:t>
+                  </a:r>
+                </a:p>
+              </p:txBody>
+            </p:sp>
+          </mc:Fallback>
+        </mc:AlternateContent>
+      </p:grpSp>
+    </p:spTree>
+    <p:extLst>
+      <p:ext uri="{BB962C8B-B14F-4D97-AF65-F5344CB8AC3E}">
+        <p14:creationId xmlns:p14="http://schemas.microsoft.com/office/powerpoint/2010/main" val="2701363384"/>
       </p:ext>
     </p:extLst>
   </p:cSld>

--- a/Pic.pptx
+++ b/Pic.pptx
@@ -215,7 +215,7 @@
           <a:p>
             <a:fld id="{856DD98A-0F4A-4E02-9041-88828D2A188E}" type="datetimeFigureOut">
               <a:rPr lang="en-US" smtClean="0"/>
-              <a:t>12/17/2020</a:t>
+              <a:t>12/18/2020</a:t>
             </a:fld>
             <a:endParaRPr lang="en-US"/>
           </a:p>
@@ -713,7 +713,7 @@
           <a:p>
             <a:fld id="{D7B72F7F-CFB7-4A83-8C76-24DBCEAD790B}" type="datetimeFigureOut">
               <a:rPr lang="en-US" smtClean="0"/>
-              <a:t>12/17/2020</a:t>
+              <a:t>12/18/2020</a:t>
             </a:fld>
             <a:endParaRPr lang="en-US"/>
           </a:p>
@@ -911,7 +911,7 @@
           <a:p>
             <a:fld id="{D7B72F7F-CFB7-4A83-8C76-24DBCEAD790B}" type="datetimeFigureOut">
               <a:rPr lang="en-US" smtClean="0"/>
-              <a:t>12/17/2020</a:t>
+              <a:t>12/18/2020</a:t>
             </a:fld>
             <a:endParaRPr lang="en-US"/>
           </a:p>
@@ -1119,7 +1119,7 @@
           <a:p>
             <a:fld id="{D7B72F7F-CFB7-4A83-8C76-24DBCEAD790B}" type="datetimeFigureOut">
               <a:rPr lang="en-US" smtClean="0"/>
-              <a:t>12/17/2020</a:t>
+              <a:t>12/18/2020</a:t>
             </a:fld>
             <a:endParaRPr lang="en-US"/>
           </a:p>
@@ -1317,7 +1317,7 @@
           <a:p>
             <a:fld id="{D7B72F7F-CFB7-4A83-8C76-24DBCEAD790B}" type="datetimeFigureOut">
               <a:rPr lang="en-US" smtClean="0"/>
-              <a:t>12/17/2020</a:t>
+              <a:t>12/18/2020</a:t>
             </a:fld>
             <a:endParaRPr lang="en-US"/>
           </a:p>
@@ -1592,7 +1592,7 @@
           <a:p>
             <a:fld id="{D7B72F7F-CFB7-4A83-8C76-24DBCEAD790B}" type="datetimeFigureOut">
               <a:rPr lang="en-US" smtClean="0"/>
-              <a:t>12/17/2020</a:t>
+              <a:t>12/18/2020</a:t>
             </a:fld>
             <a:endParaRPr lang="en-US"/>
           </a:p>
@@ -1857,7 +1857,7 @@
           <a:p>
             <a:fld id="{D7B72F7F-CFB7-4A83-8C76-24DBCEAD790B}" type="datetimeFigureOut">
               <a:rPr lang="en-US" smtClean="0"/>
-              <a:t>12/17/2020</a:t>
+              <a:t>12/18/2020</a:t>
             </a:fld>
             <a:endParaRPr lang="en-US"/>
           </a:p>
@@ -2269,7 +2269,7 @@
           <a:p>
             <a:fld id="{D7B72F7F-CFB7-4A83-8C76-24DBCEAD790B}" type="datetimeFigureOut">
               <a:rPr lang="en-US" smtClean="0"/>
-              <a:t>12/17/2020</a:t>
+              <a:t>12/18/2020</a:t>
             </a:fld>
             <a:endParaRPr lang="en-US"/>
           </a:p>
@@ -2410,7 +2410,7 @@
           <a:p>
             <a:fld id="{D7B72F7F-CFB7-4A83-8C76-24DBCEAD790B}" type="datetimeFigureOut">
               <a:rPr lang="en-US" smtClean="0"/>
-              <a:t>12/17/2020</a:t>
+              <a:t>12/18/2020</a:t>
             </a:fld>
             <a:endParaRPr lang="en-US"/>
           </a:p>
@@ -2523,7 +2523,7 @@
           <a:p>
             <a:fld id="{D7B72F7F-CFB7-4A83-8C76-24DBCEAD790B}" type="datetimeFigureOut">
               <a:rPr lang="en-US" smtClean="0"/>
-              <a:t>12/17/2020</a:t>
+              <a:t>12/18/2020</a:t>
             </a:fld>
             <a:endParaRPr lang="en-US"/>
           </a:p>
@@ -2834,7 +2834,7 @@
           <a:p>
             <a:fld id="{D7B72F7F-CFB7-4A83-8C76-24DBCEAD790B}" type="datetimeFigureOut">
               <a:rPr lang="en-US" smtClean="0"/>
-              <a:t>12/17/2020</a:t>
+              <a:t>12/18/2020</a:t>
             </a:fld>
             <a:endParaRPr lang="en-US"/>
           </a:p>
@@ -3122,7 +3122,7 @@
           <a:p>
             <a:fld id="{D7B72F7F-CFB7-4A83-8C76-24DBCEAD790B}" type="datetimeFigureOut">
               <a:rPr lang="en-US" smtClean="0"/>
-              <a:t>12/17/2020</a:t>
+              <a:t>12/18/2020</a:t>
             </a:fld>
             <a:endParaRPr lang="en-US"/>
           </a:p>
@@ -3363,7 +3363,7 @@
           <a:p>
             <a:fld id="{D7B72F7F-CFB7-4A83-8C76-24DBCEAD790B}" type="datetimeFigureOut">
               <a:rPr lang="en-US" smtClean="0"/>
-              <a:t>12/17/2020</a:t>
+              <a:t>12/18/2020</a:t>
             </a:fld>
             <a:endParaRPr lang="en-US"/>
           </a:p>
@@ -11601,10 +11601,10 @@
       </p:sp>
       <p:grpSp>
         <p:nvGrpSpPr>
-          <p:cNvPr id="51" name="Group 50">
+          <p:cNvPr id="8" name="Group 7">
             <a:extLst>
               <a:ext uri="{FF2B5EF4-FFF2-40B4-BE49-F238E27FC236}">
-                <a16:creationId xmlns:a16="http://schemas.microsoft.com/office/drawing/2014/main" id="{C714E516-974E-47DE-B065-DD88FF1C3FD4}"/>
+                <a16:creationId xmlns:a16="http://schemas.microsoft.com/office/drawing/2014/main" id="{045B0815-2910-4AF0-BB6B-36F09C8A8060}"/>
               </a:ext>
             </a:extLst>
           </p:cNvPr>
@@ -11613,12 +11613,64 @@
         </p:nvGrpSpPr>
         <p:grpSpPr>
           <a:xfrm>
-            <a:off x="6789950" y="1874460"/>
-            <a:ext cx="2952616" cy="3638410"/>
-            <a:chOff x="6789950" y="1874460"/>
-            <a:chExt cx="2952616" cy="3638410"/>
+            <a:off x="6858015" y="2295146"/>
+            <a:ext cx="2884551" cy="3638410"/>
+            <a:chOff x="6858015" y="2295146"/>
+            <a:chExt cx="2884551" cy="3638410"/>
           </a:xfrm>
         </p:grpSpPr>
+        <p:sp>
+          <p:nvSpPr>
+            <p:cNvPr id="3" name="Rectangle 2">
+              <a:extLst>
+                <a:ext uri="{FF2B5EF4-FFF2-40B4-BE49-F238E27FC236}">
+                  <a16:creationId xmlns:a16="http://schemas.microsoft.com/office/drawing/2014/main" id="{ACECFA86-AD8B-42B6-8877-9601BE67D79C}"/>
+                </a:ext>
+              </a:extLst>
+            </p:cNvPr>
+            <p:cNvSpPr/>
+            <p:nvPr/>
+          </p:nvSpPr>
+          <p:spPr>
+            <a:xfrm>
+              <a:off x="6858015" y="2295148"/>
+              <a:ext cx="2835611" cy="3638408"/>
+            </a:xfrm>
+            <a:prstGeom prst="rect">
+              <a:avLst/>
+            </a:prstGeom>
+            <a:solidFill>
+              <a:schemeClr val="bg1"/>
+            </a:solidFill>
+            <a:ln>
+              <a:noFill/>
+            </a:ln>
+          </p:spPr>
+          <p:style>
+            <a:lnRef idx="2">
+              <a:schemeClr val="accent1">
+                <a:shade val="50000"/>
+              </a:schemeClr>
+            </a:lnRef>
+            <a:fillRef idx="1">
+              <a:schemeClr val="accent1"/>
+            </a:fillRef>
+            <a:effectRef idx="0">
+              <a:schemeClr val="accent1"/>
+            </a:effectRef>
+            <a:fontRef idx="minor">
+              <a:schemeClr val="lt1"/>
+            </a:fontRef>
+          </p:style>
+          <p:txBody>
+            <a:bodyPr rtlCol="0" anchor="ctr"/>
+            <a:lstStyle/>
+            <a:p>
+              <a:pPr algn="ctr"/>
+              <a:endParaRPr lang="en-US"/>
+            </a:p>
+          </p:txBody>
+        </p:sp>
         <p:grpSp>
           <p:nvGrpSpPr>
             <p:cNvPr id="48" name="Group 47">
@@ -11633,7 +11685,7 @@
           </p:nvGrpSpPr>
           <p:grpSpPr>
             <a:xfrm>
-              <a:off x="7200900" y="1874460"/>
+              <a:off x="7200900" y="2295146"/>
               <a:ext cx="2541666" cy="3638410"/>
               <a:chOff x="7200900" y="1874460"/>
               <a:chExt cx="2541666" cy="3638410"/>
@@ -12015,8 +12067,8 @@
               </a:p>
             </p:txBody>
           </p:sp>
-          <mc:AlternateContent xmlns:mc="http://schemas.openxmlformats.org/markup-compatibility/2006">
-            <mc:Choice xmlns:a14="http://schemas.microsoft.com/office/drawing/2010/main" Requires="a14">
+          <mc:AlternateContent xmlns:mc="http://schemas.openxmlformats.org/markup-compatibility/2006" xmlns:a14="http://schemas.microsoft.com/office/drawing/2010/main">
+            <mc:Choice Requires="a14">
               <p:sp>
                 <p:nvSpPr>
                   <p:cNvPr id="42" name="TextBox 41">
@@ -12045,6 +12097,7 @@
                   </a:bodyPr>
                   <a:lstStyle/>
                   <a:p>
+                    <a:pPr/>
                     <a14:m>
                       <m:oMathPara xmlns:m="http://schemas.openxmlformats.org/officeDocument/2006/math">
                         <m:oMathParaPr>
@@ -12065,7 +12118,7 @@
                 </p:txBody>
               </p:sp>
             </mc:Choice>
-            <mc:Fallback>
+            <mc:Fallback xmlns="">
               <p:sp>
                 <p:nvSpPr>
                   <p:cNvPr id="42" name="TextBox 41">
@@ -12110,8 +12163,8 @@
               </p:sp>
             </mc:Fallback>
           </mc:AlternateContent>
-          <mc:AlternateContent xmlns:mc="http://schemas.openxmlformats.org/markup-compatibility/2006">
-            <mc:Choice xmlns:a14="http://schemas.microsoft.com/office/drawing/2010/main" Requires="a14">
+          <mc:AlternateContent xmlns:mc="http://schemas.openxmlformats.org/markup-compatibility/2006" xmlns:a14="http://schemas.microsoft.com/office/drawing/2010/main">
+            <mc:Choice Requires="a14">
               <p:sp>
                 <p:nvSpPr>
                   <p:cNvPr id="43" name="TextBox 42">
@@ -12140,6 +12193,7 @@
                   </a:bodyPr>
                   <a:lstStyle/>
                   <a:p>
+                    <a:pPr/>
                     <a14:m>
                       <m:oMathPara xmlns:m="http://schemas.openxmlformats.org/officeDocument/2006/math">
                         <m:oMathParaPr>
@@ -12179,7 +12233,7 @@
                 </p:txBody>
               </p:sp>
             </mc:Choice>
-            <mc:Fallback>
+            <mc:Fallback xmlns="">
               <p:sp>
                 <p:nvSpPr>
                   <p:cNvPr id="43" name="TextBox 42">
@@ -12224,8 +12278,8 @@
               </p:sp>
             </mc:Fallback>
           </mc:AlternateContent>
-          <mc:AlternateContent xmlns:mc="http://schemas.openxmlformats.org/markup-compatibility/2006">
-            <mc:Choice xmlns:a14="http://schemas.microsoft.com/office/drawing/2010/main" Requires="a14">
+          <mc:AlternateContent xmlns:mc="http://schemas.openxmlformats.org/markup-compatibility/2006" xmlns:a14="http://schemas.microsoft.com/office/drawing/2010/main">
+            <mc:Choice Requires="a14">
               <p:sp>
                 <p:nvSpPr>
                   <p:cNvPr id="44" name="TextBox 43">
@@ -12254,6 +12308,7 @@
                   </a:bodyPr>
                   <a:lstStyle/>
                   <a:p>
+                    <a:pPr/>
                     <a14:m>
                       <m:oMathPara xmlns:m="http://schemas.openxmlformats.org/officeDocument/2006/math">
                         <m:oMathParaPr>
@@ -12293,7 +12348,7 @@
                 </p:txBody>
               </p:sp>
             </mc:Choice>
-            <mc:Fallback>
+            <mc:Fallback xmlns="">
               <p:sp>
                 <p:nvSpPr>
                   <p:cNvPr id="44" name="TextBox 43">
@@ -12338,8 +12393,8 @@
               </p:sp>
             </mc:Fallback>
           </mc:AlternateContent>
-          <mc:AlternateContent xmlns:mc="http://schemas.openxmlformats.org/markup-compatibility/2006">
-            <mc:Choice xmlns:a14="http://schemas.microsoft.com/office/drawing/2010/main" Requires="a14">
+          <mc:AlternateContent xmlns:mc="http://schemas.openxmlformats.org/markup-compatibility/2006" xmlns:a14="http://schemas.microsoft.com/office/drawing/2010/main">
+            <mc:Choice Requires="a14">
               <p:sp>
                 <p:nvSpPr>
                   <p:cNvPr id="45" name="TextBox 44">
@@ -12368,6 +12423,7 @@
                   </a:bodyPr>
                   <a:lstStyle/>
                   <a:p>
+                    <a:pPr/>
                     <a14:m>
                       <m:oMathPara xmlns:m="http://schemas.openxmlformats.org/officeDocument/2006/math">
                         <m:oMathParaPr>
@@ -12407,7 +12463,7 @@
                 </p:txBody>
               </p:sp>
             </mc:Choice>
-            <mc:Fallback>
+            <mc:Fallback xmlns="">
               <p:sp>
                 <p:nvSpPr>
                   <p:cNvPr id="45" name="TextBox 44">
@@ -12452,8 +12508,8 @@
               </p:sp>
             </mc:Fallback>
           </mc:AlternateContent>
-          <mc:AlternateContent xmlns:mc="http://schemas.openxmlformats.org/markup-compatibility/2006">
-            <mc:Choice xmlns:a14="http://schemas.microsoft.com/office/drawing/2010/main" Requires="a14">
+          <mc:AlternateContent xmlns:mc="http://schemas.openxmlformats.org/markup-compatibility/2006" xmlns:a14="http://schemas.microsoft.com/office/drawing/2010/main">
+            <mc:Choice Requires="a14">
               <p:sp>
                 <p:nvSpPr>
                   <p:cNvPr id="46" name="TextBox 45">
@@ -12482,6 +12538,7 @@
                   </a:bodyPr>
                   <a:lstStyle/>
                   <a:p>
+                    <a:pPr/>
                     <a14:m>
                       <m:oMathPara xmlns:m="http://schemas.openxmlformats.org/officeDocument/2006/math">
                         <m:oMathParaPr>
@@ -12521,7 +12578,7 @@
                 </p:txBody>
               </p:sp>
             </mc:Choice>
-            <mc:Fallback>
+            <mc:Fallback xmlns="">
               <p:sp>
                 <p:nvSpPr>
                   <p:cNvPr id="46" name="TextBox 45">
@@ -12566,8 +12623,8 @@
               </p:sp>
             </mc:Fallback>
           </mc:AlternateContent>
-          <mc:AlternateContent xmlns:mc="http://schemas.openxmlformats.org/markup-compatibility/2006">
-            <mc:Choice xmlns:a14="http://schemas.microsoft.com/office/drawing/2010/main" Requires="a14">
+          <mc:AlternateContent xmlns:mc="http://schemas.openxmlformats.org/markup-compatibility/2006" xmlns:a14="http://schemas.microsoft.com/office/drawing/2010/main">
+            <mc:Choice Requires="a14">
               <p:sp>
                 <p:nvSpPr>
                   <p:cNvPr id="47" name="TextBox 46">
@@ -12596,6 +12653,7 @@
                   </a:bodyPr>
                   <a:lstStyle/>
                   <a:p>
+                    <a:pPr/>
                     <a14:m>
                       <m:oMathPara xmlns:m="http://schemas.openxmlformats.org/officeDocument/2006/math">
                         <m:oMathParaPr>
@@ -12616,7 +12674,7 @@
                 </p:txBody>
               </p:sp>
             </mc:Choice>
-            <mc:Fallback>
+            <mc:Fallback xmlns="">
               <p:sp>
                 <p:nvSpPr>
                   <p:cNvPr id="47" name="TextBox 46">
@@ -12662,108 +12720,6 @@
             </mc:Fallback>
           </mc:AlternateContent>
         </p:grpSp>
-        <mc:AlternateContent xmlns:mc="http://schemas.openxmlformats.org/markup-compatibility/2006">
-          <mc:Choice xmlns:a14="http://schemas.microsoft.com/office/drawing/2010/main" Requires="a14">
-            <p:sp>
-              <p:nvSpPr>
-                <p:cNvPr id="50" name="TextBox 49">
-                  <a:extLst>
-                    <a:ext uri="{FF2B5EF4-FFF2-40B4-BE49-F238E27FC236}">
-                      <a16:creationId xmlns:a16="http://schemas.microsoft.com/office/drawing/2014/main" id="{9335B1E0-388F-4681-8879-38E5BAE91161}"/>
-                    </a:ext>
-                  </a:extLst>
-                </p:cNvPr>
-                <p:cNvSpPr txBox="1"/>
-                <p:nvPr/>
-              </p:nvSpPr>
-              <p:spPr>
-                <a:xfrm>
-                  <a:off x="6789950" y="3563421"/>
-                  <a:ext cx="371384" cy="369332"/>
-                </a:xfrm>
-                <a:prstGeom prst="rect">
-                  <a:avLst/>
-                </a:prstGeom>
-                <a:noFill/>
-              </p:spPr>
-              <p:txBody>
-                <a:bodyPr wrap="none" rtlCol="0">
-                  <a:spAutoFit/>
-                </a:bodyPr>
-                <a:lstStyle/>
-                <a:p>
-                  <a14:m>
-                    <m:oMathPara xmlns:m="http://schemas.openxmlformats.org/officeDocument/2006/math">
-                      <m:oMathParaPr>
-                        <m:jc m:val="centerGroup"/>
-                      </m:oMathParaPr>
-                      <m:oMath xmlns:m="http://schemas.openxmlformats.org/officeDocument/2006/math">
-                        <m:r>
-                          <a:rPr lang="en-US" altLang="zh-CN" b="0" i="1" smtClean="0">
-                            <a:solidFill>
-                              <a:schemeClr val="bg1"/>
-                            </a:solidFill>
-                            <a:latin typeface="Cambria Math" panose="02040503050406030204" pitchFamily="18" charset="0"/>
-                          </a:rPr>
-                          <m:t>𝑦</m:t>
-                        </m:r>
-                      </m:oMath>
-                    </m:oMathPara>
-                  </a14:m>
-                  <a:endParaRPr lang="en-US" i="1" dirty="0">
-                    <a:solidFill>
-                      <a:schemeClr val="bg1"/>
-                    </a:solidFill>
-                  </a:endParaRPr>
-                </a:p>
-              </p:txBody>
-            </p:sp>
-          </mc:Choice>
-          <mc:Fallback>
-            <p:sp>
-              <p:nvSpPr>
-                <p:cNvPr id="50" name="TextBox 49">
-                  <a:extLst>
-                    <a:ext uri="{FF2B5EF4-FFF2-40B4-BE49-F238E27FC236}">
-                      <a16:creationId xmlns:a16="http://schemas.microsoft.com/office/drawing/2014/main" id="{9335B1E0-388F-4681-8879-38E5BAE91161}"/>
-                    </a:ext>
-                  </a:extLst>
-                </p:cNvPr>
-                <p:cNvSpPr txBox="1">
-                  <a:spLocks noRot="1" noChangeAspect="1" noMove="1" noResize="1" noEditPoints="1" noAdjustHandles="1" noChangeArrowheads="1" noChangeShapeType="1" noTextEdit="1"/>
-                </p:cNvSpPr>
-                <p:nvPr/>
-              </p:nvSpPr>
-              <p:spPr>
-                <a:xfrm>
-                  <a:off x="6789950" y="3563421"/>
-                  <a:ext cx="371384" cy="369332"/>
-                </a:xfrm>
-                <a:prstGeom prst="rect">
-                  <a:avLst/>
-                </a:prstGeom>
-                <a:blipFill>
-                  <a:blip r:embed="rId11"/>
-                  <a:stretch>
-                    <a:fillRect b="-6667"/>
-                  </a:stretch>
-                </a:blipFill>
-              </p:spPr>
-              <p:txBody>
-                <a:bodyPr/>
-                <a:lstStyle/>
-                <a:p>
-                  <a:r>
-                    <a:rPr lang="en-US">
-                      <a:noFill/>
-                    </a:rPr>
-                    <a:t> </a:t>
-                  </a:r>
-                </a:p>
-              </p:txBody>
-            </p:sp>
-          </mc:Fallback>
-        </mc:AlternateContent>
       </p:grpSp>
     </p:spTree>
     <p:extLst>

--- a/Pic.pptx
+++ b/Pic.pptx
@@ -5,7 +5,7 @@
     <p:sldMasterId id="2147483648" r:id="rId1"/>
   </p:sldMasterIdLst>
   <p:notesMasterIdLst>
-    <p:notesMasterId r:id="rId10"/>
+    <p:notesMasterId r:id="rId12"/>
   </p:notesMasterIdLst>
   <p:sldIdLst>
     <p:sldId id="256" r:id="rId2"/>
@@ -16,6 +16,8 @@
     <p:sldId id="261" r:id="rId7"/>
     <p:sldId id="262" r:id="rId8"/>
     <p:sldId id="263" r:id="rId9"/>
+    <p:sldId id="264" r:id="rId10"/>
+    <p:sldId id="265" r:id="rId11"/>
   </p:sldIdLst>
   <p:sldSz cx="12192000" cy="6858000"/>
   <p:notesSz cx="6858000" cy="9144000"/>
@@ -133,6 +135,1830 @@
 </p:presentation>
 </file>
 
+<file path=ppt/charts/chart1.xml><?xml version="1.0" encoding="utf-8"?>
+<c:chartSpace xmlns:c="http://schemas.openxmlformats.org/drawingml/2006/chart" xmlns:a="http://schemas.openxmlformats.org/drawingml/2006/main" xmlns:r="http://schemas.openxmlformats.org/officeDocument/2006/relationships" xmlns:c16r2="http://schemas.microsoft.com/office/drawing/2015/06/chart">
+  <c:date1904 val="0"/>
+  <c:lang val="en-US"/>
+  <c:roundedCorners val="0"/>
+  <mc:AlternateContent xmlns:mc="http://schemas.openxmlformats.org/markup-compatibility/2006">
+    <mc:Choice xmlns:c14="http://schemas.microsoft.com/office/drawing/2007/8/2/chart" Requires="c14">
+      <c14:style val="102"/>
+    </mc:Choice>
+    <mc:Fallback>
+      <c:style val="2"/>
+    </mc:Fallback>
+  </mc:AlternateContent>
+  <c:chart>
+    <c:autoTitleDeleted val="1"/>
+    <c:plotArea>
+      <c:layout>
+        <c:manualLayout>
+          <c:layoutTarget val="inner"/>
+          <c:xMode val="edge"/>
+          <c:yMode val="edge"/>
+          <c:x val="7.2483349824144214E-2"/>
+          <c:y val="2.5764895330112721E-2"/>
+          <c:w val="0.90688276557827319"/>
+          <c:h val="0.83556062738534498"/>
+        </c:manualLayout>
+      </c:layout>
+      <c:scatterChart>
+        <c:scatterStyle val="smoothMarker"/>
+        <c:varyColors val="0"/>
+        <c:ser>
+          <c:idx val="0"/>
+          <c:order val="0"/>
+          <c:tx>
+            <c:v>D1</c:v>
+          </c:tx>
+          <c:spPr>
+            <a:ln w="9525" cap="rnd">
+              <a:solidFill>
+                <a:schemeClr val="accent1"/>
+              </a:solidFill>
+              <a:round/>
+            </a:ln>
+            <a:effectLst/>
+          </c:spPr>
+          <c:marker>
+            <c:symbol val="circle"/>
+            <c:size val="5"/>
+            <c:spPr>
+              <a:gradFill rotWithShape="1">
+                <a:gsLst>
+                  <a:gs pos="0">
+                    <a:schemeClr val="accent1">
+                      <a:satMod val="103000"/>
+                      <a:lumMod val="102000"/>
+                      <a:tint val="94000"/>
+                    </a:schemeClr>
+                  </a:gs>
+                  <a:gs pos="50000">
+                    <a:schemeClr val="accent1">
+                      <a:satMod val="110000"/>
+                      <a:lumMod val="100000"/>
+                      <a:shade val="100000"/>
+                    </a:schemeClr>
+                  </a:gs>
+                  <a:gs pos="100000">
+                    <a:schemeClr val="accent1">
+                      <a:lumMod val="99000"/>
+                      <a:satMod val="120000"/>
+                      <a:shade val="78000"/>
+                    </a:schemeClr>
+                  </a:gs>
+                </a:gsLst>
+                <a:lin ang="5400000" scaled="0"/>
+              </a:gradFill>
+              <a:ln w="9525">
+                <a:solidFill>
+                  <a:schemeClr val="accent1"/>
+                </a:solidFill>
+                <a:round/>
+              </a:ln>
+              <a:effectLst/>
+            </c:spPr>
+          </c:marker>
+          <c:xVal>
+            <c:numRef>
+              <c:f>Sheet1!$J$1:$J$19</c:f>
+              <c:numCache>
+                <c:formatCode>General</c:formatCode>
+                <c:ptCount val="19"/>
+                <c:pt idx="0">
+                  <c:v>0</c:v>
+                </c:pt>
+                <c:pt idx="1">
+                  <c:v>-0.5</c:v>
+                </c:pt>
+                <c:pt idx="2">
+                  <c:v>-1</c:v>
+                </c:pt>
+                <c:pt idx="3">
+                  <c:v>-1.5</c:v>
+                </c:pt>
+                <c:pt idx="4">
+                  <c:v>-2</c:v>
+                </c:pt>
+                <c:pt idx="5">
+                  <c:v>-2.5</c:v>
+                </c:pt>
+                <c:pt idx="6">
+                  <c:v>-3</c:v>
+                </c:pt>
+                <c:pt idx="7">
+                  <c:v>-3.5</c:v>
+                </c:pt>
+                <c:pt idx="8">
+                  <c:v>-4</c:v>
+                </c:pt>
+                <c:pt idx="9">
+                  <c:v>-4.5</c:v>
+                </c:pt>
+                <c:pt idx="10">
+                  <c:v>-5</c:v>
+                </c:pt>
+                <c:pt idx="11">
+                  <c:v>-5.5</c:v>
+                </c:pt>
+                <c:pt idx="12">
+                  <c:v>-6</c:v>
+                </c:pt>
+                <c:pt idx="13">
+                  <c:v>-6.5</c:v>
+                </c:pt>
+                <c:pt idx="14">
+                  <c:v>-7</c:v>
+                </c:pt>
+                <c:pt idx="15">
+                  <c:v>-7.5</c:v>
+                </c:pt>
+                <c:pt idx="16">
+                  <c:v>-8</c:v>
+                </c:pt>
+                <c:pt idx="17">
+                  <c:v>-8.5</c:v>
+                </c:pt>
+                <c:pt idx="18">
+                  <c:v>-9</c:v>
+                </c:pt>
+              </c:numCache>
+            </c:numRef>
+          </c:xVal>
+          <c:yVal>
+            <c:numRef>
+              <c:f>Sheet1!$K$1:$K$19</c:f>
+              <c:numCache>
+                <c:formatCode>General</c:formatCode>
+                <c:ptCount val="19"/>
+                <c:pt idx="0">
+                  <c:v>3.2000000000000028</c:v>
+                </c:pt>
+                <c:pt idx="1">
+                  <c:v>3.2000000000000028</c:v>
+                </c:pt>
+                <c:pt idx="2">
+                  <c:v>3.6000000000000085</c:v>
+                </c:pt>
+                <c:pt idx="3">
+                  <c:v>3.1000000000000085</c:v>
+                </c:pt>
+                <c:pt idx="4">
+                  <c:v>3.1000000000000085</c:v>
+                </c:pt>
+                <c:pt idx="5">
+                  <c:v>3.2999999999999972</c:v>
+                </c:pt>
+                <c:pt idx="6">
+                  <c:v>3.2999999999999972</c:v>
+                </c:pt>
+                <c:pt idx="7">
+                  <c:v>3.2999999999999972</c:v>
+                </c:pt>
+                <c:pt idx="8">
+                  <c:v>3.2999999999999972</c:v>
+                </c:pt>
+                <c:pt idx="9">
+                  <c:v>3.2999999999999972</c:v>
+                </c:pt>
+                <c:pt idx="10">
+                  <c:v>3.2999999999999972</c:v>
+                </c:pt>
+                <c:pt idx="11">
+                  <c:v>3.2999999999999972</c:v>
+                </c:pt>
+                <c:pt idx="12">
+                  <c:v>3.2999999999999972</c:v>
+                </c:pt>
+                <c:pt idx="13">
+                  <c:v>3.2999999999999972</c:v>
+                </c:pt>
+                <c:pt idx="14">
+                  <c:v>3.2999999999999972</c:v>
+                </c:pt>
+                <c:pt idx="15">
+                  <c:v>3.2999999999999972</c:v>
+                </c:pt>
+                <c:pt idx="16">
+                  <c:v>3.5</c:v>
+                </c:pt>
+                <c:pt idx="17">
+                  <c:v>3.5</c:v>
+                </c:pt>
+                <c:pt idx="18">
+                  <c:v>3.5</c:v>
+                </c:pt>
+              </c:numCache>
+            </c:numRef>
+          </c:yVal>
+          <c:smooth val="1"/>
+          <c:extLst>
+            <c:ext xmlns:c16="http://schemas.microsoft.com/office/drawing/2014/chart" uri="{C3380CC4-5D6E-409C-BE32-E72D297353CC}">
+              <c16:uniqueId val="{00000000-C48F-471E-B464-67421451E898}"/>
+            </c:ext>
+          </c:extLst>
+        </c:ser>
+        <c:ser>
+          <c:idx val="1"/>
+          <c:order val="1"/>
+          <c:tx>
+            <c:v>D2</c:v>
+          </c:tx>
+          <c:spPr>
+            <a:ln w="9525" cap="rnd">
+              <a:solidFill>
+                <a:schemeClr val="accent2"/>
+              </a:solidFill>
+              <a:round/>
+            </a:ln>
+            <a:effectLst/>
+          </c:spPr>
+          <c:marker>
+            <c:symbol val="circle"/>
+            <c:size val="5"/>
+            <c:spPr>
+              <a:gradFill rotWithShape="1">
+                <a:gsLst>
+                  <a:gs pos="0">
+                    <a:schemeClr val="accent2">
+                      <a:satMod val="103000"/>
+                      <a:lumMod val="102000"/>
+                      <a:tint val="94000"/>
+                    </a:schemeClr>
+                  </a:gs>
+                  <a:gs pos="50000">
+                    <a:schemeClr val="accent2">
+                      <a:satMod val="110000"/>
+                      <a:lumMod val="100000"/>
+                      <a:shade val="100000"/>
+                    </a:schemeClr>
+                  </a:gs>
+                  <a:gs pos="100000">
+                    <a:schemeClr val="accent2">
+                      <a:lumMod val="99000"/>
+                      <a:satMod val="120000"/>
+                      <a:shade val="78000"/>
+                    </a:schemeClr>
+                  </a:gs>
+                </a:gsLst>
+                <a:lin ang="5400000" scaled="0"/>
+              </a:gradFill>
+              <a:ln w="9525">
+                <a:solidFill>
+                  <a:schemeClr val="accent2"/>
+                </a:solidFill>
+                <a:round/>
+              </a:ln>
+              <a:effectLst/>
+            </c:spPr>
+          </c:marker>
+          <c:xVal>
+            <c:numRef>
+              <c:f>Sheet1!$J$1:$J$19</c:f>
+              <c:numCache>
+                <c:formatCode>General</c:formatCode>
+                <c:ptCount val="19"/>
+                <c:pt idx="0">
+                  <c:v>0</c:v>
+                </c:pt>
+                <c:pt idx="1">
+                  <c:v>-0.5</c:v>
+                </c:pt>
+                <c:pt idx="2">
+                  <c:v>-1</c:v>
+                </c:pt>
+                <c:pt idx="3">
+                  <c:v>-1.5</c:v>
+                </c:pt>
+                <c:pt idx="4">
+                  <c:v>-2</c:v>
+                </c:pt>
+                <c:pt idx="5">
+                  <c:v>-2.5</c:v>
+                </c:pt>
+                <c:pt idx="6">
+                  <c:v>-3</c:v>
+                </c:pt>
+                <c:pt idx="7">
+                  <c:v>-3.5</c:v>
+                </c:pt>
+                <c:pt idx="8">
+                  <c:v>-4</c:v>
+                </c:pt>
+                <c:pt idx="9">
+                  <c:v>-4.5</c:v>
+                </c:pt>
+                <c:pt idx="10">
+                  <c:v>-5</c:v>
+                </c:pt>
+                <c:pt idx="11">
+                  <c:v>-5.5</c:v>
+                </c:pt>
+                <c:pt idx="12">
+                  <c:v>-6</c:v>
+                </c:pt>
+                <c:pt idx="13">
+                  <c:v>-6.5</c:v>
+                </c:pt>
+                <c:pt idx="14">
+                  <c:v>-7</c:v>
+                </c:pt>
+                <c:pt idx="15">
+                  <c:v>-7.5</c:v>
+                </c:pt>
+                <c:pt idx="16">
+                  <c:v>-8</c:v>
+                </c:pt>
+                <c:pt idx="17">
+                  <c:v>-8.5</c:v>
+                </c:pt>
+                <c:pt idx="18">
+                  <c:v>-9</c:v>
+                </c:pt>
+              </c:numCache>
+            </c:numRef>
+          </c:xVal>
+          <c:yVal>
+            <c:numRef>
+              <c:f>Sheet1!$L$1:$L$19</c:f>
+              <c:numCache>
+                <c:formatCode>General</c:formatCode>
+                <c:ptCount val="19"/>
+                <c:pt idx="0">
+                  <c:v>3.2000000000000028</c:v>
+                </c:pt>
+                <c:pt idx="1">
+                  <c:v>3.2999999999999972</c:v>
+                </c:pt>
+                <c:pt idx="2">
+                  <c:v>3.5</c:v>
+                </c:pt>
+                <c:pt idx="3">
+                  <c:v>3.5</c:v>
+                </c:pt>
+                <c:pt idx="4">
+                  <c:v>3.5</c:v>
+                </c:pt>
+                <c:pt idx="5">
+                  <c:v>3.5</c:v>
+                </c:pt>
+                <c:pt idx="6">
+                  <c:v>3.5</c:v>
+                </c:pt>
+                <c:pt idx="7">
+                  <c:v>3.5</c:v>
+                </c:pt>
+                <c:pt idx="8">
+                  <c:v>3.5</c:v>
+                </c:pt>
+                <c:pt idx="9">
+                  <c:v>3.5</c:v>
+                </c:pt>
+                <c:pt idx="10">
+                  <c:v>3.5</c:v>
+                </c:pt>
+                <c:pt idx="11">
+                  <c:v>3.5</c:v>
+                </c:pt>
+                <c:pt idx="12">
+                  <c:v>3.5</c:v>
+                </c:pt>
+                <c:pt idx="13">
+                  <c:v>3.5</c:v>
+                </c:pt>
+                <c:pt idx="14">
+                  <c:v>3.5</c:v>
+                </c:pt>
+                <c:pt idx="15">
+                  <c:v>3.5</c:v>
+                </c:pt>
+                <c:pt idx="16">
+                  <c:v>3.5</c:v>
+                </c:pt>
+                <c:pt idx="17">
+                  <c:v>3.5</c:v>
+                </c:pt>
+                <c:pt idx="18">
+                  <c:v>3.5</c:v>
+                </c:pt>
+              </c:numCache>
+            </c:numRef>
+          </c:yVal>
+          <c:smooth val="1"/>
+          <c:extLst>
+            <c:ext xmlns:c16="http://schemas.microsoft.com/office/drawing/2014/chart" uri="{C3380CC4-5D6E-409C-BE32-E72D297353CC}">
+              <c16:uniqueId val="{00000001-C48F-471E-B464-67421451E898}"/>
+            </c:ext>
+          </c:extLst>
+        </c:ser>
+        <c:ser>
+          <c:idx val="2"/>
+          <c:order val="2"/>
+          <c:tx>
+            <c:v>D3</c:v>
+          </c:tx>
+          <c:spPr>
+            <a:ln w="9525" cap="rnd">
+              <a:solidFill>
+                <a:schemeClr val="accent3"/>
+              </a:solidFill>
+              <a:round/>
+            </a:ln>
+            <a:effectLst/>
+          </c:spPr>
+          <c:marker>
+            <c:symbol val="circle"/>
+            <c:size val="5"/>
+            <c:spPr>
+              <a:gradFill rotWithShape="1">
+                <a:gsLst>
+                  <a:gs pos="0">
+                    <a:schemeClr val="accent3">
+                      <a:satMod val="103000"/>
+                      <a:lumMod val="102000"/>
+                      <a:tint val="94000"/>
+                    </a:schemeClr>
+                  </a:gs>
+                  <a:gs pos="50000">
+                    <a:schemeClr val="accent3">
+                      <a:satMod val="110000"/>
+                      <a:lumMod val="100000"/>
+                      <a:shade val="100000"/>
+                    </a:schemeClr>
+                  </a:gs>
+                  <a:gs pos="100000">
+                    <a:schemeClr val="accent3">
+                      <a:lumMod val="99000"/>
+                      <a:satMod val="120000"/>
+                      <a:shade val="78000"/>
+                    </a:schemeClr>
+                  </a:gs>
+                </a:gsLst>
+                <a:lin ang="5400000" scaled="0"/>
+              </a:gradFill>
+              <a:ln w="9525">
+                <a:solidFill>
+                  <a:schemeClr val="accent3"/>
+                </a:solidFill>
+                <a:round/>
+              </a:ln>
+              <a:effectLst/>
+            </c:spPr>
+          </c:marker>
+          <c:xVal>
+            <c:numRef>
+              <c:f>Sheet1!$J$1:$J$19</c:f>
+              <c:numCache>
+                <c:formatCode>General</c:formatCode>
+                <c:ptCount val="19"/>
+                <c:pt idx="0">
+                  <c:v>0</c:v>
+                </c:pt>
+                <c:pt idx="1">
+                  <c:v>-0.5</c:v>
+                </c:pt>
+                <c:pt idx="2">
+                  <c:v>-1</c:v>
+                </c:pt>
+                <c:pt idx="3">
+                  <c:v>-1.5</c:v>
+                </c:pt>
+                <c:pt idx="4">
+                  <c:v>-2</c:v>
+                </c:pt>
+                <c:pt idx="5">
+                  <c:v>-2.5</c:v>
+                </c:pt>
+                <c:pt idx="6">
+                  <c:v>-3</c:v>
+                </c:pt>
+                <c:pt idx="7">
+                  <c:v>-3.5</c:v>
+                </c:pt>
+                <c:pt idx="8">
+                  <c:v>-4</c:v>
+                </c:pt>
+                <c:pt idx="9">
+                  <c:v>-4.5</c:v>
+                </c:pt>
+                <c:pt idx="10">
+                  <c:v>-5</c:v>
+                </c:pt>
+                <c:pt idx="11">
+                  <c:v>-5.5</c:v>
+                </c:pt>
+                <c:pt idx="12">
+                  <c:v>-6</c:v>
+                </c:pt>
+                <c:pt idx="13">
+                  <c:v>-6.5</c:v>
+                </c:pt>
+                <c:pt idx="14">
+                  <c:v>-7</c:v>
+                </c:pt>
+                <c:pt idx="15">
+                  <c:v>-7.5</c:v>
+                </c:pt>
+                <c:pt idx="16">
+                  <c:v>-8</c:v>
+                </c:pt>
+                <c:pt idx="17">
+                  <c:v>-8.5</c:v>
+                </c:pt>
+                <c:pt idx="18">
+                  <c:v>-9</c:v>
+                </c:pt>
+              </c:numCache>
+            </c:numRef>
+          </c:xVal>
+          <c:yVal>
+            <c:numRef>
+              <c:f>Sheet1!$M$1:$M$19</c:f>
+              <c:numCache>
+                <c:formatCode>General</c:formatCode>
+                <c:ptCount val="19"/>
+                <c:pt idx="0">
+                  <c:v>3.2000000000000028</c:v>
+                </c:pt>
+                <c:pt idx="1">
+                  <c:v>3.7000000000000028</c:v>
+                </c:pt>
+                <c:pt idx="2">
+                  <c:v>3.7000000000000028</c:v>
+                </c:pt>
+                <c:pt idx="3">
+                  <c:v>3.7000000000000028</c:v>
+                </c:pt>
+                <c:pt idx="4">
+                  <c:v>3.7000000000000028</c:v>
+                </c:pt>
+                <c:pt idx="5">
+                  <c:v>3.7000000000000028</c:v>
+                </c:pt>
+                <c:pt idx="6">
+                  <c:v>3.7000000000000028</c:v>
+                </c:pt>
+                <c:pt idx="7">
+                  <c:v>3.7000000000000028</c:v>
+                </c:pt>
+                <c:pt idx="8">
+                  <c:v>3.7000000000000028</c:v>
+                </c:pt>
+                <c:pt idx="9">
+                  <c:v>3.7000000000000028</c:v>
+                </c:pt>
+                <c:pt idx="10">
+                  <c:v>3.7000000000000028</c:v>
+                </c:pt>
+                <c:pt idx="11">
+                  <c:v>3.7000000000000028</c:v>
+                </c:pt>
+                <c:pt idx="12">
+                  <c:v>3.7000000000000028</c:v>
+                </c:pt>
+                <c:pt idx="13">
+                  <c:v>3.7000000000000028</c:v>
+                </c:pt>
+                <c:pt idx="14">
+                  <c:v>3.2999999999999972</c:v>
+                </c:pt>
+                <c:pt idx="15">
+                  <c:v>2.7000000000000028</c:v>
+                </c:pt>
+                <c:pt idx="16">
+                  <c:v>2</c:v>
+                </c:pt>
+                <c:pt idx="17">
+                  <c:v>0.70000000000000284</c:v>
+                </c:pt>
+                <c:pt idx="18">
+                  <c:v>0.10000000000000853</c:v>
+                </c:pt>
+              </c:numCache>
+            </c:numRef>
+          </c:yVal>
+          <c:smooth val="1"/>
+          <c:extLst>
+            <c:ext xmlns:c16="http://schemas.microsoft.com/office/drawing/2014/chart" uri="{C3380CC4-5D6E-409C-BE32-E72D297353CC}">
+              <c16:uniqueId val="{00000002-C48F-471E-B464-67421451E898}"/>
+            </c:ext>
+          </c:extLst>
+        </c:ser>
+        <c:ser>
+          <c:idx val="3"/>
+          <c:order val="3"/>
+          <c:tx>
+            <c:v>D4</c:v>
+          </c:tx>
+          <c:spPr>
+            <a:ln w="9525" cap="rnd">
+              <a:solidFill>
+                <a:schemeClr val="accent4"/>
+              </a:solidFill>
+              <a:round/>
+            </a:ln>
+            <a:effectLst/>
+          </c:spPr>
+          <c:marker>
+            <c:symbol val="circle"/>
+            <c:size val="5"/>
+            <c:spPr>
+              <a:gradFill rotWithShape="1">
+                <a:gsLst>
+                  <a:gs pos="0">
+                    <a:schemeClr val="accent4">
+                      <a:satMod val="103000"/>
+                      <a:lumMod val="102000"/>
+                      <a:tint val="94000"/>
+                    </a:schemeClr>
+                  </a:gs>
+                  <a:gs pos="50000">
+                    <a:schemeClr val="accent4">
+                      <a:satMod val="110000"/>
+                      <a:lumMod val="100000"/>
+                      <a:shade val="100000"/>
+                    </a:schemeClr>
+                  </a:gs>
+                  <a:gs pos="100000">
+                    <a:schemeClr val="accent4">
+                      <a:lumMod val="99000"/>
+                      <a:satMod val="120000"/>
+                      <a:shade val="78000"/>
+                    </a:schemeClr>
+                  </a:gs>
+                </a:gsLst>
+                <a:lin ang="5400000" scaled="0"/>
+              </a:gradFill>
+              <a:ln w="9525">
+                <a:solidFill>
+                  <a:schemeClr val="accent4"/>
+                </a:solidFill>
+                <a:round/>
+              </a:ln>
+              <a:effectLst/>
+            </c:spPr>
+          </c:marker>
+          <c:xVal>
+            <c:numRef>
+              <c:f>Sheet1!$J$1:$J$19</c:f>
+              <c:numCache>
+                <c:formatCode>General</c:formatCode>
+                <c:ptCount val="19"/>
+                <c:pt idx="0">
+                  <c:v>0</c:v>
+                </c:pt>
+                <c:pt idx="1">
+                  <c:v>-0.5</c:v>
+                </c:pt>
+                <c:pt idx="2">
+                  <c:v>-1</c:v>
+                </c:pt>
+                <c:pt idx="3">
+                  <c:v>-1.5</c:v>
+                </c:pt>
+                <c:pt idx="4">
+                  <c:v>-2</c:v>
+                </c:pt>
+                <c:pt idx="5">
+                  <c:v>-2.5</c:v>
+                </c:pt>
+                <c:pt idx="6">
+                  <c:v>-3</c:v>
+                </c:pt>
+                <c:pt idx="7">
+                  <c:v>-3.5</c:v>
+                </c:pt>
+                <c:pt idx="8">
+                  <c:v>-4</c:v>
+                </c:pt>
+                <c:pt idx="9">
+                  <c:v>-4.5</c:v>
+                </c:pt>
+                <c:pt idx="10">
+                  <c:v>-5</c:v>
+                </c:pt>
+                <c:pt idx="11">
+                  <c:v>-5.5</c:v>
+                </c:pt>
+                <c:pt idx="12">
+                  <c:v>-6</c:v>
+                </c:pt>
+                <c:pt idx="13">
+                  <c:v>-6.5</c:v>
+                </c:pt>
+                <c:pt idx="14">
+                  <c:v>-7</c:v>
+                </c:pt>
+                <c:pt idx="15">
+                  <c:v>-7.5</c:v>
+                </c:pt>
+                <c:pt idx="16">
+                  <c:v>-8</c:v>
+                </c:pt>
+                <c:pt idx="17">
+                  <c:v>-8.5</c:v>
+                </c:pt>
+                <c:pt idx="18">
+                  <c:v>-9</c:v>
+                </c:pt>
+              </c:numCache>
+            </c:numRef>
+          </c:xVal>
+          <c:yVal>
+            <c:numRef>
+              <c:f>Sheet1!$N$1:$N$19</c:f>
+              <c:numCache>
+                <c:formatCode>General</c:formatCode>
+                <c:ptCount val="19"/>
+                <c:pt idx="0">
+                  <c:v>0.70000000000000284</c:v>
+                </c:pt>
+                <c:pt idx="1">
+                  <c:v>1.5</c:v>
+                </c:pt>
+                <c:pt idx="2">
+                  <c:v>1.5</c:v>
+                </c:pt>
+                <c:pt idx="3">
+                  <c:v>1.5</c:v>
+                </c:pt>
+                <c:pt idx="4">
+                  <c:v>1.5</c:v>
+                </c:pt>
+                <c:pt idx="5">
+                  <c:v>1.5</c:v>
+                </c:pt>
+                <c:pt idx="6">
+                  <c:v>1.5</c:v>
+                </c:pt>
+                <c:pt idx="7">
+                  <c:v>1.5</c:v>
+                </c:pt>
+                <c:pt idx="8">
+                  <c:v>1.5</c:v>
+                </c:pt>
+                <c:pt idx="9">
+                  <c:v>1.5</c:v>
+                </c:pt>
+                <c:pt idx="10">
+                  <c:v>1.5</c:v>
+                </c:pt>
+                <c:pt idx="11">
+                  <c:v>-0.5</c:v>
+                </c:pt>
+                <c:pt idx="12">
+                  <c:v>-1.2999999999999972</c:v>
+                </c:pt>
+                <c:pt idx="13">
+                  <c:v>-2.8999999999999915</c:v>
+                </c:pt>
+                <c:pt idx="14">
+                  <c:v>-4.0999999999999943</c:v>
+                </c:pt>
+                <c:pt idx="15">
+                  <c:v>-5.5999999999999943</c:v>
+                </c:pt>
+                <c:pt idx="16">
+                  <c:v>-7.7000000000000028</c:v>
+                </c:pt>
+                <c:pt idx="17">
+                  <c:v>-9.5</c:v>
+                </c:pt>
+                <c:pt idx="18">
+                  <c:v>-10.899999999999991</c:v>
+                </c:pt>
+              </c:numCache>
+            </c:numRef>
+          </c:yVal>
+          <c:smooth val="1"/>
+          <c:extLst>
+            <c:ext xmlns:c16="http://schemas.microsoft.com/office/drawing/2014/chart" uri="{C3380CC4-5D6E-409C-BE32-E72D297353CC}">
+              <c16:uniqueId val="{00000003-C48F-471E-B464-67421451E898}"/>
+            </c:ext>
+          </c:extLst>
+        </c:ser>
+        <c:ser>
+          <c:idx val="4"/>
+          <c:order val="4"/>
+          <c:tx>
+            <c:v>D5</c:v>
+          </c:tx>
+          <c:spPr>
+            <a:ln w="9525" cap="rnd">
+              <a:solidFill>
+                <a:schemeClr val="accent6"/>
+              </a:solidFill>
+              <a:round/>
+            </a:ln>
+            <a:effectLst/>
+          </c:spPr>
+          <c:marker>
+            <c:symbol val="circle"/>
+            <c:size val="5"/>
+            <c:spPr>
+              <a:solidFill>
+                <a:schemeClr val="accent6"/>
+              </a:solidFill>
+              <a:ln w="9525">
+                <a:solidFill>
+                  <a:schemeClr val="accent6"/>
+                </a:solidFill>
+                <a:round/>
+              </a:ln>
+              <a:effectLst/>
+            </c:spPr>
+          </c:marker>
+          <c:xVal>
+            <c:numRef>
+              <c:f>Sheet1!$J$1:$J$19</c:f>
+              <c:numCache>
+                <c:formatCode>General</c:formatCode>
+                <c:ptCount val="19"/>
+                <c:pt idx="0">
+                  <c:v>0</c:v>
+                </c:pt>
+                <c:pt idx="1">
+                  <c:v>-0.5</c:v>
+                </c:pt>
+                <c:pt idx="2">
+                  <c:v>-1</c:v>
+                </c:pt>
+                <c:pt idx="3">
+                  <c:v>-1.5</c:v>
+                </c:pt>
+                <c:pt idx="4">
+                  <c:v>-2</c:v>
+                </c:pt>
+                <c:pt idx="5">
+                  <c:v>-2.5</c:v>
+                </c:pt>
+                <c:pt idx="6">
+                  <c:v>-3</c:v>
+                </c:pt>
+                <c:pt idx="7">
+                  <c:v>-3.5</c:v>
+                </c:pt>
+                <c:pt idx="8">
+                  <c:v>-4</c:v>
+                </c:pt>
+                <c:pt idx="9">
+                  <c:v>-4.5</c:v>
+                </c:pt>
+                <c:pt idx="10">
+                  <c:v>-5</c:v>
+                </c:pt>
+                <c:pt idx="11">
+                  <c:v>-5.5</c:v>
+                </c:pt>
+                <c:pt idx="12">
+                  <c:v>-6</c:v>
+                </c:pt>
+                <c:pt idx="13">
+                  <c:v>-6.5</c:v>
+                </c:pt>
+                <c:pt idx="14">
+                  <c:v>-7</c:v>
+                </c:pt>
+                <c:pt idx="15">
+                  <c:v>-7.5</c:v>
+                </c:pt>
+                <c:pt idx="16">
+                  <c:v>-8</c:v>
+                </c:pt>
+                <c:pt idx="17">
+                  <c:v>-8.5</c:v>
+                </c:pt>
+                <c:pt idx="18">
+                  <c:v>-9</c:v>
+                </c:pt>
+              </c:numCache>
+            </c:numRef>
+          </c:xVal>
+          <c:yVal>
+            <c:numRef>
+              <c:f>Sheet1!$O$1:$O$19</c:f>
+              <c:numCache>
+                <c:formatCode>General</c:formatCode>
+                <c:ptCount val="19"/>
+                <c:pt idx="0">
+                  <c:v>-18.5</c:v>
+                </c:pt>
+                <c:pt idx="1">
+                  <c:v>-8.0999999999999943</c:v>
+                </c:pt>
+                <c:pt idx="2">
+                  <c:v>-6.2999999999999972</c:v>
+                </c:pt>
+                <c:pt idx="3">
+                  <c:v>-5.5</c:v>
+                </c:pt>
+                <c:pt idx="4">
+                  <c:v>-5</c:v>
+                </c:pt>
+                <c:pt idx="5">
+                  <c:v>-4.2999999999999972</c:v>
+                </c:pt>
+                <c:pt idx="6">
+                  <c:v>-4.2999999999999972</c:v>
+                </c:pt>
+                <c:pt idx="7">
+                  <c:v>-3.5</c:v>
+                </c:pt>
+                <c:pt idx="8">
+                  <c:v>-3.5</c:v>
+                </c:pt>
+                <c:pt idx="9">
+                  <c:v>-3.5</c:v>
+                </c:pt>
+                <c:pt idx="10">
+                  <c:v>-3.2999999999999972</c:v>
+                </c:pt>
+                <c:pt idx="11">
+                  <c:v>-3.2999999999999972</c:v>
+                </c:pt>
+                <c:pt idx="12">
+                  <c:v>-3.2999999999999972</c:v>
+                </c:pt>
+                <c:pt idx="13">
+                  <c:v>-3.2999999999999972</c:v>
+                </c:pt>
+                <c:pt idx="14">
+                  <c:v>-3.2999999999999972</c:v>
+                </c:pt>
+                <c:pt idx="15">
+                  <c:v>-3.2999999999999972</c:v>
+                </c:pt>
+                <c:pt idx="16">
+                  <c:v>-2.7999999999999972</c:v>
+                </c:pt>
+                <c:pt idx="17">
+                  <c:v>-2.7999999999999972</c:v>
+                </c:pt>
+                <c:pt idx="18">
+                  <c:v>-2.7999999999999972</c:v>
+                </c:pt>
+              </c:numCache>
+            </c:numRef>
+          </c:yVal>
+          <c:smooth val="1"/>
+          <c:extLst>
+            <c:ext xmlns:c16="http://schemas.microsoft.com/office/drawing/2014/chart" uri="{C3380CC4-5D6E-409C-BE32-E72D297353CC}">
+              <c16:uniqueId val="{00000004-C48F-471E-B464-67421451E898}"/>
+            </c:ext>
+          </c:extLst>
+        </c:ser>
+        <c:dLbls>
+          <c:showLegendKey val="0"/>
+          <c:showVal val="0"/>
+          <c:showCatName val="0"/>
+          <c:showSerName val="0"/>
+          <c:showPercent val="0"/>
+          <c:showBubbleSize val="0"/>
+        </c:dLbls>
+        <c:axId val="2059771456"/>
+        <c:axId val="1823062976"/>
+      </c:scatterChart>
+      <c:valAx>
+        <c:axId val="2059771456"/>
+        <c:scaling>
+          <c:orientation val="minMax"/>
+          <c:min val="-9.5"/>
+        </c:scaling>
+        <c:delete val="0"/>
+        <c:axPos val="b"/>
+        <c:majorGridlines>
+          <c:spPr>
+            <a:ln w="9525" cap="flat" cmpd="sng" algn="ctr">
+              <a:solidFill>
+                <a:schemeClr val="tx2">
+                  <a:lumMod val="15000"/>
+                  <a:lumOff val="85000"/>
+                </a:schemeClr>
+              </a:solidFill>
+              <a:round/>
+            </a:ln>
+            <a:effectLst/>
+          </c:spPr>
+        </c:majorGridlines>
+        <c:title>
+          <c:tx>
+            <c:rich>
+              <a:bodyPr rot="0" spcFirstLastPara="1" vertOverflow="ellipsis" vert="horz" wrap="square" anchor="ctr" anchorCtr="1"/>
+              <a:lstStyle/>
+              <a:p>
+                <a:pPr>
+                  <a:defRPr sz="1600" b="1" i="0" u="none" strike="noStrike" kern="1200" baseline="0">
+                    <a:solidFill>
+                      <a:schemeClr val="tx2"/>
+                    </a:solidFill>
+                    <a:latin typeface="+mn-lt"/>
+                    <a:ea typeface="+mn-ea"/>
+                    <a:cs typeface="+mn-cs"/>
+                  </a:defRPr>
+                </a:pPr>
+                <a:r>
+                  <a:rPr lang="en-US" sz="1600" i="1"/>
+                  <a:t>V</a:t>
+                </a:r>
+                <a:r>
+                  <a:rPr lang="en-US" sz="1600" baseline="-25000"/>
+                  <a:t>R</a:t>
+                </a:r>
+                <a:r>
+                  <a:rPr lang="en-US" sz="1600"/>
+                  <a:t>/V</a:t>
+                </a:r>
+              </a:p>
+            </c:rich>
+          </c:tx>
+          <c:layout>
+            <c:manualLayout>
+              <c:xMode val="edge"/>
+              <c:yMode val="edge"/>
+              <c:x val="0.48202737197449053"/>
+              <c:y val="0.91349385674616757"/>
+            </c:manualLayout>
+          </c:layout>
+          <c:overlay val="0"/>
+          <c:spPr>
+            <a:noFill/>
+            <a:ln>
+              <a:noFill/>
+            </a:ln>
+            <a:effectLst/>
+          </c:spPr>
+          <c:txPr>
+            <a:bodyPr rot="0" spcFirstLastPara="1" vertOverflow="ellipsis" vert="horz" wrap="square" anchor="ctr" anchorCtr="1"/>
+            <a:lstStyle/>
+            <a:p>
+              <a:pPr>
+                <a:defRPr sz="1600" b="1" i="0" u="none" strike="noStrike" kern="1200" baseline="0">
+                  <a:solidFill>
+                    <a:schemeClr val="tx2"/>
+                  </a:solidFill>
+                  <a:latin typeface="+mn-lt"/>
+                  <a:ea typeface="+mn-ea"/>
+                  <a:cs typeface="+mn-cs"/>
+                </a:defRPr>
+              </a:pPr>
+              <a:endParaRPr lang="en-US"/>
+            </a:p>
+          </c:txPr>
+        </c:title>
+        <c:numFmt formatCode="General" sourceLinked="1"/>
+        <c:majorTickMark val="none"/>
+        <c:minorTickMark val="none"/>
+        <c:tickLblPos val="low"/>
+        <c:spPr>
+          <a:noFill/>
+          <a:ln w="9525" cap="flat" cmpd="sng" algn="ctr">
+            <a:solidFill>
+              <a:schemeClr val="tx2">
+                <a:lumMod val="15000"/>
+                <a:lumOff val="85000"/>
+              </a:schemeClr>
+            </a:solidFill>
+            <a:round/>
+          </a:ln>
+          <a:effectLst/>
+        </c:spPr>
+        <c:txPr>
+          <a:bodyPr rot="-60000000" spcFirstLastPara="1" vertOverflow="ellipsis" vert="horz" wrap="square" anchor="ctr" anchorCtr="1"/>
+          <a:lstStyle/>
+          <a:p>
+            <a:pPr>
+              <a:defRPr sz="900" b="0" i="0" u="none" strike="noStrike" kern="1200" baseline="0">
+                <a:solidFill>
+                  <a:schemeClr val="tx2"/>
+                </a:solidFill>
+                <a:latin typeface="+mn-lt"/>
+                <a:ea typeface="+mn-ea"/>
+                <a:cs typeface="+mn-cs"/>
+              </a:defRPr>
+            </a:pPr>
+            <a:endParaRPr lang="en-US"/>
+          </a:p>
+        </c:txPr>
+        <c:crossAx val="1823062976"/>
+        <c:crosses val="autoZero"/>
+        <c:crossBetween val="midCat"/>
+      </c:valAx>
+      <c:valAx>
+        <c:axId val="1823062976"/>
+        <c:scaling>
+          <c:orientation val="minMax"/>
+        </c:scaling>
+        <c:delete val="0"/>
+        <c:axPos val="l"/>
+        <c:majorGridlines>
+          <c:spPr>
+            <a:ln w="9525" cap="flat" cmpd="sng" algn="ctr">
+              <a:solidFill>
+                <a:schemeClr val="tx2">
+                  <a:lumMod val="15000"/>
+                  <a:lumOff val="85000"/>
+                </a:schemeClr>
+              </a:solidFill>
+              <a:round/>
+            </a:ln>
+            <a:effectLst/>
+          </c:spPr>
+        </c:majorGridlines>
+        <c:title>
+          <c:tx>
+            <c:rich>
+              <a:bodyPr rot="-5400000" spcFirstLastPara="1" vertOverflow="ellipsis" vert="horz" wrap="square" anchor="ctr" anchorCtr="1"/>
+              <a:lstStyle/>
+              <a:p>
+                <a:pPr>
+                  <a:defRPr sz="1400" b="1" i="0" u="none" strike="noStrike" kern="1200" baseline="0">
+                    <a:solidFill>
+                      <a:schemeClr val="tx2"/>
+                    </a:solidFill>
+                    <a:latin typeface="+mn-lt"/>
+                    <a:ea typeface="+mn-ea"/>
+                    <a:cs typeface="+mn-cs"/>
+                  </a:defRPr>
+                </a:pPr>
+                <a:r>
+                  <a:rPr lang="en-US" altLang="zh-CN" sz="1400"/>
+                  <a:t>Δφ/°</a:t>
+                </a:r>
+                <a:endParaRPr lang="en-US" sz="1400"/>
+              </a:p>
+            </c:rich>
+          </c:tx>
+          <c:layout>
+            <c:manualLayout>
+              <c:xMode val="edge"/>
+              <c:yMode val="edge"/>
+              <c:x val="1.7599436818021823E-3"/>
+              <c:y val="0.37805774278215221"/>
+            </c:manualLayout>
+          </c:layout>
+          <c:overlay val="0"/>
+          <c:spPr>
+            <a:noFill/>
+            <a:ln>
+              <a:noFill/>
+            </a:ln>
+            <a:effectLst/>
+          </c:spPr>
+          <c:txPr>
+            <a:bodyPr rot="-5400000" spcFirstLastPara="1" vertOverflow="ellipsis" vert="horz" wrap="square" anchor="ctr" anchorCtr="1"/>
+            <a:lstStyle/>
+            <a:p>
+              <a:pPr>
+                <a:defRPr sz="1400" b="1" i="0" u="none" strike="noStrike" kern="1200" baseline="0">
+                  <a:solidFill>
+                    <a:schemeClr val="tx2"/>
+                  </a:solidFill>
+                  <a:latin typeface="+mn-lt"/>
+                  <a:ea typeface="+mn-ea"/>
+                  <a:cs typeface="+mn-cs"/>
+                </a:defRPr>
+              </a:pPr>
+              <a:endParaRPr lang="en-US"/>
+            </a:p>
+          </c:txPr>
+        </c:title>
+        <c:numFmt formatCode="General" sourceLinked="1"/>
+        <c:majorTickMark val="none"/>
+        <c:minorTickMark val="none"/>
+        <c:tickLblPos val="low"/>
+        <c:spPr>
+          <a:noFill/>
+          <a:ln>
+            <a:solidFill>
+              <a:schemeClr val="tx2">
+                <a:lumMod val="40000"/>
+                <a:lumOff val="60000"/>
+              </a:schemeClr>
+            </a:solidFill>
+          </a:ln>
+          <a:effectLst/>
+        </c:spPr>
+        <c:txPr>
+          <a:bodyPr rot="-60000000" spcFirstLastPara="1" vertOverflow="ellipsis" vert="horz" wrap="square" anchor="ctr" anchorCtr="1"/>
+          <a:lstStyle/>
+          <a:p>
+            <a:pPr>
+              <a:defRPr sz="900" b="0" i="0" u="none" strike="noStrike" kern="1200" baseline="0">
+                <a:solidFill>
+                  <a:schemeClr val="tx2"/>
+                </a:solidFill>
+                <a:latin typeface="+mn-lt"/>
+                <a:ea typeface="+mn-ea"/>
+                <a:cs typeface="+mn-cs"/>
+              </a:defRPr>
+            </a:pPr>
+            <a:endParaRPr lang="en-US"/>
+          </a:p>
+        </c:txPr>
+        <c:crossAx val="2059771456"/>
+        <c:crosses val="autoZero"/>
+        <c:crossBetween val="midCat"/>
+        <c:majorUnit val="2"/>
+      </c:valAx>
+      <c:spPr>
+        <a:noFill/>
+        <a:ln>
+          <a:noFill/>
+        </a:ln>
+        <a:effectLst/>
+      </c:spPr>
+    </c:plotArea>
+    <c:legend>
+      <c:legendPos val="b"/>
+      <c:layout>
+        <c:manualLayout>
+          <c:xMode val="edge"/>
+          <c:yMode val="edge"/>
+          <c:x val="0.6226942659094753"/>
+          <c:y val="0.92954873394448878"/>
+          <c:w val="0.36003209472100045"/>
+          <c:h val="5.4348206474190731E-2"/>
+        </c:manualLayout>
+      </c:layout>
+      <c:overlay val="0"/>
+      <c:spPr>
+        <a:noFill/>
+        <a:ln>
+          <a:noFill/>
+        </a:ln>
+        <a:effectLst/>
+      </c:spPr>
+      <c:txPr>
+        <a:bodyPr rot="0" spcFirstLastPara="1" vertOverflow="ellipsis" vert="horz" wrap="square" anchor="ctr" anchorCtr="1"/>
+        <a:lstStyle/>
+        <a:p>
+          <a:pPr>
+            <a:defRPr sz="900" b="0" i="0" u="none" strike="noStrike" kern="1200" baseline="0">
+              <a:solidFill>
+                <a:schemeClr val="tx2"/>
+              </a:solidFill>
+              <a:latin typeface="+mn-lt"/>
+              <a:ea typeface="+mn-ea"/>
+              <a:cs typeface="+mn-cs"/>
+            </a:defRPr>
+          </a:pPr>
+          <a:endParaRPr lang="en-US"/>
+        </a:p>
+      </c:txPr>
+    </c:legend>
+    <c:plotVisOnly val="1"/>
+    <c:dispBlanksAs val="gap"/>
+    <c:extLst>
+      <c:ext xmlns:c16r3="http://schemas.microsoft.com/office/drawing/2017/03/chart" uri="{56B9EC1D-385E-4148-901F-78D8002777C0}">
+        <c16r3:dataDisplayOptions16>
+          <c16r3:dispNaAsBlank val="1"/>
+        </c16r3:dataDisplayOptions16>
+      </c:ext>
+    </c:extLst>
+    <c:showDLblsOverMax val="0"/>
+  </c:chart>
+  <c:spPr>
+    <a:noFill/>
+    <a:ln>
+      <a:noFill/>
+    </a:ln>
+    <a:effectLst/>
+  </c:spPr>
+  <c:txPr>
+    <a:bodyPr/>
+    <a:lstStyle/>
+    <a:p>
+      <a:pPr>
+        <a:defRPr/>
+      </a:pPr>
+      <a:endParaRPr lang="en-US"/>
+    </a:p>
+  </c:txPr>
+  <c:externalData r:id="rId3">
+    <c:autoUpdate val="0"/>
+  </c:externalData>
+</c:chartSpace>
+</file>
+
+<file path=ppt/charts/colors1.xml><?xml version="1.0" encoding="utf-8"?>
+<cs:colorStyle xmlns:cs="http://schemas.microsoft.com/office/drawing/2012/chartStyle" xmlns:a="http://schemas.openxmlformats.org/drawingml/2006/main" meth="cycle" id="10">
+  <a:schemeClr val="accent1"/>
+  <a:schemeClr val="accent2"/>
+  <a:schemeClr val="accent3"/>
+  <a:schemeClr val="accent4"/>
+  <a:schemeClr val="accent5"/>
+  <a:schemeClr val="accent6"/>
+  <cs:variation/>
+  <cs:variation>
+    <a:lumMod val="60000"/>
+  </cs:variation>
+  <cs:variation>
+    <a:lumMod val="80000"/>
+    <a:lumOff val="20000"/>
+  </cs:variation>
+  <cs:variation>
+    <a:lumMod val="80000"/>
+  </cs:variation>
+  <cs:variation>
+    <a:lumMod val="60000"/>
+    <a:lumOff val="40000"/>
+  </cs:variation>
+  <cs:variation>
+    <a:lumMod val="50000"/>
+  </cs:variation>
+  <cs:variation>
+    <a:lumMod val="70000"/>
+    <a:lumOff val="30000"/>
+  </cs:variation>
+  <cs:variation>
+    <a:lumMod val="70000"/>
+  </cs:variation>
+  <cs:variation>
+    <a:lumMod val="50000"/>
+    <a:lumOff val="50000"/>
+  </cs:variation>
+</cs:colorStyle>
+</file>
+
+<file path=ppt/charts/style1.xml><?xml version="1.0" encoding="utf-8"?>
+<cs:chartStyle xmlns:cs="http://schemas.microsoft.com/office/drawing/2012/chartStyle" xmlns:a="http://schemas.openxmlformats.org/drawingml/2006/main" id="242">
+  <cs:axisTitle>
+    <cs:lnRef idx="0"/>
+    <cs:fillRef idx="0"/>
+    <cs:effectRef idx="0"/>
+    <cs:fontRef idx="minor">
+      <a:schemeClr val="tx2"/>
+    </cs:fontRef>
+    <cs:defRPr sz="900" b="1" kern="1200"/>
+  </cs:axisTitle>
+  <cs:categoryAxis>
+    <cs:lnRef idx="0"/>
+    <cs:fillRef idx="0"/>
+    <cs:effectRef idx="0"/>
+    <cs:fontRef idx="minor">
+      <a:schemeClr val="tx2"/>
+    </cs:fontRef>
+    <cs:spPr>
+      <a:ln w="9525" cap="flat" cmpd="sng" algn="ctr">
+        <a:solidFill>
+          <a:schemeClr val="tx2">
+            <a:lumMod val="15000"/>
+            <a:lumOff val="85000"/>
+          </a:schemeClr>
+        </a:solidFill>
+        <a:round/>
+      </a:ln>
+    </cs:spPr>
+    <cs:defRPr sz="900" kern="1200"/>
+  </cs:categoryAxis>
+  <cs:chartArea mods="allowNoFillOverride allowNoLineOverride">
+    <cs:lnRef idx="0"/>
+    <cs:fillRef idx="0"/>
+    <cs:effectRef idx="0"/>
+    <cs:fontRef idx="minor">
+      <a:schemeClr val="tx2"/>
+    </cs:fontRef>
+    <cs:spPr>
+      <a:solidFill>
+        <a:schemeClr val="bg1"/>
+      </a:solidFill>
+      <a:ln w="9525" cap="flat" cmpd="sng" algn="ctr">
+        <a:solidFill>
+          <a:schemeClr val="tx2">
+            <a:lumMod val="15000"/>
+            <a:lumOff val="85000"/>
+          </a:schemeClr>
+        </a:solidFill>
+        <a:round/>
+      </a:ln>
+    </cs:spPr>
+    <cs:defRPr sz="900" kern="1200"/>
+  </cs:chartArea>
+  <cs:dataLabel>
+    <cs:lnRef idx="0"/>
+    <cs:fillRef idx="0"/>
+    <cs:effectRef idx="0"/>
+    <cs:fontRef idx="minor">
+      <a:schemeClr val="tx2"/>
+    </cs:fontRef>
+    <cs:defRPr sz="900" kern="1200"/>
+  </cs:dataLabel>
+  <cs:dataLabelCallout>
+    <cs:lnRef idx="0"/>
+    <cs:fillRef idx="0"/>
+    <cs:effectRef idx="0"/>
+    <cs:fontRef idx="minor">
+      <a:schemeClr val="dk2">
+        <a:lumMod val="75000"/>
+      </a:schemeClr>
+    </cs:fontRef>
+    <cs:spPr>
+      <a:solidFill>
+        <a:schemeClr val="lt1"/>
+      </a:solidFill>
+      <a:ln>
+        <a:solidFill>
+          <a:schemeClr val="dk1">
+            <a:lumMod val="25000"/>
+            <a:lumOff val="75000"/>
+          </a:schemeClr>
+        </a:solidFill>
+      </a:ln>
+    </cs:spPr>
+    <cs:defRPr sz="900" kern="1200"/>
+    <cs:bodyPr rot="0" spcFirstLastPara="1" vertOverflow="clip" horzOverflow="clip" vert="horz" wrap="square" lIns="36576" tIns="18288" rIns="36576" bIns="18288" anchor="ctr" anchorCtr="1">
+      <a:spAutoFit/>
+    </cs:bodyPr>
+  </cs:dataLabelCallout>
+  <cs:dataPoint>
+    <cs:lnRef idx="0"/>
+    <cs:fillRef idx="3">
+      <cs:styleClr val="auto"/>
+    </cs:fillRef>
+    <cs:effectRef idx="2"/>
+    <cs:fontRef idx="minor">
+      <a:schemeClr val="tx2"/>
+    </cs:fontRef>
+  </cs:dataPoint>
+  <cs:dataPoint3D>
+    <cs:lnRef idx="0"/>
+    <cs:fillRef idx="3">
+      <cs:styleClr val="auto"/>
+    </cs:fillRef>
+    <cs:effectRef idx="2"/>
+    <cs:fontRef idx="minor">
+      <a:schemeClr val="tx2"/>
+    </cs:fontRef>
+  </cs:dataPoint3D>
+  <cs:dataPointLine>
+    <cs:lnRef idx="0">
+      <cs:styleClr val="auto"/>
+    </cs:lnRef>
+    <cs:fillRef idx="3"/>
+    <cs:effectRef idx="2"/>
+    <cs:fontRef idx="minor">
+      <a:schemeClr val="tx2"/>
+    </cs:fontRef>
+    <cs:spPr>
+      <a:ln w="9525" cap="rnd">
+        <a:solidFill>
+          <a:schemeClr val="phClr"/>
+        </a:solidFill>
+        <a:round/>
+      </a:ln>
+    </cs:spPr>
+  </cs:dataPointLine>
+  <cs:dataPointMarker>
+    <cs:lnRef idx="0">
+      <cs:styleClr val="auto"/>
+    </cs:lnRef>
+    <cs:fillRef idx="3">
+      <cs:styleClr val="auto"/>
+    </cs:fillRef>
+    <cs:effectRef idx="2"/>
+    <cs:fontRef idx="minor">
+      <a:schemeClr val="tx2"/>
+    </cs:fontRef>
+    <cs:spPr>
+      <a:ln w="9525">
+        <a:solidFill>
+          <a:schemeClr val="phClr"/>
+        </a:solidFill>
+        <a:round/>
+      </a:ln>
+    </cs:spPr>
+  </cs:dataPointMarker>
+  <cs:dataPointMarkerLayout symbol="circle" size="5"/>
+  <cs:dataPointWireframe>
+    <cs:lnRef idx="0">
+      <cs:styleClr val="auto"/>
+    </cs:lnRef>
+    <cs:fillRef idx="3"/>
+    <cs:effectRef idx="2"/>
+    <cs:fontRef idx="minor">
+      <a:schemeClr val="tx2"/>
+    </cs:fontRef>
+    <cs:spPr>
+      <a:ln w="9525" cap="rnd">
+        <a:solidFill>
+          <a:schemeClr val="phClr"/>
+        </a:solidFill>
+        <a:round/>
+      </a:ln>
+    </cs:spPr>
+  </cs:dataPointWireframe>
+  <cs:dataTable>
+    <cs:lnRef idx="0"/>
+    <cs:fillRef idx="0"/>
+    <cs:effectRef idx="0"/>
+    <cs:fontRef idx="minor">
+      <a:schemeClr val="tx2"/>
+    </cs:fontRef>
+    <cs:spPr>
+      <a:ln w="9525">
+        <a:solidFill>
+          <a:schemeClr val="tx2">
+            <a:lumMod val="15000"/>
+            <a:lumOff val="85000"/>
+          </a:schemeClr>
+        </a:solidFill>
+      </a:ln>
+    </cs:spPr>
+    <cs:defRPr sz="900" kern="1200"/>
+  </cs:dataTable>
+  <cs:downBar>
+    <cs:lnRef idx="0"/>
+    <cs:fillRef idx="0"/>
+    <cs:effectRef idx="0"/>
+    <cs:fontRef idx="minor">
+      <a:schemeClr val="dk1"/>
+    </cs:fontRef>
+    <cs:spPr>
+      <a:solidFill>
+        <a:schemeClr val="dk1">
+          <a:lumMod val="65000"/>
+          <a:lumOff val="35000"/>
+        </a:schemeClr>
+      </a:solidFill>
+      <a:ln w="9525">
+        <a:solidFill>
+          <a:schemeClr val="tx1">
+            <a:lumMod val="65000"/>
+            <a:lumOff val="35000"/>
+          </a:schemeClr>
+        </a:solidFill>
+      </a:ln>
+    </cs:spPr>
+  </cs:downBar>
+  <cs:dropLine>
+    <cs:lnRef idx="0"/>
+    <cs:fillRef idx="0"/>
+    <cs:effectRef idx="0"/>
+    <cs:fontRef idx="minor">
+      <a:schemeClr val="tx2"/>
+    </cs:fontRef>
+    <cs:spPr>
+      <a:ln w="9525">
+        <a:solidFill>
+          <a:schemeClr val="tx2">
+            <a:lumMod val="60000"/>
+            <a:lumOff val="40000"/>
+          </a:schemeClr>
+        </a:solidFill>
+        <a:prstDash val="dash"/>
+      </a:ln>
+    </cs:spPr>
+  </cs:dropLine>
+  <cs:errorBar>
+    <cs:lnRef idx="0"/>
+    <cs:fillRef idx="0"/>
+    <cs:effectRef idx="0"/>
+    <cs:fontRef idx="minor">
+      <a:schemeClr val="tx2"/>
+    </cs:fontRef>
+    <cs:spPr>
+      <a:ln w="9525">
+        <a:solidFill>
+          <a:schemeClr val="tx2">
+            <a:lumMod val="75000"/>
+          </a:schemeClr>
+        </a:solidFill>
+        <a:round/>
+      </a:ln>
+    </cs:spPr>
+  </cs:errorBar>
+  <cs:floor>
+    <cs:lnRef idx="0"/>
+    <cs:fillRef idx="0"/>
+    <cs:effectRef idx="0"/>
+    <cs:fontRef idx="minor">
+      <a:schemeClr val="tx2"/>
+    </cs:fontRef>
+  </cs:floor>
+  <cs:gridlineMajor>
+    <cs:lnRef idx="0"/>
+    <cs:fillRef idx="0"/>
+    <cs:effectRef idx="0"/>
+    <cs:fontRef idx="minor">
+      <a:schemeClr val="tx2"/>
+    </cs:fontRef>
+    <cs:spPr>
+      <a:ln w="9525" cap="flat" cmpd="sng" algn="ctr">
+        <a:solidFill>
+          <a:schemeClr val="tx2">
+            <a:lumMod val="15000"/>
+            <a:lumOff val="85000"/>
+          </a:schemeClr>
+        </a:solidFill>
+        <a:round/>
+      </a:ln>
+    </cs:spPr>
+  </cs:gridlineMajor>
+  <cs:gridlineMinor>
+    <cs:lnRef idx="0"/>
+    <cs:fillRef idx="0"/>
+    <cs:effectRef idx="0"/>
+    <cs:fontRef idx="minor">
+      <a:schemeClr val="tx2"/>
+    </cs:fontRef>
+    <cs:spPr>
+      <a:ln>
+        <a:solidFill>
+          <a:schemeClr val="tx2">
+            <a:lumMod val="5000"/>
+            <a:lumOff val="95000"/>
+          </a:schemeClr>
+        </a:solidFill>
+      </a:ln>
+    </cs:spPr>
+  </cs:gridlineMinor>
+  <cs:hiLoLine>
+    <cs:lnRef idx="0"/>
+    <cs:fillRef idx="0"/>
+    <cs:effectRef idx="0"/>
+    <cs:fontRef idx="minor">
+      <a:schemeClr val="tx2"/>
+    </cs:fontRef>
+    <cs:spPr>
+      <a:ln w="9525">
+        <a:solidFill>
+          <a:schemeClr val="tx2">
+            <a:lumMod val="60000"/>
+            <a:lumOff val="40000"/>
+          </a:schemeClr>
+        </a:solidFill>
+        <a:prstDash val="dash"/>
+      </a:ln>
+    </cs:spPr>
+  </cs:hiLoLine>
+  <cs:leaderLine>
+    <cs:lnRef idx="0"/>
+    <cs:fillRef idx="0"/>
+    <cs:effectRef idx="0"/>
+    <cs:fontRef idx="minor">
+      <a:schemeClr val="tx2"/>
+    </cs:fontRef>
+    <cs:spPr>
+      <a:ln w="9525">
+        <a:solidFill>
+          <a:schemeClr val="tx2">
+            <a:lumMod val="35000"/>
+            <a:lumOff val="65000"/>
+          </a:schemeClr>
+        </a:solidFill>
+      </a:ln>
+    </cs:spPr>
+  </cs:leaderLine>
+  <cs:legend>
+    <cs:lnRef idx="0"/>
+    <cs:fillRef idx="0"/>
+    <cs:effectRef idx="0"/>
+    <cs:fontRef idx="minor">
+      <a:schemeClr val="tx2"/>
+    </cs:fontRef>
+    <cs:defRPr sz="900" kern="1200"/>
+  </cs:legend>
+  <cs:plotArea>
+    <cs:lnRef idx="0"/>
+    <cs:fillRef idx="0"/>
+    <cs:effectRef idx="0"/>
+    <cs:fontRef idx="minor">
+      <a:schemeClr val="tx2"/>
+    </cs:fontRef>
+  </cs:plotArea>
+  <cs:plotArea3D>
+    <cs:lnRef idx="0"/>
+    <cs:fillRef idx="0"/>
+    <cs:effectRef idx="0"/>
+    <cs:fontRef idx="minor">
+      <a:schemeClr val="tx2"/>
+    </cs:fontRef>
+  </cs:plotArea3D>
+  <cs:seriesAxis>
+    <cs:lnRef idx="0"/>
+    <cs:fillRef idx="0"/>
+    <cs:effectRef idx="0"/>
+    <cs:fontRef idx="minor">
+      <a:schemeClr val="tx2"/>
+    </cs:fontRef>
+    <cs:spPr>
+      <a:ln w="9525" cap="flat" cmpd="sng" algn="ctr">
+        <a:solidFill>
+          <a:schemeClr val="tx2">
+            <a:lumMod val="15000"/>
+            <a:lumOff val="85000"/>
+          </a:schemeClr>
+        </a:solidFill>
+        <a:round/>
+      </a:ln>
+    </cs:spPr>
+    <cs:defRPr sz="900" kern="1200"/>
+  </cs:seriesAxis>
+  <cs:seriesLine>
+    <cs:lnRef idx="0"/>
+    <cs:fillRef idx="0"/>
+    <cs:effectRef idx="0"/>
+    <cs:fontRef idx="minor">
+      <a:schemeClr val="tx2"/>
+    </cs:fontRef>
+    <cs:spPr>
+      <a:ln w="9525">
+        <a:solidFill>
+          <a:schemeClr val="tx2">
+            <a:lumMod val="60000"/>
+            <a:lumOff val="40000"/>
+          </a:schemeClr>
+        </a:solidFill>
+        <a:prstDash val="dash"/>
+      </a:ln>
+    </cs:spPr>
+  </cs:seriesLine>
+  <cs:title>
+    <cs:lnRef idx="0"/>
+    <cs:fillRef idx="0"/>
+    <cs:effectRef idx="0"/>
+    <cs:fontRef idx="minor">
+      <a:schemeClr val="tx2"/>
+    </cs:fontRef>
+    <cs:defRPr sz="1600" b="1" kern="1200"/>
+  </cs:title>
+  <cs:trendline>
+    <cs:lnRef idx="0">
+      <cs:styleClr val="auto"/>
+    </cs:lnRef>
+    <cs:fillRef idx="0"/>
+    <cs:effectRef idx="0"/>
+    <cs:fontRef idx="minor">
+      <a:schemeClr val="tx2"/>
+    </cs:fontRef>
+    <cs:spPr>
+      <a:ln w="9525" cap="rnd">
+        <a:solidFill>
+          <a:schemeClr val="phClr"/>
+        </a:solidFill>
+      </a:ln>
+    </cs:spPr>
+  </cs:trendline>
+  <cs:trendlineLabel>
+    <cs:lnRef idx="0"/>
+    <cs:fillRef idx="0"/>
+    <cs:effectRef idx="0"/>
+    <cs:fontRef idx="minor">
+      <a:schemeClr val="tx2"/>
+    </cs:fontRef>
+    <cs:defRPr sz="900" kern="1200"/>
+  </cs:trendlineLabel>
+  <cs:upBar>
+    <cs:lnRef idx="0"/>
+    <cs:fillRef idx="0"/>
+    <cs:effectRef idx="0"/>
+    <cs:fontRef idx="minor">
+      <a:schemeClr val="tx2"/>
+    </cs:fontRef>
+    <cs:spPr>
+      <a:solidFill>
+        <a:schemeClr val="lt1"/>
+      </a:solidFill>
+      <a:ln w="9525">
+        <a:solidFill>
+          <a:schemeClr val="tx1">
+            <a:lumMod val="15000"/>
+            <a:lumOff val="85000"/>
+          </a:schemeClr>
+        </a:solidFill>
+      </a:ln>
+    </cs:spPr>
+  </cs:upBar>
+  <cs:valueAxis>
+    <cs:lnRef idx="0"/>
+    <cs:fillRef idx="0"/>
+    <cs:effectRef idx="0"/>
+    <cs:fontRef idx="minor">
+      <a:schemeClr val="tx2"/>
+    </cs:fontRef>
+    <cs:spPr>
+      <a:ln>
+        <a:solidFill>
+          <a:schemeClr val="tx2">
+            <a:lumMod val="40000"/>
+            <a:lumOff val="60000"/>
+          </a:schemeClr>
+        </a:solidFill>
+      </a:ln>
+    </cs:spPr>
+    <cs:defRPr sz="900" kern="1200"/>
+  </cs:valueAxis>
+  <cs:wall>
+    <cs:lnRef idx="0"/>
+    <cs:fillRef idx="0"/>
+    <cs:effectRef idx="0"/>
+    <cs:fontRef idx="minor">
+      <a:schemeClr val="tx2"/>
+    </cs:fontRef>
+  </cs:wall>
+</cs:chartStyle>
+</file>
+
 <file path=ppt/notesMasters/notesMaster1.xml><?xml version="1.0" encoding="utf-8"?>
 <p:notesMaster xmlns:a="http://schemas.openxmlformats.org/drawingml/2006/main" xmlns:r="http://schemas.openxmlformats.org/officeDocument/2006/relationships" xmlns:p="http://schemas.openxmlformats.org/presentationml/2006/main">
   <p:cSld>
@@ -215,7 +2041,7 @@
           <a:p>
             <a:fld id="{856DD98A-0F4A-4E02-9041-88828D2A188E}" type="datetimeFigureOut">
               <a:rPr lang="en-US" smtClean="0"/>
-              <a:t>12/18/2020</a:t>
+              <a:t>3/22/2021</a:t>
             </a:fld>
             <a:endParaRPr lang="en-US"/>
           </a:p>
@@ -713,7 +2539,7 @@
           <a:p>
             <a:fld id="{D7B72F7F-CFB7-4A83-8C76-24DBCEAD790B}" type="datetimeFigureOut">
               <a:rPr lang="en-US" smtClean="0"/>
-              <a:t>12/18/2020</a:t>
+              <a:t>3/22/2021</a:t>
             </a:fld>
             <a:endParaRPr lang="en-US"/>
           </a:p>
@@ -911,7 +2737,7 @@
           <a:p>
             <a:fld id="{D7B72F7F-CFB7-4A83-8C76-24DBCEAD790B}" type="datetimeFigureOut">
               <a:rPr lang="en-US" smtClean="0"/>
-              <a:t>12/18/2020</a:t>
+              <a:t>3/22/2021</a:t>
             </a:fld>
             <a:endParaRPr lang="en-US"/>
           </a:p>
@@ -1119,7 +2945,7 @@
           <a:p>
             <a:fld id="{D7B72F7F-CFB7-4A83-8C76-24DBCEAD790B}" type="datetimeFigureOut">
               <a:rPr lang="en-US" smtClean="0"/>
-              <a:t>12/18/2020</a:t>
+              <a:t>3/22/2021</a:t>
             </a:fld>
             <a:endParaRPr lang="en-US"/>
           </a:p>
@@ -1317,7 +3143,7 @@
           <a:p>
             <a:fld id="{D7B72F7F-CFB7-4A83-8C76-24DBCEAD790B}" type="datetimeFigureOut">
               <a:rPr lang="en-US" smtClean="0"/>
-              <a:t>12/18/2020</a:t>
+              <a:t>3/22/2021</a:t>
             </a:fld>
             <a:endParaRPr lang="en-US"/>
           </a:p>
@@ -1592,7 +3418,7 @@
           <a:p>
             <a:fld id="{D7B72F7F-CFB7-4A83-8C76-24DBCEAD790B}" type="datetimeFigureOut">
               <a:rPr lang="en-US" smtClean="0"/>
-              <a:t>12/18/2020</a:t>
+              <a:t>3/22/2021</a:t>
             </a:fld>
             <a:endParaRPr lang="en-US"/>
           </a:p>
@@ -1857,7 +3683,7 @@
           <a:p>
             <a:fld id="{D7B72F7F-CFB7-4A83-8C76-24DBCEAD790B}" type="datetimeFigureOut">
               <a:rPr lang="en-US" smtClean="0"/>
-              <a:t>12/18/2020</a:t>
+              <a:t>3/22/2021</a:t>
             </a:fld>
             <a:endParaRPr lang="en-US"/>
           </a:p>
@@ -2269,7 +4095,7 @@
           <a:p>
             <a:fld id="{D7B72F7F-CFB7-4A83-8C76-24DBCEAD790B}" type="datetimeFigureOut">
               <a:rPr lang="en-US" smtClean="0"/>
-              <a:t>12/18/2020</a:t>
+              <a:t>3/22/2021</a:t>
             </a:fld>
             <a:endParaRPr lang="en-US"/>
           </a:p>
@@ -2410,7 +4236,7 @@
           <a:p>
             <a:fld id="{D7B72F7F-CFB7-4A83-8C76-24DBCEAD790B}" type="datetimeFigureOut">
               <a:rPr lang="en-US" smtClean="0"/>
-              <a:t>12/18/2020</a:t>
+              <a:t>3/22/2021</a:t>
             </a:fld>
             <a:endParaRPr lang="en-US"/>
           </a:p>
@@ -2523,7 +4349,7 @@
           <a:p>
             <a:fld id="{D7B72F7F-CFB7-4A83-8C76-24DBCEAD790B}" type="datetimeFigureOut">
               <a:rPr lang="en-US" smtClean="0"/>
-              <a:t>12/18/2020</a:t>
+              <a:t>3/22/2021</a:t>
             </a:fld>
             <a:endParaRPr lang="en-US"/>
           </a:p>
@@ -2834,7 +4660,7 @@
           <a:p>
             <a:fld id="{D7B72F7F-CFB7-4A83-8C76-24DBCEAD790B}" type="datetimeFigureOut">
               <a:rPr lang="en-US" smtClean="0"/>
-              <a:t>12/18/2020</a:t>
+              <a:t>3/22/2021</a:t>
             </a:fld>
             <a:endParaRPr lang="en-US"/>
           </a:p>
@@ -3122,7 +4948,7 @@
           <a:p>
             <a:fld id="{D7B72F7F-CFB7-4A83-8C76-24DBCEAD790B}" type="datetimeFigureOut">
               <a:rPr lang="en-US" smtClean="0"/>
-              <a:t>12/18/2020</a:t>
+              <a:t>3/22/2021</a:t>
             </a:fld>
             <a:endParaRPr lang="en-US"/>
           </a:p>
@@ -3363,7 +5189,7 @@
           <a:p>
             <a:fld id="{D7B72F7F-CFB7-4A83-8C76-24DBCEAD790B}" type="datetimeFigureOut">
               <a:rPr lang="en-US" smtClean="0"/>
-              <a:t>12/18/2020</a:t>
+              <a:t>3/22/2021</a:t>
             </a:fld>
             <a:endParaRPr lang="en-US"/>
           </a:p>
@@ -4955,6 +6781,142 @@
     <p:extLst>
       <p:ext uri="{BB962C8B-B14F-4D97-AF65-F5344CB8AC3E}">
         <p14:creationId xmlns:p14="http://schemas.microsoft.com/office/powerpoint/2010/main" val="161839967"/>
+      </p:ext>
+    </p:extLst>
+  </p:cSld>
+  <p:clrMapOvr>
+    <a:masterClrMapping/>
+  </p:clrMapOvr>
+</p:sld>
+</file>
+
+<file path=ppt/slides/slide10.xml><?xml version="1.0" encoding="utf-8"?>
+<p:sld xmlns:a="http://schemas.openxmlformats.org/drawingml/2006/main" xmlns:r="http://schemas.openxmlformats.org/officeDocument/2006/relationships" xmlns:p="http://schemas.openxmlformats.org/presentationml/2006/main">
+  <p:cSld>
+    <p:spTree>
+      <p:nvGrpSpPr>
+        <p:cNvPr id="1" name=""/>
+        <p:cNvGrpSpPr/>
+        <p:nvPr/>
+      </p:nvGrpSpPr>
+      <p:grpSpPr>
+        <a:xfrm>
+          <a:off x="0" y="0"/>
+          <a:ext cx="0" cy="0"/>
+          <a:chOff x="0" y="0"/>
+          <a:chExt cx="0" cy="0"/>
+        </a:xfrm>
+      </p:grpSpPr>
+      <p:sp>
+        <p:nvSpPr>
+          <p:cNvPr id="2" name="Title 1">
+            <a:extLst>
+              <a:ext uri="{FF2B5EF4-FFF2-40B4-BE49-F238E27FC236}">
+                <a16:creationId xmlns:a16="http://schemas.microsoft.com/office/drawing/2014/main" id="{7D0ABB3B-A268-479F-A049-36C3B745607B}"/>
+              </a:ext>
+            </a:extLst>
+          </p:cNvPr>
+          <p:cNvSpPr>
+            <a:spLocks noGrp="1"/>
+          </p:cNvSpPr>
+          <p:nvPr>
+            <p:ph type="title"/>
+          </p:nvPr>
+        </p:nvSpPr>
+        <p:spPr/>
+        <p:txBody>
+          <a:bodyPr/>
+          <a:lstStyle/>
+          <a:p>
+            <a:endParaRPr lang="en-US"/>
+          </a:p>
+        </p:txBody>
+      </p:sp>
+      <p:pic>
+        <p:nvPicPr>
+          <p:cNvPr id="5" name="Content Placeholder 4">
+            <a:extLst>
+              <a:ext uri="{FF2B5EF4-FFF2-40B4-BE49-F238E27FC236}">
+                <a16:creationId xmlns:a16="http://schemas.microsoft.com/office/drawing/2014/main" id="{3C46AC57-22FA-41C4-9170-451436801F57}"/>
+              </a:ext>
+            </a:extLst>
+          </p:cNvPr>
+          <p:cNvPicPr>
+            <a:picLocks noGrp="1" noChangeAspect="1"/>
+          </p:cNvPicPr>
+          <p:nvPr>
+            <p:ph idx="1"/>
+          </p:nvPr>
+        </p:nvPicPr>
+        <p:blipFill>
+          <a:blip r:embed="rId2">
+            <a:extLst>
+              <a:ext uri="{28A0092B-C50C-407E-A947-70E740481C1C}">
+                <a14:useLocalDpi xmlns:a14="http://schemas.microsoft.com/office/drawing/2010/main" val="0"/>
+              </a:ext>
+            </a:extLst>
+          </a:blip>
+          <a:stretch>
+            <a:fillRect/>
+          </a:stretch>
+        </p:blipFill>
+        <p:spPr>
+          <a:xfrm rot="16200000">
+            <a:off x="2737491" y="-310493"/>
+            <a:ext cx="6842898" cy="9123865"/>
+          </a:xfrm>
+        </p:spPr>
+      </p:pic>
+      <p:pic>
+        <p:nvPicPr>
+          <p:cNvPr id="7" name="Picture 6">
+            <a:extLst>
+              <a:ext uri="{FF2B5EF4-FFF2-40B4-BE49-F238E27FC236}">
+                <a16:creationId xmlns:a16="http://schemas.microsoft.com/office/drawing/2014/main" id="{D0ADA3AB-8528-4CF3-BDB6-EE4D4F33398D}"/>
+              </a:ext>
+            </a:extLst>
+          </p:cNvPr>
+          <p:cNvPicPr>
+            <a:picLocks noChangeAspect="1"/>
+          </p:cNvPicPr>
+          <p:nvPr/>
+        </p:nvPicPr>
+        <p:blipFill>
+          <a:blip r:embed="rId3">
+            <a:clrChange>
+              <a:clrFrom>
+                <a:srgbClr val="FFFFFF"/>
+              </a:clrFrom>
+              <a:clrTo>
+                <a:srgbClr val="FFFFFF">
+                  <a:alpha val="0"/>
+                </a:srgbClr>
+              </a:clrTo>
+            </a:clrChange>
+            <a:extLst>
+              <a:ext uri="{28A0092B-C50C-407E-A947-70E740481C1C}">
+                <a14:useLocalDpi xmlns:a14="http://schemas.microsoft.com/office/drawing/2010/main" val="0"/>
+              </a:ext>
+            </a:extLst>
+          </a:blip>
+          <a:stretch>
+            <a:fillRect/>
+          </a:stretch>
+        </p:blipFill>
+        <p:spPr>
+          <a:xfrm>
+            <a:off x="2076072" y="1027906"/>
+            <a:ext cx="8437655" cy="6652292"/>
+          </a:xfrm>
+          <a:prstGeom prst="rect">
+            <a:avLst/>
+          </a:prstGeom>
+        </p:spPr>
+      </p:pic>
+    </p:spTree>
+    <p:extLst>
+      <p:ext uri="{BB962C8B-B14F-4D97-AF65-F5344CB8AC3E}">
+        <p14:creationId xmlns:p14="http://schemas.microsoft.com/office/powerpoint/2010/main" val="901291311"/>
       </p:ext>
     </p:extLst>
   </p:cSld>
@@ -12734,6 +14696,91 @@
 </p:sld>
 </file>
 
+<file path=ppt/slides/slide9.xml><?xml version="1.0" encoding="utf-8"?>
+<p:sld xmlns:a="http://schemas.openxmlformats.org/drawingml/2006/main" xmlns:r="http://schemas.openxmlformats.org/officeDocument/2006/relationships" xmlns:p="http://schemas.openxmlformats.org/presentationml/2006/main">
+  <p:cSld>
+    <p:spTree>
+      <p:nvGrpSpPr>
+        <p:cNvPr id="1" name=""/>
+        <p:cNvGrpSpPr/>
+        <p:nvPr/>
+      </p:nvGrpSpPr>
+      <p:grpSpPr>
+        <a:xfrm>
+          <a:off x="0" y="0"/>
+          <a:ext cx="0" cy="0"/>
+          <a:chOff x="0" y="0"/>
+          <a:chExt cx="0" cy="0"/>
+        </a:xfrm>
+      </p:grpSpPr>
+      <p:sp>
+        <p:nvSpPr>
+          <p:cNvPr id="2" name="Title 1">
+            <a:extLst>
+              <a:ext uri="{FF2B5EF4-FFF2-40B4-BE49-F238E27FC236}">
+                <a16:creationId xmlns:a16="http://schemas.microsoft.com/office/drawing/2014/main" id="{42BEA320-098B-4221-97D4-CDADA0B588D3}"/>
+              </a:ext>
+            </a:extLst>
+          </p:cNvPr>
+          <p:cNvSpPr>
+            <a:spLocks noGrp="1"/>
+          </p:cNvSpPr>
+          <p:nvPr>
+            <p:ph type="title"/>
+          </p:nvPr>
+        </p:nvSpPr>
+        <p:spPr/>
+        <p:txBody>
+          <a:bodyPr/>
+          <a:lstStyle/>
+          <a:p>
+            <a:endParaRPr lang="en-US"/>
+          </a:p>
+        </p:txBody>
+      </p:sp>
+      <p:graphicFrame>
+        <p:nvGraphicFramePr>
+          <p:cNvPr id="4" name="Chart 3">
+            <a:extLst>
+              <a:ext uri="{FF2B5EF4-FFF2-40B4-BE49-F238E27FC236}">
+                <a16:creationId xmlns:a16="http://schemas.microsoft.com/office/drawing/2014/main" id="{A1E213A8-0E4E-4767-9542-E5A5F360CC3B}"/>
+              </a:ext>
+            </a:extLst>
+          </p:cNvPr>
+          <p:cNvGraphicFramePr>
+            <a:graphicFrameLocks/>
+          </p:cNvGraphicFramePr>
+          <p:nvPr>
+            <p:extLst>
+              <p:ext uri="{D42A27DB-BD31-4B8C-83A1-F6EECF244321}">
+                <p14:modId xmlns:p14="http://schemas.microsoft.com/office/powerpoint/2010/main" val="3838619616"/>
+              </p:ext>
+            </p:extLst>
+          </p:nvPr>
+        </p:nvGraphicFramePr>
+        <p:xfrm>
+          <a:off x="2367614" y="1854367"/>
+          <a:ext cx="7216140" cy="3943350"/>
+        </p:xfrm>
+        <a:graphic>
+          <a:graphicData uri="http://schemas.openxmlformats.org/drawingml/2006/chart">
+            <c:chart xmlns:c="http://schemas.openxmlformats.org/drawingml/2006/chart" xmlns:r="http://schemas.openxmlformats.org/officeDocument/2006/relationships" r:id="rId2"/>
+          </a:graphicData>
+        </a:graphic>
+      </p:graphicFrame>
+    </p:spTree>
+    <p:extLst>
+      <p:ext uri="{BB962C8B-B14F-4D97-AF65-F5344CB8AC3E}">
+        <p14:creationId xmlns:p14="http://schemas.microsoft.com/office/powerpoint/2010/main" val="2327416223"/>
+      </p:ext>
+    </p:extLst>
+  </p:cSld>
+  <p:clrMapOvr>
+    <a:masterClrMapping/>
+  </p:clrMapOvr>
+</p:sld>
+</file>
+
 <file path=ppt/theme/theme1.xml><?xml version="1.0" encoding="utf-8"?>
 <a:theme xmlns:a="http://schemas.openxmlformats.org/drawingml/2006/main" name="Office Theme">
   <a:themeElements>

--- a/Pic.pptx
+++ b/Pic.pptx
@@ -5,7 +5,7 @@
     <p:sldMasterId id="2147483648" r:id="rId1"/>
   </p:sldMasterIdLst>
   <p:notesMasterIdLst>
-    <p:notesMasterId r:id="rId12"/>
+    <p:notesMasterId r:id="rId15"/>
   </p:notesMasterIdLst>
   <p:sldIdLst>
     <p:sldId id="256" r:id="rId2"/>
@@ -18,6 +18,9 @@
     <p:sldId id="263" r:id="rId9"/>
     <p:sldId id="264" r:id="rId10"/>
     <p:sldId id="265" r:id="rId11"/>
+    <p:sldId id="266" r:id="rId12"/>
+    <p:sldId id="268" r:id="rId13"/>
+    <p:sldId id="267" r:id="rId14"/>
   </p:sldIdLst>
   <p:sldSz cx="12192000" cy="6858000"/>
   <p:notesSz cx="6858000" cy="9144000"/>
@@ -119,7 +122,7 @@
   <p:extLst>
     <p:ext uri="{EFAFB233-063F-42B5-8137-9DF3F51BA10A}">
       <p15:sldGuideLst xmlns:p15="http://schemas.microsoft.com/office/powerpoint/2012/main">
-        <p15:guide id="1" orient="horz" pos="2160" userDrawn="1">
+        <p15:guide id="1" orient="horz" pos="2184" userDrawn="1">
           <p15:clr>
             <a:srgbClr val="A4A3A4"/>
           </p15:clr>
@@ -2041,7 +2044,7 @@
           <a:p>
             <a:fld id="{856DD98A-0F4A-4E02-9041-88828D2A188E}" type="datetimeFigureOut">
               <a:rPr lang="en-US" smtClean="0"/>
-              <a:t>3/22/2021</a:t>
+              <a:t>4/18/2021</a:t>
             </a:fld>
             <a:endParaRPr lang="en-US"/>
           </a:p>
@@ -2539,7 +2542,7 @@
           <a:p>
             <a:fld id="{D7B72F7F-CFB7-4A83-8C76-24DBCEAD790B}" type="datetimeFigureOut">
               <a:rPr lang="en-US" smtClean="0"/>
-              <a:t>3/22/2021</a:t>
+              <a:t>4/18/2021</a:t>
             </a:fld>
             <a:endParaRPr lang="en-US"/>
           </a:p>
@@ -2737,7 +2740,7 @@
           <a:p>
             <a:fld id="{D7B72F7F-CFB7-4A83-8C76-24DBCEAD790B}" type="datetimeFigureOut">
               <a:rPr lang="en-US" smtClean="0"/>
-              <a:t>3/22/2021</a:t>
+              <a:t>4/18/2021</a:t>
             </a:fld>
             <a:endParaRPr lang="en-US"/>
           </a:p>
@@ -2945,7 +2948,7 @@
           <a:p>
             <a:fld id="{D7B72F7F-CFB7-4A83-8C76-24DBCEAD790B}" type="datetimeFigureOut">
               <a:rPr lang="en-US" smtClean="0"/>
-              <a:t>3/22/2021</a:t>
+              <a:t>4/18/2021</a:t>
             </a:fld>
             <a:endParaRPr lang="en-US"/>
           </a:p>
@@ -3143,7 +3146,7 @@
           <a:p>
             <a:fld id="{D7B72F7F-CFB7-4A83-8C76-24DBCEAD790B}" type="datetimeFigureOut">
               <a:rPr lang="en-US" smtClean="0"/>
-              <a:t>3/22/2021</a:t>
+              <a:t>4/18/2021</a:t>
             </a:fld>
             <a:endParaRPr lang="en-US"/>
           </a:p>
@@ -3418,7 +3421,7 @@
           <a:p>
             <a:fld id="{D7B72F7F-CFB7-4A83-8C76-24DBCEAD790B}" type="datetimeFigureOut">
               <a:rPr lang="en-US" smtClean="0"/>
-              <a:t>3/22/2021</a:t>
+              <a:t>4/18/2021</a:t>
             </a:fld>
             <a:endParaRPr lang="en-US"/>
           </a:p>
@@ -3683,7 +3686,7 @@
           <a:p>
             <a:fld id="{D7B72F7F-CFB7-4A83-8C76-24DBCEAD790B}" type="datetimeFigureOut">
               <a:rPr lang="en-US" smtClean="0"/>
-              <a:t>3/22/2021</a:t>
+              <a:t>4/18/2021</a:t>
             </a:fld>
             <a:endParaRPr lang="en-US"/>
           </a:p>
@@ -4095,7 +4098,7 @@
           <a:p>
             <a:fld id="{D7B72F7F-CFB7-4A83-8C76-24DBCEAD790B}" type="datetimeFigureOut">
               <a:rPr lang="en-US" smtClean="0"/>
-              <a:t>3/22/2021</a:t>
+              <a:t>4/18/2021</a:t>
             </a:fld>
             <a:endParaRPr lang="en-US"/>
           </a:p>
@@ -4236,7 +4239,7 @@
           <a:p>
             <a:fld id="{D7B72F7F-CFB7-4A83-8C76-24DBCEAD790B}" type="datetimeFigureOut">
               <a:rPr lang="en-US" smtClean="0"/>
-              <a:t>3/22/2021</a:t>
+              <a:t>4/18/2021</a:t>
             </a:fld>
             <a:endParaRPr lang="en-US"/>
           </a:p>
@@ -4349,7 +4352,7 @@
           <a:p>
             <a:fld id="{D7B72F7F-CFB7-4A83-8C76-24DBCEAD790B}" type="datetimeFigureOut">
               <a:rPr lang="en-US" smtClean="0"/>
-              <a:t>3/22/2021</a:t>
+              <a:t>4/18/2021</a:t>
             </a:fld>
             <a:endParaRPr lang="en-US"/>
           </a:p>
@@ -4660,7 +4663,7 @@
           <a:p>
             <a:fld id="{D7B72F7F-CFB7-4A83-8C76-24DBCEAD790B}" type="datetimeFigureOut">
               <a:rPr lang="en-US" smtClean="0"/>
-              <a:t>3/22/2021</a:t>
+              <a:t>4/18/2021</a:t>
             </a:fld>
             <a:endParaRPr lang="en-US"/>
           </a:p>
@@ -4948,7 +4951,7 @@
           <a:p>
             <a:fld id="{D7B72F7F-CFB7-4A83-8C76-24DBCEAD790B}" type="datetimeFigureOut">
               <a:rPr lang="en-US" smtClean="0"/>
-              <a:t>3/22/2021</a:t>
+              <a:t>4/18/2021</a:t>
             </a:fld>
             <a:endParaRPr lang="en-US"/>
           </a:p>
@@ -5189,7 +5192,7 @@
           <a:p>
             <a:fld id="{D7B72F7F-CFB7-4A83-8C76-24DBCEAD790B}" type="datetimeFigureOut">
               <a:rPr lang="en-US" smtClean="0"/>
-              <a:t>3/22/2021</a:t>
+              <a:t>4/18/2021</a:t>
             </a:fld>
             <a:endParaRPr lang="en-US"/>
           </a:p>
@@ -6917,6 +6920,1575 @@
     <p:extLst>
       <p:ext uri="{BB962C8B-B14F-4D97-AF65-F5344CB8AC3E}">
         <p14:creationId xmlns:p14="http://schemas.microsoft.com/office/powerpoint/2010/main" val="901291311"/>
+      </p:ext>
+    </p:extLst>
+  </p:cSld>
+  <p:clrMapOvr>
+    <a:masterClrMapping/>
+  </p:clrMapOvr>
+</p:sld>
+</file>
+
+<file path=ppt/slides/slide11.xml><?xml version="1.0" encoding="utf-8"?>
+<p:sld xmlns:a="http://schemas.openxmlformats.org/drawingml/2006/main" xmlns:r="http://schemas.openxmlformats.org/officeDocument/2006/relationships" xmlns:p="http://schemas.openxmlformats.org/presentationml/2006/main">
+  <p:cSld>
+    <p:spTree>
+      <p:nvGrpSpPr>
+        <p:cNvPr id="1" name=""/>
+        <p:cNvGrpSpPr/>
+        <p:nvPr/>
+      </p:nvGrpSpPr>
+      <p:grpSpPr>
+        <a:xfrm>
+          <a:off x="0" y="0"/>
+          <a:ext cx="0" cy="0"/>
+          <a:chOff x="0" y="0"/>
+          <a:chExt cx="0" cy="0"/>
+        </a:xfrm>
+      </p:grpSpPr>
+      <p:sp>
+        <p:nvSpPr>
+          <p:cNvPr id="2" name="Title 1">
+            <a:extLst>
+              <a:ext uri="{FF2B5EF4-FFF2-40B4-BE49-F238E27FC236}">
+                <a16:creationId xmlns:a16="http://schemas.microsoft.com/office/drawing/2014/main" id="{ED94F7A4-29B1-4CC6-B7CE-8BD9950FF46A}"/>
+              </a:ext>
+            </a:extLst>
+          </p:cNvPr>
+          <p:cNvSpPr>
+            <a:spLocks noGrp="1"/>
+          </p:cNvSpPr>
+          <p:nvPr>
+            <p:ph type="title"/>
+          </p:nvPr>
+        </p:nvSpPr>
+        <p:spPr/>
+        <p:txBody>
+          <a:bodyPr/>
+          <a:lstStyle/>
+          <a:p>
+            <a:endParaRPr lang="en-US"/>
+          </a:p>
+        </p:txBody>
+      </p:sp>
+      <p:pic>
+        <p:nvPicPr>
+          <p:cNvPr id="4" name="Picture 3">
+            <a:extLst>
+              <a:ext uri="{FF2B5EF4-FFF2-40B4-BE49-F238E27FC236}">
+                <a16:creationId xmlns:a16="http://schemas.microsoft.com/office/drawing/2014/main" id="{4804B51D-95D9-4D7B-878D-B19BF7C5A798}"/>
+              </a:ext>
+            </a:extLst>
+          </p:cNvPr>
+          <p:cNvPicPr>
+            <a:picLocks noChangeAspect="1"/>
+          </p:cNvPicPr>
+          <p:nvPr/>
+        </p:nvPicPr>
+        <p:blipFill>
+          <a:blip r:embed="rId2"/>
+          <a:stretch>
+            <a:fillRect/>
+          </a:stretch>
+        </p:blipFill>
+        <p:spPr>
+          <a:xfrm>
+            <a:off x="3008928" y="1435100"/>
+            <a:ext cx="4438650" cy="5057775"/>
+          </a:xfrm>
+          <a:prstGeom prst="rect">
+            <a:avLst/>
+          </a:prstGeom>
+        </p:spPr>
+      </p:pic>
+    </p:spTree>
+    <p:extLst>
+      <p:ext uri="{BB962C8B-B14F-4D97-AF65-F5344CB8AC3E}">
+        <p14:creationId xmlns:p14="http://schemas.microsoft.com/office/powerpoint/2010/main" val="1537197547"/>
+      </p:ext>
+    </p:extLst>
+  </p:cSld>
+  <p:clrMapOvr>
+    <a:masterClrMapping/>
+  </p:clrMapOvr>
+</p:sld>
+</file>
+
+<file path=ppt/slides/slide12.xml><?xml version="1.0" encoding="utf-8"?>
+<p:sld xmlns:a="http://schemas.openxmlformats.org/drawingml/2006/main" xmlns:r="http://schemas.openxmlformats.org/officeDocument/2006/relationships" xmlns:p="http://schemas.openxmlformats.org/presentationml/2006/main">
+  <p:cSld>
+    <p:spTree>
+      <p:nvGrpSpPr>
+        <p:cNvPr id="1" name=""/>
+        <p:cNvGrpSpPr/>
+        <p:nvPr/>
+      </p:nvGrpSpPr>
+      <p:grpSpPr>
+        <a:xfrm>
+          <a:off x="0" y="0"/>
+          <a:ext cx="0" cy="0"/>
+          <a:chOff x="0" y="0"/>
+          <a:chExt cx="0" cy="0"/>
+        </a:xfrm>
+      </p:grpSpPr>
+      <p:pic>
+        <p:nvPicPr>
+          <p:cNvPr id="4" name="Picture 3">
+            <a:extLst>
+              <a:ext uri="{FF2B5EF4-FFF2-40B4-BE49-F238E27FC236}">
+                <a16:creationId xmlns:a16="http://schemas.microsoft.com/office/drawing/2014/main" id="{2249467C-D34F-4ECA-AF9D-98343B40CC9D}"/>
+              </a:ext>
+            </a:extLst>
+          </p:cNvPr>
+          <p:cNvPicPr>
+            <a:picLocks noChangeAspect="1"/>
+          </p:cNvPicPr>
+          <p:nvPr/>
+        </p:nvPicPr>
+        <p:blipFill>
+          <a:blip r:embed="rId2"/>
+          <a:stretch>
+            <a:fillRect/>
+          </a:stretch>
+        </p:blipFill>
+        <p:spPr>
+          <a:xfrm>
+            <a:off x="-94472" y="800585"/>
+            <a:ext cx="5905500" cy="4752975"/>
+          </a:xfrm>
+          <a:prstGeom prst="rect">
+            <a:avLst/>
+          </a:prstGeom>
+        </p:spPr>
+      </p:pic>
+      <p:grpSp>
+        <p:nvGrpSpPr>
+          <p:cNvPr id="24" name="Group 23">
+            <a:extLst>
+              <a:ext uri="{FF2B5EF4-FFF2-40B4-BE49-F238E27FC236}">
+                <a16:creationId xmlns:a16="http://schemas.microsoft.com/office/drawing/2014/main" id="{BBED158E-BEE5-486A-AE09-3408C73BF799}"/>
+              </a:ext>
+            </a:extLst>
+          </p:cNvPr>
+          <p:cNvGrpSpPr/>
+          <p:nvPr/>
+        </p:nvGrpSpPr>
+        <p:grpSpPr>
+          <a:xfrm>
+            <a:off x="6885601" y="1005098"/>
+            <a:ext cx="4208500" cy="3493220"/>
+            <a:chOff x="6885601" y="1005098"/>
+            <a:chExt cx="4208500" cy="3493220"/>
+          </a:xfrm>
+        </p:grpSpPr>
+        <p:sp>
+          <p:nvSpPr>
+            <p:cNvPr id="7" name="Rectangle 6">
+              <a:extLst>
+                <a:ext uri="{FF2B5EF4-FFF2-40B4-BE49-F238E27FC236}">
+                  <a16:creationId xmlns:a16="http://schemas.microsoft.com/office/drawing/2014/main" id="{4AB07BF9-2A26-46B0-81BD-EDE3AFAB50CA}"/>
+                </a:ext>
+              </a:extLst>
+            </p:cNvPr>
+            <p:cNvSpPr/>
+            <p:nvPr/>
+          </p:nvSpPr>
+          <p:spPr>
+            <a:xfrm>
+              <a:off x="9228753" y="1005098"/>
+              <a:ext cx="1865348" cy="498702"/>
+            </a:xfrm>
+            <a:prstGeom prst="rect">
+              <a:avLst/>
+            </a:prstGeom>
+            <a:solidFill>
+              <a:schemeClr val="bg1"/>
+            </a:solidFill>
+            <a:ln w="38100">
+              <a:solidFill>
+                <a:schemeClr val="tx1"/>
+              </a:solidFill>
+            </a:ln>
+          </p:spPr>
+          <p:style>
+            <a:lnRef idx="2">
+              <a:schemeClr val="accent1">
+                <a:shade val="50000"/>
+              </a:schemeClr>
+            </a:lnRef>
+            <a:fillRef idx="1">
+              <a:schemeClr val="accent1"/>
+            </a:fillRef>
+            <a:effectRef idx="0">
+              <a:schemeClr val="accent1"/>
+            </a:effectRef>
+            <a:fontRef idx="minor">
+              <a:schemeClr val="lt1"/>
+            </a:fontRef>
+          </p:style>
+          <p:txBody>
+            <a:bodyPr rtlCol="0" anchor="ctr"/>
+            <a:lstStyle/>
+            <a:p>
+              <a:pPr algn="ctr"/>
+              <a:r>
+                <a:rPr lang="zh-CN" altLang="en-US" dirty="0">
+                  <a:solidFill>
+                    <a:schemeClr val="tx1"/>
+                  </a:solidFill>
+                  <a:latin typeface="宋体" panose="02010600030101010101" pitchFamily="2" charset="-122"/>
+                  <a:ea typeface="宋体" panose="02010600030101010101" pitchFamily="2" charset="-122"/>
+                </a:rPr>
+                <a:t>放大电路</a:t>
+              </a:r>
+              <a:endParaRPr lang="en-US" dirty="0">
+                <a:solidFill>
+                  <a:schemeClr val="tx1"/>
+                </a:solidFill>
+                <a:latin typeface="宋体" panose="02010600030101010101" pitchFamily="2" charset="-122"/>
+                <a:ea typeface="宋体" panose="02010600030101010101" pitchFamily="2" charset="-122"/>
+              </a:endParaRPr>
+            </a:p>
+          </p:txBody>
+        </p:sp>
+        <p:sp>
+          <p:nvSpPr>
+            <p:cNvPr id="9" name="Rectangle 8">
+              <a:extLst>
+                <a:ext uri="{FF2B5EF4-FFF2-40B4-BE49-F238E27FC236}">
+                  <a16:creationId xmlns:a16="http://schemas.microsoft.com/office/drawing/2014/main" id="{C2135650-AF70-4AEB-B8B2-BF45CAF694DD}"/>
+                </a:ext>
+              </a:extLst>
+            </p:cNvPr>
+            <p:cNvSpPr/>
+            <p:nvPr/>
+          </p:nvSpPr>
+          <p:spPr>
+            <a:xfrm>
+              <a:off x="9228753" y="1494949"/>
+              <a:ext cx="1865348" cy="498702"/>
+            </a:xfrm>
+            <a:prstGeom prst="rect">
+              <a:avLst/>
+            </a:prstGeom>
+            <a:solidFill>
+              <a:schemeClr val="bg1"/>
+            </a:solidFill>
+            <a:ln w="38100">
+              <a:solidFill>
+                <a:schemeClr val="tx1"/>
+              </a:solidFill>
+            </a:ln>
+          </p:spPr>
+          <p:style>
+            <a:lnRef idx="2">
+              <a:schemeClr val="accent1">
+                <a:shade val="50000"/>
+              </a:schemeClr>
+            </a:lnRef>
+            <a:fillRef idx="1">
+              <a:schemeClr val="accent1"/>
+            </a:fillRef>
+            <a:effectRef idx="0">
+              <a:schemeClr val="accent1"/>
+            </a:effectRef>
+            <a:fontRef idx="minor">
+              <a:schemeClr val="lt1"/>
+            </a:fontRef>
+          </p:style>
+          <p:txBody>
+            <a:bodyPr rtlCol="0" anchor="ctr"/>
+            <a:lstStyle/>
+            <a:p>
+              <a:pPr algn="ctr"/>
+              <a:r>
+                <a:rPr lang="zh-CN" altLang="en-US" dirty="0">
+                  <a:solidFill>
+                    <a:schemeClr val="tx1"/>
+                  </a:solidFill>
+                  <a:latin typeface="宋体" panose="02010600030101010101" pitchFamily="2" charset="-122"/>
+                  <a:ea typeface="宋体" panose="02010600030101010101" pitchFamily="2" charset="-122"/>
+                </a:rPr>
+                <a:t>微机多道分析器</a:t>
+              </a:r>
+              <a:endParaRPr lang="en-US" dirty="0">
+                <a:solidFill>
+                  <a:schemeClr val="tx1"/>
+                </a:solidFill>
+                <a:latin typeface="宋体" panose="02010600030101010101" pitchFamily="2" charset="-122"/>
+                <a:ea typeface="宋体" panose="02010600030101010101" pitchFamily="2" charset="-122"/>
+              </a:endParaRPr>
+            </a:p>
+          </p:txBody>
+        </p:sp>
+        <p:sp>
+          <p:nvSpPr>
+            <p:cNvPr id="10" name="Rectangle 9">
+              <a:extLst>
+                <a:ext uri="{FF2B5EF4-FFF2-40B4-BE49-F238E27FC236}">
+                  <a16:creationId xmlns:a16="http://schemas.microsoft.com/office/drawing/2014/main" id="{1FA7039E-D3D0-4CAA-B694-6B245D903A9D}"/>
+                </a:ext>
+              </a:extLst>
+            </p:cNvPr>
+            <p:cNvSpPr/>
+            <p:nvPr/>
+          </p:nvSpPr>
+          <p:spPr>
+            <a:xfrm>
+              <a:off x="6885601" y="2300479"/>
+              <a:ext cx="1865348" cy="498702"/>
+            </a:xfrm>
+            <a:prstGeom prst="rect">
+              <a:avLst/>
+            </a:prstGeom>
+            <a:solidFill>
+              <a:schemeClr val="bg1"/>
+            </a:solidFill>
+            <a:ln w="38100">
+              <a:solidFill>
+                <a:schemeClr val="tx1"/>
+              </a:solidFill>
+            </a:ln>
+          </p:spPr>
+          <p:style>
+            <a:lnRef idx="2">
+              <a:schemeClr val="accent1">
+                <a:shade val="50000"/>
+              </a:schemeClr>
+            </a:lnRef>
+            <a:fillRef idx="1">
+              <a:schemeClr val="accent1"/>
+            </a:fillRef>
+            <a:effectRef idx="0">
+              <a:schemeClr val="accent1"/>
+            </a:effectRef>
+            <a:fontRef idx="minor">
+              <a:schemeClr val="lt1"/>
+            </a:fontRef>
+          </p:style>
+          <p:txBody>
+            <a:bodyPr rtlCol="0" anchor="ctr"/>
+            <a:lstStyle/>
+            <a:p>
+              <a:pPr algn="ctr"/>
+              <a:r>
+                <a:rPr lang="zh-CN" altLang="en-US" dirty="0">
+                  <a:solidFill>
+                    <a:schemeClr val="tx1"/>
+                  </a:solidFill>
+                  <a:latin typeface="宋体" panose="02010600030101010101" pitchFamily="2" charset="-122"/>
+                  <a:ea typeface="宋体" panose="02010600030101010101" pitchFamily="2" charset="-122"/>
+                </a:rPr>
+                <a:t>硅漂移探测器</a:t>
+              </a:r>
+              <a:endParaRPr lang="en-US" dirty="0">
+                <a:solidFill>
+                  <a:schemeClr val="tx1"/>
+                </a:solidFill>
+                <a:latin typeface="宋体" panose="02010600030101010101" pitchFamily="2" charset="-122"/>
+                <a:ea typeface="宋体" panose="02010600030101010101" pitchFamily="2" charset="-122"/>
+              </a:endParaRPr>
+            </a:p>
+          </p:txBody>
+        </p:sp>
+        <p:sp>
+          <p:nvSpPr>
+            <p:cNvPr id="11" name="Rectangle 10">
+              <a:extLst>
+                <a:ext uri="{FF2B5EF4-FFF2-40B4-BE49-F238E27FC236}">
+                  <a16:creationId xmlns:a16="http://schemas.microsoft.com/office/drawing/2014/main" id="{CDC341BB-8D1B-4C8A-923A-8AE084B63160}"/>
+                </a:ext>
+              </a:extLst>
+            </p:cNvPr>
+            <p:cNvSpPr/>
+            <p:nvPr/>
+          </p:nvSpPr>
+          <p:spPr>
+            <a:xfrm>
+              <a:off x="6885601" y="1810629"/>
+              <a:ext cx="1865348" cy="498702"/>
+            </a:xfrm>
+            <a:prstGeom prst="rect">
+              <a:avLst/>
+            </a:prstGeom>
+            <a:solidFill>
+              <a:schemeClr val="bg1"/>
+            </a:solidFill>
+            <a:ln w="38100">
+              <a:solidFill>
+                <a:schemeClr val="tx1"/>
+              </a:solidFill>
+            </a:ln>
+          </p:spPr>
+          <p:style>
+            <a:lnRef idx="2">
+              <a:schemeClr val="accent1">
+                <a:shade val="50000"/>
+              </a:schemeClr>
+            </a:lnRef>
+            <a:fillRef idx="1">
+              <a:schemeClr val="accent1"/>
+            </a:fillRef>
+            <a:effectRef idx="0">
+              <a:schemeClr val="accent1"/>
+            </a:effectRef>
+            <a:fontRef idx="minor">
+              <a:schemeClr val="lt1"/>
+            </a:fontRef>
+          </p:style>
+          <p:txBody>
+            <a:bodyPr rtlCol="0" anchor="ctr"/>
+            <a:lstStyle/>
+            <a:p>
+              <a:pPr algn="ctr"/>
+              <a:r>
+                <a:rPr lang="zh-CN" altLang="en-US" dirty="0">
+                  <a:solidFill>
+                    <a:schemeClr val="tx1"/>
+                  </a:solidFill>
+                  <a:latin typeface="宋体" panose="02010600030101010101" pitchFamily="2" charset="-122"/>
+                  <a:ea typeface="宋体" panose="02010600030101010101" pitchFamily="2" charset="-122"/>
+                </a:rPr>
+                <a:t>光电倍增管</a:t>
+              </a:r>
+              <a:endParaRPr lang="en-US" dirty="0">
+                <a:solidFill>
+                  <a:schemeClr val="tx1"/>
+                </a:solidFill>
+                <a:latin typeface="宋体" panose="02010600030101010101" pitchFamily="2" charset="-122"/>
+                <a:ea typeface="宋体" panose="02010600030101010101" pitchFamily="2" charset="-122"/>
+              </a:endParaRPr>
+            </a:p>
+          </p:txBody>
+        </p:sp>
+        <p:sp>
+          <p:nvSpPr>
+            <p:cNvPr id="12" name="Rectangle 11">
+              <a:extLst>
+                <a:ext uri="{FF2B5EF4-FFF2-40B4-BE49-F238E27FC236}">
+                  <a16:creationId xmlns:a16="http://schemas.microsoft.com/office/drawing/2014/main" id="{0C6BA02C-32F4-41A4-9BD3-4AF240B19F3D}"/>
+                </a:ext>
+              </a:extLst>
+            </p:cNvPr>
+            <p:cNvSpPr/>
+            <p:nvPr/>
+          </p:nvSpPr>
+          <p:spPr>
+            <a:xfrm>
+              <a:off x="6885601" y="1024521"/>
+              <a:ext cx="1865348" cy="498702"/>
+            </a:xfrm>
+            <a:prstGeom prst="rect">
+              <a:avLst/>
+            </a:prstGeom>
+            <a:solidFill>
+              <a:schemeClr val="bg1"/>
+            </a:solidFill>
+            <a:ln w="38100">
+              <a:solidFill>
+                <a:schemeClr val="tx1"/>
+              </a:solidFill>
+            </a:ln>
+          </p:spPr>
+          <p:style>
+            <a:lnRef idx="2">
+              <a:schemeClr val="accent1">
+                <a:shade val="50000"/>
+              </a:schemeClr>
+            </a:lnRef>
+            <a:fillRef idx="1">
+              <a:schemeClr val="accent1"/>
+            </a:fillRef>
+            <a:effectRef idx="0">
+              <a:schemeClr val="accent1"/>
+            </a:effectRef>
+            <a:fontRef idx="minor">
+              <a:schemeClr val="lt1"/>
+            </a:fontRef>
+          </p:style>
+          <p:txBody>
+            <a:bodyPr rtlCol="0" anchor="ctr"/>
+            <a:lstStyle/>
+            <a:p>
+              <a:pPr algn="ctr"/>
+              <a:r>
+                <a:rPr lang="zh-CN" altLang="en-US" dirty="0">
+                  <a:solidFill>
+                    <a:schemeClr val="tx1"/>
+                  </a:solidFill>
+                  <a:latin typeface="宋体" panose="02010600030101010101" pitchFamily="2" charset="-122"/>
+                  <a:ea typeface="宋体" panose="02010600030101010101" pitchFamily="2" charset="-122"/>
+                </a:rPr>
+                <a:t>高压电源</a:t>
+              </a:r>
+              <a:endParaRPr lang="en-US" dirty="0">
+                <a:solidFill>
+                  <a:schemeClr val="tx1"/>
+                </a:solidFill>
+                <a:latin typeface="宋体" panose="02010600030101010101" pitchFamily="2" charset="-122"/>
+                <a:ea typeface="宋体" panose="02010600030101010101" pitchFamily="2" charset="-122"/>
+              </a:endParaRPr>
+            </a:p>
+          </p:txBody>
+        </p:sp>
+        <p:sp>
+          <p:nvSpPr>
+            <p:cNvPr id="13" name="Rectangle 12">
+              <a:extLst>
+                <a:ext uri="{FF2B5EF4-FFF2-40B4-BE49-F238E27FC236}">
+                  <a16:creationId xmlns:a16="http://schemas.microsoft.com/office/drawing/2014/main" id="{7C54B7F3-4150-4E96-85D0-9788FF3615EA}"/>
+                </a:ext>
+              </a:extLst>
+            </p:cNvPr>
+            <p:cNvSpPr/>
+            <p:nvPr/>
+          </p:nvSpPr>
+          <p:spPr>
+            <a:xfrm>
+              <a:off x="6885601" y="4304554"/>
+              <a:ext cx="1865348" cy="163284"/>
+            </a:xfrm>
+            <a:prstGeom prst="rect">
+              <a:avLst/>
+            </a:prstGeom>
+            <a:solidFill>
+              <a:schemeClr val="bg1"/>
+            </a:solidFill>
+            <a:ln w="38100">
+              <a:solidFill>
+                <a:schemeClr val="tx1"/>
+              </a:solidFill>
+            </a:ln>
+          </p:spPr>
+          <p:style>
+            <a:lnRef idx="2">
+              <a:schemeClr val="accent1">
+                <a:shade val="50000"/>
+              </a:schemeClr>
+            </a:lnRef>
+            <a:fillRef idx="1">
+              <a:schemeClr val="accent1"/>
+            </a:fillRef>
+            <a:effectRef idx="0">
+              <a:schemeClr val="accent1"/>
+            </a:effectRef>
+            <a:fontRef idx="minor">
+              <a:schemeClr val="lt1"/>
+            </a:fontRef>
+          </p:style>
+          <p:txBody>
+            <a:bodyPr rtlCol="0" anchor="ctr"/>
+            <a:lstStyle/>
+            <a:p>
+              <a:pPr algn="ctr"/>
+              <a:endParaRPr lang="en-US" dirty="0">
+                <a:solidFill>
+                  <a:schemeClr val="tx1"/>
+                </a:solidFill>
+              </a:endParaRPr>
+            </a:p>
+          </p:txBody>
+        </p:sp>
+        <p:sp>
+          <p:nvSpPr>
+            <p:cNvPr id="14" name="Rectangle 13">
+              <a:extLst>
+                <a:ext uri="{FF2B5EF4-FFF2-40B4-BE49-F238E27FC236}">
+                  <a16:creationId xmlns:a16="http://schemas.microsoft.com/office/drawing/2014/main" id="{3DD68317-15F8-4D0A-B352-F9125EA929FD}"/>
+                </a:ext>
+              </a:extLst>
+            </p:cNvPr>
+            <p:cNvSpPr/>
+            <p:nvPr/>
+          </p:nvSpPr>
+          <p:spPr>
+            <a:xfrm>
+              <a:off x="7603165" y="3665411"/>
+              <a:ext cx="430220" cy="247839"/>
+            </a:xfrm>
+            <a:prstGeom prst="rect">
+              <a:avLst/>
+            </a:prstGeom>
+            <a:solidFill>
+              <a:schemeClr val="bg1"/>
+            </a:solidFill>
+            <a:ln w="38100">
+              <a:solidFill>
+                <a:schemeClr val="tx1"/>
+              </a:solidFill>
+            </a:ln>
+          </p:spPr>
+          <p:style>
+            <a:lnRef idx="2">
+              <a:schemeClr val="accent1">
+                <a:shade val="50000"/>
+              </a:schemeClr>
+            </a:lnRef>
+            <a:fillRef idx="1">
+              <a:schemeClr val="accent1"/>
+            </a:fillRef>
+            <a:effectRef idx="0">
+              <a:schemeClr val="accent1"/>
+            </a:effectRef>
+            <a:fontRef idx="minor">
+              <a:schemeClr val="lt1"/>
+            </a:fontRef>
+          </p:style>
+          <p:txBody>
+            <a:bodyPr rtlCol="0" anchor="ctr"/>
+            <a:lstStyle/>
+            <a:p>
+              <a:pPr algn="ctr"/>
+              <a:endParaRPr lang="en-US" dirty="0">
+                <a:solidFill>
+                  <a:schemeClr val="tx1"/>
+                </a:solidFill>
+              </a:endParaRPr>
+            </a:p>
+          </p:txBody>
+        </p:sp>
+        <p:sp>
+          <p:nvSpPr>
+            <p:cNvPr id="15" name="Rectangle 14">
+              <a:extLst>
+                <a:ext uri="{FF2B5EF4-FFF2-40B4-BE49-F238E27FC236}">
+                  <a16:creationId xmlns:a16="http://schemas.microsoft.com/office/drawing/2014/main" id="{00BF5948-7BD8-4EC0-8FD7-64020AA8E0C7}"/>
+                </a:ext>
+              </a:extLst>
+            </p:cNvPr>
+            <p:cNvSpPr/>
+            <p:nvPr/>
+          </p:nvSpPr>
+          <p:spPr>
+            <a:xfrm>
+              <a:off x="7405045" y="3444621"/>
+              <a:ext cx="826460" cy="216131"/>
+            </a:xfrm>
+            <a:prstGeom prst="rect">
+              <a:avLst/>
+            </a:prstGeom>
+            <a:solidFill>
+              <a:schemeClr val="tx1"/>
+            </a:solidFill>
+            <a:ln w="38100">
+              <a:solidFill>
+                <a:schemeClr val="tx1"/>
+              </a:solidFill>
+            </a:ln>
+          </p:spPr>
+          <p:style>
+            <a:lnRef idx="2">
+              <a:schemeClr val="accent1">
+                <a:shade val="50000"/>
+              </a:schemeClr>
+            </a:lnRef>
+            <a:fillRef idx="1">
+              <a:schemeClr val="accent1"/>
+            </a:fillRef>
+            <a:effectRef idx="0">
+              <a:schemeClr val="accent1"/>
+            </a:effectRef>
+            <a:fontRef idx="minor">
+              <a:schemeClr val="lt1"/>
+            </a:fontRef>
+          </p:style>
+          <p:txBody>
+            <a:bodyPr rtlCol="0" anchor="ctr"/>
+            <a:lstStyle/>
+            <a:p>
+              <a:pPr algn="ctr"/>
+              <a:endParaRPr lang="en-US" dirty="0">
+                <a:solidFill>
+                  <a:schemeClr val="tx1"/>
+                </a:solidFill>
+              </a:endParaRPr>
+            </a:p>
+          </p:txBody>
+        </p:sp>
+        <p:sp>
+          <p:nvSpPr>
+            <p:cNvPr id="16" name="Rectangle 15">
+              <a:extLst>
+                <a:ext uri="{FF2B5EF4-FFF2-40B4-BE49-F238E27FC236}">
+                  <a16:creationId xmlns:a16="http://schemas.microsoft.com/office/drawing/2014/main" id="{5B05B729-6228-491A-A476-FA3F98B330D3}"/>
+                </a:ext>
+              </a:extLst>
+            </p:cNvPr>
+            <p:cNvSpPr/>
+            <p:nvPr/>
+          </p:nvSpPr>
+          <p:spPr>
+            <a:xfrm>
+              <a:off x="6885601" y="2799199"/>
+              <a:ext cx="1865348" cy="65299"/>
+            </a:xfrm>
+            <a:prstGeom prst="rect">
+              <a:avLst/>
+            </a:prstGeom>
+            <a:solidFill>
+              <a:schemeClr val="bg1"/>
+            </a:solidFill>
+            <a:ln w="38100">
+              <a:solidFill>
+                <a:schemeClr val="tx1"/>
+              </a:solidFill>
+            </a:ln>
+          </p:spPr>
+          <p:style>
+            <a:lnRef idx="2">
+              <a:schemeClr val="accent1">
+                <a:shade val="50000"/>
+              </a:schemeClr>
+            </a:lnRef>
+            <a:fillRef idx="1">
+              <a:schemeClr val="accent1"/>
+            </a:fillRef>
+            <a:effectRef idx="0">
+              <a:schemeClr val="accent1"/>
+            </a:effectRef>
+            <a:fontRef idx="minor">
+              <a:schemeClr val="lt1"/>
+            </a:fontRef>
+          </p:style>
+          <p:txBody>
+            <a:bodyPr rtlCol="0" anchor="ctr"/>
+            <a:lstStyle/>
+            <a:p>
+              <a:pPr algn="ctr"/>
+              <a:endParaRPr lang="en-US" dirty="0">
+                <a:solidFill>
+                  <a:schemeClr val="tx1"/>
+                </a:solidFill>
+                <a:latin typeface="宋体" panose="02010600030101010101" pitchFamily="2" charset="-122"/>
+                <a:ea typeface="宋体" panose="02010600030101010101" pitchFamily="2" charset="-122"/>
+              </a:endParaRPr>
+            </a:p>
+          </p:txBody>
+        </p:sp>
+        <p:sp>
+          <p:nvSpPr>
+            <p:cNvPr id="17" name="TextBox 16">
+              <a:extLst>
+                <a:ext uri="{FF2B5EF4-FFF2-40B4-BE49-F238E27FC236}">
+                  <a16:creationId xmlns:a16="http://schemas.microsoft.com/office/drawing/2014/main" id="{6F9B1FD9-CA23-4156-B0A3-2FEE84B52599}"/>
+                </a:ext>
+              </a:extLst>
+            </p:cNvPr>
+            <p:cNvSpPr txBox="1"/>
+            <p:nvPr/>
+          </p:nvSpPr>
+          <p:spPr>
+            <a:xfrm>
+              <a:off x="9250834" y="4128986"/>
+              <a:ext cx="646331" cy="369332"/>
+            </a:xfrm>
+            <a:prstGeom prst="rect">
+              <a:avLst/>
+            </a:prstGeom>
+            <a:noFill/>
+          </p:spPr>
+          <p:txBody>
+            <a:bodyPr wrap="square" rtlCol="0">
+              <a:spAutoFit/>
+            </a:bodyPr>
+            <a:lstStyle/>
+            <a:p>
+              <a:r>
+                <a:rPr lang="zh-CN" altLang="en-US" dirty="0">
+                  <a:latin typeface="宋体" panose="02010600030101010101" pitchFamily="2" charset="-122"/>
+                  <a:ea typeface="宋体" panose="02010600030101010101" pitchFamily="2" charset="-122"/>
+                </a:rPr>
+                <a:t>样品</a:t>
+              </a:r>
+              <a:endParaRPr lang="en-US" dirty="0">
+                <a:latin typeface="宋体" panose="02010600030101010101" pitchFamily="2" charset="-122"/>
+                <a:ea typeface="宋体" panose="02010600030101010101" pitchFamily="2" charset="-122"/>
+              </a:endParaRPr>
+            </a:p>
+          </p:txBody>
+        </p:sp>
+        <p:sp>
+          <p:nvSpPr>
+            <p:cNvPr id="18" name="TextBox 17">
+              <a:extLst>
+                <a:ext uri="{FF2B5EF4-FFF2-40B4-BE49-F238E27FC236}">
+                  <a16:creationId xmlns:a16="http://schemas.microsoft.com/office/drawing/2014/main" id="{F461B1E4-2611-4008-8F9B-A14E5E0B89FC}"/>
+                </a:ext>
+              </a:extLst>
+            </p:cNvPr>
+            <p:cNvSpPr txBox="1"/>
+            <p:nvPr/>
+          </p:nvSpPr>
+          <p:spPr>
+            <a:xfrm>
+              <a:off x="9250834" y="3744105"/>
+              <a:ext cx="877163" cy="369332"/>
+            </a:xfrm>
+            <a:prstGeom prst="rect">
+              <a:avLst/>
+            </a:prstGeom>
+            <a:noFill/>
+          </p:spPr>
+          <p:txBody>
+            <a:bodyPr wrap="square" rtlCol="0">
+              <a:spAutoFit/>
+            </a:bodyPr>
+            <a:lstStyle/>
+            <a:p>
+              <a:r>
+                <a:rPr lang="zh-CN" altLang="en-US" dirty="0">
+                  <a:latin typeface="宋体" panose="02010600030101010101" pitchFamily="2" charset="-122"/>
+                  <a:ea typeface="宋体" panose="02010600030101010101" pitchFamily="2" charset="-122"/>
+                </a:rPr>
+                <a:t>激发源</a:t>
+              </a:r>
+              <a:endParaRPr lang="en-US" dirty="0">
+                <a:latin typeface="宋体" panose="02010600030101010101" pitchFamily="2" charset="-122"/>
+                <a:ea typeface="宋体" panose="02010600030101010101" pitchFamily="2" charset="-122"/>
+              </a:endParaRPr>
+            </a:p>
+          </p:txBody>
+        </p:sp>
+        <p:sp>
+          <p:nvSpPr>
+            <p:cNvPr id="19" name="TextBox 18">
+              <a:extLst>
+                <a:ext uri="{FF2B5EF4-FFF2-40B4-BE49-F238E27FC236}">
+                  <a16:creationId xmlns:a16="http://schemas.microsoft.com/office/drawing/2014/main" id="{0BA0DC8E-665B-42FB-9E48-382BB66237F3}"/>
+                </a:ext>
+              </a:extLst>
+            </p:cNvPr>
+            <p:cNvSpPr txBox="1"/>
+            <p:nvPr/>
+          </p:nvSpPr>
+          <p:spPr>
+            <a:xfrm>
+              <a:off x="9250834" y="3359224"/>
+              <a:ext cx="646331" cy="369332"/>
+            </a:xfrm>
+            <a:prstGeom prst="rect">
+              <a:avLst/>
+            </a:prstGeom>
+            <a:noFill/>
+          </p:spPr>
+          <p:txBody>
+            <a:bodyPr wrap="square" rtlCol="0">
+              <a:spAutoFit/>
+            </a:bodyPr>
+            <a:lstStyle/>
+            <a:p>
+              <a:r>
+                <a:rPr lang="zh-CN" altLang="en-US" dirty="0">
+                  <a:latin typeface="宋体" panose="02010600030101010101" pitchFamily="2" charset="-122"/>
+                  <a:ea typeface="宋体" panose="02010600030101010101" pitchFamily="2" charset="-122"/>
+                </a:rPr>
+                <a:t>铅块</a:t>
+              </a:r>
+              <a:endParaRPr lang="en-US" dirty="0">
+                <a:latin typeface="宋体" panose="02010600030101010101" pitchFamily="2" charset="-122"/>
+                <a:ea typeface="宋体" panose="02010600030101010101" pitchFamily="2" charset="-122"/>
+              </a:endParaRPr>
+            </a:p>
+          </p:txBody>
+        </p:sp>
+        <p:sp>
+          <p:nvSpPr>
+            <p:cNvPr id="20" name="TextBox 19">
+              <a:extLst>
+                <a:ext uri="{FF2B5EF4-FFF2-40B4-BE49-F238E27FC236}">
+                  <a16:creationId xmlns:a16="http://schemas.microsoft.com/office/drawing/2014/main" id="{04A6086E-81DF-44FC-8FED-43D471290B1C}"/>
+                </a:ext>
+              </a:extLst>
+            </p:cNvPr>
+            <p:cNvSpPr txBox="1"/>
+            <p:nvPr/>
+          </p:nvSpPr>
+          <p:spPr>
+            <a:xfrm>
+              <a:off x="9250834" y="2974343"/>
+              <a:ext cx="646331" cy="369332"/>
+            </a:xfrm>
+            <a:prstGeom prst="rect">
+              <a:avLst/>
+            </a:prstGeom>
+            <a:noFill/>
+          </p:spPr>
+          <p:txBody>
+            <a:bodyPr wrap="square" rtlCol="0">
+              <a:spAutoFit/>
+            </a:bodyPr>
+            <a:lstStyle/>
+            <a:p>
+              <a:r>
+                <a:rPr lang="zh-CN" altLang="en-US" dirty="0">
+                  <a:latin typeface="宋体" panose="02010600030101010101" pitchFamily="2" charset="-122"/>
+                  <a:ea typeface="宋体" panose="02010600030101010101" pitchFamily="2" charset="-122"/>
+                </a:rPr>
+                <a:t>铍窗</a:t>
+              </a:r>
+              <a:endParaRPr lang="en-US" dirty="0">
+                <a:latin typeface="宋体" panose="02010600030101010101" pitchFamily="2" charset="-122"/>
+                <a:ea typeface="宋体" panose="02010600030101010101" pitchFamily="2" charset="-122"/>
+              </a:endParaRPr>
+            </a:p>
+          </p:txBody>
+        </p:sp>
+        <p:cxnSp>
+          <p:nvCxnSpPr>
+            <p:cNvPr id="28" name="Straight Arrow Connector 27">
+              <a:extLst>
+                <a:ext uri="{FF2B5EF4-FFF2-40B4-BE49-F238E27FC236}">
+                  <a16:creationId xmlns:a16="http://schemas.microsoft.com/office/drawing/2014/main" id="{7E63E402-6A5A-49AB-9ED2-07741B886241}"/>
+                </a:ext>
+              </a:extLst>
+            </p:cNvPr>
+            <p:cNvCxnSpPr>
+              <a:cxnSpLocks/>
+              <a:stCxn id="20" idx="1"/>
+              <a:endCxn id="16" idx="3"/>
+            </p:cNvCxnSpPr>
+            <p:nvPr/>
+          </p:nvCxnSpPr>
+          <p:spPr>
+            <a:xfrm flipH="1" flipV="1">
+              <a:off x="8750949" y="2831849"/>
+              <a:ext cx="499885" cy="327160"/>
+            </a:xfrm>
+            <a:prstGeom prst="straightConnector1">
+              <a:avLst/>
+            </a:prstGeom>
+            <a:ln>
+              <a:solidFill>
+                <a:schemeClr val="tx1"/>
+              </a:solidFill>
+              <a:tailEnd type="triangle"/>
+            </a:ln>
+          </p:spPr>
+          <p:style>
+            <a:lnRef idx="1">
+              <a:schemeClr val="accent1"/>
+            </a:lnRef>
+            <a:fillRef idx="0">
+              <a:schemeClr val="accent1"/>
+            </a:fillRef>
+            <a:effectRef idx="0">
+              <a:schemeClr val="accent1"/>
+            </a:effectRef>
+            <a:fontRef idx="minor">
+              <a:schemeClr val="tx1"/>
+            </a:fontRef>
+          </p:style>
+        </p:cxnSp>
+        <p:cxnSp>
+          <p:nvCxnSpPr>
+            <p:cNvPr id="32" name="Straight Arrow Connector 31">
+              <a:extLst>
+                <a:ext uri="{FF2B5EF4-FFF2-40B4-BE49-F238E27FC236}">
+                  <a16:creationId xmlns:a16="http://schemas.microsoft.com/office/drawing/2014/main" id="{CFDD71DD-1C1F-4BB0-9036-53F2B4D097CD}"/>
+                </a:ext>
+              </a:extLst>
+            </p:cNvPr>
+            <p:cNvCxnSpPr>
+              <a:cxnSpLocks/>
+              <a:stCxn id="19" idx="1"/>
+              <a:endCxn id="15" idx="3"/>
+            </p:cNvCxnSpPr>
+            <p:nvPr/>
+          </p:nvCxnSpPr>
+          <p:spPr>
+            <a:xfrm flipH="1">
+              <a:off x="8231505" y="3543890"/>
+              <a:ext cx="1019329" cy="8797"/>
+            </a:xfrm>
+            <a:prstGeom prst="straightConnector1">
+              <a:avLst/>
+            </a:prstGeom>
+            <a:ln>
+              <a:solidFill>
+                <a:schemeClr val="tx1"/>
+              </a:solidFill>
+              <a:tailEnd type="triangle"/>
+            </a:ln>
+          </p:spPr>
+          <p:style>
+            <a:lnRef idx="1">
+              <a:schemeClr val="accent1"/>
+            </a:lnRef>
+            <a:fillRef idx="0">
+              <a:schemeClr val="accent1"/>
+            </a:fillRef>
+            <a:effectRef idx="0">
+              <a:schemeClr val="accent1"/>
+            </a:effectRef>
+            <a:fontRef idx="minor">
+              <a:schemeClr val="tx1"/>
+            </a:fontRef>
+          </p:style>
+        </p:cxnSp>
+        <p:cxnSp>
+          <p:nvCxnSpPr>
+            <p:cNvPr id="34" name="Straight Arrow Connector 33">
+              <a:extLst>
+                <a:ext uri="{FF2B5EF4-FFF2-40B4-BE49-F238E27FC236}">
+                  <a16:creationId xmlns:a16="http://schemas.microsoft.com/office/drawing/2014/main" id="{C07C72C4-7418-4089-9E80-0C807FD9FC6C}"/>
+                </a:ext>
+              </a:extLst>
+            </p:cNvPr>
+            <p:cNvCxnSpPr>
+              <a:cxnSpLocks/>
+              <a:stCxn id="18" idx="1"/>
+              <a:endCxn id="14" idx="3"/>
+            </p:cNvCxnSpPr>
+            <p:nvPr/>
+          </p:nvCxnSpPr>
+          <p:spPr>
+            <a:xfrm flipH="1" flipV="1">
+              <a:off x="8033385" y="3789331"/>
+              <a:ext cx="1217449" cy="139440"/>
+            </a:xfrm>
+            <a:prstGeom prst="straightConnector1">
+              <a:avLst/>
+            </a:prstGeom>
+            <a:ln>
+              <a:solidFill>
+                <a:schemeClr val="tx1"/>
+              </a:solidFill>
+              <a:tailEnd type="triangle"/>
+            </a:ln>
+          </p:spPr>
+          <p:style>
+            <a:lnRef idx="1">
+              <a:schemeClr val="accent1"/>
+            </a:lnRef>
+            <a:fillRef idx="0">
+              <a:schemeClr val="accent1"/>
+            </a:fillRef>
+            <a:effectRef idx="0">
+              <a:schemeClr val="accent1"/>
+            </a:effectRef>
+            <a:fontRef idx="minor">
+              <a:schemeClr val="tx1"/>
+            </a:fontRef>
+          </p:style>
+        </p:cxnSp>
+        <p:cxnSp>
+          <p:nvCxnSpPr>
+            <p:cNvPr id="36" name="Straight Arrow Connector 35">
+              <a:extLst>
+                <a:ext uri="{FF2B5EF4-FFF2-40B4-BE49-F238E27FC236}">
+                  <a16:creationId xmlns:a16="http://schemas.microsoft.com/office/drawing/2014/main" id="{BC882B59-940A-4F88-A247-442FAD86556B}"/>
+                </a:ext>
+              </a:extLst>
+            </p:cNvPr>
+            <p:cNvCxnSpPr>
+              <a:cxnSpLocks/>
+              <a:stCxn id="17" idx="1"/>
+              <a:endCxn id="13" idx="3"/>
+            </p:cNvCxnSpPr>
+            <p:nvPr/>
+          </p:nvCxnSpPr>
+          <p:spPr>
+            <a:xfrm flipH="1">
+              <a:off x="8750949" y="4313652"/>
+              <a:ext cx="499885" cy="72544"/>
+            </a:xfrm>
+            <a:prstGeom prst="straightConnector1">
+              <a:avLst/>
+            </a:prstGeom>
+            <a:ln>
+              <a:solidFill>
+                <a:schemeClr val="tx1"/>
+              </a:solidFill>
+              <a:tailEnd type="triangle"/>
+            </a:ln>
+          </p:spPr>
+          <p:style>
+            <a:lnRef idx="1">
+              <a:schemeClr val="accent1"/>
+            </a:lnRef>
+            <a:fillRef idx="0">
+              <a:schemeClr val="accent1"/>
+            </a:fillRef>
+            <a:effectRef idx="0">
+              <a:schemeClr val="accent1"/>
+            </a:effectRef>
+            <a:fontRef idx="minor">
+              <a:schemeClr val="tx1"/>
+            </a:fontRef>
+          </p:style>
+        </p:cxnSp>
+        <p:cxnSp>
+          <p:nvCxnSpPr>
+            <p:cNvPr id="40" name="Straight Arrow Connector 39">
+              <a:extLst>
+                <a:ext uri="{FF2B5EF4-FFF2-40B4-BE49-F238E27FC236}">
+                  <a16:creationId xmlns:a16="http://schemas.microsoft.com/office/drawing/2014/main" id="{334D37DB-9874-441E-ADC8-C988AF7F8265}"/>
+                </a:ext>
+              </a:extLst>
+            </p:cNvPr>
+            <p:cNvCxnSpPr>
+              <a:cxnSpLocks/>
+              <a:stCxn id="12" idx="2"/>
+              <a:endCxn id="11" idx="0"/>
+            </p:cNvCxnSpPr>
+            <p:nvPr/>
+          </p:nvCxnSpPr>
+          <p:spPr>
+            <a:xfrm>
+              <a:off x="7818275" y="1523223"/>
+              <a:ext cx="0" cy="287406"/>
+            </a:xfrm>
+            <a:prstGeom prst="straightConnector1">
+              <a:avLst/>
+            </a:prstGeom>
+            <a:ln>
+              <a:solidFill>
+                <a:schemeClr val="tx1"/>
+              </a:solidFill>
+              <a:tailEnd type="triangle"/>
+            </a:ln>
+          </p:spPr>
+          <p:style>
+            <a:lnRef idx="1">
+              <a:schemeClr val="accent1"/>
+            </a:lnRef>
+            <a:fillRef idx="0">
+              <a:schemeClr val="accent1"/>
+            </a:fillRef>
+            <a:effectRef idx="0">
+              <a:schemeClr val="accent1"/>
+            </a:effectRef>
+            <a:fontRef idx="minor">
+              <a:schemeClr val="tx1"/>
+            </a:fontRef>
+          </p:style>
+        </p:cxnSp>
+        <p:cxnSp>
+          <p:nvCxnSpPr>
+            <p:cNvPr id="46" name="Straight Connector 45">
+              <a:extLst>
+                <a:ext uri="{FF2B5EF4-FFF2-40B4-BE49-F238E27FC236}">
+                  <a16:creationId xmlns:a16="http://schemas.microsoft.com/office/drawing/2014/main" id="{CB8A9882-0B5C-4AE8-B3BD-2DE649F0BA0F}"/>
+                </a:ext>
+              </a:extLst>
+            </p:cNvPr>
+            <p:cNvCxnSpPr/>
+            <p:nvPr/>
+          </p:nvCxnSpPr>
+          <p:spPr>
+            <a:xfrm>
+              <a:off x="6885601" y="2974343"/>
+              <a:ext cx="1879653" cy="0"/>
+            </a:xfrm>
+            <a:prstGeom prst="line">
+              <a:avLst/>
+            </a:prstGeom>
+            <a:ln w="19050" cap="flat" cmpd="sng" algn="ctr">
+              <a:solidFill>
+                <a:schemeClr val="dk1"/>
+              </a:solidFill>
+              <a:prstDash val="lgDash"/>
+              <a:round/>
+              <a:headEnd type="none" w="med" len="med"/>
+              <a:tailEnd type="none" w="med" len="med"/>
+            </a:ln>
+          </p:spPr>
+          <p:style>
+            <a:lnRef idx="0">
+              <a:scrgbClr r="0" g="0" b="0"/>
+            </a:lnRef>
+            <a:fillRef idx="0">
+              <a:scrgbClr r="0" g="0" b="0"/>
+            </a:fillRef>
+            <a:effectRef idx="0">
+              <a:scrgbClr r="0" g="0" b="0"/>
+            </a:effectRef>
+            <a:fontRef idx="minor">
+              <a:schemeClr val="tx1"/>
+            </a:fontRef>
+          </p:style>
+        </p:cxnSp>
+        <p:cxnSp>
+          <p:nvCxnSpPr>
+            <p:cNvPr id="5" name="Straight Arrow Connector 4">
+              <a:extLst>
+                <a:ext uri="{FF2B5EF4-FFF2-40B4-BE49-F238E27FC236}">
+                  <a16:creationId xmlns:a16="http://schemas.microsoft.com/office/drawing/2014/main" id="{32DCA992-1895-465B-9B55-01819E947C3B}"/>
+                </a:ext>
+              </a:extLst>
+            </p:cNvPr>
+            <p:cNvCxnSpPr>
+              <a:stCxn id="11" idx="3"/>
+              <a:endCxn id="7" idx="1"/>
+            </p:cNvCxnSpPr>
+            <p:nvPr/>
+          </p:nvCxnSpPr>
+          <p:spPr>
+            <a:xfrm flipV="1">
+              <a:off x="8750949" y="1254449"/>
+              <a:ext cx="477804" cy="805531"/>
+            </a:xfrm>
+            <a:prstGeom prst="straightConnector1">
+              <a:avLst/>
+            </a:prstGeom>
+            <a:ln>
+              <a:solidFill>
+                <a:schemeClr val="tx1"/>
+              </a:solidFill>
+              <a:tailEnd type="triangle"/>
+            </a:ln>
+          </p:spPr>
+          <p:style>
+            <a:lnRef idx="1">
+              <a:schemeClr val="accent1"/>
+            </a:lnRef>
+            <a:fillRef idx="0">
+              <a:schemeClr val="accent1"/>
+            </a:fillRef>
+            <a:effectRef idx="0">
+              <a:schemeClr val="accent1"/>
+            </a:effectRef>
+            <a:fontRef idx="minor">
+              <a:schemeClr val="tx1"/>
+            </a:fontRef>
+          </p:style>
+        </p:cxnSp>
+        <p:sp>
+          <p:nvSpPr>
+            <p:cNvPr id="29" name="Rectangle 28">
+              <a:extLst>
+                <a:ext uri="{FF2B5EF4-FFF2-40B4-BE49-F238E27FC236}">
+                  <a16:creationId xmlns:a16="http://schemas.microsoft.com/office/drawing/2014/main" id="{DA91D786-A726-4527-9426-7DB2DE2564F1}"/>
+                </a:ext>
+              </a:extLst>
+            </p:cNvPr>
+            <p:cNvSpPr/>
+            <p:nvPr/>
+          </p:nvSpPr>
+          <p:spPr>
+            <a:xfrm>
+              <a:off x="9228753" y="2317598"/>
+              <a:ext cx="1865348" cy="498702"/>
+            </a:xfrm>
+            <a:prstGeom prst="rect">
+              <a:avLst/>
+            </a:prstGeom>
+            <a:solidFill>
+              <a:schemeClr val="bg1"/>
+            </a:solidFill>
+            <a:ln w="38100">
+              <a:solidFill>
+                <a:schemeClr val="tx1"/>
+              </a:solidFill>
+            </a:ln>
+          </p:spPr>
+          <p:style>
+            <a:lnRef idx="2">
+              <a:schemeClr val="accent1">
+                <a:shade val="50000"/>
+              </a:schemeClr>
+            </a:lnRef>
+            <a:fillRef idx="1">
+              <a:schemeClr val="accent1"/>
+            </a:fillRef>
+            <a:effectRef idx="0">
+              <a:schemeClr val="accent1"/>
+            </a:effectRef>
+            <a:fontRef idx="minor">
+              <a:schemeClr val="lt1"/>
+            </a:fontRef>
+          </p:style>
+          <p:txBody>
+            <a:bodyPr rtlCol="0" anchor="ctr"/>
+            <a:lstStyle/>
+            <a:p>
+              <a:pPr algn="ctr"/>
+              <a:r>
+                <a:rPr lang="zh-CN" altLang="en-US" dirty="0">
+                  <a:solidFill>
+                    <a:schemeClr val="tx1"/>
+                  </a:solidFill>
+                  <a:latin typeface="宋体" panose="02010600030101010101" pitchFamily="2" charset="-122"/>
+                  <a:ea typeface="宋体" panose="02010600030101010101" pitchFamily="2" charset="-122"/>
+                </a:rPr>
+                <a:t>计算机</a:t>
+              </a:r>
+              <a:endParaRPr lang="en-US" dirty="0">
+                <a:solidFill>
+                  <a:schemeClr val="tx1"/>
+                </a:solidFill>
+                <a:latin typeface="宋体" panose="02010600030101010101" pitchFamily="2" charset="-122"/>
+                <a:ea typeface="宋体" panose="02010600030101010101" pitchFamily="2" charset="-122"/>
+              </a:endParaRPr>
+            </a:p>
+          </p:txBody>
+        </p:sp>
+        <p:cxnSp>
+          <p:nvCxnSpPr>
+            <p:cNvPr id="23" name="Straight Arrow Connector 22">
+              <a:extLst>
+                <a:ext uri="{FF2B5EF4-FFF2-40B4-BE49-F238E27FC236}">
+                  <a16:creationId xmlns:a16="http://schemas.microsoft.com/office/drawing/2014/main" id="{FF1FDE67-AD36-4939-BE92-95DEB2A4C0DC}"/>
+                </a:ext>
+              </a:extLst>
+            </p:cNvPr>
+            <p:cNvCxnSpPr>
+              <a:stCxn id="9" idx="2"/>
+              <a:endCxn id="29" idx="0"/>
+            </p:cNvCxnSpPr>
+            <p:nvPr/>
+          </p:nvCxnSpPr>
+          <p:spPr>
+            <a:xfrm>
+              <a:off x="10161427" y="1993651"/>
+              <a:ext cx="0" cy="323947"/>
+            </a:xfrm>
+            <a:prstGeom prst="straightConnector1">
+              <a:avLst/>
+            </a:prstGeom>
+            <a:ln>
+              <a:solidFill>
+                <a:schemeClr val="tx1"/>
+              </a:solidFill>
+              <a:tailEnd type="triangle"/>
+            </a:ln>
+          </p:spPr>
+          <p:style>
+            <a:lnRef idx="1">
+              <a:schemeClr val="accent1"/>
+            </a:lnRef>
+            <a:fillRef idx="0">
+              <a:schemeClr val="accent1"/>
+            </a:fillRef>
+            <a:effectRef idx="0">
+              <a:schemeClr val="accent1"/>
+            </a:effectRef>
+            <a:fontRef idx="minor">
+              <a:schemeClr val="tx1"/>
+            </a:fontRef>
+          </p:style>
+        </p:cxnSp>
+      </p:grpSp>
+    </p:spTree>
+    <p:extLst>
+      <p:ext uri="{BB962C8B-B14F-4D97-AF65-F5344CB8AC3E}">
+        <p14:creationId xmlns:p14="http://schemas.microsoft.com/office/powerpoint/2010/main" val="3774441412"/>
+      </p:ext>
+    </p:extLst>
+  </p:cSld>
+  <p:clrMapOvr>
+    <a:masterClrMapping/>
+  </p:clrMapOvr>
+</p:sld>
+</file>
+
+<file path=ppt/slides/slide13.xml><?xml version="1.0" encoding="utf-8"?>
+<p:sld xmlns:a="http://schemas.openxmlformats.org/drawingml/2006/main" xmlns:r="http://schemas.openxmlformats.org/officeDocument/2006/relationships" xmlns:p="http://schemas.openxmlformats.org/presentationml/2006/main">
+  <p:cSld>
+    <p:spTree>
+      <p:nvGrpSpPr>
+        <p:cNvPr id="1" name=""/>
+        <p:cNvGrpSpPr/>
+        <p:nvPr/>
+      </p:nvGrpSpPr>
+      <p:grpSpPr>
+        <a:xfrm>
+          <a:off x="0" y="0"/>
+          <a:ext cx="0" cy="0"/>
+          <a:chOff x="0" y="0"/>
+          <a:chExt cx="0" cy="0"/>
+        </a:xfrm>
+      </p:grpSpPr>
+      <p:sp>
+        <p:nvSpPr>
+          <p:cNvPr id="2" name="Title 1">
+            <a:extLst>
+              <a:ext uri="{FF2B5EF4-FFF2-40B4-BE49-F238E27FC236}">
+                <a16:creationId xmlns:a16="http://schemas.microsoft.com/office/drawing/2014/main" id="{884542C5-D304-4672-B621-742917D2AB93}"/>
+              </a:ext>
+            </a:extLst>
+          </p:cNvPr>
+          <p:cNvSpPr>
+            <a:spLocks noGrp="1"/>
+          </p:cNvSpPr>
+          <p:nvPr>
+            <p:ph type="title"/>
+          </p:nvPr>
+        </p:nvSpPr>
+        <p:spPr/>
+        <p:txBody>
+          <a:bodyPr/>
+          <a:lstStyle/>
+          <a:p>
+            <a:endParaRPr lang="en-US"/>
+          </a:p>
+        </p:txBody>
+      </p:sp>
+      <p:pic>
+        <p:nvPicPr>
+          <p:cNvPr id="14" name="Content Placeholder 13">
+            <a:extLst>
+              <a:ext uri="{FF2B5EF4-FFF2-40B4-BE49-F238E27FC236}">
+                <a16:creationId xmlns:a16="http://schemas.microsoft.com/office/drawing/2014/main" id="{42E9DA2A-69E2-4D9F-B6DA-2FFA0FE36F8D}"/>
+              </a:ext>
+            </a:extLst>
+          </p:cNvPr>
+          <p:cNvPicPr>
+            <a:picLocks noGrp="1" noChangeAspect="1"/>
+          </p:cNvPicPr>
+          <p:nvPr>
+            <p:ph idx="1"/>
+          </p:nvPr>
+        </p:nvPicPr>
+        <p:blipFill>
+          <a:blip r:embed="rId2">
+            <a:extLst>
+              <a:ext uri="{28A0092B-C50C-407E-A947-70E740481C1C}">
+                <a14:useLocalDpi xmlns:a14="http://schemas.microsoft.com/office/drawing/2010/main" val="0"/>
+              </a:ext>
+            </a:extLst>
+          </a:blip>
+          <a:stretch>
+            <a:fillRect/>
+          </a:stretch>
+        </p:blipFill>
+        <p:spPr>
+          <a:xfrm>
+            <a:off x="-821115" y="-74710"/>
+            <a:ext cx="8572500" cy="6858001"/>
+          </a:xfrm>
+        </p:spPr>
+      </p:pic>
+      <p:pic>
+        <p:nvPicPr>
+          <p:cNvPr id="16" name="Picture 15">
+            <a:extLst>
+              <a:ext uri="{FF2B5EF4-FFF2-40B4-BE49-F238E27FC236}">
+                <a16:creationId xmlns:a16="http://schemas.microsoft.com/office/drawing/2014/main" id="{2ED8ED45-1E77-46E7-8792-91AECF855910}"/>
+              </a:ext>
+            </a:extLst>
+          </p:cNvPr>
+          <p:cNvPicPr>
+            <a:picLocks noChangeAspect="1"/>
+          </p:cNvPicPr>
+          <p:nvPr/>
+        </p:nvPicPr>
+        <p:blipFill>
+          <a:blip r:embed="rId3">
+            <a:extLst>
+              <a:ext uri="{28A0092B-C50C-407E-A947-70E740481C1C}">
+                <a14:useLocalDpi xmlns:a14="http://schemas.microsoft.com/office/drawing/2010/main" val="0"/>
+              </a:ext>
+            </a:extLst>
+          </a:blip>
+          <a:stretch>
+            <a:fillRect/>
+          </a:stretch>
+        </p:blipFill>
+        <p:spPr>
+          <a:xfrm>
+            <a:off x="6886937" y="454910"/>
+            <a:ext cx="8572500" cy="6858000"/>
+          </a:xfrm>
+          <a:prstGeom prst="rect">
+            <a:avLst/>
+          </a:prstGeom>
+        </p:spPr>
+      </p:pic>
+      <p:sp>
+        <p:nvSpPr>
+          <p:cNvPr id="17" name="Oval 16">
+            <a:extLst>
+              <a:ext uri="{FF2B5EF4-FFF2-40B4-BE49-F238E27FC236}">
+                <a16:creationId xmlns:a16="http://schemas.microsoft.com/office/drawing/2014/main" id="{4C1B6F2A-9781-461B-A3DA-52AD51387745}"/>
+              </a:ext>
+            </a:extLst>
+          </p:cNvPr>
+          <p:cNvSpPr/>
+          <p:nvPr/>
+        </p:nvSpPr>
+        <p:spPr>
+          <a:xfrm>
+            <a:off x="1250787" y="440982"/>
+            <a:ext cx="5636150" cy="5636150"/>
+          </a:xfrm>
+          <a:prstGeom prst="ellipse">
+            <a:avLst/>
+          </a:prstGeom>
+          <a:noFill/>
+          <a:ln>
+            <a:solidFill>
+              <a:srgbClr val="FFC000"/>
+            </a:solidFill>
+          </a:ln>
+        </p:spPr>
+        <p:style>
+          <a:lnRef idx="2">
+            <a:schemeClr val="accent1">
+              <a:shade val="50000"/>
+            </a:schemeClr>
+          </a:lnRef>
+          <a:fillRef idx="1">
+            <a:schemeClr val="accent1"/>
+          </a:fillRef>
+          <a:effectRef idx="0">
+            <a:schemeClr val="accent1"/>
+          </a:effectRef>
+          <a:fontRef idx="minor">
+            <a:schemeClr val="lt1"/>
+          </a:fontRef>
+        </p:style>
+        <p:txBody>
+          <a:bodyPr rtlCol="0" anchor="ctr"/>
+          <a:lstStyle/>
+          <a:p>
+            <a:pPr algn="ctr"/>
+            <a:endParaRPr lang="en-US"/>
+          </a:p>
+        </p:txBody>
+      </p:sp>
+      <p:cxnSp>
+        <p:nvCxnSpPr>
+          <p:cNvPr id="19" name="Straight Connector 18">
+            <a:extLst>
+              <a:ext uri="{FF2B5EF4-FFF2-40B4-BE49-F238E27FC236}">
+                <a16:creationId xmlns:a16="http://schemas.microsoft.com/office/drawing/2014/main" id="{96030623-7827-473A-9E69-265EE3315D75}"/>
+              </a:ext>
+            </a:extLst>
+          </p:cNvPr>
+          <p:cNvCxnSpPr>
+            <a:cxnSpLocks/>
+          </p:cNvCxnSpPr>
+          <p:nvPr/>
+        </p:nvCxnSpPr>
+        <p:spPr>
+          <a:xfrm flipH="1">
+            <a:off x="9342442" y="3773950"/>
+            <a:ext cx="2082478" cy="0"/>
+          </a:xfrm>
+          <a:prstGeom prst="line">
+            <a:avLst/>
+          </a:prstGeom>
+        </p:spPr>
+        <p:style>
+          <a:lnRef idx="1">
+            <a:schemeClr val="accent1"/>
+          </a:lnRef>
+          <a:fillRef idx="0">
+            <a:schemeClr val="accent1"/>
+          </a:fillRef>
+          <a:effectRef idx="0">
+            <a:schemeClr val="accent1"/>
+          </a:effectRef>
+          <a:fontRef idx="minor">
+            <a:schemeClr val="tx1"/>
+          </a:fontRef>
+        </p:style>
+      </p:cxnSp>
+    </p:spTree>
+    <p:extLst>
+      <p:ext uri="{BB962C8B-B14F-4D97-AF65-F5344CB8AC3E}">
+        <p14:creationId xmlns:p14="http://schemas.microsoft.com/office/powerpoint/2010/main" val="1841115575"/>
       </p:ext>
     </p:extLst>
   </p:cSld>
@@ -14257,7 +15829,7 @@
                 <p:spPr>
                   <a:xfrm>
                     <a:off x="8765343" y="3748087"/>
-                    <a:ext cx="442685" cy="369332"/>
+                    <a:ext cx="370934" cy="369332"/>
                   </a:xfrm>
                   <a:prstGeom prst="rect">
                     <a:avLst/>
@@ -14277,31 +15849,12 @@
                           <m:jc m:val="centerGroup"/>
                         </m:oMathParaPr>
                         <m:oMath xmlns:m="http://schemas.openxmlformats.org/officeDocument/2006/math">
-                          <m:sSub>
-                            <m:sSubPr>
-                              <m:ctrlPr>
-                                <a:rPr lang="en-US" altLang="zh-CN" b="0" i="1" smtClean="0">
-                                  <a:latin typeface="Cambria Math" panose="02040503050406030204" pitchFamily="18" charset="0"/>
-                                </a:rPr>
-                              </m:ctrlPr>
-                            </m:sSubPr>
-                            <m:e>
-                              <m:r>
-                                <a:rPr lang="en-US" altLang="zh-CN" i="1" smtClean="0">
-                                  <a:latin typeface="Cambria Math" panose="02040503050406030204" pitchFamily="18" charset="0"/>
-                                </a:rPr>
-                                <m:t>𝑟</m:t>
-                              </m:r>
-                            </m:e>
-                            <m:sub>
-                              <m:r>
-                                <a:rPr lang="en-US" altLang="zh-CN" b="0" i="1" smtClean="0">
-                                  <a:latin typeface="Cambria Math" panose="02040503050406030204" pitchFamily="18" charset="0"/>
-                                </a:rPr>
-                                <m:t>𝐹</m:t>
-                              </m:r>
-                            </m:sub>
-                          </m:sSub>
+                          <m:r>
+                            <a:rPr lang="en-US" altLang="zh-CN" b="0" i="1" smtClean="0">
+                              <a:latin typeface="Cambria Math" panose="02040503050406030204" pitchFamily="18" charset="0"/>
+                            </a:rPr>
+                            <m:t>𝑘</m:t>
+                          </m:r>
                         </m:oMath>
                       </m:oMathPara>
                     </a14:m>
@@ -14328,7 +15881,7 @@
                 <p:spPr>
                   <a:xfrm>
                     <a:off x="8765343" y="3748087"/>
-                    <a:ext cx="442685" cy="369332"/>
+                    <a:ext cx="370934" cy="369332"/>
                   </a:xfrm>
                   <a:prstGeom prst="rect">
                     <a:avLst/>
@@ -14683,6 +16236,1139 @@
           </mc:AlternateContent>
         </p:grpSp>
       </p:grpSp>
+      <p:grpSp>
+        <p:nvGrpSpPr>
+          <p:cNvPr id="50" name="Group 49">
+            <a:extLst>
+              <a:ext uri="{FF2B5EF4-FFF2-40B4-BE49-F238E27FC236}">
+                <a16:creationId xmlns:a16="http://schemas.microsoft.com/office/drawing/2014/main" id="{EAAEA376-1254-4DA2-8295-CD11064A7A2D}"/>
+              </a:ext>
+            </a:extLst>
+          </p:cNvPr>
+          <p:cNvGrpSpPr/>
+          <p:nvPr/>
+        </p:nvGrpSpPr>
+        <p:grpSpPr>
+          <a:xfrm>
+            <a:off x="7010415" y="2447546"/>
+            <a:ext cx="2884551" cy="3638410"/>
+            <a:chOff x="6858015" y="2295146"/>
+            <a:chExt cx="2884551" cy="3638410"/>
+          </a:xfrm>
+        </p:grpSpPr>
+        <p:sp>
+          <p:nvSpPr>
+            <p:cNvPr id="51" name="Rectangle 50">
+              <a:extLst>
+                <a:ext uri="{FF2B5EF4-FFF2-40B4-BE49-F238E27FC236}">
+                  <a16:creationId xmlns:a16="http://schemas.microsoft.com/office/drawing/2014/main" id="{91909453-F182-4938-8B09-3BA4C80B1257}"/>
+                </a:ext>
+              </a:extLst>
+            </p:cNvPr>
+            <p:cNvSpPr/>
+            <p:nvPr/>
+          </p:nvSpPr>
+          <p:spPr>
+            <a:xfrm>
+              <a:off x="6858015" y="2295148"/>
+              <a:ext cx="2835611" cy="3638408"/>
+            </a:xfrm>
+            <a:prstGeom prst="rect">
+              <a:avLst/>
+            </a:prstGeom>
+            <a:solidFill>
+              <a:schemeClr val="bg1"/>
+            </a:solidFill>
+            <a:ln>
+              <a:noFill/>
+            </a:ln>
+          </p:spPr>
+          <p:style>
+            <a:lnRef idx="2">
+              <a:schemeClr val="accent1">
+                <a:shade val="50000"/>
+              </a:schemeClr>
+            </a:lnRef>
+            <a:fillRef idx="1">
+              <a:schemeClr val="accent1"/>
+            </a:fillRef>
+            <a:effectRef idx="0">
+              <a:schemeClr val="accent1"/>
+            </a:effectRef>
+            <a:fontRef idx="minor">
+              <a:schemeClr val="lt1"/>
+            </a:fontRef>
+          </p:style>
+          <p:txBody>
+            <a:bodyPr rtlCol="0" anchor="ctr"/>
+            <a:lstStyle/>
+            <a:p>
+              <a:pPr algn="ctr"/>
+              <a:endParaRPr lang="en-US"/>
+            </a:p>
+          </p:txBody>
+        </p:sp>
+        <p:grpSp>
+          <p:nvGrpSpPr>
+            <p:cNvPr id="52" name="Group 51">
+              <a:extLst>
+                <a:ext uri="{FF2B5EF4-FFF2-40B4-BE49-F238E27FC236}">
+                  <a16:creationId xmlns:a16="http://schemas.microsoft.com/office/drawing/2014/main" id="{80DE647D-BEFE-4D4F-8771-44613E2E9205}"/>
+                </a:ext>
+              </a:extLst>
+            </p:cNvPr>
+            <p:cNvGrpSpPr/>
+            <p:nvPr/>
+          </p:nvGrpSpPr>
+          <p:grpSpPr>
+            <a:xfrm>
+              <a:off x="7200900" y="2295146"/>
+              <a:ext cx="2541666" cy="3638410"/>
+              <a:chOff x="7200900" y="1874460"/>
+              <a:chExt cx="2541666" cy="3638410"/>
+            </a:xfrm>
+          </p:grpSpPr>
+          <p:cxnSp>
+            <p:nvCxnSpPr>
+              <p:cNvPr id="53" name="Straight Arrow Connector 52">
+                <a:extLst>
+                  <a:ext uri="{FF2B5EF4-FFF2-40B4-BE49-F238E27FC236}">
+                    <a16:creationId xmlns:a16="http://schemas.microsoft.com/office/drawing/2014/main" id="{77E0F4C9-E2AE-470A-844D-63A3132D8A1D}"/>
+                  </a:ext>
+                </a:extLst>
+              </p:cNvPr>
+              <p:cNvCxnSpPr/>
+              <p:nvPr/>
+            </p:nvCxnSpPr>
+            <p:spPr>
+              <a:xfrm>
+                <a:off x="7200900" y="3737569"/>
+                <a:ext cx="2162908" cy="0"/>
+              </a:xfrm>
+              <a:prstGeom prst="straightConnector1">
+                <a:avLst/>
+              </a:prstGeom>
+              <a:ln w="19050">
+                <a:solidFill>
+                  <a:schemeClr val="tx1"/>
+                </a:solidFill>
+                <a:tailEnd type="triangle"/>
+              </a:ln>
+            </p:spPr>
+            <p:style>
+              <a:lnRef idx="1">
+                <a:schemeClr val="accent1"/>
+              </a:lnRef>
+              <a:fillRef idx="0">
+                <a:schemeClr val="accent1"/>
+              </a:fillRef>
+              <a:effectRef idx="0">
+                <a:schemeClr val="accent1"/>
+              </a:effectRef>
+              <a:fontRef idx="minor">
+                <a:schemeClr val="tx1"/>
+              </a:fontRef>
+            </p:style>
+          </p:cxnSp>
+          <p:cxnSp>
+            <p:nvCxnSpPr>
+              <p:cNvPr id="54" name="Straight Arrow Connector 53">
+                <a:extLst>
+                  <a:ext uri="{FF2B5EF4-FFF2-40B4-BE49-F238E27FC236}">
+                    <a16:creationId xmlns:a16="http://schemas.microsoft.com/office/drawing/2014/main" id="{C22B78DE-D8CB-46A1-831F-5132BD7B53F2}"/>
+                  </a:ext>
+                </a:extLst>
+              </p:cNvPr>
+              <p:cNvCxnSpPr>
+                <a:cxnSpLocks/>
+              </p:cNvCxnSpPr>
+              <p:nvPr/>
+            </p:nvCxnSpPr>
+            <p:spPr>
+              <a:xfrm flipV="1">
+                <a:off x="8282354" y="1962269"/>
+                <a:ext cx="0" cy="3550601"/>
+              </a:xfrm>
+              <a:prstGeom prst="straightConnector1">
+                <a:avLst/>
+              </a:prstGeom>
+              <a:ln w="19050">
+                <a:solidFill>
+                  <a:schemeClr val="tx1"/>
+                </a:solidFill>
+                <a:tailEnd type="triangle"/>
+              </a:ln>
+            </p:spPr>
+            <p:style>
+              <a:lnRef idx="1">
+                <a:schemeClr val="accent1"/>
+              </a:lnRef>
+              <a:fillRef idx="0">
+                <a:schemeClr val="accent1"/>
+              </a:fillRef>
+              <a:effectRef idx="0">
+                <a:schemeClr val="accent1"/>
+              </a:effectRef>
+              <a:fontRef idx="minor">
+                <a:schemeClr val="tx1"/>
+              </a:fontRef>
+            </p:style>
+          </p:cxnSp>
+          <p:sp>
+            <p:nvSpPr>
+              <p:cNvPr id="55" name="Oval 54">
+                <a:extLst>
+                  <a:ext uri="{FF2B5EF4-FFF2-40B4-BE49-F238E27FC236}">
+                    <a16:creationId xmlns:a16="http://schemas.microsoft.com/office/drawing/2014/main" id="{14A8FD95-F0EC-4C31-AC53-1142272D82BF}"/>
+                  </a:ext>
+                </a:extLst>
+              </p:cNvPr>
+              <p:cNvSpPr/>
+              <p:nvPr/>
+            </p:nvSpPr>
+            <p:spPr>
+              <a:xfrm rot="1460379">
+                <a:off x="8075742" y="2225294"/>
+                <a:ext cx="413224" cy="3024551"/>
+              </a:xfrm>
+              <a:prstGeom prst="ellipse">
+                <a:avLst/>
+              </a:prstGeom>
+              <a:noFill/>
+              <a:ln w="28575">
+                <a:solidFill>
+                  <a:schemeClr val="tx1"/>
+                </a:solidFill>
+              </a:ln>
+            </p:spPr>
+            <p:style>
+              <a:lnRef idx="2">
+                <a:schemeClr val="accent1">
+                  <a:shade val="50000"/>
+                </a:schemeClr>
+              </a:lnRef>
+              <a:fillRef idx="1">
+                <a:schemeClr val="accent1"/>
+              </a:fillRef>
+              <a:effectRef idx="0">
+                <a:schemeClr val="accent1"/>
+              </a:effectRef>
+              <a:fontRef idx="minor">
+                <a:schemeClr val="lt1"/>
+              </a:fontRef>
+            </p:style>
+            <p:txBody>
+              <a:bodyPr rtlCol="0" anchor="ctr"/>
+              <a:lstStyle/>
+              <a:p>
+                <a:pPr algn="ctr"/>
+                <a:endParaRPr lang="en-US"/>
+              </a:p>
+            </p:txBody>
+          </p:sp>
+          <p:cxnSp>
+            <p:nvCxnSpPr>
+              <p:cNvPr id="56" name="Straight Arrow Connector 55">
+                <a:extLst>
+                  <a:ext uri="{FF2B5EF4-FFF2-40B4-BE49-F238E27FC236}">
+                    <a16:creationId xmlns:a16="http://schemas.microsoft.com/office/drawing/2014/main" id="{04022423-3AB0-44B6-8C43-6FBB7A8D09CC}"/>
+                  </a:ext>
+                </a:extLst>
+              </p:cNvPr>
+              <p:cNvCxnSpPr/>
+              <p:nvPr/>
+            </p:nvCxnSpPr>
+            <p:spPr>
+              <a:xfrm flipV="1">
+                <a:off x="8282354" y="2369820"/>
+                <a:ext cx="0" cy="1367749"/>
+              </a:xfrm>
+              <a:prstGeom prst="straightConnector1">
+                <a:avLst/>
+              </a:prstGeom>
+              <a:ln w="38100">
+                <a:solidFill>
+                  <a:schemeClr val="tx1"/>
+                </a:solidFill>
+                <a:tailEnd type="triangle"/>
+              </a:ln>
+            </p:spPr>
+            <p:style>
+              <a:lnRef idx="1">
+                <a:schemeClr val="accent1"/>
+              </a:lnRef>
+              <a:fillRef idx="0">
+                <a:schemeClr val="accent1"/>
+              </a:fillRef>
+              <a:effectRef idx="0">
+                <a:schemeClr val="accent1"/>
+              </a:effectRef>
+              <a:fontRef idx="minor">
+                <a:schemeClr val="tx1"/>
+              </a:fontRef>
+            </p:style>
+          </p:cxnSp>
+          <p:cxnSp>
+            <p:nvCxnSpPr>
+              <p:cNvPr id="57" name="Straight Arrow Connector 56">
+                <a:extLst>
+                  <a:ext uri="{FF2B5EF4-FFF2-40B4-BE49-F238E27FC236}">
+                    <a16:creationId xmlns:a16="http://schemas.microsoft.com/office/drawing/2014/main" id="{5FD2AEFD-2D5A-403E-97B8-E134173B498C}"/>
+                  </a:ext>
+                </a:extLst>
+              </p:cNvPr>
+              <p:cNvCxnSpPr>
+                <a:cxnSpLocks/>
+              </p:cNvCxnSpPr>
+              <p:nvPr/>
+            </p:nvCxnSpPr>
+            <p:spPr>
+              <a:xfrm flipV="1">
+                <a:off x="8282354" y="3733827"/>
+                <a:ext cx="709246" cy="1"/>
+              </a:xfrm>
+              <a:prstGeom prst="straightConnector1">
+                <a:avLst/>
+              </a:prstGeom>
+              <a:ln w="38100">
+                <a:solidFill>
+                  <a:schemeClr val="tx1"/>
+                </a:solidFill>
+                <a:tailEnd type="triangle"/>
+              </a:ln>
+            </p:spPr>
+            <p:style>
+              <a:lnRef idx="1">
+                <a:schemeClr val="accent1"/>
+              </a:lnRef>
+              <a:fillRef idx="0">
+                <a:schemeClr val="accent1"/>
+              </a:fillRef>
+              <a:effectRef idx="0">
+                <a:schemeClr val="accent1"/>
+              </a:effectRef>
+              <a:fontRef idx="minor">
+                <a:schemeClr val="tx1"/>
+              </a:fontRef>
+            </p:style>
+          </p:cxnSp>
+          <p:cxnSp>
+            <p:nvCxnSpPr>
+              <p:cNvPr id="58" name="Straight Arrow Connector 57">
+                <a:extLst>
+                  <a:ext uri="{FF2B5EF4-FFF2-40B4-BE49-F238E27FC236}">
+                    <a16:creationId xmlns:a16="http://schemas.microsoft.com/office/drawing/2014/main" id="{E9D1C0AF-CA95-4127-9091-816241B1C3BE}"/>
+                  </a:ext>
+                </a:extLst>
+              </p:cNvPr>
+              <p:cNvCxnSpPr>
+                <a:endCxn id="55" idx="0"/>
+              </p:cNvCxnSpPr>
+              <p:nvPr/>
+            </p:nvCxnSpPr>
+            <p:spPr>
+              <a:xfrm flipV="1">
+                <a:off x="8282354" y="2359708"/>
+                <a:ext cx="623277" cy="1374119"/>
+              </a:xfrm>
+              <a:prstGeom prst="straightConnector1">
+                <a:avLst/>
+              </a:prstGeom>
+              <a:ln>
+                <a:solidFill>
+                  <a:schemeClr val="tx1"/>
+                </a:solidFill>
+                <a:tailEnd type="triangle"/>
+              </a:ln>
+            </p:spPr>
+            <p:style>
+              <a:lnRef idx="1">
+                <a:schemeClr val="accent1"/>
+              </a:lnRef>
+              <a:fillRef idx="0">
+                <a:schemeClr val="accent1"/>
+              </a:fillRef>
+              <a:effectRef idx="0">
+                <a:schemeClr val="accent1"/>
+              </a:effectRef>
+              <a:fontRef idx="minor">
+                <a:schemeClr val="tx1"/>
+              </a:fontRef>
+            </p:style>
+          </p:cxnSp>
+          <p:sp>
+            <p:nvSpPr>
+              <p:cNvPr id="59" name="Arc 58">
+                <a:extLst>
+                  <a:ext uri="{FF2B5EF4-FFF2-40B4-BE49-F238E27FC236}">
+                    <a16:creationId xmlns:a16="http://schemas.microsoft.com/office/drawing/2014/main" id="{594140EA-4BC2-4F7E-82CE-8E2341B57000}"/>
+                  </a:ext>
+                </a:extLst>
+              </p:cNvPr>
+              <p:cNvSpPr/>
+              <p:nvPr/>
+            </p:nvSpPr>
+            <p:spPr>
+              <a:xfrm rot="20630084">
+                <a:off x="8013662" y="2697447"/>
+                <a:ext cx="744647" cy="673942"/>
+              </a:xfrm>
+              <a:prstGeom prst="arc">
+                <a:avLst>
+                  <a:gd name="adj1" fmla="val 16200000"/>
+                  <a:gd name="adj2" fmla="val 20701216"/>
+                </a:avLst>
+              </a:prstGeom>
+              <a:ln>
+                <a:solidFill>
+                  <a:schemeClr val="tx1"/>
+                </a:solidFill>
+                <a:headEnd type="none" w="med" len="med"/>
+                <a:tailEnd type="triangle" w="med" len="med"/>
+              </a:ln>
+            </p:spPr>
+            <p:style>
+              <a:lnRef idx="1">
+                <a:schemeClr val="accent1"/>
+              </a:lnRef>
+              <a:fillRef idx="0">
+                <a:schemeClr val="accent1"/>
+              </a:fillRef>
+              <a:effectRef idx="0">
+                <a:schemeClr val="accent1"/>
+              </a:effectRef>
+              <a:fontRef idx="minor">
+                <a:schemeClr val="tx1"/>
+              </a:fontRef>
+            </p:style>
+            <p:txBody>
+              <a:bodyPr rtlCol="0" anchor="ctr"/>
+              <a:lstStyle/>
+              <a:p>
+                <a:pPr algn="ctr"/>
+                <a:endParaRPr lang="en-US"/>
+              </a:p>
+            </p:txBody>
+          </p:sp>
+          <p:sp>
+            <p:nvSpPr>
+              <p:cNvPr id="60" name="Arc 59">
+                <a:extLst>
+                  <a:ext uri="{FF2B5EF4-FFF2-40B4-BE49-F238E27FC236}">
+                    <a16:creationId xmlns:a16="http://schemas.microsoft.com/office/drawing/2014/main" id="{D2BF41DA-7261-4263-992D-56D317A20161}"/>
+                  </a:ext>
+                </a:extLst>
+              </p:cNvPr>
+              <p:cNvSpPr/>
+              <p:nvPr/>
+            </p:nvSpPr>
+            <p:spPr>
+              <a:xfrm rot="1441161">
+                <a:off x="8071679" y="2241977"/>
+                <a:ext cx="413224" cy="3024226"/>
+              </a:xfrm>
+              <a:prstGeom prst="arc">
+                <a:avLst>
+                  <a:gd name="adj1" fmla="val 16904136"/>
+                  <a:gd name="adj2" fmla="val 17236005"/>
+                </a:avLst>
+              </a:prstGeom>
+              <a:ln w="19050">
+                <a:solidFill>
+                  <a:schemeClr val="tx1"/>
+                </a:solidFill>
+                <a:headEnd type="none" w="med" len="med"/>
+                <a:tailEnd type="triangle" w="med" len="med"/>
+              </a:ln>
+            </p:spPr>
+            <p:style>
+              <a:lnRef idx="1">
+                <a:schemeClr val="accent1"/>
+              </a:lnRef>
+              <a:fillRef idx="0">
+                <a:schemeClr val="accent1"/>
+              </a:fillRef>
+              <a:effectRef idx="0">
+                <a:schemeClr val="accent1"/>
+              </a:effectRef>
+              <a:fontRef idx="minor">
+                <a:schemeClr val="tx1"/>
+              </a:fontRef>
+            </p:style>
+            <p:txBody>
+              <a:bodyPr rtlCol="0" anchor="ctr"/>
+              <a:lstStyle/>
+              <a:p>
+                <a:pPr algn="ctr"/>
+                <a:endParaRPr lang="en-US"/>
+              </a:p>
+            </p:txBody>
+          </p:sp>
+          <mc:AlternateContent xmlns:mc="http://schemas.openxmlformats.org/markup-compatibility/2006" xmlns:a14="http://schemas.microsoft.com/office/drawing/2010/main">
+            <mc:Choice Requires="a14">
+              <p:sp>
+                <p:nvSpPr>
+                  <p:cNvPr id="61" name="TextBox 60">
+                    <a:extLst>
+                      <a:ext uri="{FF2B5EF4-FFF2-40B4-BE49-F238E27FC236}">
+                        <a16:creationId xmlns:a16="http://schemas.microsoft.com/office/drawing/2014/main" id="{2557ADB7-6DA1-4971-99B0-AC94A8282983}"/>
+                      </a:ext>
+                    </a:extLst>
+                  </p:cNvPr>
+                  <p:cNvSpPr txBox="1"/>
+                  <p:nvPr/>
+                </p:nvSpPr>
+                <p:spPr>
+                  <a:xfrm>
+                    <a:off x="7890251" y="1874460"/>
+                    <a:ext cx="367986" cy="369332"/>
+                  </a:xfrm>
+                  <a:prstGeom prst="rect">
+                    <a:avLst/>
+                  </a:prstGeom>
+                  <a:noFill/>
+                </p:spPr>
+                <p:txBody>
+                  <a:bodyPr wrap="none" rtlCol="0">
+                    <a:spAutoFit/>
+                  </a:bodyPr>
+                  <a:lstStyle/>
+                  <a:p>
+                    <a:pPr/>
+                    <a14:m>
+                      <m:oMathPara xmlns:m="http://schemas.openxmlformats.org/officeDocument/2006/math">
+                        <m:oMathParaPr>
+                          <m:jc m:val="centerGroup"/>
+                        </m:oMathParaPr>
+                        <m:oMath xmlns:m="http://schemas.openxmlformats.org/officeDocument/2006/math">
+                          <m:r>
+                            <a:rPr lang="en-US" altLang="zh-CN" b="0" i="1" smtClean="0">
+                              <a:latin typeface="Cambria Math" panose="02040503050406030204" pitchFamily="18" charset="0"/>
+                            </a:rPr>
+                            <m:t>𝑥</m:t>
+                          </m:r>
+                        </m:oMath>
+                      </m:oMathPara>
+                    </a14:m>
+                    <a:endParaRPr lang="en-US" i="1" dirty="0"/>
+                  </a:p>
+                </p:txBody>
+              </p:sp>
+            </mc:Choice>
+            <mc:Fallback xmlns="">
+              <p:sp>
+                <p:nvSpPr>
+                  <p:cNvPr id="42" name="TextBox 41">
+                    <a:extLst>
+                      <a:ext uri="{FF2B5EF4-FFF2-40B4-BE49-F238E27FC236}">
+                        <a16:creationId xmlns:a16="http://schemas.microsoft.com/office/drawing/2014/main" id="{4AE4C180-6475-492C-BF29-E9E9677045AA}"/>
+                      </a:ext>
+                    </a:extLst>
+                  </p:cNvPr>
+                  <p:cNvSpPr txBox="1">
+                    <a:spLocks noRot="1" noChangeAspect="1" noMove="1" noResize="1" noEditPoints="1" noAdjustHandles="1" noChangeArrowheads="1" noChangeShapeType="1" noTextEdit="1"/>
+                  </p:cNvSpPr>
+                  <p:nvPr/>
+                </p:nvSpPr>
+                <p:spPr>
+                  <a:xfrm>
+                    <a:off x="7890251" y="1874460"/>
+                    <a:ext cx="367986" cy="369332"/>
+                  </a:xfrm>
+                  <a:prstGeom prst="rect">
+                    <a:avLst/>
+                  </a:prstGeom>
+                  <a:blipFill>
+                    <a:blip r:embed="rId5"/>
+                    <a:stretch>
+                      <a:fillRect/>
+                    </a:stretch>
+                  </a:blipFill>
+                </p:spPr>
+                <p:txBody>
+                  <a:bodyPr/>
+                  <a:lstStyle/>
+                  <a:p>
+                    <a:r>
+                      <a:rPr lang="en-US">
+                        <a:noFill/>
+                      </a:rPr>
+                      <a:t> </a:t>
+                    </a:r>
+                  </a:p>
+                </p:txBody>
+              </p:sp>
+            </mc:Fallback>
+          </mc:AlternateContent>
+          <mc:AlternateContent xmlns:mc="http://schemas.openxmlformats.org/markup-compatibility/2006" xmlns:a14="http://schemas.microsoft.com/office/drawing/2010/main">
+            <mc:Choice Requires="a14">
+              <p:sp>
+                <p:nvSpPr>
+                  <p:cNvPr id="62" name="TextBox 61">
+                    <a:extLst>
+                      <a:ext uri="{FF2B5EF4-FFF2-40B4-BE49-F238E27FC236}">
+                        <a16:creationId xmlns:a16="http://schemas.microsoft.com/office/drawing/2014/main" id="{56FD08B6-B66B-4145-BDD1-EC0555D4DCE5}"/>
+                      </a:ext>
+                    </a:extLst>
+                  </p:cNvPr>
+                  <p:cNvSpPr txBox="1"/>
+                  <p:nvPr/>
+                </p:nvSpPr>
+                <p:spPr>
+                  <a:xfrm>
+                    <a:off x="7845668" y="2259123"/>
+                    <a:ext cx="442685" cy="369332"/>
+                  </a:xfrm>
+                  <a:prstGeom prst="rect">
+                    <a:avLst/>
+                  </a:prstGeom>
+                  <a:noFill/>
+                </p:spPr>
+                <p:txBody>
+                  <a:bodyPr wrap="none" rtlCol="0">
+                    <a:spAutoFit/>
+                  </a:bodyPr>
+                  <a:lstStyle/>
+                  <a:p>
+                    <a:pPr/>
+                    <a14:m>
+                      <m:oMathPara xmlns:m="http://schemas.openxmlformats.org/officeDocument/2006/math">
+                        <m:oMathParaPr>
+                          <m:jc m:val="centerGroup"/>
+                        </m:oMathParaPr>
+                        <m:oMath xmlns:m="http://schemas.openxmlformats.org/officeDocument/2006/math">
+                          <m:sSub>
+                            <m:sSubPr>
+                              <m:ctrlPr>
+                                <a:rPr lang="en-US" altLang="zh-CN" b="0" i="1" smtClean="0">
+                                  <a:latin typeface="Cambria Math" panose="02040503050406030204" pitchFamily="18" charset="0"/>
+                                </a:rPr>
+                              </m:ctrlPr>
+                            </m:sSubPr>
+                            <m:e>
+                              <m:r>
+                                <a:rPr lang="en-US" altLang="zh-CN" i="1" smtClean="0">
+                                  <a:latin typeface="Cambria Math" panose="02040503050406030204" pitchFamily="18" charset="0"/>
+                                </a:rPr>
+                                <m:t>𝑟</m:t>
+                              </m:r>
+                            </m:e>
+                            <m:sub>
+                              <m:r>
+                                <a:rPr lang="en-US" altLang="zh-CN" b="0" i="1" smtClean="0">
+                                  <a:latin typeface="Cambria Math" panose="02040503050406030204" pitchFamily="18" charset="0"/>
+                                </a:rPr>
+                                <m:t>𝐹</m:t>
+                              </m:r>
+                            </m:sub>
+                          </m:sSub>
+                        </m:oMath>
+                      </m:oMathPara>
+                    </a14:m>
+                    <a:endParaRPr lang="en-US" i="1" dirty="0"/>
+                  </a:p>
+                </p:txBody>
+              </p:sp>
+            </mc:Choice>
+            <mc:Fallback xmlns="">
+              <p:sp>
+                <p:nvSpPr>
+                  <p:cNvPr id="43" name="TextBox 42">
+                    <a:extLst>
+                      <a:ext uri="{FF2B5EF4-FFF2-40B4-BE49-F238E27FC236}">
+                        <a16:creationId xmlns:a16="http://schemas.microsoft.com/office/drawing/2014/main" id="{31B7C66E-BCC4-4CA1-A2B2-DEB6A6F962B5}"/>
+                      </a:ext>
+                    </a:extLst>
+                  </p:cNvPr>
+                  <p:cNvSpPr txBox="1">
+                    <a:spLocks noRot="1" noChangeAspect="1" noMove="1" noResize="1" noEditPoints="1" noAdjustHandles="1" noChangeArrowheads="1" noChangeShapeType="1" noTextEdit="1"/>
+                  </p:cNvSpPr>
+                  <p:nvPr/>
+                </p:nvSpPr>
+                <p:spPr>
+                  <a:xfrm>
+                    <a:off x="7845668" y="2259123"/>
+                    <a:ext cx="442685" cy="369332"/>
+                  </a:xfrm>
+                  <a:prstGeom prst="rect">
+                    <a:avLst/>
+                  </a:prstGeom>
+                  <a:blipFill>
+                    <a:blip r:embed="rId6"/>
+                    <a:stretch>
+                      <a:fillRect/>
+                    </a:stretch>
+                  </a:blipFill>
+                </p:spPr>
+                <p:txBody>
+                  <a:bodyPr/>
+                  <a:lstStyle/>
+                  <a:p>
+                    <a:r>
+                      <a:rPr lang="en-US">
+                        <a:noFill/>
+                      </a:rPr>
+                      <a:t> </a:t>
+                    </a:r>
+                  </a:p>
+                </p:txBody>
+              </p:sp>
+            </mc:Fallback>
+          </mc:AlternateContent>
+          <mc:AlternateContent xmlns:mc="http://schemas.openxmlformats.org/markup-compatibility/2006" xmlns:a14="http://schemas.microsoft.com/office/drawing/2010/main">
+            <mc:Choice Requires="a14">
+              <p:sp>
+                <p:nvSpPr>
+                  <p:cNvPr id="63" name="TextBox 62">
+                    <a:extLst>
+                      <a:ext uri="{FF2B5EF4-FFF2-40B4-BE49-F238E27FC236}">
+                        <a16:creationId xmlns:a16="http://schemas.microsoft.com/office/drawing/2014/main" id="{AC25DD07-60B8-4D34-972D-8BCFA4ACF77F}"/>
+                      </a:ext>
+                    </a:extLst>
+                  </p:cNvPr>
+                  <p:cNvSpPr txBox="1"/>
+                  <p:nvPr/>
+                </p:nvSpPr>
+                <p:spPr>
+                  <a:xfrm>
+                    <a:off x="8765343" y="3748087"/>
+                    <a:ext cx="370934" cy="369332"/>
+                  </a:xfrm>
+                  <a:prstGeom prst="rect">
+                    <a:avLst/>
+                  </a:prstGeom>
+                  <a:noFill/>
+                </p:spPr>
+                <p:txBody>
+                  <a:bodyPr wrap="none" rtlCol="0">
+                    <a:spAutoFit/>
+                  </a:bodyPr>
+                  <a:lstStyle/>
+                  <a:p>
+                    <a:pPr/>
+                    <a14:m>
+                      <m:oMathPara xmlns:m="http://schemas.openxmlformats.org/officeDocument/2006/math">
+                        <m:oMathParaPr>
+                          <m:jc m:val="centerGroup"/>
+                        </m:oMathParaPr>
+                        <m:oMath xmlns:m="http://schemas.openxmlformats.org/officeDocument/2006/math">
+                          <m:r>
+                            <a:rPr lang="en-US" altLang="zh-CN" b="0" i="1" smtClean="0">
+                              <a:latin typeface="Cambria Math" panose="02040503050406030204" pitchFamily="18" charset="0"/>
+                            </a:rPr>
+                            <m:t>𝑘</m:t>
+                          </m:r>
+                        </m:oMath>
+                      </m:oMathPara>
+                    </a14:m>
+                    <a:endParaRPr lang="en-US" i="1" dirty="0"/>
+                  </a:p>
+                </p:txBody>
+              </p:sp>
+            </mc:Choice>
+            <mc:Fallback xmlns="">
+              <p:sp>
+                <p:nvSpPr>
+                  <p:cNvPr id="63" name="TextBox 62">
+                    <a:extLst>
+                      <a:ext uri="{FF2B5EF4-FFF2-40B4-BE49-F238E27FC236}">
+                        <a16:creationId xmlns:a16="http://schemas.microsoft.com/office/drawing/2014/main" id="{AC25DD07-60B8-4D34-972D-8BCFA4ACF77F}"/>
+                      </a:ext>
+                    </a:extLst>
+                  </p:cNvPr>
+                  <p:cNvSpPr txBox="1">
+                    <a:spLocks noRot="1" noChangeAspect="1" noMove="1" noResize="1" noEditPoints="1" noAdjustHandles="1" noChangeArrowheads="1" noChangeShapeType="1" noTextEdit="1"/>
+                  </p:cNvSpPr>
+                  <p:nvPr/>
+                </p:nvSpPr>
+                <p:spPr>
+                  <a:xfrm>
+                    <a:off x="8765343" y="3748087"/>
+                    <a:ext cx="370934" cy="369332"/>
+                  </a:xfrm>
+                  <a:prstGeom prst="rect">
+                    <a:avLst/>
+                  </a:prstGeom>
+                  <a:blipFill>
+                    <a:blip r:embed="rId7"/>
+                    <a:stretch>
+                      <a:fillRect/>
+                    </a:stretch>
+                  </a:blipFill>
+                </p:spPr>
+                <p:txBody>
+                  <a:bodyPr/>
+                  <a:lstStyle/>
+                  <a:p>
+                    <a:r>
+                      <a:rPr lang="en-US">
+                        <a:noFill/>
+                      </a:rPr>
+                      <a:t> </a:t>
+                    </a:r>
+                  </a:p>
+                </p:txBody>
+              </p:sp>
+            </mc:Fallback>
+          </mc:AlternateContent>
+          <mc:AlternateContent xmlns:mc="http://schemas.openxmlformats.org/markup-compatibility/2006" xmlns:a14="http://schemas.microsoft.com/office/drawing/2010/main">
+            <mc:Choice Requires="a14">
+              <p:sp>
+                <p:nvSpPr>
+                  <p:cNvPr id="64" name="TextBox 63">
+                    <a:extLst>
+                      <a:ext uri="{FF2B5EF4-FFF2-40B4-BE49-F238E27FC236}">
+                        <a16:creationId xmlns:a16="http://schemas.microsoft.com/office/drawing/2014/main" id="{2FBFA495-7205-4B5B-989E-5F352A7A949E}"/>
+                      </a:ext>
+                    </a:extLst>
+                  </p:cNvPr>
+                  <p:cNvSpPr txBox="1"/>
+                  <p:nvPr/>
+                </p:nvSpPr>
+                <p:spPr>
+                  <a:xfrm>
+                    <a:off x="8306472" y="2230649"/>
+                    <a:ext cx="495712" cy="369332"/>
+                  </a:xfrm>
+                  <a:prstGeom prst="rect">
+                    <a:avLst/>
+                  </a:prstGeom>
+                  <a:noFill/>
+                </p:spPr>
+                <p:txBody>
+                  <a:bodyPr wrap="none" rtlCol="0">
+                    <a:spAutoFit/>
+                  </a:bodyPr>
+                  <a:lstStyle/>
+                  <a:p>
+                    <a:pPr/>
+                    <a14:m>
+                      <m:oMathPara xmlns:m="http://schemas.openxmlformats.org/officeDocument/2006/math">
+                        <m:oMathParaPr>
+                          <m:jc m:val="centerGroup"/>
+                        </m:oMathParaPr>
+                        <m:oMath xmlns:m="http://schemas.openxmlformats.org/officeDocument/2006/math">
+                          <m:sSub>
+                            <m:sSubPr>
+                              <m:ctrlPr>
+                                <a:rPr lang="en-US" altLang="zh-CN" b="0" i="1" smtClean="0">
+                                  <a:latin typeface="Cambria Math" panose="02040503050406030204" pitchFamily="18" charset="0"/>
+                                </a:rPr>
+                              </m:ctrlPr>
+                            </m:sSubPr>
+                            <m:e>
+                              <m:r>
+                                <a:rPr lang="en-US" altLang="zh-CN" b="0" i="1" smtClean="0">
+                                  <a:latin typeface="Cambria Math" panose="02040503050406030204" pitchFamily="18" charset="0"/>
+                                </a:rPr>
+                                <m:t>𝜃</m:t>
+                              </m:r>
+                            </m:e>
+                            <m:sub>
+                              <m:r>
+                                <a:rPr lang="en-US" altLang="zh-CN" b="0" i="1" smtClean="0">
+                                  <a:latin typeface="Cambria Math" panose="02040503050406030204" pitchFamily="18" charset="0"/>
+                                </a:rPr>
+                                <m:t>𝐾</m:t>
+                              </m:r>
+                            </m:sub>
+                          </m:sSub>
+                        </m:oMath>
+                      </m:oMathPara>
+                    </a14:m>
+                    <a:endParaRPr lang="en-US" i="1" dirty="0"/>
+                  </a:p>
+                </p:txBody>
+              </p:sp>
+            </mc:Choice>
+            <mc:Fallback xmlns="">
+              <p:sp>
+                <p:nvSpPr>
+                  <p:cNvPr id="45" name="TextBox 44">
+                    <a:extLst>
+                      <a:ext uri="{FF2B5EF4-FFF2-40B4-BE49-F238E27FC236}">
+                        <a16:creationId xmlns:a16="http://schemas.microsoft.com/office/drawing/2014/main" id="{10794C2D-E334-4092-AE97-7A43EA2CDFEB}"/>
+                      </a:ext>
+                    </a:extLst>
+                  </p:cNvPr>
+                  <p:cNvSpPr txBox="1">
+                    <a:spLocks noRot="1" noChangeAspect="1" noMove="1" noResize="1" noEditPoints="1" noAdjustHandles="1" noChangeArrowheads="1" noChangeShapeType="1" noTextEdit="1"/>
+                  </p:cNvSpPr>
+                  <p:nvPr/>
+                </p:nvSpPr>
+                <p:spPr>
+                  <a:xfrm>
+                    <a:off x="8306472" y="2230649"/>
+                    <a:ext cx="495712" cy="369332"/>
+                  </a:xfrm>
+                  <a:prstGeom prst="rect">
+                    <a:avLst/>
+                  </a:prstGeom>
+                  <a:blipFill>
+                    <a:blip r:embed="rId8"/>
+                    <a:stretch>
+                      <a:fillRect/>
+                    </a:stretch>
+                  </a:blipFill>
+                </p:spPr>
+                <p:txBody>
+                  <a:bodyPr/>
+                  <a:lstStyle/>
+                  <a:p>
+                    <a:r>
+                      <a:rPr lang="en-US">
+                        <a:noFill/>
+                      </a:rPr>
+                      <a:t> </a:t>
+                    </a:r>
+                  </a:p>
+                </p:txBody>
+              </p:sp>
+            </mc:Fallback>
+          </mc:AlternateContent>
+          <mc:AlternateContent xmlns:mc="http://schemas.openxmlformats.org/markup-compatibility/2006" xmlns:a14="http://schemas.microsoft.com/office/drawing/2010/main">
+            <mc:Choice Requires="a14">
+              <p:sp>
+                <p:nvSpPr>
+                  <p:cNvPr id="65" name="TextBox 64">
+                    <a:extLst>
+                      <a:ext uri="{FF2B5EF4-FFF2-40B4-BE49-F238E27FC236}">
+                        <a16:creationId xmlns:a16="http://schemas.microsoft.com/office/drawing/2014/main" id="{89B46E2C-FE77-4A17-9546-D2781CB622C7}"/>
+                      </a:ext>
+                    </a:extLst>
+                  </p:cNvPr>
+                  <p:cNvSpPr txBox="1"/>
+                  <p:nvPr/>
+                </p:nvSpPr>
+                <p:spPr>
+                  <a:xfrm>
+                    <a:off x="8722627" y="3117961"/>
+                    <a:ext cx="475771" cy="369332"/>
+                  </a:xfrm>
+                  <a:prstGeom prst="rect">
+                    <a:avLst/>
+                  </a:prstGeom>
+                  <a:noFill/>
+                </p:spPr>
+                <p:txBody>
+                  <a:bodyPr wrap="none" rtlCol="0">
+                    <a:spAutoFit/>
+                  </a:bodyPr>
+                  <a:lstStyle/>
+                  <a:p>
+                    <a:pPr/>
+                    <a14:m>
+                      <m:oMathPara xmlns:m="http://schemas.openxmlformats.org/officeDocument/2006/math">
+                        <m:oMathParaPr>
+                          <m:jc m:val="centerGroup"/>
+                        </m:oMathParaPr>
+                        <m:oMath xmlns:m="http://schemas.openxmlformats.org/officeDocument/2006/math">
+                          <m:sSub>
+                            <m:sSubPr>
+                              <m:ctrlPr>
+                                <a:rPr lang="en-US" altLang="zh-CN" b="0" i="1" smtClean="0">
+                                  <a:latin typeface="Cambria Math" panose="02040503050406030204" pitchFamily="18" charset="0"/>
+                                </a:rPr>
+                              </m:ctrlPr>
+                            </m:sSubPr>
+                            <m:e>
+                              <m:r>
+                                <a:rPr lang="en-US" altLang="zh-CN" b="0" i="1" smtClean="0">
+                                  <a:latin typeface="Cambria Math" panose="02040503050406030204" pitchFamily="18" charset="0"/>
+                                </a:rPr>
+                                <m:t>𝜀</m:t>
+                              </m:r>
+                            </m:e>
+                            <m:sub>
+                              <m:r>
+                                <a:rPr lang="en-US" altLang="zh-CN" b="0" i="1" smtClean="0">
+                                  <a:latin typeface="Cambria Math" panose="02040503050406030204" pitchFamily="18" charset="0"/>
+                                </a:rPr>
+                                <m:t>𝐾</m:t>
+                              </m:r>
+                            </m:sub>
+                          </m:sSub>
+                        </m:oMath>
+                      </m:oMathPara>
+                    </a14:m>
+                    <a:endParaRPr lang="en-US" i="1" dirty="0"/>
+                  </a:p>
+                </p:txBody>
+              </p:sp>
+            </mc:Choice>
+            <mc:Fallback xmlns="">
+              <p:sp>
+                <p:nvSpPr>
+                  <p:cNvPr id="46" name="TextBox 45">
+                    <a:extLst>
+                      <a:ext uri="{FF2B5EF4-FFF2-40B4-BE49-F238E27FC236}">
+                        <a16:creationId xmlns:a16="http://schemas.microsoft.com/office/drawing/2014/main" id="{A0067ADE-5B0D-4387-A8F7-57BC741C32F2}"/>
+                      </a:ext>
+                    </a:extLst>
+                  </p:cNvPr>
+                  <p:cNvSpPr txBox="1">
+                    <a:spLocks noRot="1" noChangeAspect="1" noMove="1" noResize="1" noEditPoints="1" noAdjustHandles="1" noChangeArrowheads="1" noChangeShapeType="1" noTextEdit="1"/>
+                  </p:cNvSpPr>
+                  <p:nvPr/>
+                </p:nvSpPr>
+                <p:spPr>
+                  <a:xfrm>
+                    <a:off x="8722627" y="3117961"/>
+                    <a:ext cx="475771" cy="369332"/>
+                  </a:xfrm>
+                  <a:prstGeom prst="rect">
+                    <a:avLst/>
+                  </a:prstGeom>
+                  <a:blipFill>
+                    <a:blip r:embed="rId9"/>
+                    <a:stretch>
+                      <a:fillRect/>
+                    </a:stretch>
+                  </a:blipFill>
+                </p:spPr>
+                <p:txBody>
+                  <a:bodyPr/>
+                  <a:lstStyle/>
+                  <a:p>
+                    <a:r>
+                      <a:rPr lang="en-US">
+                        <a:noFill/>
+                      </a:rPr>
+                      <a:t> </a:t>
+                    </a:r>
+                  </a:p>
+                </p:txBody>
+              </p:sp>
+            </mc:Fallback>
+          </mc:AlternateContent>
+          <mc:AlternateContent xmlns:mc="http://schemas.openxmlformats.org/markup-compatibility/2006" xmlns:a14="http://schemas.microsoft.com/office/drawing/2010/main">
+            <mc:Choice Requires="a14">
+              <p:sp>
+                <p:nvSpPr>
+                  <p:cNvPr id="66" name="TextBox 65">
+                    <a:extLst>
+                      <a:ext uri="{FF2B5EF4-FFF2-40B4-BE49-F238E27FC236}">
+                        <a16:creationId xmlns:a16="http://schemas.microsoft.com/office/drawing/2014/main" id="{498CCE04-19CC-423E-8DB1-33D61C728BEB}"/>
+                      </a:ext>
+                    </a:extLst>
+                  </p:cNvPr>
+                  <p:cNvSpPr txBox="1"/>
+                  <p:nvPr/>
+                </p:nvSpPr>
+                <p:spPr>
+                  <a:xfrm>
+                    <a:off x="9371182" y="3563421"/>
+                    <a:ext cx="371384" cy="369332"/>
+                  </a:xfrm>
+                  <a:prstGeom prst="rect">
+                    <a:avLst/>
+                  </a:prstGeom>
+                  <a:noFill/>
+                </p:spPr>
+                <p:txBody>
+                  <a:bodyPr wrap="none" rtlCol="0">
+                    <a:spAutoFit/>
+                  </a:bodyPr>
+                  <a:lstStyle/>
+                  <a:p>
+                    <a:pPr/>
+                    <a14:m>
+                      <m:oMathPara xmlns:m="http://schemas.openxmlformats.org/officeDocument/2006/math">
+                        <m:oMathParaPr>
+                          <m:jc m:val="centerGroup"/>
+                        </m:oMathParaPr>
+                        <m:oMath xmlns:m="http://schemas.openxmlformats.org/officeDocument/2006/math">
+                          <m:r>
+                            <a:rPr lang="en-US" altLang="zh-CN" b="0" i="1" smtClean="0">
+                              <a:latin typeface="Cambria Math" panose="02040503050406030204" pitchFamily="18" charset="0"/>
+                            </a:rPr>
+                            <m:t>𝑦</m:t>
+                          </m:r>
+                        </m:oMath>
+                      </m:oMathPara>
+                    </a14:m>
+                    <a:endParaRPr lang="en-US" i="1" dirty="0"/>
+                  </a:p>
+                </p:txBody>
+              </p:sp>
+            </mc:Choice>
+            <mc:Fallback xmlns="">
+              <p:sp>
+                <p:nvSpPr>
+                  <p:cNvPr id="47" name="TextBox 46">
+                    <a:extLst>
+                      <a:ext uri="{FF2B5EF4-FFF2-40B4-BE49-F238E27FC236}">
+                        <a16:creationId xmlns:a16="http://schemas.microsoft.com/office/drawing/2014/main" id="{9B1FACD0-2FFF-4914-B819-C6F92CB9D35B}"/>
+                      </a:ext>
+                    </a:extLst>
+                  </p:cNvPr>
+                  <p:cNvSpPr txBox="1">
+                    <a:spLocks noRot="1" noChangeAspect="1" noMove="1" noResize="1" noEditPoints="1" noAdjustHandles="1" noChangeArrowheads="1" noChangeShapeType="1" noTextEdit="1"/>
+                  </p:cNvSpPr>
+                  <p:nvPr/>
+                </p:nvSpPr>
+                <p:spPr>
+                  <a:xfrm>
+                    <a:off x="9371182" y="3563421"/>
+                    <a:ext cx="371384" cy="369332"/>
+                  </a:xfrm>
+                  <a:prstGeom prst="rect">
+                    <a:avLst/>
+                  </a:prstGeom>
+                  <a:blipFill>
+                    <a:blip r:embed="rId10"/>
+                    <a:stretch>
+                      <a:fillRect b="-6667"/>
+                    </a:stretch>
+                  </a:blipFill>
+                </p:spPr>
+                <p:txBody>
+                  <a:bodyPr/>
+                  <a:lstStyle/>
+                  <a:p>
+                    <a:r>
+                      <a:rPr lang="en-US">
+                        <a:noFill/>
+                      </a:rPr>
+                      <a:t> </a:t>
+                    </a:r>
+                  </a:p>
+                </p:txBody>
+              </p:sp>
+            </mc:Fallback>
+          </mc:AlternateContent>
+        </p:grpSp>
+      </p:grpSp>
+      <p:pic>
+        <p:nvPicPr>
+          <p:cNvPr id="2" name="Picture 1">
+            <a:extLst>
+              <a:ext uri="{FF2B5EF4-FFF2-40B4-BE49-F238E27FC236}">
+                <a16:creationId xmlns:a16="http://schemas.microsoft.com/office/drawing/2014/main" id="{F60E8112-4689-4339-BEF6-BA59487E75AF}"/>
+              </a:ext>
+            </a:extLst>
+          </p:cNvPr>
+          <p:cNvPicPr>
+            <a:picLocks noChangeAspect="1"/>
+          </p:cNvPicPr>
+          <p:nvPr/>
+        </p:nvPicPr>
+        <p:blipFill>
+          <a:blip r:embed="rId11"/>
+          <a:stretch>
+            <a:fillRect/>
+          </a:stretch>
+        </p:blipFill>
+        <p:spPr>
+          <a:xfrm>
+            <a:off x="4654171" y="1609186"/>
+            <a:ext cx="2883658" cy="3639627"/>
+          </a:xfrm>
+          <a:prstGeom prst="rect">
+            <a:avLst/>
+          </a:prstGeom>
+        </p:spPr>
+      </p:pic>
     </p:spTree>
     <p:extLst>
       <p:ext uri="{BB962C8B-B14F-4D97-AF65-F5344CB8AC3E}">
